--- a/Game_Project/ch1/작업용 PPT3.pptx
+++ b/Game_Project/ch1/작업용 PPT3.pptx
@@ -105,6 +105,11 @@
       </a:defRPr>
     </a:lvl9pPr>
   </p:defaultTextStyle>
+  <p:extLst>
+    <p:ext uri="{EFAFB233-063F-42B5-8137-9DF3F51BA10A}">
+      <p15:sldGuideLst xmlns:p15="http://schemas.microsoft.com/office/powerpoint/2012/main"/>
+    </p:ext>
+  </p:extLst>
 </p:presentation>
 </file>
 
@@ -153,7 +158,6 @@
               <a:rPr lang="ko-KR" altLang="en-US"/>
               <a:t>마스터 제목 스타일 편집</a:t>
             </a:r>
-            <a:endParaRPr lang="ko-KR" altLang="en-US"/>
           </a:p>
         </p:txBody>
       </p:sp>
@@ -218,7 +222,6 @@
               <a:rPr lang="ko-KR" altLang="en-US"/>
               <a:t>클릭하여 마스터 부제목 스타일 편집</a:t>
             </a:r>
-            <a:endParaRPr lang="ko-KR" altLang="en-US"/>
           </a:p>
         </p:txBody>
       </p:sp>
@@ -239,7 +242,7 @@
           <a:p>
             <a:fld id="{AF3604FE-87CC-407B-B7F3-F6CD7B2787AA}" type="datetimeFigureOut">
               <a:rPr lang="ko-KR" altLang="en-US" smtClean="0"/>
-              <a:t>2016-11-15</a:t>
+              <a:t>2016-11-17</a:t>
             </a:fld>
             <a:endParaRPr lang="ko-KR" altLang="en-US"/>
           </a:p>
@@ -336,7 +339,6 @@
               <a:rPr lang="ko-KR" altLang="en-US"/>
               <a:t>마스터 제목 스타일 편집</a:t>
             </a:r>
-            <a:endParaRPr lang="ko-KR" altLang="en-US"/>
           </a:p>
         </p:txBody>
       </p:sp>
@@ -388,7 +390,6 @@
               <a:rPr lang="ko-KR" altLang="en-US"/>
               <a:t>다섯째 수준</a:t>
             </a:r>
-            <a:endParaRPr lang="ko-KR" altLang="en-US"/>
           </a:p>
         </p:txBody>
       </p:sp>
@@ -409,7 +410,7 @@
           <a:p>
             <a:fld id="{AF3604FE-87CC-407B-B7F3-F6CD7B2787AA}" type="datetimeFigureOut">
               <a:rPr lang="ko-KR" altLang="en-US" smtClean="0"/>
-              <a:t>2016-11-15</a:t>
+              <a:t>2016-11-17</a:t>
             </a:fld>
             <a:endParaRPr lang="ko-KR" altLang="en-US"/>
           </a:p>
@@ -511,7 +512,6 @@
               <a:rPr lang="ko-KR" altLang="en-US"/>
               <a:t>마스터 제목 스타일 편집</a:t>
             </a:r>
-            <a:endParaRPr lang="ko-KR" altLang="en-US"/>
           </a:p>
         </p:txBody>
       </p:sp>
@@ -568,7 +568,6 @@
               <a:rPr lang="ko-KR" altLang="en-US"/>
               <a:t>다섯째 수준</a:t>
             </a:r>
-            <a:endParaRPr lang="ko-KR" altLang="en-US"/>
           </a:p>
         </p:txBody>
       </p:sp>
@@ -589,7 +588,7 @@
           <a:p>
             <a:fld id="{AF3604FE-87CC-407B-B7F3-F6CD7B2787AA}" type="datetimeFigureOut">
               <a:rPr lang="ko-KR" altLang="en-US" smtClean="0"/>
-              <a:t>2016-11-15</a:t>
+              <a:t>2016-11-17</a:t>
             </a:fld>
             <a:endParaRPr lang="ko-KR" altLang="en-US"/>
           </a:p>
@@ -686,7 +685,6 @@
               <a:rPr lang="ko-KR" altLang="en-US"/>
               <a:t>마스터 제목 스타일 편집</a:t>
             </a:r>
-            <a:endParaRPr lang="ko-KR" altLang="en-US"/>
           </a:p>
         </p:txBody>
       </p:sp>
@@ -738,7 +736,6 @@
               <a:rPr lang="ko-KR" altLang="en-US"/>
               <a:t>다섯째 수준</a:t>
             </a:r>
-            <a:endParaRPr lang="ko-KR" altLang="en-US"/>
           </a:p>
         </p:txBody>
       </p:sp>
@@ -759,7 +756,7 @@
           <a:p>
             <a:fld id="{AF3604FE-87CC-407B-B7F3-F6CD7B2787AA}" type="datetimeFigureOut">
               <a:rPr lang="ko-KR" altLang="en-US" smtClean="0"/>
-              <a:t>2016-11-15</a:t>
+              <a:t>2016-11-17</a:t>
             </a:fld>
             <a:endParaRPr lang="ko-KR" altLang="en-US"/>
           </a:p>
@@ -865,7 +862,6 @@
               <a:rPr lang="ko-KR" altLang="en-US"/>
               <a:t>마스터 제목 스타일 편집</a:t>
             </a:r>
-            <a:endParaRPr lang="ko-KR" altLang="en-US"/>
           </a:p>
         </p:txBody>
       </p:sp>
@@ -1005,7 +1001,7 @@
           <a:p>
             <a:fld id="{AF3604FE-87CC-407B-B7F3-F6CD7B2787AA}" type="datetimeFigureOut">
               <a:rPr lang="ko-KR" altLang="en-US" smtClean="0"/>
-              <a:t>2016-11-15</a:t>
+              <a:t>2016-11-17</a:t>
             </a:fld>
             <a:endParaRPr lang="ko-KR" altLang="en-US"/>
           </a:p>
@@ -1102,7 +1098,6 @@
               <a:rPr lang="ko-KR" altLang="en-US"/>
               <a:t>마스터 제목 스타일 편집</a:t>
             </a:r>
-            <a:endParaRPr lang="ko-KR" altLang="en-US"/>
           </a:p>
         </p:txBody>
       </p:sp>
@@ -1159,7 +1154,6 @@
               <a:rPr lang="ko-KR" altLang="en-US"/>
               <a:t>다섯째 수준</a:t>
             </a:r>
-            <a:endParaRPr lang="ko-KR" altLang="en-US"/>
           </a:p>
         </p:txBody>
       </p:sp>
@@ -1216,7 +1210,6 @@
               <a:rPr lang="ko-KR" altLang="en-US"/>
               <a:t>다섯째 수준</a:t>
             </a:r>
-            <a:endParaRPr lang="ko-KR" altLang="en-US"/>
           </a:p>
         </p:txBody>
       </p:sp>
@@ -1237,7 +1230,7 @@
           <a:p>
             <a:fld id="{AF3604FE-87CC-407B-B7F3-F6CD7B2787AA}" type="datetimeFigureOut">
               <a:rPr lang="ko-KR" altLang="en-US" smtClean="0"/>
-              <a:t>2016-11-15</a:t>
+              <a:t>2016-11-17</a:t>
             </a:fld>
             <a:endParaRPr lang="ko-KR" altLang="en-US"/>
           </a:p>
@@ -1339,7 +1332,6 @@
               <a:rPr lang="ko-KR" altLang="en-US"/>
               <a:t>마스터 제목 스타일 편집</a:t>
             </a:r>
-            <a:endParaRPr lang="ko-KR" altLang="en-US"/>
           </a:p>
         </p:txBody>
       </p:sp>
@@ -1461,7 +1453,6 @@
               <a:rPr lang="ko-KR" altLang="en-US"/>
               <a:t>다섯째 수준</a:t>
             </a:r>
-            <a:endParaRPr lang="ko-KR" altLang="en-US"/>
           </a:p>
         </p:txBody>
       </p:sp>
@@ -1583,7 +1574,6 @@
               <a:rPr lang="ko-KR" altLang="en-US"/>
               <a:t>다섯째 수준</a:t>
             </a:r>
-            <a:endParaRPr lang="ko-KR" altLang="en-US"/>
           </a:p>
         </p:txBody>
       </p:sp>
@@ -1604,7 +1594,7 @@
           <a:p>
             <a:fld id="{AF3604FE-87CC-407B-B7F3-F6CD7B2787AA}" type="datetimeFigureOut">
               <a:rPr lang="ko-KR" altLang="en-US" smtClean="0"/>
-              <a:t>2016-11-15</a:t>
+              <a:t>2016-11-17</a:t>
             </a:fld>
             <a:endParaRPr lang="ko-KR" altLang="en-US"/>
           </a:p>
@@ -1701,7 +1691,6 @@
               <a:rPr lang="ko-KR" altLang="en-US"/>
               <a:t>마스터 제목 스타일 편집</a:t>
             </a:r>
-            <a:endParaRPr lang="ko-KR" altLang="en-US"/>
           </a:p>
         </p:txBody>
       </p:sp>
@@ -1722,7 +1711,7 @@
           <a:p>
             <a:fld id="{AF3604FE-87CC-407B-B7F3-F6CD7B2787AA}" type="datetimeFigureOut">
               <a:rPr lang="ko-KR" altLang="en-US" smtClean="0"/>
-              <a:t>2016-11-15</a:t>
+              <a:t>2016-11-17</a:t>
             </a:fld>
             <a:endParaRPr lang="ko-KR" altLang="en-US"/>
           </a:p>
@@ -1817,7 +1806,7 @@
           <a:p>
             <a:fld id="{AF3604FE-87CC-407B-B7F3-F6CD7B2787AA}" type="datetimeFigureOut">
               <a:rPr lang="ko-KR" altLang="en-US" smtClean="0"/>
-              <a:t>2016-11-15</a:t>
+              <a:t>2016-11-17</a:t>
             </a:fld>
             <a:endParaRPr lang="ko-KR" altLang="en-US"/>
           </a:p>
@@ -1923,7 +1912,6 @@
               <a:rPr lang="ko-KR" altLang="en-US"/>
               <a:t>마스터 제목 스타일 편집</a:t>
             </a:r>
-            <a:endParaRPr lang="ko-KR" altLang="en-US"/>
           </a:p>
         </p:txBody>
       </p:sp>
@@ -2008,7 +1996,6 @@
               <a:rPr lang="ko-KR" altLang="en-US"/>
               <a:t>다섯째 수준</a:t>
             </a:r>
-            <a:endParaRPr lang="ko-KR" altLang="en-US"/>
           </a:p>
         </p:txBody>
       </p:sp>
@@ -2094,7 +2081,7 @@
           <a:p>
             <a:fld id="{AF3604FE-87CC-407B-B7F3-F6CD7B2787AA}" type="datetimeFigureOut">
               <a:rPr lang="ko-KR" altLang="en-US" smtClean="0"/>
-              <a:t>2016-11-15</a:t>
+              <a:t>2016-11-17</a:t>
             </a:fld>
             <a:endParaRPr lang="ko-KR" altLang="en-US"/>
           </a:p>
@@ -2200,7 +2187,6 @@
               <a:rPr lang="ko-KR" altLang="en-US"/>
               <a:t>마스터 제목 스타일 편집</a:t>
             </a:r>
-            <a:endParaRPr lang="ko-KR" altLang="en-US"/>
           </a:p>
         </p:txBody>
       </p:sp>
@@ -2347,7 +2333,7 @@
           <a:p>
             <a:fld id="{AF3604FE-87CC-407B-B7F3-F6CD7B2787AA}" type="datetimeFigureOut">
               <a:rPr lang="ko-KR" altLang="en-US" smtClean="0"/>
-              <a:t>2016-11-15</a:t>
+              <a:t>2016-11-17</a:t>
             </a:fld>
             <a:endParaRPr lang="ko-KR" altLang="en-US"/>
           </a:p>
@@ -2459,7 +2445,6 @@
               <a:rPr lang="ko-KR" altLang="en-US"/>
               <a:t>마스터 제목 스타일 편집</a:t>
             </a:r>
-            <a:endParaRPr lang="ko-KR" altLang="en-US"/>
           </a:p>
         </p:txBody>
       </p:sp>
@@ -2521,7 +2506,6 @@
               <a:rPr lang="ko-KR" altLang="en-US"/>
               <a:t>다섯째 수준</a:t>
             </a:r>
-            <a:endParaRPr lang="ko-KR" altLang="en-US"/>
           </a:p>
         </p:txBody>
       </p:sp>
@@ -2560,7 +2544,7 @@
           <a:p>
             <a:fld id="{AF3604FE-87CC-407B-B7F3-F6CD7B2787AA}" type="datetimeFigureOut">
               <a:rPr lang="ko-KR" altLang="en-US" smtClean="0"/>
-              <a:t>2016-11-15</a:t>
+              <a:t>2016-11-17</a:t>
             </a:fld>
             <a:endParaRPr lang="ko-KR" altLang="en-US"/>
           </a:p>
@@ -3125,6 +3109,249 @@
           </a:p>
         </p:txBody>
       </p:sp>
+      <p:sp>
+        <p:nvSpPr>
+          <p:cNvPr id="6" name="직사각형 5"/>
+          <p:cNvSpPr/>
+          <p:nvPr/>
+        </p:nvSpPr>
+        <p:spPr>
+          <a:xfrm>
+            <a:off x="7750769" y="0"/>
+            <a:ext cx="3423072" cy="6093976"/>
+          </a:xfrm>
+          <a:prstGeom prst="rect">
+            <a:avLst/>
+          </a:prstGeom>
+          <a:noFill/>
+          <a:effectLst/>
+        </p:spPr>
+        <p:txBody>
+          <a:bodyPr wrap="square" lIns="91440" tIns="45720" rIns="91440" bIns="45720">
+            <a:spAutoFit/>
+          </a:bodyPr>
+          <a:lstStyle/>
+          <a:p>
+            <a:pPr algn="dist">
+              <a:lnSpc>
+                <a:spcPct val="200000"/>
+              </a:lnSpc>
+            </a:pPr>
+            <a:r>
+              <a:rPr lang="en-US" altLang="ko-KR" sz="6500" b="1" dirty="0">
+                <a:ln w="0"/>
+                <a:pattFill prst="pct5">
+                  <a:fgClr>
+                    <a:schemeClr val="bg1"/>
+                  </a:fgClr>
+                  <a:bgClr>
+                    <a:schemeClr val="bg1"/>
+                  </a:bgClr>
+                </a:pattFill>
+                <a:effectLst>
+                  <a:glow rad="228600">
+                    <a:schemeClr val="tx1">
+                      <a:lumMod val="95000"/>
+                      <a:lumOff val="5000"/>
+                      <a:alpha val="39000"/>
+                    </a:schemeClr>
+                  </a:glow>
+                  <a:outerShdw blurRad="38100" dist="19050" dir="2700000" algn="tl" rotWithShape="0">
+                    <a:schemeClr val="dk1">
+                      <a:alpha val="40000"/>
+                    </a:schemeClr>
+                  </a:outerShdw>
+                </a:effectLst>
+                <a:latin typeface="Algerian" panose="04020705040A02060702" pitchFamily="82" charset="0"/>
+              </a:rPr>
+              <a:t>TIME</a:t>
+            </a:r>
+          </a:p>
+          <a:p>
+            <a:pPr algn="dist">
+              <a:lnSpc>
+                <a:spcPct val="200000"/>
+              </a:lnSpc>
+            </a:pPr>
+            <a:r>
+              <a:rPr lang="en-US" altLang="ko-KR" sz="6500" b="1" dirty="0">
+                <a:ln w="0"/>
+                <a:pattFill prst="pct5">
+                  <a:fgClr>
+                    <a:schemeClr val="bg1"/>
+                  </a:fgClr>
+                  <a:bgClr>
+                    <a:schemeClr val="bg1"/>
+                  </a:bgClr>
+                </a:pattFill>
+                <a:effectLst>
+                  <a:glow rad="228600">
+                    <a:schemeClr val="tx1">
+                      <a:lumMod val="95000"/>
+                      <a:lumOff val="5000"/>
+                      <a:alpha val="39000"/>
+                    </a:schemeClr>
+                  </a:glow>
+                  <a:outerShdw blurRad="38100" dist="19050" dir="2700000" algn="tl" rotWithShape="0">
+                    <a:schemeClr val="dk1">
+                      <a:alpha val="40000"/>
+                    </a:schemeClr>
+                  </a:outerShdw>
+                </a:effectLst>
+                <a:latin typeface="Algerian" panose="04020705040A02060702" pitchFamily="82" charset="0"/>
+              </a:rPr>
+              <a:t>LIFE</a:t>
+            </a:r>
+          </a:p>
+          <a:p>
+            <a:pPr algn="dist">
+              <a:lnSpc>
+                <a:spcPct val="200000"/>
+              </a:lnSpc>
+            </a:pPr>
+            <a:r>
+              <a:rPr lang="en-US" altLang="ko-KR" sz="6500" b="1" dirty="0">
+                <a:ln w="0"/>
+                <a:pattFill prst="pct5">
+                  <a:fgClr>
+                    <a:schemeClr val="bg1"/>
+                  </a:fgClr>
+                  <a:bgClr>
+                    <a:schemeClr val="bg1"/>
+                  </a:bgClr>
+                </a:pattFill>
+                <a:effectLst>
+                  <a:glow rad="228600">
+                    <a:schemeClr val="tx1">
+                      <a:lumMod val="95000"/>
+                      <a:lumOff val="5000"/>
+                      <a:alpha val="39000"/>
+                    </a:schemeClr>
+                  </a:glow>
+                  <a:outerShdw blurRad="38100" dist="19050" dir="2700000" algn="tl" rotWithShape="0">
+                    <a:schemeClr val="dk1">
+                      <a:alpha val="40000"/>
+                    </a:schemeClr>
+                  </a:outerShdw>
+                </a:effectLst>
+                <a:latin typeface="Algerian" panose="04020705040A02060702" pitchFamily="82" charset="0"/>
+              </a:rPr>
+              <a:t>POINT</a:t>
+            </a:r>
+            <a:endParaRPr lang="en-US" altLang="ko-KR" sz="6500" b="1" cap="none" spc="0" dirty="0">
+              <a:ln w="0"/>
+              <a:pattFill prst="pct5">
+                <a:fgClr>
+                  <a:schemeClr val="bg1"/>
+                </a:fgClr>
+                <a:bgClr>
+                  <a:schemeClr val="bg1"/>
+                </a:bgClr>
+              </a:pattFill>
+              <a:effectLst>
+                <a:glow rad="228600">
+                  <a:schemeClr val="tx1">
+                    <a:lumMod val="95000"/>
+                    <a:lumOff val="5000"/>
+                    <a:alpha val="39000"/>
+                  </a:schemeClr>
+                </a:glow>
+                <a:outerShdw blurRad="38100" dist="19050" dir="2700000" algn="tl" rotWithShape="0">
+                  <a:schemeClr val="dk1">
+                    <a:alpha val="40000"/>
+                  </a:schemeClr>
+                </a:outerShdw>
+              </a:effectLst>
+              <a:latin typeface="Algerian" panose="04020705040A02060702" pitchFamily="82" charset="0"/>
+            </a:endParaRPr>
+          </a:p>
+        </p:txBody>
+      </p:sp>
+      <p:pic>
+        <p:nvPicPr>
+          <p:cNvPr id="2" name="그림 1"/>
+          <p:cNvPicPr>
+            <a:picLocks noChangeAspect="1"/>
+          </p:cNvPicPr>
+          <p:nvPr/>
+        </p:nvPicPr>
+        <p:blipFill>
+          <a:blip r:embed="rId3">
+            <a:extLst>
+              <a:ext uri="{28A0092B-C50C-407E-A947-70E740481C1C}">
+                <a14:useLocalDpi xmlns:a14="http://schemas.microsoft.com/office/drawing/2010/main" val="0"/>
+              </a:ext>
+            </a:extLst>
+          </a:blip>
+          <a:stretch>
+            <a:fillRect/>
+          </a:stretch>
+        </p:blipFill>
+        <p:spPr>
+          <a:xfrm>
+            <a:off x="1643892" y="-382012"/>
+            <a:ext cx="3854196" cy="6858000"/>
+          </a:xfrm>
+          <a:prstGeom prst="rect">
+            <a:avLst/>
+          </a:prstGeom>
+        </p:spPr>
+      </p:pic>
+      <p:pic>
+        <p:nvPicPr>
+          <p:cNvPr id="9" name="그림 8"/>
+          <p:cNvPicPr>
+            <a:picLocks noChangeAspect="1"/>
+          </p:cNvPicPr>
+          <p:nvPr/>
+        </p:nvPicPr>
+        <p:blipFill>
+          <a:blip r:embed="rId4">
+            <a:extLst>
+              <a:ext uri="{BEBA8EAE-BF5A-486C-A8C5-ECC9F3942E4B}">
+                <a14:imgProps xmlns:a14="http://schemas.microsoft.com/office/drawing/2010/main">
+                  <a14:imgLayer r:embed="rId5">
+                    <a14:imgEffect>
+                      <a14:backgroundRemoval t="3333" b="100000" l="1124" r="100000">
+                        <a14:foregroundMark x1="22472" y1="21667" x2="22472" y2="21667"/>
+                        <a14:foregroundMark x1="39326" y1="20833" x2="39326" y2="20833"/>
+                        <a14:foregroundMark x1="57303" y1="17500" x2="57303" y2="17500"/>
+                        <a14:foregroundMark x1="75281" y1="19167" x2="75281" y2="19167"/>
+                        <a14:foregroundMark x1="19101" y1="55000" x2="19101" y2="55000"/>
+                        <a14:foregroundMark x1="40449" y1="53333" x2="40449" y2="53333"/>
+                        <a14:foregroundMark x1="59551" y1="47500" x2="59551" y2="47500"/>
+                        <a14:foregroundMark x1="78652" y1="50833" x2="78652" y2="50833"/>
+                        <a14:foregroundMark x1="20225" y1="84167" x2="20225" y2="84167"/>
+                        <a14:foregroundMark x1="40449" y1="80833" x2="40449" y2="80833"/>
+                        <a14:foregroundMark x1="51685" y1="82500" x2="51685" y2="82500"/>
+                        <a14:foregroundMark x1="66292" y1="84167" x2="66292" y2="84167"/>
+                        <a14:foregroundMark x1="79775" y1="80833" x2="79775" y2="80833"/>
+                        <a14:backgroundMark x1="12360" y1="32500" x2="95506" y2="40833"/>
+                        <a14:backgroundMark x1="11236" y1="65000" x2="88764" y2="67500"/>
+                      </a14:backgroundRemoval>
+                    </a14:imgEffect>
+                  </a14:imgLayer>
+                </a14:imgProps>
+              </a:ext>
+              <a:ext uri="{28A0092B-C50C-407E-A947-70E740481C1C}">
+                <a14:useLocalDpi xmlns:a14="http://schemas.microsoft.com/office/drawing/2010/main" val="0"/>
+              </a:ext>
+            </a:extLst>
+          </a:blip>
+          <a:stretch>
+            <a:fillRect/>
+          </a:stretch>
+        </p:blipFill>
+        <p:spPr>
+          <a:xfrm>
+            <a:off x="6506783" y="2857570"/>
+            <a:ext cx="847619" cy="1142857"/>
+          </a:xfrm>
+          <a:prstGeom prst="rect">
+            <a:avLst/>
+          </a:prstGeom>
+        </p:spPr>
+      </p:pic>
     </p:spTree>
     <p:extLst>
       <p:ext uri="{BB962C8B-B14F-4D97-AF65-F5344CB8AC3E}">
@@ -3157,7 +3384,7 @@
       </p:grpSpPr>
       <p:pic>
         <p:nvPicPr>
-          <p:cNvPr id="4" name="그림 3"/>
+          <p:cNvPr id="5" name="그림 4"/>
           <p:cNvPicPr>
             <a:picLocks noChangeAspect="1"/>
           </p:cNvPicPr>
@@ -3169,6 +3396,451 @@
               <a:ext uri="{BEBA8EAE-BF5A-486C-A8C5-ECC9F3942E4B}">
                 <a14:imgProps xmlns:a14="http://schemas.microsoft.com/office/drawing/2010/main">
                   <a14:imgLayer r:embed="rId3">
+                    <a14:imgEffect>
+                      <a14:backgroundRemoval t="0" b="100000" l="0" r="100000">
+                        <a14:foregroundMark x1="72083" y1="24277" x2="72083" y2="24277"/>
+                        <a14:foregroundMark x1="50417" y1="25434" x2="50417" y2="25434"/>
+                        <a14:foregroundMark x1="31250" y1="21965" x2="31250" y2="21965"/>
+                        <a14:foregroundMark x1="33333" y1="18497" x2="33333" y2="18497"/>
+                        <a14:foregroundMark x1="35000" y1="12717" x2="35000" y2="12717"/>
+                        <a14:foregroundMark x1="11250" y1="76879" x2="11250" y2="76879"/>
+                        <a14:foregroundMark x1="14583" y1="61850" x2="14583" y2="61850"/>
+                        <a14:foregroundMark x1="10833" y1="67630" x2="10833" y2="67630"/>
+                        <a14:foregroundMark x1="30833" y1="73410" x2="30833" y2="73410"/>
+                        <a14:foregroundMark x1="34167" y1="65318" x2="34167" y2="65318"/>
+                        <a14:foregroundMark x1="52500" y1="71098" x2="52500" y2="71098"/>
+                        <a14:foregroundMark x1="49583" y1="81503" x2="49583" y2="81503"/>
+                        <a14:foregroundMark x1="50000" y1="74566" x2="50000" y2="74566"/>
+                        <a14:foregroundMark x1="52917" y1="71098" x2="52917" y2="71098"/>
+                        <a14:foregroundMark x1="72500" y1="69942" x2="72500" y2="69942"/>
+                      </a14:backgroundRemoval>
+                    </a14:imgEffect>
+                  </a14:imgLayer>
+                </a14:imgProps>
+              </a:ext>
+            </a:extLst>
+          </a:blip>
+          <a:stretch>
+            <a:fillRect/>
+          </a:stretch>
+        </p:blipFill>
+        <p:spPr>
+          <a:xfrm>
+            <a:off x="1829085" y="837350"/>
+            <a:ext cx="4571429" cy="1647619"/>
+          </a:xfrm>
+          <a:prstGeom prst="rect">
+            <a:avLst/>
+          </a:prstGeom>
+        </p:spPr>
+      </p:pic>
+      <p:sp>
+        <p:nvSpPr>
+          <p:cNvPr id="6" name="직사각형 5"/>
+          <p:cNvSpPr/>
+          <p:nvPr/>
+        </p:nvSpPr>
+        <p:spPr>
+          <a:xfrm>
+            <a:off x="7345394" y="0"/>
+            <a:ext cx="3423072" cy="6093976"/>
+          </a:xfrm>
+          <a:prstGeom prst="rect">
+            <a:avLst/>
+          </a:prstGeom>
+          <a:noFill/>
+          <a:effectLst/>
+        </p:spPr>
+        <p:txBody>
+          <a:bodyPr wrap="square" lIns="91440" tIns="45720" rIns="91440" bIns="45720">
+            <a:spAutoFit/>
+          </a:bodyPr>
+          <a:lstStyle/>
+          <a:p>
+            <a:pPr algn="dist">
+              <a:lnSpc>
+                <a:spcPct val="200000"/>
+              </a:lnSpc>
+            </a:pPr>
+            <a:r>
+              <a:rPr lang="en-US" altLang="ko-KR" sz="6500" b="1" dirty="0">
+                <a:ln w="0"/>
+                <a:pattFill prst="lgCheck">
+                  <a:fgClr>
+                    <a:schemeClr val="bg1"/>
+                  </a:fgClr>
+                  <a:bgClr>
+                    <a:schemeClr val="tx1">
+                      <a:lumMod val="65000"/>
+                      <a:lumOff val="35000"/>
+                    </a:schemeClr>
+                  </a:bgClr>
+                </a:pattFill>
+                <a:effectLst>
+                  <a:outerShdw blurRad="38100" dist="19050" dir="2700000" algn="tl" rotWithShape="0">
+                    <a:schemeClr val="dk1">
+                      <a:alpha val="40000"/>
+                    </a:schemeClr>
+                  </a:outerShdw>
+                </a:effectLst>
+                <a:latin typeface="Algerian" panose="04020705040A02060702" pitchFamily="82" charset="0"/>
+              </a:rPr>
+              <a:t>TIME</a:t>
+            </a:r>
+          </a:p>
+          <a:p>
+            <a:pPr algn="dist">
+              <a:lnSpc>
+                <a:spcPct val="200000"/>
+              </a:lnSpc>
+            </a:pPr>
+            <a:r>
+              <a:rPr lang="en-US" altLang="ko-KR" sz="6500" b="1" dirty="0">
+                <a:ln w="0"/>
+                <a:pattFill prst="lgCheck">
+                  <a:fgClr>
+                    <a:schemeClr val="bg1"/>
+                  </a:fgClr>
+                  <a:bgClr>
+                    <a:schemeClr val="tx1">
+                      <a:lumMod val="65000"/>
+                      <a:lumOff val="35000"/>
+                    </a:schemeClr>
+                  </a:bgClr>
+                </a:pattFill>
+                <a:effectLst>
+                  <a:outerShdw blurRad="38100" dist="19050" dir="2700000" algn="tl" rotWithShape="0">
+                    <a:schemeClr val="dk1">
+                      <a:alpha val="40000"/>
+                    </a:schemeClr>
+                  </a:outerShdw>
+                </a:effectLst>
+                <a:latin typeface="Algerian" panose="04020705040A02060702" pitchFamily="82" charset="0"/>
+              </a:rPr>
+              <a:t>LIFE</a:t>
+            </a:r>
+          </a:p>
+          <a:p>
+            <a:pPr algn="dist">
+              <a:lnSpc>
+                <a:spcPct val="200000"/>
+              </a:lnSpc>
+            </a:pPr>
+            <a:r>
+              <a:rPr lang="en-US" altLang="ko-KR" sz="6500" b="1" dirty="0">
+                <a:ln w="0"/>
+                <a:pattFill prst="lgCheck">
+                  <a:fgClr>
+                    <a:schemeClr val="bg1"/>
+                  </a:fgClr>
+                  <a:bgClr>
+                    <a:schemeClr val="tx1">
+                      <a:lumMod val="65000"/>
+                      <a:lumOff val="35000"/>
+                    </a:schemeClr>
+                  </a:bgClr>
+                </a:pattFill>
+                <a:effectLst>
+                  <a:outerShdw blurRad="38100" dist="19050" dir="2700000" algn="tl" rotWithShape="0">
+                    <a:schemeClr val="dk1">
+                      <a:alpha val="40000"/>
+                    </a:schemeClr>
+                  </a:outerShdw>
+                </a:effectLst>
+                <a:latin typeface="Algerian" panose="04020705040A02060702" pitchFamily="82" charset="0"/>
+              </a:rPr>
+              <a:t>POINT</a:t>
+            </a:r>
+            <a:endParaRPr lang="en-US" altLang="ko-KR" sz="6500" b="1" cap="none" spc="0" dirty="0">
+              <a:ln w="0"/>
+              <a:pattFill prst="lgCheck">
+                <a:fgClr>
+                  <a:schemeClr val="bg1"/>
+                </a:fgClr>
+                <a:bgClr>
+                  <a:schemeClr val="tx1">
+                    <a:lumMod val="65000"/>
+                    <a:lumOff val="35000"/>
+                  </a:schemeClr>
+                </a:bgClr>
+              </a:pattFill>
+              <a:effectLst>
+                <a:outerShdw blurRad="38100" dist="19050" dir="2700000" algn="tl" rotWithShape="0">
+                  <a:schemeClr val="dk1">
+                    <a:alpha val="40000"/>
+                  </a:schemeClr>
+                </a:outerShdw>
+              </a:effectLst>
+              <a:latin typeface="Algerian" panose="04020705040A02060702" pitchFamily="82" charset="0"/>
+            </a:endParaRPr>
+          </a:p>
+        </p:txBody>
+      </p:sp>
+      <p:pic>
+        <p:nvPicPr>
+          <p:cNvPr id="7" name="그림 6"/>
+          <p:cNvPicPr>
+            <a:picLocks noChangeAspect="1"/>
+          </p:cNvPicPr>
+          <p:nvPr/>
+        </p:nvPicPr>
+        <p:blipFill>
+          <a:blip r:embed="rId4">
+            <a:extLst>
+              <a:ext uri="{BEBA8EAE-BF5A-486C-A8C5-ECC9F3942E4B}">
+                <a14:imgProps xmlns:a14="http://schemas.microsoft.com/office/drawing/2010/main">
+                  <a14:imgLayer r:embed="rId5">
+                    <a14:imgEffect>
+                      <a14:backgroundRemoval t="0" b="100000" l="0" r="100000">
+                        <a14:foregroundMark x1="59551" y1="55455" x2="59551" y2="55455"/>
+                        <a14:foregroundMark x1="33708" y1="20909" x2="33708" y2="20909"/>
+                        <a14:foregroundMark x1="8989" y1="19091" x2="8989" y2="19091"/>
+                        <a14:foregroundMark x1="57303" y1="20909" x2="57303" y2="20909"/>
+                        <a14:foregroundMark x1="91011" y1="20909" x2="91011" y2="20909"/>
+                        <a14:foregroundMark x1="84270" y1="55455" x2="84270" y2="55455"/>
+                        <a14:foregroundMark x1="35955" y1="54545" x2="35955" y2="54545"/>
+                        <a14:foregroundMark x1="5618" y1="57273" x2="5618" y2="57273"/>
+                        <a14:foregroundMark x1="6742" y1="86364" x2="6742" y2="86364"/>
+                        <a14:foregroundMark x1="35955" y1="86364" x2="35955" y2="86364"/>
+                        <a14:foregroundMark x1="51685" y1="87273" x2="51685" y2="87273"/>
+                        <a14:foregroundMark x1="65169" y1="88182" x2="65169" y2="88182"/>
+                        <a14:foregroundMark x1="92135" y1="87273" x2="92135" y2="87273"/>
+                      </a14:backgroundRemoval>
+                    </a14:imgEffect>
+                  </a14:imgLayer>
+                </a14:imgProps>
+              </a:ext>
+              <a:ext uri="{28A0092B-C50C-407E-A947-70E740481C1C}">
+                <a14:useLocalDpi xmlns:a14="http://schemas.microsoft.com/office/drawing/2010/main" val="0"/>
+              </a:ext>
+            </a:extLst>
+          </a:blip>
+          <a:stretch>
+            <a:fillRect/>
+          </a:stretch>
+        </p:blipFill>
+        <p:spPr>
+          <a:xfrm>
+            <a:off x="5483488" y="3111630"/>
+            <a:ext cx="847619" cy="1047619"/>
+          </a:xfrm>
+          <a:prstGeom prst="rect">
+            <a:avLst/>
+          </a:prstGeom>
+        </p:spPr>
+      </p:pic>
+      <p:pic>
+        <p:nvPicPr>
+          <p:cNvPr id="8" name="그림 7"/>
+          <p:cNvPicPr>
+            <a:picLocks noChangeAspect="1"/>
+          </p:cNvPicPr>
+          <p:nvPr/>
+        </p:nvPicPr>
+        <p:blipFill>
+          <a:blip r:embed="rId6">
+            <a:extLst>
+              <a:ext uri="{BEBA8EAE-BF5A-486C-A8C5-ECC9F3942E4B}">
+                <a14:imgProps xmlns:a14="http://schemas.microsoft.com/office/drawing/2010/main">
+                  <a14:imgLayer r:embed="rId7">
+                    <a14:imgEffect>
+                      <a14:backgroundRemoval t="0" b="100000" l="0" r="100000">
+                        <a14:foregroundMark x1="11236" y1="19167" x2="11236" y2="19167"/>
+                      </a14:backgroundRemoval>
+                    </a14:imgEffect>
+                  </a14:imgLayer>
+                </a14:imgProps>
+              </a:ext>
+              <a:ext uri="{28A0092B-C50C-407E-A947-70E740481C1C}">
+                <a14:useLocalDpi xmlns:a14="http://schemas.microsoft.com/office/drawing/2010/main" val="0"/>
+              </a:ext>
+            </a:extLst>
+          </a:blip>
+          <a:stretch>
+            <a:fillRect/>
+          </a:stretch>
+        </p:blipFill>
+        <p:spPr>
+          <a:xfrm>
+            <a:off x="4128725" y="3064010"/>
+            <a:ext cx="847619" cy="1142857"/>
+          </a:xfrm>
+          <a:prstGeom prst="rect">
+            <a:avLst/>
+          </a:prstGeom>
+          <a:solidFill>
+            <a:schemeClr val="bg1"/>
+          </a:solidFill>
+        </p:spPr>
+      </p:pic>
+      <p:sp>
+        <p:nvSpPr>
+          <p:cNvPr id="9" name="직사각형 8"/>
+          <p:cNvSpPr/>
+          <p:nvPr/>
+        </p:nvSpPr>
+        <p:spPr>
+          <a:xfrm>
+            <a:off x="547081" y="501805"/>
+            <a:ext cx="3423072" cy="6093976"/>
+          </a:xfrm>
+          <a:prstGeom prst="rect">
+            <a:avLst/>
+          </a:prstGeom>
+          <a:noFill/>
+          <a:effectLst/>
+        </p:spPr>
+        <p:txBody>
+          <a:bodyPr wrap="square" lIns="91440" tIns="45720" rIns="91440" bIns="45720">
+            <a:spAutoFit/>
+          </a:bodyPr>
+          <a:lstStyle/>
+          <a:p>
+            <a:pPr algn="dist">
+              <a:lnSpc>
+                <a:spcPct val="200000"/>
+              </a:lnSpc>
+            </a:pPr>
+            <a:r>
+              <a:rPr lang="en-US" altLang="ko-KR" sz="6500" b="1" dirty="0">
+                <a:ln w="0"/>
+                <a:pattFill prst="pct5">
+                  <a:fgClr>
+                    <a:schemeClr val="bg1"/>
+                  </a:fgClr>
+                  <a:bgClr>
+                    <a:schemeClr val="bg1"/>
+                  </a:bgClr>
+                </a:pattFill>
+                <a:effectLst>
+                  <a:glow rad="838200">
+                    <a:schemeClr val="tx1">
+                      <a:lumMod val="95000"/>
+                      <a:lumOff val="5000"/>
+                    </a:schemeClr>
+                  </a:glow>
+                  <a:outerShdw blurRad="38100" dist="19050" dir="2700000" algn="tl" rotWithShape="0">
+                    <a:schemeClr val="dk1">
+                      <a:alpha val="40000"/>
+                    </a:schemeClr>
+                  </a:outerShdw>
+                </a:effectLst>
+                <a:latin typeface="Algerian" panose="04020705040A02060702" pitchFamily="82" charset="0"/>
+              </a:rPr>
+              <a:t>TIME</a:t>
+            </a:r>
+          </a:p>
+          <a:p>
+            <a:pPr algn="dist">
+              <a:lnSpc>
+                <a:spcPct val="200000"/>
+              </a:lnSpc>
+            </a:pPr>
+            <a:r>
+              <a:rPr lang="en-US" altLang="ko-KR" sz="6500" b="1" dirty="0">
+                <a:ln w="0"/>
+                <a:pattFill prst="pct5">
+                  <a:fgClr>
+                    <a:schemeClr val="bg1"/>
+                  </a:fgClr>
+                  <a:bgClr>
+                    <a:schemeClr val="bg1"/>
+                  </a:bgClr>
+                </a:pattFill>
+                <a:effectLst>
+                  <a:glow rad="838200">
+                    <a:schemeClr val="tx1">
+                      <a:lumMod val="95000"/>
+                      <a:lumOff val="5000"/>
+                    </a:schemeClr>
+                  </a:glow>
+                  <a:outerShdw blurRad="38100" dist="19050" dir="2700000" algn="tl" rotWithShape="0">
+                    <a:schemeClr val="dk1">
+                      <a:alpha val="40000"/>
+                    </a:schemeClr>
+                  </a:outerShdw>
+                </a:effectLst>
+                <a:latin typeface="Algerian" panose="04020705040A02060702" pitchFamily="82" charset="0"/>
+              </a:rPr>
+              <a:t>LIFE</a:t>
+            </a:r>
+          </a:p>
+          <a:p>
+            <a:pPr algn="dist">
+              <a:lnSpc>
+                <a:spcPct val="200000"/>
+              </a:lnSpc>
+            </a:pPr>
+            <a:r>
+              <a:rPr lang="en-US" altLang="ko-KR" sz="6500" b="1" dirty="0">
+                <a:ln w="0"/>
+                <a:pattFill prst="pct5">
+                  <a:fgClr>
+                    <a:schemeClr val="bg1"/>
+                  </a:fgClr>
+                  <a:bgClr>
+                    <a:schemeClr val="bg1"/>
+                  </a:bgClr>
+                </a:pattFill>
+                <a:effectLst>
+                  <a:glow rad="838200">
+                    <a:schemeClr val="tx1">
+                      <a:lumMod val="95000"/>
+                      <a:lumOff val="5000"/>
+                    </a:schemeClr>
+                  </a:glow>
+                  <a:outerShdw blurRad="38100" dist="19050" dir="2700000" algn="tl" rotWithShape="0">
+                    <a:schemeClr val="dk1">
+                      <a:alpha val="40000"/>
+                    </a:schemeClr>
+                  </a:outerShdw>
+                </a:effectLst>
+                <a:latin typeface="Algerian" panose="04020705040A02060702" pitchFamily="82" charset="0"/>
+              </a:rPr>
+              <a:t>POINT</a:t>
+            </a:r>
+            <a:endParaRPr lang="en-US" altLang="ko-KR" sz="6500" b="1" cap="none" spc="0" dirty="0">
+              <a:ln w="0"/>
+              <a:pattFill prst="pct5">
+                <a:fgClr>
+                  <a:schemeClr val="bg1"/>
+                </a:fgClr>
+                <a:bgClr>
+                  <a:schemeClr val="bg1"/>
+                </a:bgClr>
+              </a:pattFill>
+              <a:effectLst>
+                <a:glow rad="838200">
+                  <a:schemeClr val="tx1">
+                    <a:lumMod val="95000"/>
+                    <a:lumOff val="5000"/>
+                  </a:schemeClr>
+                </a:glow>
+                <a:outerShdw blurRad="38100" dist="19050" dir="2700000" algn="tl" rotWithShape="0">
+                  <a:schemeClr val="dk1">
+                    <a:alpha val="40000"/>
+                  </a:schemeClr>
+                </a:outerShdw>
+              </a:effectLst>
+              <a:latin typeface="Algerian" panose="04020705040A02060702" pitchFamily="82" charset="0"/>
+            </a:endParaRPr>
+          </a:p>
+        </p:txBody>
+      </p:sp>
+      <p:pic>
+        <p:nvPicPr>
+          <p:cNvPr id="10" name="그림 9"/>
+          <p:cNvPicPr>
+            <a:picLocks noChangeAspect="1"/>
+          </p:cNvPicPr>
+          <p:nvPr/>
+        </p:nvPicPr>
+        <p:blipFill>
+          <a:blip r:embed="rId8">
+            <a:extLst>
+              <a:ext uri="{BEBA8EAE-BF5A-486C-A8C5-ECC9F3942E4B}">
+                <a14:imgProps xmlns:a14="http://schemas.microsoft.com/office/drawing/2010/main">
+                  <a14:imgLayer r:embed="rId9">
                     <a14:imgEffect>
                       <a14:backgroundRemoval t="0" b="100000" l="0" r="100000"/>
                     </a14:imgEffect>
@@ -3186,8 +3858,67 @@
         </p:blipFill>
         <p:spPr>
           <a:xfrm>
-            <a:off x="2387122" y="981994"/>
-            <a:ext cx="4532189" cy="4532189"/>
+            <a:off x="5566822" y="4665212"/>
+            <a:ext cx="847619" cy="1142857"/>
+          </a:xfrm>
+          <a:prstGeom prst="rect">
+            <a:avLst/>
+          </a:prstGeom>
+        </p:spPr>
+      </p:pic>
+      <p:pic>
+        <p:nvPicPr>
+          <p:cNvPr id="11" name="그림 10"/>
+          <p:cNvPicPr>
+            <a:picLocks noChangeAspect="1"/>
+          </p:cNvPicPr>
+          <p:nvPr/>
+        </p:nvPicPr>
+        <p:blipFill>
+          <a:blip r:embed="rId10">
+            <a:extLst>
+              <a:ext uri="{BEBA8EAE-BF5A-486C-A8C5-ECC9F3942E4B}">
+                <a14:imgProps xmlns:a14="http://schemas.microsoft.com/office/drawing/2010/main">
+                  <a14:imgLayer r:embed="rId9">
+                    <a14:imgEffect>
+                      <a14:backgroundRemoval t="3333" b="100000" l="1124" r="100000">
+                        <a14:foregroundMark x1="22472" y1="21667" x2="22472" y2="21667"/>
+                        <a14:foregroundMark x1="39326" y1="20833" x2="39326" y2="20833"/>
+                        <a14:foregroundMark x1="57303" y1="17500" x2="57303" y2="17500"/>
+                        <a14:foregroundMark x1="75281" y1="19167" x2="75281" y2="19167"/>
+                        <a14:foregroundMark x1="19101" y1="55000" x2="19101" y2="55000"/>
+                        <a14:foregroundMark x1="40449" y1="53333" x2="40449" y2="53333"/>
+                        <a14:foregroundMark x1="59551" y1="47500" x2="59551" y2="47500"/>
+                        <a14:foregroundMark x1="78652" y1="50833" x2="78652" y2="50833"/>
+                        <a14:foregroundMark x1="20225" y1="84167" x2="20225" y2="84167"/>
+                        <a14:foregroundMark x1="40449" y1="80833" x2="40449" y2="80833"/>
+                        <a14:foregroundMark x1="51685" y1="82500" x2="51685" y2="82500"/>
+                        <a14:foregroundMark x1="66292" y1="84167" x2="66292" y2="84167"/>
+                        <a14:foregroundMark x1="79775" y1="80833" x2="79775" y2="80833"/>
+                        <a14:backgroundMark x1="12360" y1="32500" x2="95506" y2="40833"/>
+                        <a14:backgroundMark x1="11236" y1="65000" x2="88764" y2="67500"/>
+                        <a14:backgroundMark x1="29213" y1="43333" x2="29213" y2="43333"/>
+                        <a14:backgroundMark x1="47191" y1="43333" x2="47191" y2="43333"/>
+                        <a14:backgroundMark x1="67416" y1="42500" x2="67416" y2="42500"/>
+                        <a14:backgroundMark x1="66292" y1="60833" x2="66292" y2="60833"/>
+                      </a14:backgroundRemoval>
+                    </a14:imgEffect>
+                  </a14:imgLayer>
+                </a14:imgProps>
+              </a:ext>
+              <a:ext uri="{28A0092B-C50C-407E-A947-70E740481C1C}">
+                <a14:useLocalDpi xmlns:a14="http://schemas.microsoft.com/office/drawing/2010/main" val="0"/>
+              </a:ext>
+            </a:extLst>
+          </a:blip>
+          <a:stretch>
+            <a:fillRect/>
+          </a:stretch>
+        </p:blipFill>
+        <p:spPr>
+          <a:xfrm>
+            <a:off x="6506783" y="2857570"/>
+            <a:ext cx="847619" cy="1142857"/>
           </a:xfrm>
           <a:prstGeom prst="rect">
             <a:avLst/>

--- a/Game_Project/ch1/작업용 PPT3.pptx
+++ b/Game_Project/ch1/작업용 PPT3.pptx
@@ -6,7 +6,8 @@
   </p:sldMasterIdLst>
   <p:sldIdLst>
     <p:sldId id="256" r:id="rId2"/>
-    <p:sldId id="257" r:id="rId3"/>
+    <p:sldId id="258" r:id="rId3"/>
+    <p:sldId id="257" r:id="rId4"/>
   </p:sldIdLst>
   <p:sldSz cx="12192000" cy="6858000"/>
   <p:notesSz cx="6858000" cy="9144000"/>
@@ -242,7 +243,7 @@
           <a:p>
             <a:fld id="{AF3604FE-87CC-407B-B7F3-F6CD7B2787AA}" type="datetimeFigureOut">
               <a:rPr lang="ko-KR" altLang="en-US" smtClean="0"/>
-              <a:t>2016-11-17</a:t>
+              <a:t>2016-11-25</a:t>
             </a:fld>
             <a:endParaRPr lang="ko-KR" altLang="en-US"/>
           </a:p>
@@ -410,7 +411,7 @@
           <a:p>
             <a:fld id="{AF3604FE-87CC-407B-B7F3-F6CD7B2787AA}" type="datetimeFigureOut">
               <a:rPr lang="ko-KR" altLang="en-US" smtClean="0"/>
-              <a:t>2016-11-17</a:t>
+              <a:t>2016-11-25</a:t>
             </a:fld>
             <a:endParaRPr lang="ko-KR" altLang="en-US"/>
           </a:p>
@@ -588,7 +589,7 @@
           <a:p>
             <a:fld id="{AF3604FE-87CC-407B-B7F3-F6CD7B2787AA}" type="datetimeFigureOut">
               <a:rPr lang="ko-KR" altLang="en-US" smtClean="0"/>
-              <a:t>2016-11-17</a:t>
+              <a:t>2016-11-25</a:t>
             </a:fld>
             <a:endParaRPr lang="ko-KR" altLang="en-US"/>
           </a:p>
@@ -756,7 +757,7 @@
           <a:p>
             <a:fld id="{AF3604FE-87CC-407B-B7F3-F6CD7B2787AA}" type="datetimeFigureOut">
               <a:rPr lang="ko-KR" altLang="en-US" smtClean="0"/>
-              <a:t>2016-11-17</a:t>
+              <a:t>2016-11-25</a:t>
             </a:fld>
             <a:endParaRPr lang="ko-KR" altLang="en-US"/>
           </a:p>
@@ -1001,7 +1002,7 @@
           <a:p>
             <a:fld id="{AF3604FE-87CC-407B-B7F3-F6CD7B2787AA}" type="datetimeFigureOut">
               <a:rPr lang="ko-KR" altLang="en-US" smtClean="0"/>
-              <a:t>2016-11-17</a:t>
+              <a:t>2016-11-25</a:t>
             </a:fld>
             <a:endParaRPr lang="ko-KR" altLang="en-US"/>
           </a:p>
@@ -1230,7 +1231,7 @@
           <a:p>
             <a:fld id="{AF3604FE-87CC-407B-B7F3-F6CD7B2787AA}" type="datetimeFigureOut">
               <a:rPr lang="ko-KR" altLang="en-US" smtClean="0"/>
-              <a:t>2016-11-17</a:t>
+              <a:t>2016-11-25</a:t>
             </a:fld>
             <a:endParaRPr lang="ko-KR" altLang="en-US"/>
           </a:p>
@@ -1594,7 +1595,7 @@
           <a:p>
             <a:fld id="{AF3604FE-87CC-407B-B7F3-F6CD7B2787AA}" type="datetimeFigureOut">
               <a:rPr lang="ko-KR" altLang="en-US" smtClean="0"/>
-              <a:t>2016-11-17</a:t>
+              <a:t>2016-11-25</a:t>
             </a:fld>
             <a:endParaRPr lang="ko-KR" altLang="en-US"/>
           </a:p>
@@ -1711,7 +1712,7 @@
           <a:p>
             <a:fld id="{AF3604FE-87CC-407B-B7F3-F6CD7B2787AA}" type="datetimeFigureOut">
               <a:rPr lang="ko-KR" altLang="en-US" smtClean="0"/>
-              <a:t>2016-11-17</a:t>
+              <a:t>2016-11-25</a:t>
             </a:fld>
             <a:endParaRPr lang="ko-KR" altLang="en-US"/>
           </a:p>
@@ -1806,7 +1807,7 @@
           <a:p>
             <a:fld id="{AF3604FE-87CC-407B-B7F3-F6CD7B2787AA}" type="datetimeFigureOut">
               <a:rPr lang="ko-KR" altLang="en-US" smtClean="0"/>
-              <a:t>2016-11-17</a:t>
+              <a:t>2016-11-25</a:t>
             </a:fld>
             <a:endParaRPr lang="ko-KR" altLang="en-US"/>
           </a:p>
@@ -2081,7 +2082,7 @@
           <a:p>
             <a:fld id="{AF3604FE-87CC-407B-B7F3-F6CD7B2787AA}" type="datetimeFigureOut">
               <a:rPr lang="ko-KR" altLang="en-US" smtClean="0"/>
-              <a:t>2016-11-17</a:t>
+              <a:t>2016-11-25</a:t>
             </a:fld>
             <a:endParaRPr lang="ko-KR" altLang="en-US"/>
           </a:p>
@@ -2333,7 +2334,7 @@
           <a:p>
             <a:fld id="{AF3604FE-87CC-407B-B7F3-F6CD7B2787AA}" type="datetimeFigureOut">
               <a:rPr lang="ko-KR" altLang="en-US" smtClean="0"/>
-              <a:t>2016-11-17</a:t>
+              <a:t>2016-11-25</a:t>
             </a:fld>
             <a:endParaRPr lang="ko-KR" altLang="en-US"/>
           </a:p>
@@ -2544,7 +2545,7 @@
           <a:p>
             <a:fld id="{AF3604FE-87CC-407B-B7F3-F6CD7B2787AA}" type="datetimeFigureOut">
               <a:rPr lang="ko-KR" altLang="en-US" smtClean="0"/>
-              <a:t>2016-11-17</a:t>
+              <a:t>2016-11-25</a:t>
             </a:fld>
             <a:endParaRPr lang="ko-KR" altLang="en-US"/>
           </a:p>
@@ -3366,6 +3367,157 @@
 </file>
 
 <file path=ppt/slides/slide2.xml><?xml version="1.0" encoding="utf-8"?>
+<p:sld xmlns:a="http://schemas.openxmlformats.org/drawingml/2006/main" xmlns:r="http://schemas.openxmlformats.org/officeDocument/2006/relationships" xmlns:p="http://schemas.openxmlformats.org/presentationml/2006/main">
+  <p:cSld>
+    <p:spTree>
+      <p:nvGrpSpPr>
+        <p:cNvPr id="1" name=""/>
+        <p:cNvGrpSpPr/>
+        <p:nvPr/>
+      </p:nvGrpSpPr>
+      <p:grpSpPr>
+        <a:xfrm>
+          <a:off x="0" y="0"/>
+          <a:ext cx="0" cy="0"/>
+          <a:chOff x="0" y="0"/>
+          <a:chExt cx="0" cy="0"/>
+        </a:xfrm>
+      </p:grpSpPr>
+      <p:pic>
+        <p:nvPicPr>
+          <p:cNvPr id="5" name="그림 4"/>
+          <p:cNvPicPr>
+            <a:picLocks noChangeAspect="1"/>
+          </p:cNvPicPr>
+          <p:nvPr/>
+        </p:nvPicPr>
+        <p:blipFill>
+          <a:blip r:embed="rId2">
+            <a:extLst>
+              <a:ext uri="{28A0092B-C50C-407E-A947-70E740481C1C}">
+                <a14:useLocalDpi xmlns:a14="http://schemas.microsoft.com/office/drawing/2010/main" val="0"/>
+              </a:ext>
+            </a:extLst>
+          </a:blip>
+          <a:stretch>
+            <a:fillRect/>
+          </a:stretch>
+        </p:blipFill>
+        <p:spPr>
+          <a:xfrm>
+            <a:off x="146026" y="0"/>
+            <a:ext cx="11431595" cy="6668431"/>
+          </a:xfrm>
+          <a:prstGeom prst="rect">
+            <a:avLst/>
+          </a:prstGeom>
+        </p:spPr>
+      </p:pic>
+      <p:sp>
+        <p:nvSpPr>
+          <p:cNvPr id="7" name="직사각형 6"/>
+          <p:cNvSpPr/>
+          <p:nvPr/>
+        </p:nvSpPr>
+        <p:spPr>
+          <a:xfrm>
+            <a:off x="2387658" y="2296113"/>
+            <a:ext cx="6589073" cy="1323439"/>
+          </a:xfrm>
+          <a:prstGeom prst="rect">
+            <a:avLst/>
+          </a:prstGeom>
+          <a:noFill/>
+        </p:spPr>
+        <p:txBody>
+          <a:bodyPr wrap="square" lIns="91440" tIns="45720" rIns="91440" bIns="45720">
+            <a:spAutoFit/>
+          </a:bodyPr>
+          <a:lstStyle/>
+          <a:p>
+            <a:pPr algn="ctr"/>
+            <a:r>
+              <a:rPr lang="en-US" altLang="ko-KR" sz="8000" b="1" dirty="0">
+                <a:ln w="10160">
+                  <a:noFill/>
+                  <a:prstDash val="solid"/>
+                </a:ln>
+                <a:solidFill>
+                  <a:schemeClr val="bg1"/>
+                </a:solidFill>
+                <a:effectLst>
+                  <a:outerShdw blurRad="38100" dist="22860" dir="5400000" algn="tl" rotWithShape="0">
+                    <a:srgbClr val="000000">
+                      <a:alpha val="30000"/>
+                    </a:srgbClr>
+                  </a:outerShdw>
+                </a:effectLst>
+                <a:latin typeface="Algerian" panose="04020705040A02060702" pitchFamily="82" charset="0"/>
+              </a:rPr>
+              <a:t>GAME</a:t>
+            </a:r>
+            <a:r>
+              <a:rPr lang="en-US" altLang="ko-KR" sz="8000" b="1" dirty="0">
+                <a:ln w="10160">
+                  <a:noFill/>
+                  <a:prstDash val="solid"/>
+                </a:ln>
+                <a:pattFill prst="horzBrick">
+                  <a:fgClr>
+                    <a:schemeClr val="bg1"/>
+                  </a:fgClr>
+                  <a:bgClr>
+                    <a:schemeClr val="tx1"/>
+                  </a:bgClr>
+                </a:pattFill>
+                <a:effectLst>
+                  <a:outerShdw blurRad="38100" dist="22860" dir="5400000" algn="tl" rotWithShape="0">
+                    <a:srgbClr val="000000">
+                      <a:alpha val="30000"/>
+                    </a:srgbClr>
+                  </a:outerShdw>
+                </a:effectLst>
+                <a:latin typeface="Algerian" panose="04020705040A02060702" pitchFamily="82" charset="0"/>
+              </a:rPr>
+              <a:t> </a:t>
+            </a:r>
+            <a:r>
+              <a:rPr lang="en-US" altLang="ko-KR" sz="8000" b="1" dirty="0">
+                <a:ln w="10160">
+                  <a:noFill/>
+                  <a:prstDash val="solid"/>
+                </a:ln>
+                <a:solidFill>
+                  <a:schemeClr val="bg1"/>
+                </a:solidFill>
+                <a:effectLst>
+                  <a:outerShdw blurRad="38100" dist="22860" dir="5400000" algn="tl" rotWithShape="0">
+                    <a:srgbClr val="000000">
+                      <a:alpha val="30000"/>
+                    </a:srgbClr>
+                  </a:outerShdw>
+                </a:effectLst>
+                <a:latin typeface="Algerian" panose="04020705040A02060702" pitchFamily="82" charset="0"/>
+              </a:rPr>
+              <a:t>OVER</a:t>
+            </a:r>
+          </a:p>
+        </p:txBody>
+      </p:sp>
+    </p:spTree>
+    <p:extLst>
+      <p:ext uri="{BB962C8B-B14F-4D97-AF65-F5344CB8AC3E}">
+        <p14:creationId xmlns:p14="http://schemas.microsoft.com/office/powerpoint/2010/main" val="762087017"/>
+      </p:ext>
+    </p:extLst>
+  </p:cSld>
+  <p:clrMapOvr>
+    <a:masterClrMapping/>
+  </p:clrMapOvr>
+</p:sld>
+</file>
+
+<file path=ppt/slides/slide3.xml><?xml version="1.0" encoding="utf-8"?>
 <p:sld xmlns:a="http://schemas.openxmlformats.org/drawingml/2006/main" xmlns:r="http://schemas.openxmlformats.org/officeDocument/2006/relationships" xmlns:p="http://schemas.openxmlformats.org/presentationml/2006/main">
   <p:cSld>
     <p:spTree>

--- a/Game_Project/ch1/작업용 PPT3.pptx
+++ b/Game_Project/ch1/작업용 PPT3.pptx
@@ -7,7 +7,12 @@
   <p:sldIdLst>
     <p:sldId id="256" r:id="rId2"/>
     <p:sldId id="258" r:id="rId3"/>
-    <p:sldId id="257" r:id="rId4"/>
+    <p:sldId id="262" r:id="rId4"/>
+    <p:sldId id="261" r:id="rId5"/>
+    <p:sldId id="260" r:id="rId6"/>
+    <p:sldId id="259" r:id="rId7"/>
+    <p:sldId id="263" r:id="rId8"/>
+    <p:sldId id="257" r:id="rId9"/>
   </p:sldIdLst>
   <p:sldSz cx="12192000" cy="6858000"/>
   <p:notesSz cx="6858000" cy="9144000"/>
@@ -243,7 +248,7 @@
           <a:p>
             <a:fld id="{AF3604FE-87CC-407B-B7F3-F6CD7B2787AA}" type="datetimeFigureOut">
               <a:rPr lang="ko-KR" altLang="en-US" smtClean="0"/>
-              <a:t>2016-11-25</a:t>
+              <a:t>2016-12-05</a:t>
             </a:fld>
             <a:endParaRPr lang="ko-KR" altLang="en-US"/>
           </a:p>
@@ -411,7 +416,7 @@
           <a:p>
             <a:fld id="{AF3604FE-87CC-407B-B7F3-F6CD7B2787AA}" type="datetimeFigureOut">
               <a:rPr lang="ko-KR" altLang="en-US" smtClean="0"/>
-              <a:t>2016-11-25</a:t>
+              <a:t>2016-12-05</a:t>
             </a:fld>
             <a:endParaRPr lang="ko-KR" altLang="en-US"/>
           </a:p>
@@ -589,7 +594,7 @@
           <a:p>
             <a:fld id="{AF3604FE-87CC-407B-B7F3-F6CD7B2787AA}" type="datetimeFigureOut">
               <a:rPr lang="ko-KR" altLang="en-US" smtClean="0"/>
-              <a:t>2016-11-25</a:t>
+              <a:t>2016-12-05</a:t>
             </a:fld>
             <a:endParaRPr lang="ko-KR" altLang="en-US"/>
           </a:p>
@@ -757,7 +762,7 @@
           <a:p>
             <a:fld id="{AF3604FE-87CC-407B-B7F3-F6CD7B2787AA}" type="datetimeFigureOut">
               <a:rPr lang="ko-KR" altLang="en-US" smtClean="0"/>
-              <a:t>2016-11-25</a:t>
+              <a:t>2016-12-05</a:t>
             </a:fld>
             <a:endParaRPr lang="ko-KR" altLang="en-US"/>
           </a:p>
@@ -1002,7 +1007,7 @@
           <a:p>
             <a:fld id="{AF3604FE-87CC-407B-B7F3-F6CD7B2787AA}" type="datetimeFigureOut">
               <a:rPr lang="ko-KR" altLang="en-US" smtClean="0"/>
-              <a:t>2016-11-25</a:t>
+              <a:t>2016-12-05</a:t>
             </a:fld>
             <a:endParaRPr lang="ko-KR" altLang="en-US"/>
           </a:p>
@@ -1231,7 +1236,7 @@
           <a:p>
             <a:fld id="{AF3604FE-87CC-407B-B7F3-F6CD7B2787AA}" type="datetimeFigureOut">
               <a:rPr lang="ko-KR" altLang="en-US" smtClean="0"/>
-              <a:t>2016-11-25</a:t>
+              <a:t>2016-12-05</a:t>
             </a:fld>
             <a:endParaRPr lang="ko-KR" altLang="en-US"/>
           </a:p>
@@ -1595,7 +1600,7 @@
           <a:p>
             <a:fld id="{AF3604FE-87CC-407B-B7F3-F6CD7B2787AA}" type="datetimeFigureOut">
               <a:rPr lang="ko-KR" altLang="en-US" smtClean="0"/>
-              <a:t>2016-11-25</a:t>
+              <a:t>2016-12-05</a:t>
             </a:fld>
             <a:endParaRPr lang="ko-KR" altLang="en-US"/>
           </a:p>
@@ -1712,7 +1717,7 @@
           <a:p>
             <a:fld id="{AF3604FE-87CC-407B-B7F3-F6CD7B2787AA}" type="datetimeFigureOut">
               <a:rPr lang="ko-KR" altLang="en-US" smtClean="0"/>
-              <a:t>2016-11-25</a:t>
+              <a:t>2016-12-05</a:t>
             </a:fld>
             <a:endParaRPr lang="ko-KR" altLang="en-US"/>
           </a:p>
@@ -1807,7 +1812,7 @@
           <a:p>
             <a:fld id="{AF3604FE-87CC-407B-B7F3-F6CD7B2787AA}" type="datetimeFigureOut">
               <a:rPr lang="ko-KR" altLang="en-US" smtClean="0"/>
-              <a:t>2016-11-25</a:t>
+              <a:t>2016-12-05</a:t>
             </a:fld>
             <a:endParaRPr lang="ko-KR" altLang="en-US"/>
           </a:p>
@@ -2082,7 +2087,7 @@
           <a:p>
             <a:fld id="{AF3604FE-87CC-407B-B7F3-F6CD7B2787AA}" type="datetimeFigureOut">
               <a:rPr lang="ko-KR" altLang="en-US" smtClean="0"/>
-              <a:t>2016-11-25</a:t>
+              <a:t>2016-12-05</a:t>
             </a:fld>
             <a:endParaRPr lang="ko-KR" altLang="en-US"/>
           </a:p>
@@ -2334,7 +2339,7 @@
           <a:p>
             <a:fld id="{AF3604FE-87CC-407B-B7F3-F6CD7B2787AA}" type="datetimeFigureOut">
               <a:rPr lang="ko-KR" altLang="en-US" smtClean="0"/>
-              <a:t>2016-11-25</a:t>
+              <a:t>2016-12-05</a:t>
             </a:fld>
             <a:endParaRPr lang="ko-KR" altLang="en-US"/>
           </a:p>
@@ -2545,7 +2550,7 @@
           <a:p>
             <a:fld id="{AF3604FE-87CC-407B-B7F3-F6CD7B2787AA}" type="datetimeFigureOut">
               <a:rPr lang="ko-KR" altLang="en-US" smtClean="0"/>
-              <a:t>2016-11-25</a:t>
+              <a:t>2016-12-05</a:t>
             </a:fld>
             <a:endParaRPr lang="ko-KR" altLang="en-US"/>
           </a:p>
@@ -3405,7 +3410,7 @@
         </p:blipFill>
         <p:spPr>
           <a:xfrm>
-            <a:off x="146026" y="0"/>
+            <a:off x="164730" y="189569"/>
             <a:ext cx="11431595" cy="6668431"/>
           </a:xfrm>
           <a:prstGeom prst="rect">
@@ -3415,91 +3420,207 @@
       </p:pic>
       <p:sp>
         <p:nvSpPr>
-          <p:cNvPr id="7" name="직사각형 6"/>
+          <p:cNvPr id="3" name="직사각형 2"/>
           <p:cNvSpPr/>
           <p:nvPr/>
         </p:nvSpPr>
         <p:spPr>
           <a:xfrm>
-            <a:off x="2387658" y="2296113"/>
-            <a:ext cx="6589073" cy="1323439"/>
+            <a:off x="1682841" y="1755108"/>
+            <a:ext cx="8084264" cy="2554545"/>
           </a:xfrm>
           <a:prstGeom prst="rect">
             <a:avLst/>
           </a:prstGeom>
           <a:noFill/>
-        </p:spPr>
-        <p:txBody>
-          <a:bodyPr wrap="square" lIns="91440" tIns="45720" rIns="91440" bIns="45720">
+          <a:effectLst>
+            <a:glow rad="266700">
+              <a:schemeClr val="bg1"/>
+            </a:glow>
+          </a:effectLst>
+        </p:spPr>
+        <p:txBody>
+          <a:bodyPr wrap="none" lIns="91440" tIns="45720" rIns="91440" bIns="45720">
             <a:spAutoFit/>
           </a:bodyPr>
           <a:lstStyle/>
           <a:p>
-            <a:pPr algn="ctr"/>
-            <a:r>
-              <a:rPr lang="en-US" altLang="ko-KR" sz="8000" b="1" dirty="0">
-                <a:ln w="10160">
-                  <a:noFill/>
-                  <a:prstDash val="solid"/>
-                </a:ln>
+            <a:r>
+              <a:rPr lang="ko-KR" altLang="en-US" sz="4000" dirty="0">
+                <a:ln w="0"/>
                 <a:solidFill>
-                  <a:schemeClr val="bg1"/>
+                  <a:srgbClr val="0070C0"/>
                 </a:solidFill>
                 <a:effectLst>
-                  <a:outerShdw blurRad="38100" dist="22860" dir="5400000" algn="tl" rotWithShape="0">
-                    <a:srgbClr val="000000">
-                      <a:alpha val="30000"/>
-                    </a:srgbClr>
+                  <a:outerShdw blurRad="38100" dist="19050" dir="2700000" algn="tl" rotWithShape="0">
+                    <a:schemeClr val="dk1">
+                      <a:alpha val="40000"/>
+                    </a:schemeClr>
                   </a:outerShdw>
                 </a:effectLst>
-                <a:latin typeface="Algerian" panose="04020705040A02060702" pitchFamily="82" charset="0"/>
+                <a:latin typeface="양재꽃게체M" panose="02020603020101020101" pitchFamily="18" charset="-127"/>
+                <a:ea typeface="양재꽃게체M" panose="02020603020101020101" pitchFamily="18" charset="-127"/>
               </a:rPr>
-              <a:t>GAME</a:t>
-            </a:r>
-            <a:r>
-              <a:rPr lang="en-US" altLang="ko-KR" sz="8000" b="1" dirty="0">
-                <a:ln w="10160">
-                  <a:noFill/>
-                  <a:prstDash val="solid"/>
-                </a:ln>
-                <a:pattFill prst="horzBrick">
-                  <a:fgClr>
-                    <a:schemeClr val="bg1"/>
-                  </a:fgClr>
-                  <a:bgClr>
-                    <a:schemeClr val="tx1"/>
-                  </a:bgClr>
-                </a:pattFill>
+              <a:t>그렇게 당신은 파랑의 정령이 되어</a:t>
+            </a:r>
+            <a:endParaRPr lang="en-US" altLang="ko-KR" sz="4000" dirty="0">
+              <a:ln w="0"/>
+              <a:solidFill>
+                <a:srgbClr val="0070C0"/>
+              </a:solidFill>
+              <a:effectLst>
+                <a:outerShdw blurRad="38100" dist="19050" dir="2700000" algn="tl" rotWithShape="0">
+                  <a:schemeClr val="dk1">
+                    <a:alpha val="40000"/>
+                  </a:schemeClr>
+                </a:outerShdw>
+              </a:effectLst>
+              <a:latin typeface="양재꽃게체M" panose="02020603020101020101" pitchFamily="18" charset="-127"/>
+              <a:ea typeface="양재꽃게체M" panose="02020603020101020101" pitchFamily="18" charset="-127"/>
+            </a:endParaRPr>
+          </a:p>
+          <a:p>
+            <a:r>
+              <a:rPr lang="ko-KR" altLang="en-US" sz="4000" dirty="0">
+                <a:ln w="0"/>
+                <a:solidFill>
+                  <a:srgbClr val="0070C0"/>
+                </a:solidFill>
                 <a:effectLst>
-                  <a:outerShdw blurRad="38100" dist="22860" dir="5400000" algn="tl" rotWithShape="0">
-                    <a:srgbClr val="000000">
-                      <a:alpha val="30000"/>
-                    </a:srgbClr>
+                  <a:outerShdw blurRad="38100" dist="19050" dir="2700000" algn="tl" rotWithShape="0">
+                    <a:schemeClr val="dk1">
+                      <a:alpha val="40000"/>
+                    </a:schemeClr>
                   </a:outerShdw>
                 </a:effectLst>
-                <a:latin typeface="Algerian" panose="04020705040A02060702" pitchFamily="82" charset="0"/>
+                <a:latin typeface="양재꽃게체M" panose="02020603020101020101" pitchFamily="18" charset="-127"/>
+                <a:ea typeface="양재꽃게체M" panose="02020603020101020101" pitchFamily="18" charset="-127"/>
+              </a:rPr>
+              <a:t>무사히 그곳에서 탈출 했답니다</a:t>
+            </a:r>
+            <a:r>
+              <a:rPr lang="en-US" altLang="ko-KR" sz="4000" dirty="0">
+                <a:ln w="0"/>
+                <a:solidFill>
+                  <a:srgbClr val="0070C0"/>
+                </a:solidFill>
+                <a:effectLst>
+                  <a:outerShdw blurRad="38100" dist="19050" dir="2700000" algn="tl" rotWithShape="0">
+                    <a:schemeClr val="dk1">
+                      <a:alpha val="40000"/>
+                    </a:schemeClr>
+                  </a:outerShdw>
+                </a:effectLst>
+                <a:latin typeface="양재꽃게체M" panose="02020603020101020101" pitchFamily="18" charset="-127"/>
+                <a:ea typeface="양재꽃게체M" panose="02020603020101020101" pitchFamily="18" charset="-127"/>
+              </a:rPr>
+              <a:t>.</a:t>
+            </a:r>
+            <a:r>
+              <a:rPr lang="ko-KR" altLang="en-US" sz="4000" dirty="0">
+                <a:ln w="0"/>
+                <a:solidFill>
+                  <a:srgbClr val="0070C0"/>
+                </a:solidFill>
+                <a:effectLst>
+                  <a:outerShdw blurRad="38100" dist="19050" dir="2700000" algn="tl" rotWithShape="0">
+                    <a:schemeClr val="dk1">
+                      <a:alpha val="40000"/>
+                    </a:schemeClr>
+                  </a:outerShdw>
+                </a:effectLst>
+                <a:latin typeface="양재꽃게체M" panose="02020603020101020101" pitchFamily="18" charset="-127"/>
+                <a:ea typeface="양재꽃게체M" panose="02020603020101020101" pitchFamily="18" charset="-127"/>
               </a:rPr>
               <a:t> </a:t>
             </a:r>
-            <a:r>
-              <a:rPr lang="en-US" altLang="ko-KR" sz="8000" b="1" dirty="0">
-                <a:ln w="10160">
-                  <a:noFill/>
-                  <a:prstDash val="solid"/>
-                </a:ln>
+            <a:endParaRPr lang="en-US" altLang="ko-KR" sz="4000" dirty="0">
+              <a:ln w="0"/>
+              <a:solidFill>
+                <a:srgbClr val="0070C0"/>
+              </a:solidFill>
+              <a:effectLst>
+                <a:outerShdw blurRad="38100" dist="19050" dir="2700000" algn="tl" rotWithShape="0">
+                  <a:schemeClr val="dk1">
+                    <a:alpha val="40000"/>
+                  </a:schemeClr>
+                </a:outerShdw>
+              </a:effectLst>
+              <a:latin typeface="양재꽃게체M" panose="02020603020101020101" pitchFamily="18" charset="-127"/>
+              <a:ea typeface="양재꽃게체M" panose="02020603020101020101" pitchFamily="18" charset="-127"/>
+            </a:endParaRPr>
+          </a:p>
+          <a:p>
+            <a:endParaRPr lang="en-US" altLang="ko-KR" sz="4000" dirty="0">
+              <a:ln w="0"/>
+              <a:solidFill>
+                <a:srgbClr val="0070C0"/>
+              </a:solidFill>
+              <a:effectLst>
+                <a:outerShdw blurRad="38100" dist="19050" dir="2700000" algn="tl" rotWithShape="0">
+                  <a:schemeClr val="dk1">
+                    <a:alpha val="40000"/>
+                  </a:schemeClr>
+                </a:outerShdw>
+              </a:effectLst>
+              <a:latin typeface="양재꽃게체M" panose="02020603020101020101" pitchFamily="18" charset="-127"/>
+              <a:ea typeface="양재꽃게체M" panose="02020603020101020101" pitchFamily="18" charset="-127"/>
+            </a:endParaRPr>
+          </a:p>
+          <a:p>
+            <a:r>
+              <a:rPr lang="en-US" altLang="ko-KR" sz="4000" dirty="0">
+                <a:ln w="0"/>
                 <a:solidFill>
-                  <a:schemeClr val="bg1"/>
+                  <a:srgbClr val="0070C0"/>
                 </a:solidFill>
                 <a:effectLst>
-                  <a:outerShdw blurRad="38100" dist="22860" dir="5400000" algn="tl" rotWithShape="0">
-                    <a:srgbClr val="000000">
-                      <a:alpha val="30000"/>
-                    </a:srgbClr>
+                  <a:outerShdw blurRad="38100" dist="19050" dir="2700000" algn="tl" rotWithShape="0">
+                    <a:schemeClr val="dk1">
+                      <a:alpha val="40000"/>
+                    </a:schemeClr>
                   </a:outerShdw>
                 </a:effectLst>
-                <a:latin typeface="Algerian" panose="04020705040A02060702" pitchFamily="82" charset="0"/>
+                <a:latin typeface="양재꽃게체M" panose="02020603020101020101" pitchFamily="18" charset="-127"/>
+                <a:ea typeface="양재꽃게체M" panose="02020603020101020101" pitchFamily="18" charset="-127"/>
               </a:rPr>
-              <a:t>OVER</a:t>
+              <a:t>	-</a:t>
+            </a:r>
+            <a:r>
+              <a:rPr lang="ko-KR" altLang="en-US" sz="4000" dirty="0">
+                <a:ln w="0"/>
+                <a:solidFill>
+                  <a:srgbClr val="0070C0"/>
+                </a:solidFill>
+                <a:effectLst>
+                  <a:outerShdw blurRad="38100" dist="19050" dir="2700000" algn="tl" rotWithShape="0">
+                    <a:schemeClr val="dk1">
+                      <a:alpha val="40000"/>
+                    </a:schemeClr>
+                  </a:outerShdw>
+                </a:effectLst>
+                <a:latin typeface="양재꽃게체M" panose="02020603020101020101" pitchFamily="18" charset="-127"/>
+                <a:ea typeface="양재꽃게체M" panose="02020603020101020101" pitchFamily="18" charset="-127"/>
+              </a:rPr>
+              <a:t>끝</a:t>
+            </a:r>
+            <a:r>
+              <a:rPr lang="en-US" altLang="ko-KR" sz="4000" dirty="0">
+                <a:ln w="0"/>
+                <a:solidFill>
+                  <a:srgbClr val="0070C0"/>
+                </a:solidFill>
+                <a:effectLst>
+                  <a:outerShdw blurRad="38100" dist="19050" dir="2700000" algn="tl" rotWithShape="0">
+                    <a:schemeClr val="dk1">
+                      <a:alpha val="40000"/>
+                    </a:schemeClr>
+                  </a:outerShdw>
+                </a:effectLst>
+                <a:latin typeface="양재꽃게체M" panose="02020603020101020101" pitchFamily="18" charset="-127"/>
+                <a:ea typeface="양재꽃게체M" panose="02020603020101020101" pitchFamily="18" charset="-127"/>
+              </a:rPr>
+              <a:t>-</a:t>
             </a:r>
           </a:p>
         </p:txBody>
@@ -3518,6 +3639,2659 @@
 </file>
 
 <file path=ppt/slides/slide3.xml><?xml version="1.0" encoding="utf-8"?>
+<p:sld xmlns:a="http://schemas.openxmlformats.org/drawingml/2006/main" xmlns:r="http://schemas.openxmlformats.org/officeDocument/2006/relationships" xmlns:p="http://schemas.openxmlformats.org/presentationml/2006/main">
+  <p:cSld>
+    <p:spTree>
+      <p:nvGrpSpPr>
+        <p:cNvPr id="1" name=""/>
+        <p:cNvGrpSpPr/>
+        <p:nvPr/>
+      </p:nvGrpSpPr>
+      <p:grpSpPr>
+        <a:xfrm>
+          <a:off x="0" y="0"/>
+          <a:ext cx="0" cy="0"/>
+          <a:chOff x="0" y="0"/>
+          <a:chExt cx="0" cy="0"/>
+        </a:xfrm>
+      </p:grpSpPr>
+      <p:pic>
+        <p:nvPicPr>
+          <p:cNvPr id="5" name="그림 4"/>
+          <p:cNvPicPr>
+            <a:picLocks noChangeAspect="1"/>
+          </p:cNvPicPr>
+          <p:nvPr/>
+        </p:nvPicPr>
+        <p:blipFill>
+          <a:blip r:embed="rId2">
+            <a:extLst>
+              <a:ext uri="{28A0092B-C50C-407E-A947-70E740481C1C}">
+                <a14:useLocalDpi xmlns:a14="http://schemas.microsoft.com/office/drawing/2010/main" val="0"/>
+              </a:ext>
+            </a:extLst>
+          </a:blip>
+          <a:stretch>
+            <a:fillRect/>
+          </a:stretch>
+        </p:blipFill>
+        <p:spPr>
+          <a:xfrm>
+            <a:off x="380861" y="0"/>
+            <a:ext cx="11431595" cy="6668431"/>
+          </a:xfrm>
+          <a:prstGeom prst="rect">
+            <a:avLst/>
+          </a:prstGeom>
+        </p:spPr>
+      </p:pic>
+      <p:pic>
+        <p:nvPicPr>
+          <p:cNvPr id="2" name="그림 1"/>
+          <p:cNvPicPr>
+            <a:picLocks noChangeAspect="1"/>
+          </p:cNvPicPr>
+          <p:nvPr/>
+        </p:nvPicPr>
+        <p:blipFill>
+          <a:blip r:embed="rId3">
+            <a:extLst>
+              <a:ext uri="{28A0092B-C50C-407E-A947-70E740481C1C}">
+                <a14:useLocalDpi xmlns:a14="http://schemas.microsoft.com/office/drawing/2010/main" val="0"/>
+              </a:ext>
+            </a:extLst>
+          </a:blip>
+          <a:stretch>
+            <a:fillRect/>
+          </a:stretch>
+        </p:blipFill>
+        <p:spPr>
+          <a:xfrm>
+            <a:off x="5555088" y="1467085"/>
+            <a:ext cx="1083139" cy="1083139"/>
+          </a:xfrm>
+          <a:prstGeom prst="rect">
+            <a:avLst/>
+          </a:prstGeom>
+        </p:spPr>
+      </p:pic>
+      <p:pic>
+        <p:nvPicPr>
+          <p:cNvPr id="6" name="그림 5"/>
+          <p:cNvPicPr>
+            <a:picLocks noChangeAspect="1"/>
+          </p:cNvPicPr>
+          <p:nvPr/>
+        </p:nvPicPr>
+        <p:blipFill>
+          <a:blip r:embed="rId2">
+            <a:extLst>
+              <a:ext uri="{28A0092B-C50C-407E-A947-70E740481C1C}">
+                <a14:useLocalDpi xmlns:a14="http://schemas.microsoft.com/office/drawing/2010/main" val="0"/>
+              </a:ext>
+            </a:extLst>
+          </a:blip>
+          <a:stretch>
+            <a:fillRect/>
+          </a:stretch>
+        </p:blipFill>
+        <p:spPr>
+          <a:xfrm>
+            <a:off x="1536735" y="3727038"/>
+            <a:ext cx="9119839" cy="2057868"/>
+          </a:xfrm>
+          <a:prstGeom prst="rect">
+            <a:avLst/>
+          </a:prstGeom>
+          <a:ln w="38100">
+            <a:solidFill>
+              <a:schemeClr val="bg1"/>
+            </a:solidFill>
+          </a:ln>
+          <a:effectLst>
+            <a:glow rad="266700">
+              <a:schemeClr val="bg1"/>
+            </a:glow>
+          </a:effectLst>
+        </p:spPr>
+      </p:pic>
+      <p:sp>
+        <p:nvSpPr>
+          <p:cNvPr id="8" name="직사각형 7"/>
+          <p:cNvSpPr/>
+          <p:nvPr/>
+        </p:nvSpPr>
+        <p:spPr>
+          <a:xfrm>
+            <a:off x="2366861" y="4201974"/>
+            <a:ext cx="7142899" cy="553998"/>
+          </a:xfrm>
+          <a:prstGeom prst="rect">
+            <a:avLst/>
+          </a:prstGeom>
+          <a:noFill/>
+          <a:effectLst>
+            <a:glow rad="266700">
+              <a:schemeClr val="bg1"/>
+            </a:glow>
+          </a:effectLst>
+        </p:spPr>
+        <p:txBody>
+          <a:bodyPr wrap="square" lIns="91440" tIns="45720" rIns="91440" bIns="45720">
+            <a:spAutoFit/>
+          </a:bodyPr>
+          <a:lstStyle/>
+          <a:p>
+            <a:r>
+              <a:rPr lang="ko-KR" altLang="en-US" sz="3000" dirty="0">
+                <a:ln w="0"/>
+                <a:solidFill>
+                  <a:schemeClr val="bg1"/>
+                </a:solidFill>
+                <a:effectLst>
+                  <a:outerShdw blurRad="38100" dist="19050" dir="2700000" algn="tl" rotWithShape="0">
+                    <a:schemeClr val="dk1">
+                      <a:alpha val="40000"/>
+                    </a:schemeClr>
+                  </a:outerShdw>
+                </a:effectLst>
+              </a:rPr>
+              <a:t>이렇게 사라질 수는 없어</a:t>
+            </a:r>
+            <a:r>
+              <a:rPr lang="en-US" altLang="ko-KR" sz="3000" dirty="0">
+                <a:ln w="0"/>
+                <a:solidFill>
+                  <a:schemeClr val="bg1"/>
+                </a:solidFill>
+                <a:effectLst>
+                  <a:outerShdw blurRad="38100" dist="19050" dir="2700000" algn="tl" rotWithShape="0">
+                    <a:schemeClr val="dk1">
+                      <a:alpha val="40000"/>
+                    </a:schemeClr>
+                  </a:outerShdw>
+                </a:effectLst>
+              </a:rPr>
+              <a:t>…</a:t>
+            </a:r>
+            <a:r>
+              <a:rPr lang="ko-KR" altLang="en-US" sz="3000" dirty="0">
+                <a:ln w="0"/>
+                <a:solidFill>
+                  <a:schemeClr val="bg1"/>
+                </a:solidFill>
+                <a:effectLst>
+                  <a:outerShdw blurRad="38100" dist="19050" dir="2700000" algn="tl" rotWithShape="0">
+                    <a:schemeClr val="dk1">
+                      <a:alpha val="40000"/>
+                    </a:schemeClr>
+                  </a:outerShdw>
+                </a:effectLst>
+              </a:rPr>
+              <a:t>안돼</a:t>
+            </a:r>
+            <a:r>
+              <a:rPr lang="en-US" altLang="ko-KR" sz="3000" dirty="0">
+                <a:ln w="0"/>
+                <a:solidFill>
+                  <a:schemeClr val="bg1"/>
+                </a:solidFill>
+                <a:effectLst>
+                  <a:outerShdw blurRad="38100" dist="19050" dir="2700000" algn="tl" rotWithShape="0">
+                    <a:schemeClr val="dk1">
+                      <a:alpha val="40000"/>
+                    </a:schemeClr>
+                  </a:outerShdw>
+                </a:effectLst>
+              </a:rPr>
+              <a:t>…</a:t>
+            </a:r>
+          </a:p>
+        </p:txBody>
+      </p:sp>
+    </p:spTree>
+    <p:extLst>
+      <p:ext uri="{BB962C8B-B14F-4D97-AF65-F5344CB8AC3E}">
+        <p14:creationId xmlns:p14="http://schemas.microsoft.com/office/powerpoint/2010/main" val="2336030435"/>
+      </p:ext>
+    </p:extLst>
+  </p:cSld>
+  <p:clrMapOvr>
+    <a:masterClrMapping/>
+  </p:clrMapOvr>
+</p:sld>
+</file>
+
+<file path=ppt/slides/slide4.xml><?xml version="1.0" encoding="utf-8"?>
+<p:sld xmlns:a="http://schemas.openxmlformats.org/drawingml/2006/main" xmlns:r="http://schemas.openxmlformats.org/officeDocument/2006/relationships" xmlns:p="http://schemas.openxmlformats.org/presentationml/2006/main">
+  <p:cSld>
+    <p:spTree>
+      <p:nvGrpSpPr>
+        <p:cNvPr id="1" name=""/>
+        <p:cNvGrpSpPr/>
+        <p:nvPr/>
+      </p:nvGrpSpPr>
+      <p:grpSpPr>
+        <a:xfrm>
+          <a:off x="0" y="0"/>
+          <a:ext cx="0" cy="0"/>
+          <a:chOff x="0" y="0"/>
+          <a:chExt cx="0" cy="0"/>
+        </a:xfrm>
+      </p:grpSpPr>
+      <p:pic>
+        <p:nvPicPr>
+          <p:cNvPr id="6" name="그림 5"/>
+          <p:cNvPicPr>
+            <a:picLocks noChangeAspect="1"/>
+          </p:cNvPicPr>
+          <p:nvPr/>
+        </p:nvPicPr>
+        <p:blipFill>
+          <a:blip r:embed="rId2">
+            <a:extLst>
+              <a:ext uri="{28A0092B-C50C-407E-A947-70E740481C1C}">
+                <a14:useLocalDpi xmlns:a14="http://schemas.microsoft.com/office/drawing/2010/main" val="0"/>
+              </a:ext>
+            </a:extLst>
+          </a:blip>
+          <a:stretch>
+            <a:fillRect/>
+          </a:stretch>
+        </p:blipFill>
+        <p:spPr>
+          <a:xfrm>
+            <a:off x="146026" y="0"/>
+            <a:ext cx="12045974" cy="6668431"/>
+          </a:xfrm>
+          <a:prstGeom prst="rect">
+            <a:avLst/>
+          </a:prstGeom>
+        </p:spPr>
+      </p:pic>
+      <p:pic>
+        <p:nvPicPr>
+          <p:cNvPr id="5" name="그림 4"/>
+          <p:cNvPicPr>
+            <a:picLocks noChangeAspect="1"/>
+          </p:cNvPicPr>
+          <p:nvPr/>
+        </p:nvPicPr>
+        <p:blipFill>
+          <a:blip r:embed="rId2">
+            <a:extLst>
+              <a:ext uri="{28A0092B-C50C-407E-A947-70E740481C1C}">
+                <a14:useLocalDpi xmlns:a14="http://schemas.microsoft.com/office/drawing/2010/main" val="0"/>
+              </a:ext>
+            </a:extLst>
+          </a:blip>
+          <a:stretch>
+            <a:fillRect/>
+          </a:stretch>
+        </p:blipFill>
+        <p:spPr>
+          <a:xfrm>
+            <a:off x="453215" y="3546583"/>
+            <a:ext cx="11431595" cy="2579510"/>
+          </a:xfrm>
+          <a:prstGeom prst="rect">
+            <a:avLst/>
+          </a:prstGeom>
+          <a:ln w="38100">
+            <a:solidFill>
+              <a:schemeClr val="bg1"/>
+            </a:solidFill>
+          </a:ln>
+          <a:effectLst>
+            <a:glow rad="266700">
+              <a:schemeClr val="bg1"/>
+            </a:glow>
+          </a:effectLst>
+        </p:spPr>
+      </p:pic>
+      <p:sp>
+        <p:nvSpPr>
+          <p:cNvPr id="2" name="직사각형 1"/>
+          <p:cNvSpPr/>
+          <p:nvPr/>
+        </p:nvSpPr>
+        <p:spPr>
+          <a:xfrm>
+            <a:off x="970290" y="4097674"/>
+            <a:ext cx="8637301" cy="1477328"/>
+          </a:xfrm>
+          <a:prstGeom prst="rect">
+            <a:avLst/>
+          </a:prstGeom>
+          <a:noFill/>
+          <a:effectLst>
+            <a:glow rad="266700">
+              <a:schemeClr val="bg1"/>
+            </a:glow>
+          </a:effectLst>
+        </p:spPr>
+        <p:txBody>
+          <a:bodyPr wrap="none" lIns="91440" tIns="45720" rIns="91440" bIns="45720">
+            <a:spAutoFit/>
+          </a:bodyPr>
+          <a:lstStyle/>
+          <a:p>
+            <a:r>
+              <a:rPr lang="ko-KR" altLang="en-US" sz="3000" dirty="0">
+                <a:ln w="0"/>
+                <a:solidFill>
+                  <a:schemeClr val="bg1"/>
+                </a:solidFill>
+                <a:effectLst>
+                  <a:outerShdw blurRad="38100" dist="19050" dir="2700000" algn="tl" rotWithShape="0">
+                    <a:schemeClr val="dk1">
+                      <a:alpha val="40000"/>
+                    </a:schemeClr>
+                  </a:outerShdw>
+                </a:effectLst>
+              </a:rPr>
+              <a:t>잡아 먹혀 버렸다</a:t>
+            </a:r>
+            <a:r>
+              <a:rPr lang="en-US" altLang="ko-KR" sz="3000" dirty="0">
+                <a:ln w="0"/>
+                <a:solidFill>
+                  <a:schemeClr val="bg1"/>
+                </a:solidFill>
+                <a:effectLst>
+                  <a:outerShdw blurRad="38100" dist="19050" dir="2700000" algn="tl" rotWithShape="0">
+                    <a:schemeClr val="dk1">
+                      <a:alpha val="40000"/>
+                    </a:schemeClr>
+                  </a:outerShdw>
+                </a:effectLst>
+              </a:rPr>
+              <a:t>.</a:t>
+            </a:r>
+          </a:p>
+          <a:p>
+            <a:r>
+              <a:rPr lang="ko-KR" altLang="en-US" sz="3000" dirty="0">
+                <a:ln w="0"/>
+                <a:solidFill>
+                  <a:schemeClr val="bg1"/>
+                </a:solidFill>
+                <a:effectLst>
+                  <a:outerShdw blurRad="38100" dist="19050" dir="2700000" algn="tl" rotWithShape="0">
+                    <a:schemeClr val="dk1">
+                      <a:alpha val="40000"/>
+                    </a:schemeClr>
+                  </a:outerShdw>
+                </a:effectLst>
+              </a:rPr>
+              <a:t>뱃속안에 지금까지 모았던 보석들이 흩어져 있다</a:t>
+            </a:r>
+            <a:r>
+              <a:rPr lang="en-US" altLang="ko-KR" sz="3000" dirty="0">
+                <a:ln w="0"/>
+                <a:solidFill>
+                  <a:schemeClr val="bg1"/>
+                </a:solidFill>
+                <a:effectLst>
+                  <a:outerShdw blurRad="38100" dist="19050" dir="2700000" algn="tl" rotWithShape="0">
+                    <a:schemeClr val="dk1">
+                      <a:alpha val="40000"/>
+                    </a:schemeClr>
+                  </a:outerShdw>
+                </a:effectLst>
+              </a:rPr>
+              <a:t>.</a:t>
+            </a:r>
+          </a:p>
+          <a:p>
+            <a:r>
+              <a:rPr lang="ko-KR" altLang="en-US" sz="3000" dirty="0">
+                <a:ln w="0"/>
+                <a:solidFill>
+                  <a:schemeClr val="bg1"/>
+                </a:solidFill>
+                <a:effectLst>
+                  <a:outerShdw blurRad="38100" dist="19050" dir="2700000" algn="tl" rotWithShape="0">
+                    <a:schemeClr val="dk1">
+                      <a:alpha val="40000"/>
+                    </a:schemeClr>
+                  </a:outerShdw>
+                </a:effectLst>
+              </a:rPr>
+              <a:t>모두 다 뽑아버리면 탈출할 </a:t>
+            </a:r>
+            <a:r>
+              <a:rPr lang="ko-KR" altLang="en-US" sz="3000">
+                <a:ln w="0"/>
+                <a:solidFill>
+                  <a:schemeClr val="bg1"/>
+                </a:solidFill>
+                <a:effectLst>
+                  <a:outerShdw blurRad="38100" dist="19050" dir="2700000" algn="tl" rotWithShape="0">
+                    <a:schemeClr val="dk1">
+                      <a:alpha val="40000"/>
+                    </a:schemeClr>
+                  </a:outerShdw>
+                </a:effectLst>
+              </a:rPr>
+              <a:t>수 있을 것 같다</a:t>
+            </a:r>
+            <a:endParaRPr lang="en-US" altLang="ko-KR" sz="3000" dirty="0">
+              <a:ln w="0"/>
+              <a:solidFill>
+                <a:schemeClr val="bg1"/>
+              </a:solidFill>
+              <a:effectLst>
+                <a:outerShdw blurRad="38100" dist="19050" dir="2700000" algn="tl" rotWithShape="0">
+                  <a:schemeClr val="dk1">
+                    <a:alpha val="40000"/>
+                  </a:schemeClr>
+                </a:outerShdw>
+              </a:effectLst>
+            </a:endParaRPr>
+          </a:p>
+        </p:txBody>
+      </p:sp>
+    </p:spTree>
+    <p:extLst>
+      <p:ext uri="{BB962C8B-B14F-4D97-AF65-F5344CB8AC3E}">
+        <p14:creationId xmlns:p14="http://schemas.microsoft.com/office/powerpoint/2010/main" val="2120551260"/>
+      </p:ext>
+    </p:extLst>
+  </p:cSld>
+  <p:clrMapOvr>
+    <a:masterClrMapping/>
+  </p:clrMapOvr>
+</p:sld>
+</file>
+
+<file path=ppt/slides/slide5.xml><?xml version="1.0" encoding="utf-8"?>
+<p:sld xmlns:a="http://schemas.openxmlformats.org/drawingml/2006/main" xmlns:r="http://schemas.openxmlformats.org/officeDocument/2006/relationships" xmlns:p="http://schemas.openxmlformats.org/presentationml/2006/main">
+  <p:cSld>
+    <p:spTree>
+      <p:nvGrpSpPr>
+        <p:cNvPr id="1" name=""/>
+        <p:cNvGrpSpPr/>
+        <p:nvPr/>
+      </p:nvGrpSpPr>
+      <p:grpSpPr>
+        <a:xfrm>
+          <a:off x="0" y="0"/>
+          <a:ext cx="0" cy="0"/>
+          <a:chOff x="0" y="0"/>
+          <a:chExt cx="0" cy="0"/>
+        </a:xfrm>
+      </p:grpSpPr>
+      <p:pic>
+        <p:nvPicPr>
+          <p:cNvPr id="5" name="그림 4"/>
+          <p:cNvPicPr>
+            <a:picLocks noChangeAspect="1"/>
+          </p:cNvPicPr>
+          <p:nvPr/>
+        </p:nvPicPr>
+        <p:blipFill>
+          <a:blip r:embed="rId2">
+            <a:extLst>
+              <a:ext uri="{28A0092B-C50C-407E-A947-70E740481C1C}">
+                <a14:useLocalDpi xmlns:a14="http://schemas.microsoft.com/office/drawing/2010/main" val="0"/>
+              </a:ext>
+            </a:extLst>
+          </a:blip>
+          <a:stretch>
+            <a:fillRect/>
+          </a:stretch>
+        </p:blipFill>
+        <p:spPr>
+          <a:xfrm>
+            <a:off x="146026" y="0"/>
+            <a:ext cx="11431595" cy="6668431"/>
+          </a:xfrm>
+          <a:prstGeom prst="rect">
+            <a:avLst/>
+          </a:prstGeom>
+        </p:spPr>
+      </p:pic>
+      <p:sp>
+        <p:nvSpPr>
+          <p:cNvPr id="4" name="원형: 비어 있음 3"/>
+          <p:cNvSpPr/>
+          <p:nvPr/>
+        </p:nvSpPr>
+        <p:spPr>
+          <a:xfrm>
+            <a:off x="7494305" y="1640379"/>
+            <a:ext cx="1346662" cy="1280160"/>
+          </a:xfrm>
+          <a:prstGeom prst="donut">
+            <a:avLst/>
+          </a:prstGeom>
+          <a:solidFill>
+            <a:srgbClr val="C00000"/>
+          </a:solidFill>
+          <a:ln>
+            <a:solidFill>
+              <a:srgbClr val="C00000"/>
+            </a:solidFill>
+          </a:ln>
+        </p:spPr>
+        <p:style>
+          <a:lnRef idx="2">
+            <a:schemeClr val="accent1">
+              <a:shade val="50000"/>
+            </a:schemeClr>
+          </a:lnRef>
+          <a:fillRef idx="1">
+            <a:schemeClr val="accent1"/>
+          </a:fillRef>
+          <a:effectRef idx="0">
+            <a:schemeClr val="accent1"/>
+          </a:effectRef>
+          <a:fontRef idx="minor">
+            <a:schemeClr val="lt1"/>
+          </a:fontRef>
+        </p:style>
+        <p:txBody>
+          <a:bodyPr rtlCol="0" anchor="ctr"/>
+          <a:lstStyle/>
+          <a:p>
+            <a:pPr algn="ctr"/>
+            <a:endParaRPr lang="ko-KR" altLang="en-US">
+              <a:solidFill>
+                <a:schemeClr val="tx1"/>
+              </a:solidFill>
+            </a:endParaRPr>
+          </a:p>
+        </p:txBody>
+      </p:sp>
+      <p:sp>
+        <p:nvSpPr>
+          <p:cNvPr id="15" name="원형: 비어 있음 14"/>
+          <p:cNvSpPr/>
+          <p:nvPr/>
+        </p:nvSpPr>
+        <p:spPr>
+          <a:xfrm>
+            <a:off x="8173881" y="1129145"/>
+            <a:ext cx="1346662" cy="1280160"/>
+          </a:xfrm>
+          <a:prstGeom prst="donut">
+            <a:avLst/>
+          </a:prstGeom>
+          <a:solidFill>
+            <a:srgbClr val="C00000"/>
+          </a:solidFill>
+          <a:ln>
+            <a:solidFill>
+              <a:srgbClr val="C00000"/>
+            </a:solidFill>
+          </a:ln>
+        </p:spPr>
+        <p:style>
+          <a:lnRef idx="2">
+            <a:schemeClr val="accent1">
+              <a:shade val="50000"/>
+            </a:schemeClr>
+          </a:lnRef>
+          <a:fillRef idx="1">
+            <a:schemeClr val="accent1"/>
+          </a:fillRef>
+          <a:effectRef idx="0">
+            <a:schemeClr val="accent1"/>
+          </a:effectRef>
+          <a:fontRef idx="minor">
+            <a:schemeClr val="lt1"/>
+          </a:fontRef>
+        </p:style>
+        <p:txBody>
+          <a:bodyPr rtlCol="0" anchor="ctr"/>
+          <a:lstStyle/>
+          <a:p>
+            <a:pPr algn="ctr"/>
+            <a:endParaRPr lang="ko-KR" altLang="en-US">
+              <a:solidFill>
+                <a:schemeClr val="tx1"/>
+              </a:solidFill>
+            </a:endParaRPr>
+          </a:p>
+        </p:txBody>
+      </p:sp>
+      <p:sp>
+        <p:nvSpPr>
+          <p:cNvPr id="16" name="원형: 비어 있음 15"/>
+          <p:cNvSpPr/>
+          <p:nvPr/>
+        </p:nvSpPr>
+        <p:spPr>
+          <a:xfrm>
+            <a:off x="8167636" y="1364673"/>
+            <a:ext cx="1346662" cy="1280160"/>
+          </a:xfrm>
+          <a:prstGeom prst="donut">
+            <a:avLst/>
+          </a:prstGeom>
+          <a:solidFill>
+            <a:srgbClr val="C00000"/>
+          </a:solidFill>
+          <a:ln>
+            <a:solidFill>
+              <a:srgbClr val="C00000"/>
+            </a:solidFill>
+          </a:ln>
+        </p:spPr>
+        <p:style>
+          <a:lnRef idx="2">
+            <a:schemeClr val="accent1">
+              <a:shade val="50000"/>
+            </a:schemeClr>
+          </a:lnRef>
+          <a:fillRef idx="1">
+            <a:schemeClr val="accent1"/>
+          </a:fillRef>
+          <a:effectRef idx="0">
+            <a:schemeClr val="accent1"/>
+          </a:effectRef>
+          <a:fontRef idx="minor">
+            <a:schemeClr val="lt1"/>
+          </a:fontRef>
+        </p:style>
+        <p:txBody>
+          <a:bodyPr rtlCol="0" anchor="ctr"/>
+          <a:lstStyle/>
+          <a:p>
+            <a:pPr algn="ctr"/>
+            <a:endParaRPr lang="ko-KR" altLang="en-US">
+              <a:solidFill>
+                <a:schemeClr val="tx1"/>
+              </a:solidFill>
+            </a:endParaRPr>
+          </a:p>
+        </p:txBody>
+      </p:sp>
+      <p:sp>
+        <p:nvSpPr>
+          <p:cNvPr id="17" name="원형: 비어 있음 16"/>
+          <p:cNvSpPr/>
+          <p:nvPr/>
+        </p:nvSpPr>
+        <p:spPr>
+          <a:xfrm>
+            <a:off x="7635563" y="1086196"/>
+            <a:ext cx="1346662" cy="1280160"/>
+          </a:xfrm>
+          <a:prstGeom prst="donut">
+            <a:avLst/>
+          </a:prstGeom>
+          <a:solidFill>
+            <a:srgbClr val="C00000"/>
+          </a:solidFill>
+          <a:ln>
+            <a:solidFill>
+              <a:srgbClr val="C00000"/>
+            </a:solidFill>
+          </a:ln>
+        </p:spPr>
+        <p:style>
+          <a:lnRef idx="2">
+            <a:schemeClr val="accent1">
+              <a:shade val="50000"/>
+            </a:schemeClr>
+          </a:lnRef>
+          <a:fillRef idx="1">
+            <a:schemeClr val="accent1"/>
+          </a:fillRef>
+          <a:effectRef idx="0">
+            <a:schemeClr val="accent1"/>
+          </a:effectRef>
+          <a:fontRef idx="minor">
+            <a:schemeClr val="lt1"/>
+          </a:fontRef>
+        </p:style>
+        <p:txBody>
+          <a:bodyPr rtlCol="0" anchor="ctr"/>
+          <a:lstStyle/>
+          <a:p>
+            <a:pPr algn="ctr"/>
+            <a:endParaRPr lang="ko-KR" altLang="en-US">
+              <a:solidFill>
+                <a:schemeClr val="tx1"/>
+              </a:solidFill>
+            </a:endParaRPr>
+          </a:p>
+        </p:txBody>
+      </p:sp>
+      <p:sp>
+        <p:nvSpPr>
+          <p:cNvPr id="18" name="원형: 비어 있음 17"/>
+          <p:cNvSpPr/>
+          <p:nvPr/>
+        </p:nvSpPr>
+        <p:spPr>
+          <a:xfrm>
+            <a:off x="8010518" y="1726276"/>
+            <a:ext cx="1346662" cy="1280160"/>
+          </a:xfrm>
+          <a:prstGeom prst="donut">
+            <a:avLst/>
+          </a:prstGeom>
+          <a:solidFill>
+            <a:srgbClr val="C00000"/>
+          </a:solidFill>
+          <a:ln>
+            <a:solidFill>
+              <a:srgbClr val="C00000"/>
+            </a:solidFill>
+          </a:ln>
+        </p:spPr>
+        <p:style>
+          <a:lnRef idx="2">
+            <a:schemeClr val="accent1">
+              <a:shade val="50000"/>
+            </a:schemeClr>
+          </a:lnRef>
+          <a:fillRef idx="1">
+            <a:schemeClr val="accent1"/>
+          </a:fillRef>
+          <a:effectRef idx="0">
+            <a:schemeClr val="accent1"/>
+          </a:effectRef>
+          <a:fontRef idx="minor">
+            <a:schemeClr val="lt1"/>
+          </a:fontRef>
+        </p:style>
+        <p:txBody>
+          <a:bodyPr rtlCol="0" anchor="ctr"/>
+          <a:lstStyle/>
+          <a:p>
+            <a:pPr algn="ctr"/>
+            <a:endParaRPr lang="ko-KR" altLang="en-US">
+              <a:solidFill>
+                <a:schemeClr val="tx1"/>
+              </a:solidFill>
+            </a:endParaRPr>
+          </a:p>
+        </p:txBody>
+      </p:sp>
+      <p:sp>
+        <p:nvSpPr>
+          <p:cNvPr id="19" name="원형: 비어 있음 18"/>
+          <p:cNvSpPr/>
+          <p:nvPr/>
+        </p:nvSpPr>
+        <p:spPr>
+          <a:xfrm>
+            <a:off x="1875111" y="1894263"/>
+            <a:ext cx="1346662" cy="1280160"/>
+          </a:xfrm>
+          <a:prstGeom prst="donut">
+            <a:avLst/>
+          </a:prstGeom>
+          <a:solidFill>
+            <a:srgbClr val="C00000"/>
+          </a:solidFill>
+          <a:ln>
+            <a:solidFill>
+              <a:srgbClr val="C00000"/>
+            </a:solidFill>
+          </a:ln>
+        </p:spPr>
+        <p:style>
+          <a:lnRef idx="2">
+            <a:schemeClr val="accent1">
+              <a:shade val="50000"/>
+            </a:schemeClr>
+          </a:lnRef>
+          <a:fillRef idx="1">
+            <a:schemeClr val="accent1"/>
+          </a:fillRef>
+          <a:effectRef idx="0">
+            <a:schemeClr val="accent1"/>
+          </a:effectRef>
+          <a:fontRef idx="minor">
+            <a:schemeClr val="lt1"/>
+          </a:fontRef>
+        </p:style>
+        <p:txBody>
+          <a:bodyPr rtlCol="0" anchor="ctr"/>
+          <a:lstStyle/>
+          <a:p>
+            <a:pPr algn="ctr"/>
+            <a:endParaRPr lang="ko-KR" altLang="en-US">
+              <a:solidFill>
+                <a:schemeClr val="tx1"/>
+              </a:solidFill>
+            </a:endParaRPr>
+          </a:p>
+        </p:txBody>
+      </p:sp>
+      <p:sp>
+        <p:nvSpPr>
+          <p:cNvPr id="20" name="원형: 비어 있음 19"/>
+          <p:cNvSpPr/>
+          <p:nvPr/>
+        </p:nvSpPr>
+        <p:spPr>
+          <a:xfrm>
+            <a:off x="2312000" y="1856856"/>
+            <a:ext cx="1346662" cy="1280160"/>
+          </a:xfrm>
+          <a:prstGeom prst="donut">
+            <a:avLst/>
+          </a:prstGeom>
+          <a:solidFill>
+            <a:srgbClr val="C00000"/>
+          </a:solidFill>
+          <a:ln>
+            <a:solidFill>
+              <a:srgbClr val="C00000"/>
+            </a:solidFill>
+          </a:ln>
+        </p:spPr>
+        <p:style>
+          <a:lnRef idx="2">
+            <a:schemeClr val="accent1">
+              <a:shade val="50000"/>
+            </a:schemeClr>
+          </a:lnRef>
+          <a:fillRef idx="1">
+            <a:schemeClr val="accent1"/>
+          </a:fillRef>
+          <a:effectRef idx="0">
+            <a:schemeClr val="accent1"/>
+          </a:effectRef>
+          <a:fontRef idx="minor">
+            <a:schemeClr val="lt1"/>
+          </a:fontRef>
+        </p:style>
+        <p:txBody>
+          <a:bodyPr rtlCol="0" anchor="ctr"/>
+          <a:lstStyle/>
+          <a:p>
+            <a:pPr algn="ctr"/>
+            <a:endParaRPr lang="ko-KR" altLang="en-US">
+              <a:solidFill>
+                <a:schemeClr val="tx1"/>
+              </a:solidFill>
+            </a:endParaRPr>
+          </a:p>
+        </p:txBody>
+      </p:sp>
+      <p:sp>
+        <p:nvSpPr>
+          <p:cNvPr id="21" name="원형: 비어 있음 20"/>
+          <p:cNvSpPr/>
+          <p:nvPr/>
+        </p:nvSpPr>
+        <p:spPr>
+          <a:xfrm>
+            <a:off x="2053272" y="1036320"/>
+            <a:ext cx="1346662" cy="1280160"/>
+          </a:xfrm>
+          <a:prstGeom prst="donut">
+            <a:avLst/>
+          </a:prstGeom>
+          <a:solidFill>
+            <a:srgbClr val="C00000"/>
+          </a:solidFill>
+          <a:ln>
+            <a:solidFill>
+              <a:srgbClr val="C00000"/>
+            </a:solidFill>
+          </a:ln>
+        </p:spPr>
+        <p:style>
+          <a:lnRef idx="2">
+            <a:schemeClr val="accent1">
+              <a:shade val="50000"/>
+            </a:schemeClr>
+          </a:lnRef>
+          <a:fillRef idx="1">
+            <a:schemeClr val="accent1"/>
+          </a:fillRef>
+          <a:effectRef idx="0">
+            <a:schemeClr val="accent1"/>
+          </a:effectRef>
+          <a:fontRef idx="minor">
+            <a:schemeClr val="lt1"/>
+          </a:fontRef>
+        </p:style>
+        <p:txBody>
+          <a:bodyPr rtlCol="0" anchor="ctr"/>
+          <a:lstStyle/>
+          <a:p>
+            <a:pPr algn="ctr"/>
+            <a:endParaRPr lang="ko-KR" altLang="en-US">
+              <a:solidFill>
+                <a:schemeClr val="tx1"/>
+              </a:solidFill>
+            </a:endParaRPr>
+          </a:p>
+        </p:txBody>
+      </p:sp>
+      <p:sp>
+        <p:nvSpPr>
+          <p:cNvPr id="22" name="원형: 비어 있음 21"/>
+          <p:cNvSpPr/>
+          <p:nvPr/>
+        </p:nvSpPr>
+        <p:spPr>
+          <a:xfrm>
+            <a:off x="2430172" y="1235480"/>
+            <a:ext cx="1346662" cy="1280160"/>
+          </a:xfrm>
+          <a:prstGeom prst="donut">
+            <a:avLst/>
+          </a:prstGeom>
+          <a:solidFill>
+            <a:srgbClr val="C00000"/>
+          </a:solidFill>
+          <a:ln>
+            <a:solidFill>
+              <a:srgbClr val="C00000"/>
+            </a:solidFill>
+          </a:ln>
+        </p:spPr>
+        <p:style>
+          <a:lnRef idx="2">
+            <a:schemeClr val="accent1">
+              <a:shade val="50000"/>
+            </a:schemeClr>
+          </a:lnRef>
+          <a:fillRef idx="1">
+            <a:schemeClr val="accent1"/>
+          </a:fillRef>
+          <a:effectRef idx="0">
+            <a:schemeClr val="accent1"/>
+          </a:effectRef>
+          <a:fontRef idx="minor">
+            <a:schemeClr val="lt1"/>
+          </a:fontRef>
+        </p:style>
+        <p:txBody>
+          <a:bodyPr rtlCol="0" anchor="ctr"/>
+          <a:lstStyle/>
+          <a:p>
+            <a:pPr algn="ctr"/>
+            <a:endParaRPr lang="ko-KR" altLang="en-US">
+              <a:solidFill>
+                <a:schemeClr val="tx1"/>
+              </a:solidFill>
+            </a:endParaRPr>
+          </a:p>
+        </p:txBody>
+      </p:sp>
+      <p:sp>
+        <p:nvSpPr>
+          <p:cNvPr id="23" name="원형: 비어 있음 22"/>
+          <p:cNvSpPr/>
+          <p:nvPr/>
+        </p:nvSpPr>
+        <p:spPr>
+          <a:xfrm>
+            <a:off x="2670330" y="1638993"/>
+            <a:ext cx="1346662" cy="1280160"/>
+          </a:xfrm>
+          <a:prstGeom prst="donut">
+            <a:avLst/>
+          </a:prstGeom>
+          <a:solidFill>
+            <a:srgbClr val="C00000"/>
+          </a:solidFill>
+          <a:ln>
+            <a:solidFill>
+              <a:srgbClr val="C00000"/>
+            </a:solidFill>
+          </a:ln>
+        </p:spPr>
+        <p:style>
+          <a:lnRef idx="2">
+            <a:schemeClr val="accent1">
+              <a:shade val="50000"/>
+            </a:schemeClr>
+          </a:lnRef>
+          <a:fillRef idx="1">
+            <a:schemeClr val="accent1"/>
+          </a:fillRef>
+          <a:effectRef idx="0">
+            <a:schemeClr val="accent1"/>
+          </a:effectRef>
+          <a:fontRef idx="minor">
+            <a:schemeClr val="lt1"/>
+          </a:fontRef>
+        </p:style>
+        <p:txBody>
+          <a:bodyPr rtlCol="0" anchor="ctr"/>
+          <a:lstStyle/>
+          <a:p>
+            <a:pPr algn="ctr"/>
+            <a:endParaRPr lang="ko-KR" altLang="en-US">
+              <a:solidFill>
+                <a:schemeClr val="tx1"/>
+              </a:solidFill>
+            </a:endParaRPr>
+          </a:p>
+        </p:txBody>
+      </p:sp>
+      <p:sp>
+        <p:nvSpPr>
+          <p:cNvPr id="24" name="달 23"/>
+          <p:cNvSpPr/>
+          <p:nvPr/>
+        </p:nvSpPr>
+        <p:spPr>
+          <a:xfrm rot="16200000">
+            <a:off x="4138856" y="940100"/>
+            <a:ext cx="3188067" cy="8013468"/>
+          </a:xfrm>
+          <a:prstGeom prst="moon">
+            <a:avLst>
+              <a:gd name="adj" fmla="val 14105"/>
+            </a:avLst>
+          </a:prstGeom>
+          <a:solidFill>
+            <a:srgbClr val="C00000"/>
+          </a:solidFill>
+          <a:ln>
+            <a:solidFill>
+              <a:srgbClr val="C00000"/>
+            </a:solidFill>
+          </a:ln>
+        </p:spPr>
+        <p:style>
+          <a:lnRef idx="2">
+            <a:schemeClr val="accent1">
+              <a:shade val="50000"/>
+            </a:schemeClr>
+          </a:lnRef>
+          <a:fillRef idx="1">
+            <a:schemeClr val="accent1"/>
+          </a:fillRef>
+          <a:effectRef idx="0">
+            <a:schemeClr val="accent1"/>
+          </a:effectRef>
+          <a:fontRef idx="minor">
+            <a:schemeClr val="lt1"/>
+          </a:fontRef>
+        </p:style>
+        <p:txBody>
+          <a:bodyPr rtlCol="0" anchor="ctr"/>
+          <a:lstStyle/>
+          <a:p>
+            <a:pPr algn="ctr"/>
+            <a:endParaRPr lang="ko-KR" altLang="en-US"/>
+          </a:p>
+        </p:txBody>
+      </p:sp>
+    </p:spTree>
+    <p:extLst>
+      <p:ext uri="{BB962C8B-B14F-4D97-AF65-F5344CB8AC3E}">
+        <p14:creationId xmlns:p14="http://schemas.microsoft.com/office/powerpoint/2010/main" val="4143218367"/>
+      </p:ext>
+    </p:extLst>
+  </p:cSld>
+  <p:clrMapOvr>
+    <a:masterClrMapping/>
+  </p:clrMapOvr>
+</p:sld>
+</file>
+
+<file path=ppt/slides/slide6.xml><?xml version="1.0" encoding="utf-8"?>
+<p:sld xmlns:a="http://schemas.openxmlformats.org/drawingml/2006/main" xmlns:r="http://schemas.openxmlformats.org/officeDocument/2006/relationships" xmlns:p="http://schemas.openxmlformats.org/presentationml/2006/main">
+  <p:cSld>
+    <p:spTree>
+      <p:nvGrpSpPr>
+        <p:cNvPr id="1" name=""/>
+        <p:cNvGrpSpPr/>
+        <p:nvPr/>
+      </p:nvGrpSpPr>
+      <p:grpSpPr>
+        <a:xfrm>
+          <a:off x="0" y="0"/>
+          <a:ext cx="0" cy="0"/>
+          <a:chOff x="0" y="0"/>
+          <a:chExt cx="0" cy="0"/>
+        </a:xfrm>
+      </p:grpSpPr>
+      <p:sp>
+        <p:nvSpPr>
+          <p:cNvPr id="5" name="직사각형 4"/>
+          <p:cNvSpPr/>
+          <p:nvPr/>
+        </p:nvSpPr>
+        <p:spPr>
+          <a:xfrm>
+            <a:off x="1090870" y="783196"/>
+            <a:ext cx="7870250" cy="1323439"/>
+          </a:xfrm>
+          <a:prstGeom prst="rect">
+            <a:avLst/>
+          </a:prstGeom>
+          <a:noFill/>
+        </p:spPr>
+        <p:txBody>
+          <a:bodyPr wrap="square" lIns="91440" tIns="45720" rIns="91440" bIns="45720">
+            <a:spAutoFit/>
+          </a:bodyPr>
+          <a:lstStyle/>
+          <a:p>
+            <a:pPr algn="ctr"/>
+            <a:r>
+              <a:rPr lang="ko-KR" altLang="en-US" sz="8000" b="1" dirty="0">
+                <a:ln w="10160">
+                  <a:noFill/>
+                  <a:prstDash val="solid"/>
+                </a:ln>
+                <a:solidFill>
+                  <a:srgbClr val="C00000"/>
+                </a:solidFill>
+                <a:effectLst>
+                  <a:outerShdw blurRad="38100" dist="22860" dir="5400000" algn="tl" rotWithShape="0">
+                    <a:srgbClr val="000000">
+                      <a:alpha val="30000"/>
+                    </a:srgbClr>
+                  </a:outerShdw>
+                </a:effectLst>
+                <a:latin typeface="양재꽃게체M" panose="02020603020101020101" pitchFamily="18" charset="-127"/>
+                <a:ea typeface="양재꽃게체M" panose="02020603020101020101" pitchFamily="18" charset="-127"/>
+              </a:rPr>
+              <a:t>히히히</a:t>
+            </a:r>
+            <a:r>
+              <a:rPr lang="en-US" altLang="ko-KR" sz="8000" b="1" dirty="0">
+                <a:ln w="10160">
+                  <a:noFill/>
+                  <a:prstDash val="solid"/>
+                </a:ln>
+                <a:solidFill>
+                  <a:srgbClr val="C00000"/>
+                </a:solidFill>
+                <a:effectLst>
+                  <a:outerShdw blurRad="38100" dist="22860" dir="5400000" algn="tl" rotWithShape="0">
+                    <a:srgbClr val="000000">
+                      <a:alpha val="30000"/>
+                    </a:srgbClr>
+                  </a:outerShdw>
+                </a:effectLst>
+                <a:latin typeface="양재꽃게체M" panose="02020603020101020101" pitchFamily="18" charset="-127"/>
+                <a:ea typeface="양재꽃게체M" panose="02020603020101020101" pitchFamily="18" charset="-127"/>
+              </a:rPr>
+              <a:t>..</a:t>
+            </a:r>
+          </a:p>
+        </p:txBody>
+      </p:sp>
+    </p:spTree>
+    <p:extLst>
+      <p:ext uri="{BB962C8B-B14F-4D97-AF65-F5344CB8AC3E}">
+        <p14:creationId xmlns:p14="http://schemas.microsoft.com/office/powerpoint/2010/main" val="3202182772"/>
+      </p:ext>
+    </p:extLst>
+  </p:cSld>
+  <p:clrMapOvr>
+    <a:masterClrMapping/>
+  </p:clrMapOvr>
+</p:sld>
+</file>
+
+<file path=ppt/slides/slide7.xml><?xml version="1.0" encoding="utf-8"?>
+<p:sld xmlns:a="http://schemas.openxmlformats.org/drawingml/2006/main" xmlns:r="http://schemas.openxmlformats.org/officeDocument/2006/relationships" xmlns:p="http://schemas.openxmlformats.org/presentationml/2006/main">
+  <p:cSld>
+    <p:spTree>
+      <p:nvGrpSpPr>
+        <p:cNvPr id="1" name=""/>
+        <p:cNvGrpSpPr/>
+        <p:nvPr/>
+      </p:nvGrpSpPr>
+      <p:grpSpPr>
+        <a:xfrm>
+          <a:off x="0" y="0"/>
+          <a:ext cx="0" cy="0"/>
+          <a:chOff x="0" y="0"/>
+          <a:chExt cx="0" cy="0"/>
+        </a:xfrm>
+      </p:grpSpPr>
+      <p:pic>
+        <p:nvPicPr>
+          <p:cNvPr id="5" name="그림 4"/>
+          <p:cNvPicPr>
+            <a:picLocks noChangeAspect="1"/>
+          </p:cNvPicPr>
+          <p:nvPr/>
+        </p:nvPicPr>
+        <p:blipFill>
+          <a:blip r:embed="rId2">
+            <a:extLst>
+              <a:ext uri="{28A0092B-C50C-407E-A947-70E740481C1C}">
+                <a14:useLocalDpi xmlns:a14="http://schemas.microsoft.com/office/drawing/2010/main" val="0"/>
+              </a:ext>
+            </a:extLst>
+          </a:blip>
+          <a:stretch>
+            <a:fillRect/>
+          </a:stretch>
+        </p:blipFill>
+        <p:spPr>
+          <a:xfrm>
+            <a:off x="146026" y="0"/>
+            <a:ext cx="11431595" cy="6668431"/>
+          </a:xfrm>
+          <a:prstGeom prst="rect">
+            <a:avLst/>
+          </a:prstGeom>
+        </p:spPr>
+      </p:pic>
+      <p:sp>
+        <p:nvSpPr>
+          <p:cNvPr id="4" name="원형: 비어 있음 3"/>
+          <p:cNvSpPr/>
+          <p:nvPr/>
+        </p:nvSpPr>
+        <p:spPr>
+          <a:xfrm>
+            <a:off x="7494305" y="1640379"/>
+            <a:ext cx="1346662" cy="1280160"/>
+          </a:xfrm>
+          <a:prstGeom prst="donut">
+            <a:avLst/>
+          </a:prstGeom>
+          <a:solidFill>
+            <a:srgbClr val="C00000"/>
+          </a:solidFill>
+          <a:ln>
+            <a:solidFill>
+              <a:srgbClr val="C00000"/>
+            </a:solidFill>
+          </a:ln>
+        </p:spPr>
+        <p:style>
+          <a:lnRef idx="2">
+            <a:schemeClr val="accent1">
+              <a:shade val="50000"/>
+            </a:schemeClr>
+          </a:lnRef>
+          <a:fillRef idx="1">
+            <a:schemeClr val="accent1"/>
+          </a:fillRef>
+          <a:effectRef idx="0">
+            <a:schemeClr val="accent1"/>
+          </a:effectRef>
+          <a:fontRef idx="minor">
+            <a:schemeClr val="lt1"/>
+          </a:fontRef>
+        </p:style>
+        <p:txBody>
+          <a:bodyPr rtlCol="0" anchor="ctr"/>
+          <a:lstStyle/>
+          <a:p>
+            <a:pPr algn="ctr"/>
+            <a:endParaRPr lang="ko-KR" altLang="en-US">
+              <a:solidFill>
+                <a:schemeClr val="tx1"/>
+              </a:solidFill>
+            </a:endParaRPr>
+          </a:p>
+        </p:txBody>
+      </p:sp>
+      <p:sp>
+        <p:nvSpPr>
+          <p:cNvPr id="15" name="원형: 비어 있음 14"/>
+          <p:cNvSpPr/>
+          <p:nvPr/>
+        </p:nvSpPr>
+        <p:spPr>
+          <a:xfrm>
+            <a:off x="8173881" y="1129145"/>
+            <a:ext cx="1346662" cy="1280160"/>
+          </a:xfrm>
+          <a:prstGeom prst="donut">
+            <a:avLst/>
+          </a:prstGeom>
+          <a:solidFill>
+            <a:srgbClr val="C00000"/>
+          </a:solidFill>
+          <a:ln>
+            <a:solidFill>
+              <a:srgbClr val="C00000"/>
+            </a:solidFill>
+          </a:ln>
+        </p:spPr>
+        <p:style>
+          <a:lnRef idx="2">
+            <a:schemeClr val="accent1">
+              <a:shade val="50000"/>
+            </a:schemeClr>
+          </a:lnRef>
+          <a:fillRef idx="1">
+            <a:schemeClr val="accent1"/>
+          </a:fillRef>
+          <a:effectRef idx="0">
+            <a:schemeClr val="accent1"/>
+          </a:effectRef>
+          <a:fontRef idx="minor">
+            <a:schemeClr val="lt1"/>
+          </a:fontRef>
+        </p:style>
+        <p:txBody>
+          <a:bodyPr rtlCol="0" anchor="ctr"/>
+          <a:lstStyle/>
+          <a:p>
+            <a:pPr algn="ctr"/>
+            <a:endParaRPr lang="ko-KR" altLang="en-US">
+              <a:solidFill>
+                <a:schemeClr val="tx1"/>
+              </a:solidFill>
+            </a:endParaRPr>
+          </a:p>
+        </p:txBody>
+      </p:sp>
+      <p:sp>
+        <p:nvSpPr>
+          <p:cNvPr id="16" name="원형: 비어 있음 15"/>
+          <p:cNvSpPr/>
+          <p:nvPr/>
+        </p:nvSpPr>
+        <p:spPr>
+          <a:xfrm>
+            <a:off x="8167636" y="1364673"/>
+            <a:ext cx="1346662" cy="1280160"/>
+          </a:xfrm>
+          <a:prstGeom prst="donut">
+            <a:avLst/>
+          </a:prstGeom>
+          <a:solidFill>
+            <a:srgbClr val="C00000"/>
+          </a:solidFill>
+          <a:ln>
+            <a:solidFill>
+              <a:srgbClr val="C00000"/>
+            </a:solidFill>
+          </a:ln>
+        </p:spPr>
+        <p:style>
+          <a:lnRef idx="2">
+            <a:schemeClr val="accent1">
+              <a:shade val="50000"/>
+            </a:schemeClr>
+          </a:lnRef>
+          <a:fillRef idx="1">
+            <a:schemeClr val="accent1"/>
+          </a:fillRef>
+          <a:effectRef idx="0">
+            <a:schemeClr val="accent1"/>
+          </a:effectRef>
+          <a:fontRef idx="minor">
+            <a:schemeClr val="lt1"/>
+          </a:fontRef>
+        </p:style>
+        <p:txBody>
+          <a:bodyPr rtlCol="0" anchor="ctr"/>
+          <a:lstStyle/>
+          <a:p>
+            <a:pPr algn="ctr"/>
+            <a:endParaRPr lang="ko-KR" altLang="en-US">
+              <a:solidFill>
+                <a:schemeClr val="tx1"/>
+              </a:solidFill>
+            </a:endParaRPr>
+          </a:p>
+        </p:txBody>
+      </p:sp>
+      <p:sp>
+        <p:nvSpPr>
+          <p:cNvPr id="17" name="원형: 비어 있음 16"/>
+          <p:cNvSpPr/>
+          <p:nvPr/>
+        </p:nvSpPr>
+        <p:spPr>
+          <a:xfrm>
+            <a:off x="7635563" y="1086196"/>
+            <a:ext cx="1346662" cy="1280160"/>
+          </a:xfrm>
+          <a:prstGeom prst="donut">
+            <a:avLst/>
+          </a:prstGeom>
+          <a:solidFill>
+            <a:srgbClr val="C00000"/>
+          </a:solidFill>
+          <a:ln>
+            <a:solidFill>
+              <a:srgbClr val="C00000"/>
+            </a:solidFill>
+          </a:ln>
+        </p:spPr>
+        <p:style>
+          <a:lnRef idx="2">
+            <a:schemeClr val="accent1">
+              <a:shade val="50000"/>
+            </a:schemeClr>
+          </a:lnRef>
+          <a:fillRef idx="1">
+            <a:schemeClr val="accent1"/>
+          </a:fillRef>
+          <a:effectRef idx="0">
+            <a:schemeClr val="accent1"/>
+          </a:effectRef>
+          <a:fontRef idx="minor">
+            <a:schemeClr val="lt1"/>
+          </a:fontRef>
+        </p:style>
+        <p:txBody>
+          <a:bodyPr rtlCol="0" anchor="ctr"/>
+          <a:lstStyle/>
+          <a:p>
+            <a:pPr algn="ctr"/>
+            <a:endParaRPr lang="ko-KR" altLang="en-US">
+              <a:solidFill>
+                <a:schemeClr val="tx1"/>
+              </a:solidFill>
+            </a:endParaRPr>
+          </a:p>
+        </p:txBody>
+      </p:sp>
+      <p:sp>
+        <p:nvSpPr>
+          <p:cNvPr id="18" name="원형: 비어 있음 17"/>
+          <p:cNvSpPr/>
+          <p:nvPr/>
+        </p:nvSpPr>
+        <p:spPr>
+          <a:xfrm>
+            <a:off x="8010518" y="1726276"/>
+            <a:ext cx="1346662" cy="1280160"/>
+          </a:xfrm>
+          <a:prstGeom prst="donut">
+            <a:avLst/>
+          </a:prstGeom>
+          <a:solidFill>
+            <a:srgbClr val="C00000"/>
+          </a:solidFill>
+          <a:ln>
+            <a:solidFill>
+              <a:srgbClr val="C00000"/>
+            </a:solidFill>
+          </a:ln>
+        </p:spPr>
+        <p:style>
+          <a:lnRef idx="2">
+            <a:schemeClr val="accent1">
+              <a:shade val="50000"/>
+            </a:schemeClr>
+          </a:lnRef>
+          <a:fillRef idx="1">
+            <a:schemeClr val="accent1"/>
+          </a:fillRef>
+          <a:effectRef idx="0">
+            <a:schemeClr val="accent1"/>
+          </a:effectRef>
+          <a:fontRef idx="minor">
+            <a:schemeClr val="lt1"/>
+          </a:fontRef>
+        </p:style>
+        <p:txBody>
+          <a:bodyPr rtlCol="0" anchor="ctr"/>
+          <a:lstStyle/>
+          <a:p>
+            <a:pPr algn="ctr"/>
+            <a:endParaRPr lang="ko-KR" altLang="en-US">
+              <a:solidFill>
+                <a:schemeClr val="tx1"/>
+              </a:solidFill>
+            </a:endParaRPr>
+          </a:p>
+        </p:txBody>
+      </p:sp>
+      <p:sp>
+        <p:nvSpPr>
+          <p:cNvPr id="19" name="원형: 비어 있음 18"/>
+          <p:cNvSpPr/>
+          <p:nvPr/>
+        </p:nvSpPr>
+        <p:spPr>
+          <a:xfrm>
+            <a:off x="1875111" y="1894263"/>
+            <a:ext cx="1346662" cy="1280160"/>
+          </a:xfrm>
+          <a:prstGeom prst="donut">
+            <a:avLst/>
+          </a:prstGeom>
+          <a:solidFill>
+            <a:srgbClr val="C00000"/>
+          </a:solidFill>
+          <a:ln>
+            <a:solidFill>
+              <a:srgbClr val="C00000"/>
+            </a:solidFill>
+          </a:ln>
+        </p:spPr>
+        <p:style>
+          <a:lnRef idx="2">
+            <a:schemeClr val="accent1">
+              <a:shade val="50000"/>
+            </a:schemeClr>
+          </a:lnRef>
+          <a:fillRef idx="1">
+            <a:schemeClr val="accent1"/>
+          </a:fillRef>
+          <a:effectRef idx="0">
+            <a:schemeClr val="accent1"/>
+          </a:effectRef>
+          <a:fontRef idx="minor">
+            <a:schemeClr val="lt1"/>
+          </a:fontRef>
+        </p:style>
+        <p:txBody>
+          <a:bodyPr rtlCol="0" anchor="ctr"/>
+          <a:lstStyle/>
+          <a:p>
+            <a:pPr algn="ctr"/>
+            <a:endParaRPr lang="ko-KR" altLang="en-US">
+              <a:solidFill>
+                <a:schemeClr val="tx1"/>
+              </a:solidFill>
+            </a:endParaRPr>
+          </a:p>
+        </p:txBody>
+      </p:sp>
+      <p:sp>
+        <p:nvSpPr>
+          <p:cNvPr id="20" name="원형: 비어 있음 19"/>
+          <p:cNvSpPr/>
+          <p:nvPr/>
+        </p:nvSpPr>
+        <p:spPr>
+          <a:xfrm>
+            <a:off x="2312000" y="1856856"/>
+            <a:ext cx="1346662" cy="1280160"/>
+          </a:xfrm>
+          <a:prstGeom prst="donut">
+            <a:avLst/>
+          </a:prstGeom>
+          <a:solidFill>
+            <a:srgbClr val="C00000"/>
+          </a:solidFill>
+          <a:ln>
+            <a:solidFill>
+              <a:srgbClr val="C00000"/>
+            </a:solidFill>
+          </a:ln>
+        </p:spPr>
+        <p:style>
+          <a:lnRef idx="2">
+            <a:schemeClr val="accent1">
+              <a:shade val="50000"/>
+            </a:schemeClr>
+          </a:lnRef>
+          <a:fillRef idx="1">
+            <a:schemeClr val="accent1"/>
+          </a:fillRef>
+          <a:effectRef idx="0">
+            <a:schemeClr val="accent1"/>
+          </a:effectRef>
+          <a:fontRef idx="minor">
+            <a:schemeClr val="lt1"/>
+          </a:fontRef>
+        </p:style>
+        <p:txBody>
+          <a:bodyPr rtlCol="0" anchor="ctr"/>
+          <a:lstStyle/>
+          <a:p>
+            <a:pPr algn="ctr"/>
+            <a:endParaRPr lang="ko-KR" altLang="en-US">
+              <a:solidFill>
+                <a:schemeClr val="tx1"/>
+              </a:solidFill>
+            </a:endParaRPr>
+          </a:p>
+        </p:txBody>
+      </p:sp>
+      <p:sp>
+        <p:nvSpPr>
+          <p:cNvPr id="21" name="원형: 비어 있음 20"/>
+          <p:cNvSpPr/>
+          <p:nvPr/>
+        </p:nvSpPr>
+        <p:spPr>
+          <a:xfrm>
+            <a:off x="2053272" y="1036320"/>
+            <a:ext cx="1346662" cy="1280160"/>
+          </a:xfrm>
+          <a:prstGeom prst="donut">
+            <a:avLst/>
+          </a:prstGeom>
+          <a:solidFill>
+            <a:srgbClr val="C00000"/>
+          </a:solidFill>
+          <a:ln>
+            <a:solidFill>
+              <a:srgbClr val="C00000"/>
+            </a:solidFill>
+          </a:ln>
+        </p:spPr>
+        <p:style>
+          <a:lnRef idx="2">
+            <a:schemeClr val="accent1">
+              <a:shade val="50000"/>
+            </a:schemeClr>
+          </a:lnRef>
+          <a:fillRef idx="1">
+            <a:schemeClr val="accent1"/>
+          </a:fillRef>
+          <a:effectRef idx="0">
+            <a:schemeClr val="accent1"/>
+          </a:effectRef>
+          <a:fontRef idx="minor">
+            <a:schemeClr val="lt1"/>
+          </a:fontRef>
+        </p:style>
+        <p:txBody>
+          <a:bodyPr rtlCol="0" anchor="ctr"/>
+          <a:lstStyle/>
+          <a:p>
+            <a:pPr algn="ctr"/>
+            <a:endParaRPr lang="ko-KR" altLang="en-US">
+              <a:solidFill>
+                <a:schemeClr val="tx1"/>
+              </a:solidFill>
+            </a:endParaRPr>
+          </a:p>
+        </p:txBody>
+      </p:sp>
+      <p:sp>
+        <p:nvSpPr>
+          <p:cNvPr id="22" name="원형: 비어 있음 21"/>
+          <p:cNvSpPr/>
+          <p:nvPr/>
+        </p:nvSpPr>
+        <p:spPr>
+          <a:xfrm>
+            <a:off x="2430172" y="1235480"/>
+            <a:ext cx="1346662" cy="1280160"/>
+          </a:xfrm>
+          <a:prstGeom prst="donut">
+            <a:avLst/>
+          </a:prstGeom>
+          <a:solidFill>
+            <a:srgbClr val="C00000"/>
+          </a:solidFill>
+          <a:ln>
+            <a:solidFill>
+              <a:srgbClr val="C00000"/>
+            </a:solidFill>
+          </a:ln>
+        </p:spPr>
+        <p:style>
+          <a:lnRef idx="2">
+            <a:schemeClr val="accent1">
+              <a:shade val="50000"/>
+            </a:schemeClr>
+          </a:lnRef>
+          <a:fillRef idx="1">
+            <a:schemeClr val="accent1"/>
+          </a:fillRef>
+          <a:effectRef idx="0">
+            <a:schemeClr val="accent1"/>
+          </a:effectRef>
+          <a:fontRef idx="minor">
+            <a:schemeClr val="lt1"/>
+          </a:fontRef>
+        </p:style>
+        <p:txBody>
+          <a:bodyPr rtlCol="0" anchor="ctr"/>
+          <a:lstStyle/>
+          <a:p>
+            <a:pPr algn="ctr"/>
+            <a:endParaRPr lang="ko-KR" altLang="en-US">
+              <a:solidFill>
+                <a:schemeClr val="tx1"/>
+              </a:solidFill>
+            </a:endParaRPr>
+          </a:p>
+        </p:txBody>
+      </p:sp>
+      <p:sp>
+        <p:nvSpPr>
+          <p:cNvPr id="23" name="원형: 비어 있음 22"/>
+          <p:cNvSpPr/>
+          <p:nvPr/>
+        </p:nvSpPr>
+        <p:spPr>
+          <a:xfrm>
+            <a:off x="2670330" y="1638993"/>
+            <a:ext cx="1346662" cy="1280160"/>
+          </a:xfrm>
+          <a:prstGeom prst="donut">
+            <a:avLst/>
+          </a:prstGeom>
+          <a:solidFill>
+            <a:srgbClr val="C00000"/>
+          </a:solidFill>
+          <a:ln>
+            <a:solidFill>
+              <a:srgbClr val="C00000"/>
+            </a:solidFill>
+          </a:ln>
+        </p:spPr>
+        <p:style>
+          <a:lnRef idx="2">
+            <a:schemeClr val="accent1">
+              <a:shade val="50000"/>
+            </a:schemeClr>
+          </a:lnRef>
+          <a:fillRef idx="1">
+            <a:schemeClr val="accent1"/>
+          </a:fillRef>
+          <a:effectRef idx="0">
+            <a:schemeClr val="accent1"/>
+          </a:effectRef>
+          <a:fontRef idx="minor">
+            <a:schemeClr val="lt1"/>
+          </a:fontRef>
+        </p:style>
+        <p:txBody>
+          <a:bodyPr rtlCol="0" anchor="ctr"/>
+          <a:lstStyle/>
+          <a:p>
+            <a:pPr algn="ctr"/>
+            <a:endParaRPr lang="ko-KR" altLang="en-US">
+              <a:solidFill>
+                <a:schemeClr val="tx1"/>
+              </a:solidFill>
+            </a:endParaRPr>
+          </a:p>
+        </p:txBody>
+      </p:sp>
+      <p:sp>
+        <p:nvSpPr>
+          <p:cNvPr id="24" name="달 23"/>
+          <p:cNvSpPr/>
+          <p:nvPr/>
+        </p:nvSpPr>
+        <p:spPr>
+          <a:xfrm rot="16200000">
+            <a:off x="4138856" y="940100"/>
+            <a:ext cx="3188067" cy="8013468"/>
+          </a:xfrm>
+          <a:prstGeom prst="moon">
+            <a:avLst>
+              <a:gd name="adj" fmla="val 87500"/>
+            </a:avLst>
+          </a:prstGeom>
+          <a:solidFill>
+            <a:srgbClr val="C00000"/>
+          </a:solidFill>
+          <a:ln>
+            <a:solidFill>
+              <a:srgbClr val="C00000"/>
+            </a:solidFill>
+          </a:ln>
+        </p:spPr>
+        <p:style>
+          <a:lnRef idx="2">
+            <a:schemeClr val="accent1">
+              <a:shade val="50000"/>
+            </a:schemeClr>
+          </a:lnRef>
+          <a:fillRef idx="1">
+            <a:schemeClr val="accent1"/>
+          </a:fillRef>
+          <a:effectRef idx="0">
+            <a:schemeClr val="accent1"/>
+          </a:effectRef>
+          <a:fontRef idx="minor">
+            <a:schemeClr val="lt1"/>
+          </a:fontRef>
+        </p:style>
+        <p:txBody>
+          <a:bodyPr rtlCol="0" anchor="ctr"/>
+          <a:lstStyle/>
+          <a:p>
+            <a:pPr algn="ctr"/>
+            <a:endParaRPr lang="ko-KR" altLang="en-US"/>
+          </a:p>
+        </p:txBody>
+      </p:sp>
+      <p:sp>
+        <p:nvSpPr>
+          <p:cNvPr id="2" name="직각 삼각형 1"/>
+          <p:cNvSpPr/>
+          <p:nvPr/>
+        </p:nvSpPr>
+        <p:spPr>
+          <a:xfrm rot="18382315">
+            <a:off x="7982778" y="3028605"/>
+            <a:ext cx="1008692" cy="933790"/>
+          </a:xfrm>
+          <a:prstGeom prst="rtTriangle">
+            <a:avLst/>
+          </a:prstGeom>
+          <a:solidFill>
+            <a:schemeClr val="tx1"/>
+          </a:solidFill>
+          <a:ln>
+            <a:noFill/>
+          </a:ln>
+        </p:spPr>
+        <p:style>
+          <a:lnRef idx="2">
+            <a:schemeClr val="accent1">
+              <a:shade val="50000"/>
+            </a:schemeClr>
+          </a:lnRef>
+          <a:fillRef idx="1">
+            <a:schemeClr val="accent1"/>
+          </a:fillRef>
+          <a:effectRef idx="0">
+            <a:schemeClr val="accent1"/>
+          </a:effectRef>
+          <a:fontRef idx="minor">
+            <a:schemeClr val="lt1"/>
+          </a:fontRef>
+        </p:style>
+        <p:txBody>
+          <a:bodyPr rtlCol="0" anchor="ctr"/>
+          <a:lstStyle/>
+          <a:p>
+            <a:pPr algn="ctr"/>
+            <a:endParaRPr lang="ko-KR" altLang="en-US"/>
+          </a:p>
+        </p:txBody>
+      </p:sp>
+      <p:sp>
+        <p:nvSpPr>
+          <p:cNvPr id="25" name="직각 삼각형 24"/>
+          <p:cNvSpPr/>
+          <p:nvPr/>
+        </p:nvSpPr>
+        <p:spPr>
+          <a:xfrm rot="18382315">
+            <a:off x="7148772" y="3097341"/>
+            <a:ext cx="1008692" cy="933790"/>
+          </a:xfrm>
+          <a:prstGeom prst="rtTriangle">
+            <a:avLst/>
+          </a:prstGeom>
+          <a:solidFill>
+            <a:schemeClr val="tx1"/>
+          </a:solidFill>
+          <a:ln>
+            <a:noFill/>
+          </a:ln>
+        </p:spPr>
+        <p:style>
+          <a:lnRef idx="2">
+            <a:schemeClr val="accent1">
+              <a:shade val="50000"/>
+            </a:schemeClr>
+          </a:lnRef>
+          <a:fillRef idx="1">
+            <a:schemeClr val="accent1"/>
+          </a:fillRef>
+          <a:effectRef idx="0">
+            <a:schemeClr val="accent1"/>
+          </a:effectRef>
+          <a:fontRef idx="minor">
+            <a:schemeClr val="lt1"/>
+          </a:fontRef>
+        </p:style>
+        <p:txBody>
+          <a:bodyPr rtlCol="0" anchor="ctr"/>
+          <a:lstStyle/>
+          <a:p>
+            <a:pPr algn="ctr"/>
+            <a:endParaRPr lang="ko-KR" altLang="en-US" b="1" dirty="0"/>
+          </a:p>
+        </p:txBody>
+      </p:sp>
+      <p:sp>
+        <p:nvSpPr>
+          <p:cNvPr id="26" name="직각 삼각형 25"/>
+          <p:cNvSpPr/>
+          <p:nvPr/>
+        </p:nvSpPr>
+        <p:spPr>
+          <a:xfrm rot="19020593">
+            <a:off x="3168262" y="3043001"/>
+            <a:ext cx="1008692" cy="933790"/>
+          </a:xfrm>
+          <a:prstGeom prst="rtTriangle">
+            <a:avLst/>
+          </a:prstGeom>
+          <a:solidFill>
+            <a:schemeClr val="tx1"/>
+          </a:solidFill>
+          <a:ln>
+            <a:noFill/>
+          </a:ln>
+        </p:spPr>
+        <p:style>
+          <a:lnRef idx="2">
+            <a:schemeClr val="accent1">
+              <a:shade val="50000"/>
+            </a:schemeClr>
+          </a:lnRef>
+          <a:fillRef idx="1">
+            <a:schemeClr val="accent1"/>
+          </a:fillRef>
+          <a:effectRef idx="0">
+            <a:schemeClr val="accent1"/>
+          </a:effectRef>
+          <a:fontRef idx="minor">
+            <a:schemeClr val="lt1"/>
+          </a:fontRef>
+        </p:style>
+        <p:txBody>
+          <a:bodyPr rtlCol="0" anchor="ctr"/>
+          <a:lstStyle/>
+          <a:p>
+            <a:pPr algn="ctr"/>
+            <a:endParaRPr lang="ko-KR" altLang="en-US" b="1" dirty="0"/>
+          </a:p>
+        </p:txBody>
+      </p:sp>
+      <p:sp>
+        <p:nvSpPr>
+          <p:cNvPr id="27" name="직각 삼각형 26"/>
+          <p:cNvSpPr/>
+          <p:nvPr/>
+        </p:nvSpPr>
+        <p:spPr>
+          <a:xfrm rot="18382315">
+            <a:off x="6261840" y="3194746"/>
+            <a:ext cx="1008692" cy="933790"/>
+          </a:xfrm>
+          <a:prstGeom prst="rtTriangle">
+            <a:avLst/>
+          </a:prstGeom>
+          <a:solidFill>
+            <a:schemeClr val="tx1"/>
+          </a:solidFill>
+          <a:ln>
+            <a:noFill/>
+          </a:ln>
+        </p:spPr>
+        <p:style>
+          <a:lnRef idx="2">
+            <a:schemeClr val="accent1">
+              <a:shade val="50000"/>
+            </a:schemeClr>
+          </a:lnRef>
+          <a:fillRef idx="1">
+            <a:schemeClr val="accent1"/>
+          </a:fillRef>
+          <a:effectRef idx="0">
+            <a:schemeClr val="accent1"/>
+          </a:effectRef>
+          <a:fontRef idx="minor">
+            <a:schemeClr val="lt1"/>
+          </a:fontRef>
+        </p:style>
+        <p:txBody>
+          <a:bodyPr rtlCol="0" anchor="ctr"/>
+          <a:lstStyle/>
+          <a:p>
+            <a:pPr algn="ctr"/>
+            <a:endParaRPr lang="ko-KR" altLang="en-US" b="1" dirty="0"/>
+          </a:p>
+        </p:txBody>
+      </p:sp>
+      <p:sp>
+        <p:nvSpPr>
+          <p:cNvPr id="28" name="직각 삼각형 27"/>
+          <p:cNvSpPr/>
+          <p:nvPr/>
+        </p:nvSpPr>
+        <p:spPr>
+          <a:xfrm rot="18874565">
+            <a:off x="5360577" y="3233196"/>
+            <a:ext cx="1008692" cy="933790"/>
+          </a:xfrm>
+          <a:prstGeom prst="rtTriangle">
+            <a:avLst/>
+          </a:prstGeom>
+          <a:solidFill>
+            <a:schemeClr val="tx1"/>
+          </a:solidFill>
+          <a:ln>
+            <a:noFill/>
+          </a:ln>
+        </p:spPr>
+        <p:style>
+          <a:lnRef idx="2">
+            <a:schemeClr val="accent1">
+              <a:shade val="50000"/>
+            </a:schemeClr>
+          </a:lnRef>
+          <a:fillRef idx="1">
+            <a:schemeClr val="accent1"/>
+          </a:fillRef>
+          <a:effectRef idx="0">
+            <a:schemeClr val="accent1"/>
+          </a:effectRef>
+          <a:fontRef idx="minor">
+            <a:schemeClr val="lt1"/>
+          </a:fontRef>
+        </p:style>
+        <p:txBody>
+          <a:bodyPr rtlCol="0" anchor="ctr"/>
+          <a:lstStyle/>
+          <a:p>
+            <a:pPr algn="ctr"/>
+            <a:endParaRPr lang="ko-KR" altLang="en-US" b="1" dirty="0"/>
+          </a:p>
+        </p:txBody>
+      </p:sp>
+      <p:sp>
+        <p:nvSpPr>
+          <p:cNvPr id="29" name="직각 삼각형 28"/>
+          <p:cNvSpPr/>
+          <p:nvPr/>
+        </p:nvSpPr>
+        <p:spPr>
+          <a:xfrm rot="20009554">
+            <a:off x="2192981" y="2980575"/>
+            <a:ext cx="1008692" cy="933790"/>
+          </a:xfrm>
+          <a:prstGeom prst="rtTriangle">
+            <a:avLst/>
+          </a:prstGeom>
+          <a:solidFill>
+            <a:schemeClr val="tx1"/>
+          </a:solidFill>
+          <a:ln>
+            <a:noFill/>
+          </a:ln>
+        </p:spPr>
+        <p:style>
+          <a:lnRef idx="2">
+            <a:schemeClr val="accent1">
+              <a:shade val="50000"/>
+            </a:schemeClr>
+          </a:lnRef>
+          <a:fillRef idx="1">
+            <a:schemeClr val="accent1"/>
+          </a:fillRef>
+          <a:effectRef idx="0">
+            <a:schemeClr val="accent1"/>
+          </a:effectRef>
+          <a:fontRef idx="minor">
+            <a:schemeClr val="lt1"/>
+          </a:fontRef>
+        </p:style>
+        <p:txBody>
+          <a:bodyPr rtlCol="0" anchor="ctr"/>
+          <a:lstStyle/>
+          <a:p>
+            <a:pPr algn="ctr"/>
+            <a:endParaRPr lang="ko-KR" altLang="en-US" b="1" dirty="0"/>
+          </a:p>
+        </p:txBody>
+      </p:sp>
+      <p:sp>
+        <p:nvSpPr>
+          <p:cNvPr id="30" name="직각 삼각형 29"/>
+          <p:cNvSpPr/>
+          <p:nvPr/>
+        </p:nvSpPr>
+        <p:spPr>
+          <a:xfrm rot="19039143">
+            <a:off x="4359557" y="3186880"/>
+            <a:ext cx="1008692" cy="933790"/>
+          </a:xfrm>
+          <a:prstGeom prst="rtTriangle">
+            <a:avLst/>
+          </a:prstGeom>
+          <a:solidFill>
+            <a:schemeClr val="tx1"/>
+          </a:solidFill>
+          <a:ln>
+            <a:noFill/>
+          </a:ln>
+        </p:spPr>
+        <p:style>
+          <a:lnRef idx="2">
+            <a:schemeClr val="accent1">
+              <a:shade val="50000"/>
+            </a:schemeClr>
+          </a:lnRef>
+          <a:fillRef idx="1">
+            <a:schemeClr val="accent1"/>
+          </a:fillRef>
+          <a:effectRef idx="0">
+            <a:schemeClr val="accent1"/>
+          </a:effectRef>
+          <a:fontRef idx="minor">
+            <a:schemeClr val="lt1"/>
+          </a:fontRef>
+        </p:style>
+        <p:txBody>
+          <a:bodyPr rtlCol="0" anchor="ctr"/>
+          <a:lstStyle/>
+          <a:p>
+            <a:pPr algn="ctr"/>
+            <a:endParaRPr lang="ko-KR" altLang="en-US" b="1" dirty="0"/>
+          </a:p>
+        </p:txBody>
+      </p:sp>
+      <p:sp>
+        <p:nvSpPr>
+          <p:cNvPr id="31" name="직각 삼각형 30"/>
+          <p:cNvSpPr/>
+          <p:nvPr/>
+        </p:nvSpPr>
+        <p:spPr>
+          <a:xfrm rot="18382315">
+            <a:off x="8778696" y="2899817"/>
+            <a:ext cx="1008692" cy="933790"/>
+          </a:xfrm>
+          <a:prstGeom prst="rtTriangle">
+            <a:avLst/>
+          </a:prstGeom>
+          <a:solidFill>
+            <a:schemeClr val="tx1"/>
+          </a:solidFill>
+          <a:ln>
+            <a:noFill/>
+          </a:ln>
+        </p:spPr>
+        <p:style>
+          <a:lnRef idx="2">
+            <a:schemeClr val="accent1">
+              <a:shade val="50000"/>
+            </a:schemeClr>
+          </a:lnRef>
+          <a:fillRef idx="1">
+            <a:schemeClr val="accent1"/>
+          </a:fillRef>
+          <a:effectRef idx="0">
+            <a:schemeClr val="accent1"/>
+          </a:effectRef>
+          <a:fontRef idx="minor">
+            <a:schemeClr val="lt1"/>
+          </a:fontRef>
+        </p:style>
+        <p:txBody>
+          <a:bodyPr rtlCol="0" anchor="ctr"/>
+          <a:lstStyle/>
+          <a:p>
+            <a:pPr algn="ctr"/>
+            <a:endParaRPr lang="ko-KR" altLang="en-US" b="1" dirty="0"/>
+          </a:p>
+        </p:txBody>
+      </p:sp>
+      <p:sp>
+        <p:nvSpPr>
+          <p:cNvPr id="32" name="직각 삼각형 31"/>
+          <p:cNvSpPr/>
+          <p:nvPr/>
+        </p:nvSpPr>
+        <p:spPr>
+          <a:xfrm rot="20467860">
+            <a:off x="1681263" y="2883666"/>
+            <a:ext cx="1008692" cy="933790"/>
+          </a:xfrm>
+          <a:prstGeom prst="rtTriangle">
+            <a:avLst/>
+          </a:prstGeom>
+          <a:solidFill>
+            <a:schemeClr val="tx1"/>
+          </a:solidFill>
+          <a:ln>
+            <a:noFill/>
+          </a:ln>
+        </p:spPr>
+        <p:style>
+          <a:lnRef idx="2">
+            <a:schemeClr val="accent1">
+              <a:shade val="50000"/>
+            </a:schemeClr>
+          </a:lnRef>
+          <a:fillRef idx="1">
+            <a:schemeClr val="accent1"/>
+          </a:fillRef>
+          <a:effectRef idx="0">
+            <a:schemeClr val="accent1"/>
+          </a:effectRef>
+          <a:fontRef idx="minor">
+            <a:schemeClr val="lt1"/>
+          </a:fontRef>
+        </p:style>
+        <p:txBody>
+          <a:bodyPr rtlCol="0" anchor="ctr"/>
+          <a:lstStyle/>
+          <a:p>
+            <a:pPr algn="ctr"/>
+            <a:endParaRPr lang="ko-KR" altLang="en-US" b="1" dirty="0"/>
+          </a:p>
+        </p:txBody>
+      </p:sp>
+      <p:sp>
+        <p:nvSpPr>
+          <p:cNvPr id="33" name="직각 삼각형 32"/>
+          <p:cNvSpPr/>
+          <p:nvPr/>
+        </p:nvSpPr>
+        <p:spPr>
+          <a:xfrm rot="7184851">
+            <a:off x="7699043" y="5643277"/>
+            <a:ext cx="883297" cy="1122863"/>
+          </a:xfrm>
+          <a:prstGeom prst="rtTriangle">
+            <a:avLst/>
+          </a:prstGeom>
+          <a:solidFill>
+            <a:schemeClr val="tx1"/>
+          </a:solidFill>
+          <a:ln>
+            <a:noFill/>
+          </a:ln>
+        </p:spPr>
+        <p:style>
+          <a:lnRef idx="2">
+            <a:schemeClr val="accent1">
+              <a:shade val="50000"/>
+            </a:schemeClr>
+          </a:lnRef>
+          <a:fillRef idx="1">
+            <a:schemeClr val="accent1"/>
+          </a:fillRef>
+          <a:effectRef idx="0">
+            <a:schemeClr val="accent1"/>
+          </a:effectRef>
+          <a:fontRef idx="minor">
+            <a:schemeClr val="lt1"/>
+          </a:fontRef>
+        </p:style>
+        <p:txBody>
+          <a:bodyPr rtlCol="0" anchor="ctr"/>
+          <a:lstStyle/>
+          <a:p>
+            <a:pPr algn="ctr"/>
+            <a:endParaRPr lang="ko-KR" altLang="en-US"/>
+          </a:p>
+        </p:txBody>
+      </p:sp>
+      <p:sp>
+        <p:nvSpPr>
+          <p:cNvPr id="34" name="직각 삼각형 33"/>
+          <p:cNvSpPr/>
+          <p:nvPr/>
+        </p:nvSpPr>
+        <p:spPr>
+          <a:xfrm rot="7184851">
+            <a:off x="7196065" y="5850416"/>
+            <a:ext cx="883297" cy="1122863"/>
+          </a:xfrm>
+          <a:prstGeom prst="rtTriangle">
+            <a:avLst/>
+          </a:prstGeom>
+          <a:solidFill>
+            <a:schemeClr val="tx1"/>
+          </a:solidFill>
+          <a:ln>
+            <a:noFill/>
+          </a:ln>
+        </p:spPr>
+        <p:style>
+          <a:lnRef idx="2">
+            <a:schemeClr val="accent1">
+              <a:shade val="50000"/>
+            </a:schemeClr>
+          </a:lnRef>
+          <a:fillRef idx="1">
+            <a:schemeClr val="accent1"/>
+          </a:fillRef>
+          <a:effectRef idx="0">
+            <a:schemeClr val="accent1"/>
+          </a:effectRef>
+          <a:fontRef idx="minor">
+            <a:schemeClr val="lt1"/>
+          </a:fontRef>
+        </p:style>
+        <p:txBody>
+          <a:bodyPr rtlCol="0" anchor="ctr"/>
+          <a:lstStyle/>
+          <a:p>
+            <a:pPr algn="ctr"/>
+            <a:endParaRPr lang="ko-KR" altLang="en-US" b="1" dirty="0"/>
+          </a:p>
+        </p:txBody>
+      </p:sp>
+      <p:sp>
+        <p:nvSpPr>
+          <p:cNvPr id="35" name="직각 삼각형 34"/>
+          <p:cNvSpPr/>
+          <p:nvPr/>
+        </p:nvSpPr>
+        <p:spPr>
+          <a:xfrm rot="7823129">
+            <a:off x="3424167" y="5716895"/>
+            <a:ext cx="883297" cy="1122863"/>
+          </a:xfrm>
+          <a:prstGeom prst="rtTriangle">
+            <a:avLst/>
+          </a:prstGeom>
+          <a:solidFill>
+            <a:schemeClr val="tx1"/>
+          </a:solidFill>
+          <a:ln>
+            <a:noFill/>
+          </a:ln>
+        </p:spPr>
+        <p:style>
+          <a:lnRef idx="2">
+            <a:schemeClr val="accent1">
+              <a:shade val="50000"/>
+            </a:schemeClr>
+          </a:lnRef>
+          <a:fillRef idx="1">
+            <a:schemeClr val="accent1"/>
+          </a:fillRef>
+          <a:effectRef idx="0">
+            <a:schemeClr val="accent1"/>
+          </a:effectRef>
+          <a:fontRef idx="minor">
+            <a:schemeClr val="lt1"/>
+          </a:fontRef>
+        </p:style>
+        <p:txBody>
+          <a:bodyPr rtlCol="0" anchor="ctr"/>
+          <a:lstStyle/>
+          <a:p>
+            <a:pPr algn="ctr"/>
+            <a:endParaRPr lang="ko-KR" altLang="en-US" b="1" dirty="0"/>
+          </a:p>
+        </p:txBody>
+      </p:sp>
+      <p:sp>
+        <p:nvSpPr>
+          <p:cNvPr id="36" name="직각 삼각형 35"/>
+          <p:cNvSpPr/>
+          <p:nvPr/>
+        </p:nvSpPr>
+        <p:spPr>
+          <a:xfrm rot="7184851">
+            <a:off x="6270407" y="5974077"/>
+            <a:ext cx="883297" cy="1122863"/>
+          </a:xfrm>
+          <a:prstGeom prst="rtTriangle">
+            <a:avLst/>
+          </a:prstGeom>
+          <a:solidFill>
+            <a:schemeClr val="tx1"/>
+          </a:solidFill>
+          <a:ln>
+            <a:noFill/>
+          </a:ln>
+        </p:spPr>
+        <p:style>
+          <a:lnRef idx="2">
+            <a:schemeClr val="accent1">
+              <a:shade val="50000"/>
+            </a:schemeClr>
+          </a:lnRef>
+          <a:fillRef idx="1">
+            <a:schemeClr val="accent1"/>
+          </a:fillRef>
+          <a:effectRef idx="0">
+            <a:schemeClr val="accent1"/>
+          </a:effectRef>
+          <a:fontRef idx="minor">
+            <a:schemeClr val="lt1"/>
+          </a:fontRef>
+        </p:style>
+        <p:txBody>
+          <a:bodyPr rtlCol="0" anchor="ctr"/>
+          <a:lstStyle/>
+          <a:p>
+            <a:pPr algn="ctr"/>
+            <a:endParaRPr lang="ko-KR" altLang="en-US" b="1" dirty="0"/>
+          </a:p>
+        </p:txBody>
+      </p:sp>
+      <p:sp>
+        <p:nvSpPr>
+          <p:cNvPr id="37" name="직각 삼각형 36"/>
+          <p:cNvSpPr/>
+          <p:nvPr/>
+        </p:nvSpPr>
+        <p:spPr>
+          <a:xfrm rot="7677101">
+            <a:off x="5247387" y="6033603"/>
+            <a:ext cx="883297" cy="1122863"/>
+          </a:xfrm>
+          <a:prstGeom prst="rtTriangle">
+            <a:avLst/>
+          </a:prstGeom>
+          <a:solidFill>
+            <a:schemeClr val="tx1"/>
+          </a:solidFill>
+          <a:ln>
+            <a:noFill/>
+          </a:ln>
+        </p:spPr>
+        <p:style>
+          <a:lnRef idx="2">
+            <a:schemeClr val="accent1">
+              <a:shade val="50000"/>
+            </a:schemeClr>
+          </a:lnRef>
+          <a:fillRef idx="1">
+            <a:schemeClr val="accent1"/>
+          </a:fillRef>
+          <a:effectRef idx="0">
+            <a:schemeClr val="accent1"/>
+          </a:effectRef>
+          <a:fontRef idx="minor">
+            <a:schemeClr val="lt1"/>
+          </a:fontRef>
+        </p:style>
+        <p:txBody>
+          <a:bodyPr rtlCol="0" anchor="ctr"/>
+          <a:lstStyle/>
+          <a:p>
+            <a:pPr algn="ctr"/>
+            <a:endParaRPr lang="ko-KR" altLang="en-US" b="1" dirty="0"/>
+          </a:p>
+        </p:txBody>
+      </p:sp>
+      <p:sp>
+        <p:nvSpPr>
+          <p:cNvPr id="38" name="직각 삼각형 37"/>
+          <p:cNvSpPr/>
+          <p:nvPr/>
+        </p:nvSpPr>
+        <p:spPr>
+          <a:xfrm rot="8812090">
+            <a:off x="2455618" y="5363019"/>
+            <a:ext cx="883297" cy="1122862"/>
+          </a:xfrm>
+          <a:prstGeom prst="rtTriangle">
+            <a:avLst/>
+          </a:prstGeom>
+          <a:solidFill>
+            <a:schemeClr val="tx1"/>
+          </a:solidFill>
+          <a:ln>
+            <a:noFill/>
+          </a:ln>
+        </p:spPr>
+        <p:style>
+          <a:lnRef idx="2">
+            <a:schemeClr val="accent1">
+              <a:shade val="50000"/>
+            </a:schemeClr>
+          </a:lnRef>
+          <a:fillRef idx="1">
+            <a:schemeClr val="accent1"/>
+          </a:fillRef>
+          <a:effectRef idx="0">
+            <a:schemeClr val="accent1"/>
+          </a:effectRef>
+          <a:fontRef idx="minor">
+            <a:schemeClr val="lt1"/>
+          </a:fontRef>
+        </p:style>
+        <p:txBody>
+          <a:bodyPr rtlCol="0" anchor="ctr"/>
+          <a:lstStyle/>
+          <a:p>
+            <a:pPr algn="ctr"/>
+            <a:endParaRPr lang="ko-KR" altLang="en-US" b="1" dirty="0"/>
+          </a:p>
+        </p:txBody>
+      </p:sp>
+      <p:sp>
+        <p:nvSpPr>
+          <p:cNvPr id="39" name="직각 삼각형 38"/>
+          <p:cNvSpPr/>
+          <p:nvPr/>
+        </p:nvSpPr>
+        <p:spPr>
+          <a:xfrm rot="7841679">
+            <a:off x="4278084" y="6045669"/>
+            <a:ext cx="883297" cy="1122863"/>
+          </a:xfrm>
+          <a:prstGeom prst="rtTriangle">
+            <a:avLst/>
+          </a:prstGeom>
+          <a:solidFill>
+            <a:schemeClr val="tx1"/>
+          </a:solidFill>
+          <a:ln>
+            <a:noFill/>
+          </a:ln>
+        </p:spPr>
+        <p:style>
+          <a:lnRef idx="2">
+            <a:schemeClr val="accent1">
+              <a:shade val="50000"/>
+            </a:schemeClr>
+          </a:lnRef>
+          <a:fillRef idx="1">
+            <a:schemeClr val="accent1"/>
+          </a:fillRef>
+          <a:effectRef idx="0">
+            <a:schemeClr val="accent1"/>
+          </a:effectRef>
+          <a:fontRef idx="minor">
+            <a:schemeClr val="lt1"/>
+          </a:fontRef>
+        </p:style>
+        <p:txBody>
+          <a:bodyPr rtlCol="0" anchor="ctr"/>
+          <a:lstStyle/>
+          <a:p>
+            <a:pPr algn="ctr"/>
+            <a:endParaRPr lang="ko-KR" altLang="en-US" b="1" dirty="0"/>
+          </a:p>
+        </p:txBody>
+      </p:sp>
+      <p:sp>
+        <p:nvSpPr>
+          <p:cNvPr id="40" name="직각 삼각형 39"/>
+          <p:cNvSpPr/>
+          <p:nvPr/>
+        </p:nvSpPr>
+        <p:spPr>
+          <a:xfrm rot="7184851">
+            <a:off x="8347638" y="5313496"/>
+            <a:ext cx="883297" cy="1122863"/>
+          </a:xfrm>
+          <a:prstGeom prst="rtTriangle">
+            <a:avLst/>
+          </a:prstGeom>
+          <a:solidFill>
+            <a:schemeClr val="tx1"/>
+          </a:solidFill>
+          <a:ln>
+            <a:noFill/>
+          </a:ln>
+        </p:spPr>
+        <p:style>
+          <a:lnRef idx="2">
+            <a:schemeClr val="accent1">
+              <a:shade val="50000"/>
+            </a:schemeClr>
+          </a:lnRef>
+          <a:fillRef idx="1">
+            <a:schemeClr val="accent1"/>
+          </a:fillRef>
+          <a:effectRef idx="0">
+            <a:schemeClr val="accent1"/>
+          </a:effectRef>
+          <a:fontRef idx="minor">
+            <a:schemeClr val="lt1"/>
+          </a:fontRef>
+        </p:style>
+        <p:txBody>
+          <a:bodyPr rtlCol="0" anchor="ctr"/>
+          <a:lstStyle/>
+          <a:p>
+            <a:pPr algn="ctr"/>
+            <a:endParaRPr lang="ko-KR" altLang="en-US" b="1" dirty="0"/>
+          </a:p>
+        </p:txBody>
+      </p:sp>
+      <p:sp>
+        <p:nvSpPr>
+          <p:cNvPr id="41" name="직각 삼각형 40"/>
+          <p:cNvSpPr/>
+          <p:nvPr/>
+        </p:nvSpPr>
+        <p:spPr>
+          <a:xfrm rot="9270396">
+            <a:off x="1802722" y="4819236"/>
+            <a:ext cx="883297" cy="1122863"/>
+          </a:xfrm>
+          <a:prstGeom prst="rtTriangle">
+            <a:avLst/>
+          </a:prstGeom>
+          <a:solidFill>
+            <a:schemeClr val="tx1"/>
+          </a:solidFill>
+          <a:ln>
+            <a:noFill/>
+          </a:ln>
+        </p:spPr>
+        <p:style>
+          <a:lnRef idx="2">
+            <a:schemeClr val="accent1">
+              <a:shade val="50000"/>
+            </a:schemeClr>
+          </a:lnRef>
+          <a:fillRef idx="1">
+            <a:schemeClr val="accent1"/>
+          </a:fillRef>
+          <a:effectRef idx="0">
+            <a:schemeClr val="accent1"/>
+          </a:effectRef>
+          <a:fontRef idx="minor">
+            <a:schemeClr val="lt1"/>
+          </a:fontRef>
+        </p:style>
+        <p:txBody>
+          <a:bodyPr rtlCol="0" anchor="ctr"/>
+          <a:lstStyle/>
+          <a:p>
+            <a:pPr algn="ctr"/>
+            <a:endParaRPr lang="ko-KR" altLang="en-US" b="1" dirty="0"/>
+          </a:p>
+        </p:txBody>
+      </p:sp>
+    </p:spTree>
+    <p:extLst>
+      <p:ext uri="{BB962C8B-B14F-4D97-AF65-F5344CB8AC3E}">
+        <p14:creationId xmlns:p14="http://schemas.microsoft.com/office/powerpoint/2010/main" val="3352699996"/>
+      </p:ext>
+    </p:extLst>
+  </p:cSld>
+  <p:clrMapOvr>
+    <a:masterClrMapping/>
+  </p:clrMapOvr>
+</p:sld>
+</file>
+
+<file path=ppt/slides/slide8.xml><?xml version="1.0" encoding="utf-8"?>
 <p:sld xmlns:a="http://schemas.openxmlformats.org/drawingml/2006/main" xmlns:r="http://schemas.openxmlformats.org/officeDocument/2006/relationships" xmlns:p="http://schemas.openxmlformats.org/presentationml/2006/main">
   <p:cSld>
     <p:spTree>
@@ -4070,6 +6844,61 @@
         <p:spPr>
           <a:xfrm>
             <a:off x="6506783" y="2857570"/>
+            <a:ext cx="847619" cy="1142857"/>
+          </a:xfrm>
+          <a:prstGeom prst="rect">
+            <a:avLst/>
+          </a:prstGeom>
+        </p:spPr>
+      </p:pic>
+      <p:pic>
+        <p:nvPicPr>
+          <p:cNvPr id="12" name="그림 11"/>
+          <p:cNvPicPr>
+            <a:picLocks noChangeAspect="1"/>
+          </p:cNvPicPr>
+          <p:nvPr/>
+        </p:nvPicPr>
+        <p:blipFill>
+          <a:blip r:embed="rId11">
+            <a:extLst>
+              <a:ext uri="{BEBA8EAE-BF5A-486C-A8C5-ECC9F3942E4B}">
+                <a14:imgProps xmlns:a14="http://schemas.microsoft.com/office/drawing/2010/main">
+                  <a14:imgLayer r:embed="rId9">
+                    <a14:imgEffect>
+                      <a14:backgroundRemoval t="3333" b="100000" l="1124" r="100000">
+                        <a14:foregroundMark x1="22472" y1="21667" x2="22472" y2="21667"/>
+                        <a14:foregroundMark x1="39326" y1="20833" x2="39326" y2="20833"/>
+                        <a14:foregroundMark x1="57303" y1="17500" x2="57303" y2="17500"/>
+                        <a14:foregroundMark x1="75281" y1="19167" x2="75281" y2="19167"/>
+                        <a14:foregroundMark x1="19101" y1="55000" x2="19101" y2="55000"/>
+                        <a14:foregroundMark x1="40449" y1="53333" x2="40449" y2="53333"/>
+                        <a14:foregroundMark x1="59551" y1="47500" x2="59551" y2="47500"/>
+                        <a14:foregroundMark x1="78652" y1="50833" x2="78652" y2="50833"/>
+                        <a14:foregroundMark x1="20225" y1="84167" x2="20225" y2="84167"/>
+                        <a14:foregroundMark x1="40449" y1="80833" x2="40449" y2="80833"/>
+                        <a14:foregroundMark x1="51685" y1="82500" x2="51685" y2="82500"/>
+                        <a14:foregroundMark x1="66292" y1="84167" x2="66292" y2="84167"/>
+                        <a14:foregroundMark x1="79775" y1="80833" x2="79775" y2="80833"/>
+                        <a14:backgroundMark x1="12360" y1="32500" x2="95506" y2="40833"/>
+                        <a14:backgroundMark x1="11236" y1="65000" x2="88764" y2="67500"/>
+                      </a14:backgroundRemoval>
+                    </a14:imgEffect>
+                  </a14:imgLayer>
+                </a14:imgProps>
+              </a:ext>
+              <a:ext uri="{28A0092B-C50C-407E-A947-70E740481C1C}">
+                <a14:useLocalDpi xmlns:a14="http://schemas.microsoft.com/office/drawing/2010/main" val="0"/>
+              </a:ext>
+            </a:extLst>
+          </a:blip>
+          <a:stretch>
+            <a:fillRect/>
+          </a:stretch>
+        </p:blipFill>
+        <p:spPr>
+          <a:xfrm>
+            <a:off x="8696893" y="3428998"/>
             <a:ext cx="847619" cy="1142857"/>
           </a:xfrm>
           <a:prstGeom prst="rect">

--- a/Game_Project/ch1/작업용 PPT3.pptx
+++ b/Game_Project/ch1/작업용 PPT3.pptx
@@ -9,10 +9,13 @@
     <p:sldId id="258" r:id="rId3"/>
     <p:sldId id="262" r:id="rId4"/>
     <p:sldId id="261" r:id="rId5"/>
-    <p:sldId id="260" r:id="rId6"/>
-    <p:sldId id="259" r:id="rId7"/>
-    <p:sldId id="263" r:id="rId8"/>
-    <p:sldId id="257" r:id="rId9"/>
+    <p:sldId id="266" r:id="rId6"/>
+    <p:sldId id="260" r:id="rId7"/>
+    <p:sldId id="259" r:id="rId8"/>
+    <p:sldId id="264" r:id="rId9"/>
+    <p:sldId id="265" r:id="rId10"/>
+    <p:sldId id="263" r:id="rId11"/>
+    <p:sldId id="257" r:id="rId12"/>
   </p:sldIdLst>
   <p:sldSz cx="12192000" cy="6858000"/>
   <p:notesSz cx="6858000" cy="9144000"/>
@@ -248,7 +251,7 @@
           <a:p>
             <a:fld id="{AF3604FE-87CC-407B-B7F3-F6CD7B2787AA}" type="datetimeFigureOut">
               <a:rPr lang="ko-KR" altLang="en-US" smtClean="0"/>
-              <a:t>2016-12-05</a:t>
+              <a:t>2016-12-08</a:t>
             </a:fld>
             <a:endParaRPr lang="ko-KR" altLang="en-US"/>
           </a:p>
@@ -416,7 +419,7 @@
           <a:p>
             <a:fld id="{AF3604FE-87CC-407B-B7F3-F6CD7B2787AA}" type="datetimeFigureOut">
               <a:rPr lang="ko-KR" altLang="en-US" smtClean="0"/>
-              <a:t>2016-12-05</a:t>
+              <a:t>2016-12-08</a:t>
             </a:fld>
             <a:endParaRPr lang="ko-KR" altLang="en-US"/>
           </a:p>
@@ -594,7 +597,7 @@
           <a:p>
             <a:fld id="{AF3604FE-87CC-407B-B7F3-F6CD7B2787AA}" type="datetimeFigureOut">
               <a:rPr lang="ko-KR" altLang="en-US" smtClean="0"/>
-              <a:t>2016-12-05</a:t>
+              <a:t>2016-12-08</a:t>
             </a:fld>
             <a:endParaRPr lang="ko-KR" altLang="en-US"/>
           </a:p>
@@ -762,7 +765,7 @@
           <a:p>
             <a:fld id="{AF3604FE-87CC-407B-B7F3-F6CD7B2787AA}" type="datetimeFigureOut">
               <a:rPr lang="ko-KR" altLang="en-US" smtClean="0"/>
-              <a:t>2016-12-05</a:t>
+              <a:t>2016-12-08</a:t>
             </a:fld>
             <a:endParaRPr lang="ko-KR" altLang="en-US"/>
           </a:p>
@@ -1007,7 +1010,7 @@
           <a:p>
             <a:fld id="{AF3604FE-87CC-407B-B7F3-F6CD7B2787AA}" type="datetimeFigureOut">
               <a:rPr lang="ko-KR" altLang="en-US" smtClean="0"/>
-              <a:t>2016-12-05</a:t>
+              <a:t>2016-12-08</a:t>
             </a:fld>
             <a:endParaRPr lang="ko-KR" altLang="en-US"/>
           </a:p>
@@ -1236,7 +1239,7 @@
           <a:p>
             <a:fld id="{AF3604FE-87CC-407B-B7F3-F6CD7B2787AA}" type="datetimeFigureOut">
               <a:rPr lang="ko-KR" altLang="en-US" smtClean="0"/>
-              <a:t>2016-12-05</a:t>
+              <a:t>2016-12-08</a:t>
             </a:fld>
             <a:endParaRPr lang="ko-KR" altLang="en-US"/>
           </a:p>
@@ -1600,7 +1603,7 @@
           <a:p>
             <a:fld id="{AF3604FE-87CC-407B-B7F3-F6CD7B2787AA}" type="datetimeFigureOut">
               <a:rPr lang="ko-KR" altLang="en-US" smtClean="0"/>
-              <a:t>2016-12-05</a:t>
+              <a:t>2016-12-08</a:t>
             </a:fld>
             <a:endParaRPr lang="ko-KR" altLang="en-US"/>
           </a:p>
@@ -1717,7 +1720,7 @@
           <a:p>
             <a:fld id="{AF3604FE-87CC-407B-B7F3-F6CD7B2787AA}" type="datetimeFigureOut">
               <a:rPr lang="ko-KR" altLang="en-US" smtClean="0"/>
-              <a:t>2016-12-05</a:t>
+              <a:t>2016-12-08</a:t>
             </a:fld>
             <a:endParaRPr lang="ko-KR" altLang="en-US"/>
           </a:p>
@@ -1812,7 +1815,7 @@
           <a:p>
             <a:fld id="{AF3604FE-87CC-407B-B7F3-F6CD7B2787AA}" type="datetimeFigureOut">
               <a:rPr lang="ko-KR" altLang="en-US" smtClean="0"/>
-              <a:t>2016-12-05</a:t>
+              <a:t>2016-12-08</a:t>
             </a:fld>
             <a:endParaRPr lang="ko-KR" altLang="en-US"/>
           </a:p>
@@ -2087,7 +2090,7 @@
           <a:p>
             <a:fld id="{AF3604FE-87CC-407B-B7F3-F6CD7B2787AA}" type="datetimeFigureOut">
               <a:rPr lang="ko-KR" altLang="en-US" smtClean="0"/>
-              <a:t>2016-12-05</a:t>
+              <a:t>2016-12-08</a:t>
             </a:fld>
             <a:endParaRPr lang="ko-KR" altLang="en-US"/>
           </a:p>
@@ -2339,7 +2342,7 @@
           <a:p>
             <a:fld id="{AF3604FE-87CC-407B-B7F3-F6CD7B2787AA}" type="datetimeFigureOut">
               <a:rPr lang="ko-KR" altLang="en-US" smtClean="0"/>
-              <a:t>2016-12-05</a:t>
+              <a:t>2016-12-08</a:t>
             </a:fld>
             <a:endParaRPr lang="ko-KR" altLang="en-US"/>
           </a:p>
@@ -2550,7 +2553,7 @@
           <a:p>
             <a:fld id="{AF3604FE-87CC-407B-B7F3-F6CD7B2787AA}" type="datetimeFigureOut">
               <a:rPr lang="ko-KR" altLang="en-US" smtClean="0"/>
-              <a:t>2016-12-05</a:t>
+              <a:t>2016-12-08</a:t>
             </a:fld>
             <a:endParaRPr lang="ko-KR" altLang="en-US"/>
           </a:p>
@@ -3371,7 +3374,7 @@
 </p:sld>
 </file>
 
-<file path=ppt/slides/slide2.xml><?xml version="1.0" encoding="utf-8"?>
+<file path=ppt/slides/slide10.xml><?xml version="1.0" encoding="utf-8"?>
 <p:sld xmlns:a="http://schemas.openxmlformats.org/drawingml/2006/main" xmlns:r="http://schemas.openxmlformats.org/officeDocument/2006/relationships" xmlns:p="http://schemas.openxmlformats.org/presentationml/2006/main">
   <p:cSld>
     <p:spTree>
@@ -3410,1468 +3413,6 @@
         </p:blipFill>
         <p:spPr>
           <a:xfrm>
-            <a:off x="164730" y="189569"/>
-            <a:ext cx="11431595" cy="6668431"/>
-          </a:xfrm>
-          <a:prstGeom prst="rect">
-            <a:avLst/>
-          </a:prstGeom>
-        </p:spPr>
-      </p:pic>
-      <p:sp>
-        <p:nvSpPr>
-          <p:cNvPr id="3" name="직사각형 2"/>
-          <p:cNvSpPr/>
-          <p:nvPr/>
-        </p:nvSpPr>
-        <p:spPr>
-          <a:xfrm>
-            <a:off x="1682841" y="1755108"/>
-            <a:ext cx="8084264" cy="2554545"/>
-          </a:xfrm>
-          <a:prstGeom prst="rect">
-            <a:avLst/>
-          </a:prstGeom>
-          <a:noFill/>
-          <a:effectLst>
-            <a:glow rad="266700">
-              <a:schemeClr val="bg1"/>
-            </a:glow>
-          </a:effectLst>
-        </p:spPr>
-        <p:txBody>
-          <a:bodyPr wrap="none" lIns="91440" tIns="45720" rIns="91440" bIns="45720">
-            <a:spAutoFit/>
-          </a:bodyPr>
-          <a:lstStyle/>
-          <a:p>
-            <a:r>
-              <a:rPr lang="ko-KR" altLang="en-US" sz="4000" dirty="0">
-                <a:ln w="0"/>
-                <a:solidFill>
-                  <a:srgbClr val="0070C0"/>
-                </a:solidFill>
-                <a:effectLst>
-                  <a:outerShdw blurRad="38100" dist="19050" dir="2700000" algn="tl" rotWithShape="0">
-                    <a:schemeClr val="dk1">
-                      <a:alpha val="40000"/>
-                    </a:schemeClr>
-                  </a:outerShdw>
-                </a:effectLst>
-                <a:latin typeface="양재꽃게체M" panose="02020603020101020101" pitchFamily="18" charset="-127"/>
-                <a:ea typeface="양재꽃게체M" panose="02020603020101020101" pitchFamily="18" charset="-127"/>
-              </a:rPr>
-              <a:t>그렇게 당신은 파랑의 정령이 되어</a:t>
-            </a:r>
-            <a:endParaRPr lang="en-US" altLang="ko-KR" sz="4000" dirty="0">
-              <a:ln w="0"/>
-              <a:solidFill>
-                <a:srgbClr val="0070C0"/>
-              </a:solidFill>
-              <a:effectLst>
-                <a:outerShdw blurRad="38100" dist="19050" dir="2700000" algn="tl" rotWithShape="0">
-                  <a:schemeClr val="dk1">
-                    <a:alpha val="40000"/>
-                  </a:schemeClr>
-                </a:outerShdw>
-              </a:effectLst>
-              <a:latin typeface="양재꽃게체M" panose="02020603020101020101" pitchFamily="18" charset="-127"/>
-              <a:ea typeface="양재꽃게체M" panose="02020603020101020101" pitchFamily="18" charset="-127"/>
-            </a:endParaRPr>
-          </a:p>
-          <a:p>
-            <a:r>
-              <a:rPr lang="ko-KR" altLang="en-US" sz="4000" dirty="0">
-                <a:ln w="0"/>
-                <a:solidFill>
-                  <a:srgbClr val="0070C0"/>
-                </a:solidFill>
-                <a:effectLst>
-                  <a:outerShdw blurRad="38100" dist="19050" dir="2700000" algn="tl" rotWithShape="0">
-                    <a:schemeClr val="dk1">
-                      <a:alpha val="40000"/>
-                    </a:schemeClr>
-                  </a:outerShdw>
-                </a:effectLst>
-                <a:latin typeface="양재꽃게체M" panose="02020603020101020101" pitchFamily="18" charset="-127"/>
-                <a:ea typeface="양재꽃게체M" panose="02020603020101020101" pitchFamily="18" charset="-127"/>
-              </a:rPr>
-              <a:t>무사히 그곳에서 탈출 했답니다</a:t>
-            </a:r>
-            <a:r>
-              <a:rPr lang="en-US" altLang="ko-KR" sz="4000" dirty="0">
-                <a:ln w="0"/>
-                <a:solidFill>
-                  <a:srgbClr val="0070C0"/>
-                </a:solidFill>
-                <a:effectLst>
-                  <a:outerShdw blurRad="38100" dist="19050" dir="2700000" algn="tl" rotWithShape="0">
-                    <a:schemeClr val="dk1">
-                      <a:alpha val="40000"/>
-                    </a:schemeClr>
-                  </a:outerShdw>
-                </a:effectLst>
-                <a:latin typeface="양재꽃게체M" panose="02020603020101020101" pitchFamily="18" charset="-127"/>
-                <a:ea typeface="양재꽃게체M" panose="02020603020101020101" pitchFamily="18" charset="-127"/>
-              </a:rPr>
-              <a:t>.</a:t>
-            </a:r>
-            <a:r>
-              <a:rPr lang="ko-KR" altLang="en-US" sz="4000" dirty="0">
-                <a:ln w="0"/>
-                <a:solidFill>
-                  <a:srgbClr val="0070C0"/>
-                </a:solidFill>
-                <a:effectLst>
-                  <a:outerShdw blurRad="38100" dist="19050" dir="2700000" algn="tl" rotWithShape="0">
-                    <a:schemeClr val="dk1">
-                      <a:alpha val="40000"/>
-                    </a:schemeClr>
-                  </a:outerShdw>
-                </a:effectLst>
-                <a:latin typeface="양재꽃게체M" panose="02020603020101020101" pitchFamily="18" charset="-127"/>
-                <a:ea typeface="양재꽃게체M" panose="02020603020101020101" pitchFamily="18" charset="-127"/>
-              </a:rPr>
-              <a:t> </a:t>
-            </a:r>
-            <a:endParaRPr lang="en-US" altLang="ko-KR" sz="4000" dirty="0">
-              <a:ln w="0"/>
-              <a:solidFill>
-                <a:srgbClr val="0070C0"/>
-              </a:solidFill>
-              <a:effectLst>
-                <a:outerShdw blurRad="38100" dist="19050" dir="2700000" algn="tl" rotWithShape="0">
-                  <a:schemeClr val="dk1">
-                    <a:alpha val="40000"/>
-                  </a:schemeClr>
-                </a:outerShdw>
-              </a:effectLst>
-              <a:latin typeface="양재꽃게체M" panose="02020603020101020101" pitchFamily="18" charset="-127"/>
-              <a:ea typeface="양재꽃게체M" panose="02020603020101020101" pitchFamily="18" charset="-127"/>
-            </a:endParaRPr>
-          </a:p>
-          <a:p>
-            <a:endParaRPr lang="en-US" altLang="ko-KR" sz="4000" dirty="0">
-              <a:ln w="0"/>
-              <a:solidFill>
-                <a:srgbClr val="0070C0"/>
-              </a:solidFill>
-              <a:effectLst>
-                <a:outerShdw blurRad="38100" dist="19050" dir="2700000" algn="tl" rotWithShape="0">
-                  <a:schemeClr val="dk1">
-                    <a:alpha val="40000"/>
-                  </a:schemeClr>
-                </a:outerShdw>
-              </a:effectLst>
-              <a:latin typeface="양재꽃게체M" panose="02020603020101020101" pitchFamily="18" charset="-127"/>
-              <a:ea typeface="양재꽃게체M" panose="02020603020101020101" pitchFamily="18" charset="-127"/>
-            </a:endParaRPr>
-          </a:p>
-          <a:p>
-            <a:r>
-              <a:rPr lang="en-US" altLang="ko-KR" sz="4000" dirty="0">
-                <a:ln w="0"/>
-                <a:solidFill>
-                  <a:srgbClr val="0070C0"/>
-                </a:solidFill>
-                <a:effectLst>
-                  <a:outerShdw blurRad="38100" dist="19050" dir="2700000" algn="tl" rotWithShape="0">
-                    <a:schemeClr val="dk1">
-                      <a:alpha val="40000"/>
-                    </a:schemeClr>
-                  </a:outerShdw>
-                </a:effectLst>
-                <a:latin typeface="양재꽃게체M" panose="02020603020101020101" pitchFamily="18" charset="-127"/>
-                <a:ea typeface="양재꽃게체M" panose="02020603020101020101" pitchFamily="18" charset="-127"/>
-              </a:rPr>
-              <a:t>	-</a:t>
-            </a:r>
-            <a:r>
-              <a:rPr lang="ko-KR" altLang="en-US" sz="4000" dirty="0">
-                <a:ln w="0"/>
-                <a:solidFill>
-                  <a:srgbClr val="0070C0"/>
-                </a:solidFill>
-                <a:effectLst>
-                  <a:outerShdw blurRad="38100" dist="19050" dir="2700000" algn="tl" rotWithShape="0">
-                    <a:schemeClr val="dk1">
-                      <a:alpha val="40000"/>
-                    </a:schemeClr>
-                  </a:outerShdw>
-                </a:effectLst>
-                <a:latin typeface="양재꽃게체M" panose="02020603020101020101" pitchFamily="18" charset="-127"/>
-                <a:ea typeface="양재꽃게체M" panose="02020603020101020101" pitchFamily="18" charset="-127"/>
-              </a:rPr>
-              <a:t>끝</a:t>
-            </a:r>
-            <a:r>
-              <a:rPr lang="en-US" altLang="ko-KR" sz="4000" dirty="0">
-                <a:ln w="0"/>
-                <a:solidFill>
-                  <a:srgbClr val="0070C0"/>
-                </a:solidFill>
-                <a:effectLst>
-                  <a:outerShdw blurRad="38100" dist="19050" dir="2700000" algn="tl" rotWithShape="0">
-                    <a:schemeClr val="dk1">
-                      <a:alpha val="40000"/>
-                    </a:schemeClr>
-                  </a:outerShdw>
-                </a:effectLst>
-                <a:latin typeface="양재꽃게체M" panose="02020603020101020101" pitchFamily="18" charset="-127"/>
-                <a:ea typeface="양재꽃게체M" panose="02020603020101020101" pitchFamily="18" charset="-127"/>
-              </a:rPr>
-              <a:t>-</a:t>
-            </a:r>
-          </a:p>
-        </p:txBody>
-      </p:sp>
-    </p:spTree>
-    <p:extLst>
-      <p:ext uri="{BB962C8B-B14F-4D97-AF65-F5344CB8AC3E}">
-        <p14:creationId xmlns:p14="http://schemas.microsoft.com/office/powerpoint/2010/main" val="762087017"/>
-      </p:ext>
-    </p:extLst>
-  </p:cSld>
-  <p:clrMapOvr>
-    <a:masterClrMapping/>
-  </p:clrMapOvr>
-</p:sld>
-</file>
-
-<file path=ppt/slides/slide3.xml><?xml version="1.0" encoding="utf-8"?>
-<p:sld xmlns:a="http://schemas.openxmlformats.org/drawingml/2006/main" xmlns:r="http://schemas.openxmlformats.org/officeDocument/2006/relationships" xmlns:p="http://schemas.openxmlformats.org/presentationml/2006/main">
-  <p:cSld>
-    <p:spTree>
-      <p:nvGrpSpPr>
-        <p:cNvPr id="1" name=""/>
-        <p:cNvGrpSpPr/>
-        <p:nvPr/>
-      </p:nvGrpSpPr>
-      <p:grpSpPr>
-        <a:xfrm>
-          <a:off x="0" y="0"/>
-          <a:ext cx="0" cy="0"/>
-          <a:chOff x="0" y="0"/>
-          <a:chExt cx="0" cy="0"/>
-        </a:xfrm>
-      </p:grpSpPr>
-      <p:pic>
-        <p:nvPicPr>
-          <p:cNvPr id="5" name="그림 4"/>
-          <p:cNvPicPr>
-            <a:picLocks noChangeAspect="1"/>
-          </p:cNvPicPr>
-          <p:nvPr/>
-        </p:nvPicPr>
-        <p:blipFill>
-          <a:blip r:embed="rId2">
-            <a:extLst>
-              <a:ext uri="{28A0092B-C50C-407E-A947-70E740481C1C}">
-                <a14:useLocalDpi xmlns:a14="http://schemas.microsoft.com/office/drawing/2010/main" val="0"/>
-              </a:ext>
-            </a:extLst>
-          </a:blip>
-          <a:stretch>
-            <a:fillRect/>
-          </a:stretch>
-        </p:blipFill>
-        <p:spPr>
-          <a:xfrm>
-            <a:off x="380861" y="0"/>
-            <a:ext cx="11431595" cy="6668431"/>
-          </a:xfrm>
-          <a:prstGeom prst="rect">
-            <a:avLst/>
-          </a:prstGeom>
-        </p:spPr>
-      </p:pic>
-      <p:pic>
-        <p:nvPicPr>
-          <p:cNvPr id="2" name="그림 1"/>
-          <p:cNvPicPr>
-            <a:picLocks noChangeAspect="1"/>
-          </p:cNvPicPr>
-          <p:nvPr/>
-        </p:nvPicPr>
-        <p:blipFill>
-          <a:blip r:embed="rId3">
-            <a:extLst>
-              <a:ext uri="{28A0092B-C50C-407E-A947-70E740481C1C}">
-                <a14:useLocalDpi xmlns:a14="http://schemas.microsoft.com/office/drawing/2010/main" val="0"/>
-              </a:ext>
-            </a:extLst>
-          </a:blip>
-          <a:stretch>
-            <a:fillRect/>
-          </a:stretch>
-        </p:blipFill>
-        <p:spPr>
-          <a:xfrm>
-            <a:off x="5555088" y="1467085"/>
-            <a:ext cx="1083139" cy="1083139"/>
-          </a:xfrm>
-          <a:prstGeom prst="rect">
-            <a:avLst/>
-          </a:prstGeom>
-        </p:spPr>
-      </p:pic>
-      <p:pic>
-        <p:nvPicPr>
-          <p:cNvPr id="6" name="그림 5"/>
-          <p:cNvPicPr>
-            <a:picLocks noChangeAspect="1"/>
-          </p:cNvPicPr>
-          <p:nvPr/>
-        </p:nvPicPr>
-        <p:blipFill>
-          <a:blip r:embed="rId2">
-            <a:extLst>
-              <a:ext uri="{28A0092B-C50C-407E-A947-70E740481C1C}">
-                <a14:useLocalDpi xmlns:a14="http://schemas.microsoft.com/office/drawing/2010/main" val="0"/>
-              </a:ext>
-            </a:extLst>
-          </a:blip>
-          <a:stretch>
-            <a:fillRect/>
-          </a:stretch>
-        </p:blipFill>
-        <p:spPr>
-          <a:xfrm>
-            <a:off x="1536735" y="3727038"/>
-            <a:ext cx="9119839" cy="2057868"/>
-          </a:xfrm>
-          <a:prstGeom prst="rect">
-            <a:avLst/>
-          </a:prstGeom>
-          <a:ln w="38100">
-            <a:solidFill>
-              <a:schemeClr val="bg1"/>
-            </a:solidFill>
-          </a:ln>
-          <a:effectLst>
-            <a:glow rad="266700">
-              <a:schemeClr val="bg1"/>
-            </a:glow>
-          </a:effectLst>
-        </p:spPr>
-      </p:pic>
-      <p:sp>
-        <p:nvSpPr>
-          <p:cNvPr id="8" name="직사각형 7"/>
-          <p:cNvSpPr/>
-          <p:nvPr/>
-        </p:nvSpPr>
-        <p:spPr>
-          <a:xfrm>
-            <a:off x="2366861" y="4201974"/>
-            <a:ext cx="7142899" cy="553998"/>
-          </a:xfrm>
-          <a:prstGeom prst="rect">
-            <a:avLst/>
-          </a:prstGeom>
-          <a:noFill/>
-          <a:effectLst>
-            <a:glow rad="266700">
-              <a:schemeClr val="bg1"/>
-            </a:glow>
-          </a:effectLst>
-        </p:spPr>
-        <p:txBody>
-          <a:bodyPr wrap="square" lIns="91440" tIns="45720" rIns="91440" bIns="45720">
-            <a:spAutoFit/>
-          </a:bodyPr>
-          <a:lstStyle/>
-          <a:p>
-            <a:r>
-              <a:rPr lang="ko-KR" altLang="en-US" sz="3000" dirty="0">
-                <a:ln w="0"/>
-                <a:solidFill>
-                  <a:schemeClr val="bg1"/>
-                </a:solidFill>
-                <a:effectLst>
-                  <a:outerShdw blurRad="38100" dist="19050" dir="2700000" algn="tl" rotWithShape="0">
-                    <a:schemeClr val="dk1">
-                      <a:alpha val="40000"/>
-                    </a:schemeClr>
-                  </a:outerShdw>
-                </a:effectLst>
-              </a:rPr>
-              <a:t>이렇게 사라질 수는 없어</a:t>
-            </a:r>
-            <a:r>
-              <a:rPr lang="en-US" altLang="ko-KR" sz="3000" dirty="0">
-                <a:ln w="0"/>
-                <a:solidFill>
-                  <a:schemeClr val="bg1"/>
-                </a:solidFill>
-                <a:effectLst>
-                  <a:outerShdw blurRad="38100" dist="19050" dir="2700000" algn="tl" rotWithShape="0">
-                    <a:schemeClr val="dk1">
-                      <a:alpha val="40000"/>
-                    </a:schemeClr>
-                  </a:outerShdw>
-                </a:effectLst>
-              </a:rPr>
-              <a:t>…</a:t>
-            </a:r>
-            <a:r>
-              <a:rPr lang="ko-KR" altLang="en-US" sz="3000" dirty="0">
-                <a:ln w="0"/>
-                <a:solidFill>
-                  <a:schemeClr val="bg1"/>
-                </a:solidFill>
-                <a:effectLst>
-                  <a:outerShdw blurRad="38100" dist="19050" dir="2700000" algn="tl" rotWithShape="0">
-                    <a:schemeClr val="dk1">
-                      <a:alpha val="40000"/>
-                    </a:schemeClr>
-                  </a:outerShdw>
-                </a:effectLst>
-              </a:rPr>
-              <a:t>안돼</a:t>
-            </a:r>
-            <a:r>
-              <a:rPr lang="en-US" altLang="ko-KR" sz="3000" dirty="0">
-                <a:ln w="0"/>
-                <a:solidFill>
-                  <a:schemeClr val="bg1"/>
-                </a:solidFill>
-                <a:effectLst>
-                  <a:outerShdw blurRad="38100" dist="19050" dir="2700000" algn="tl" rotWithShape="0">
-                    <a:schemeClr val="dk1">
-                      <a:alpha val="40000"/>
-                    </a:schemeClr>
-                  </a:outerShdw>
-                </a:effectLst>
-              </a:rPr>
-              <a:t>…</a:t>
-            </a:r>
-          </a:p>
-        </p:txBody>
-      </p:sp>
-    </p:spTree>
-    <p:extLst>
-      <p:ext uri="{BB962C8B-B14F-4D97-AF65-F5344CB8AC3E}">
-        <p14:creationId xmlns:p14="http://schemas.microsoft.com/office/powerpoint/2010/main" val="2336030435"/>
-      </p:ext>
-    </p:extLst>
-  </p:cSld>
-  <p:clrMapOvr>
-    <a:masterClrMapping/>
-  </p:clrMapOvr>
-</p:sld>
-</file>
-
-<file path=ppt/slides/slide4.xml><?xml version="1.0" encoding="utf-8"?>
-<p:sld xmlns:a="http://schemas.openxmlformats.org/drawingml/2006/main" xmlns:r="http://schemas.openxmlformats.org/officeDocument/2006/relationships" xmlns:p="http://schemas.openxmlformats.org/presentationml/2006/main">
-  <p:cSld>
-    <p:spTree>
-      <p:nvGrpSpPr>
-        <p:cNvPr id="1" name=""/>
-        <p:cNvGrpSpPr/>
-        <p:nvPr/>
-      </p:nvGrpSpPr>
-      <p:grpSpPr>
-        <a:xfrm>
-          <a:off x="0" y="0"/>
-          <a:ext cx="0" cy="0"/>
-          <a:chOff x="0" y="0"/>
-          <a:chExt cx="0" cy="0"/>
-        </a:xfrm>
-      </p:grpSpPr>
-      <p:pic>
-        <p:nvPicPr>
-          <p:cNvPr id="6" name="그림 5"/>
-          <p:cNvPicPr>
-            <a:picLocks noChangeAspect="1"/>
-          </p:cNvPicPr>
-          <p:nvPr/>
-        </p:nvPicPr>
-        <p:blipFill>
-          <a:blip r:embed="rId2">
-            <a:extLst>
-              <a:ext uri="{28A0092B-C50C-407E-A947-70E740481C1C}">
-                <a14:useLocalDpi xmlns:a14="http://schemas.microsoft.com/office/drawing/2010/main" val="0"/>
-              </a:ext>
-            </a:extLst>
-          </a:blip>
-          <a:stretch>
-            <a:fillRect/>
-          </a:stretch>
-        </p:blipFill>
-        <p:spPr>
-          <a:xfrm>
-            <a:off x="146026" y="0"/>
-            <a:ext cx="12045974" cy="6668431"/>
-          </a:xfrm>
-          <a:prstGeom prst="rect">
-            <a:avLst/>
-          </a:prstGeom>
-        </p:spPr>
-      </p:pic>
-      <p:pic>
-        <p:nvPicPr>
-          <p:cNvPr id="5" name="그림 4"/>
-          <p:cNvPicPr>
-            <a:picLocks noChangeAspect="1"/>
-          </p:cNvPicPr>
-          <p:nvPr/>
-        </p:nvPicPr>
-        <p:blipFill>
-          <a:blip r:embed="rId2">
-            <a:extLst>
-              <a:ext uri="{28A0092B-C50C-407E-A947-70E740481C1C}">
-                <a14:useLocalDpi xmlns:a14="http://schemas.microsoft.com/office/drawing/2010/main" val="0"/>
-              </a:ext>
-            </a:extLst>
-          </a:blip>
-          <a:stretch>
-            <a:fillRect/>
-          </a:stretch>
-        </p:blipFill>
-        <p:spPr>
-          <a:xfrm>
-            <a:off x="453215" y="3546583"/>
-            <a:ext cx="11431595" cy="2579510"/>
-          </a:xfrm>
-          <a:prstGeom prst="rect">
-            <a:avLst/>
-          </a:prstGeom>
-          <a:ln w="38100">
-            <a:solidFill>
-              <a:schemeClr val="bg1"/>
-            </a:solidFill>
-          </a:ln>
-          <a:effectLst>
-            <a:glow rad="266700">
-              <a:schemeClr val="bg1"/>
-            </a:glow>
-          </a:effectLst>
-        </p:spPr>
-      </p:pic>
-      <p:sp>
-        <p:nvSpPr>
-          <p:cNvPr id="2" name="직사각형 1"/>
-          <p:cNvSpPr/>
-          <p:nvPr/>
-        </p:nvSpPr>
-        <p:spPr>
-          <a:xfrm>
-            <a:off x="970290" y="4097674"/>
-            <a:ext cx="8637301" cy="1477328"/>
-          </a:xfrm>
-          <a:prstGeom prst="rect">
-            <a:avLst/>
-          </a:prstGeom>
-          <a:noFill/>
-          <a:effectLst>
-            <a:glow rad="266700">
-              <a:schemeClr val="bg1"/>
-            </a:glow>
-          </a:effectLst>
-        </p:spPr>
-        <p:txBody>
-          <a:bodyPr wrap="none" lIns="91440" tIns="45720" rIns="91440" bIns="45720">
-            <a:spAutoFit/>
-          </a:bodyPr>
-          <a:lstStyle/>
-          <a:p>
-            <a:r>
-              <a:rPr lang="ko-KR" altLang="en-US" sz="3000" dirty="0">
-                <a:ln w="0"/>
-                <a:solidFill>
-                  <a:schemeClr val="bg1"/>
-                </a:solidFill>
-                <a:effectLst>
-                  <a:outerShdw blurRad="38100" dist="19050" dir="2700000" algn="tl" rotWithShape="0">
-                    <a:schemeClr val="dk1">
-                      <a:alpha val="40000"/>
-                    </a:schemeClr>
-                  </a:outerShdw>
-                </a:effectLst>
-              </a:rPr>
-              <a:t>잡아 먹혀 버렸다</a:t>
-            </a:r>
-            <a:r>
-              <a:rPr lang="en-US" altLang="ko-KR" sz="3000" dirty="0">
-                <a:ln w="0"/>
-                <a:solidFill>
-                  <a:schemeClr val="bg1"/>
-                </a:solidFill>
-                <a:effectLst>
-                  <a:outerShdw blurRad="38100" dist="19050" dir="2700000" algn="tl" rotWithShape="0">
-                    <a:schemeClr val="dk1">
-                      <a:alpha val="40000"/>
-                    </a:schemeClr>
-                  </a:outerShdw>
-                </a:effectLst>
-              </a:rPr>
-              <a:t>.</a:t>
-            </a:r>
-          </a:p>
-          <a:p>
-            <a:r>
-              <a:rPr lang="ko-KR" altLang="en-US" sz="3000" dirty="0">
-                <a:ln w="0"/>
-                <a:solidFill>
-                  <a:schemeClr val="bg1"/>
-                </a:solidFill>
-                <a:effectLst>
-                  <a:outerShdw blurRad="38100" dist="19050" dir="2700000" algn="tl" rotWithShape="0">
-                    <a:schemeClr val="dk1">
-                      <a:alpha val="40000"/>
-                    </a:schemeClr>
-                  </a:outerShdw>
-                </a:effectLst>
-              </a:rPr>
-              <a:t>뱃속안에 지금까지 모았던 보석들이 흩어져 있다</a:t>
-            </a:r>
-            <a:r>
-              <a:rPr lang="en-US" altLang="ko-KR" sz="3000" dirty="0">
-                <a:ln w="0"/>
-                <a:solidFill>
-                  <a:schemeClr val="bg1"/>
-                </a:solidFill>
-                <a:effectLst>
-                  <a:outerShdw blurRad="38100" dist="19050" dir="2700000" algn="tl" rotWithShape="0">
-                    <a:schemeClr val="dk1">
-                      <a:alpha val="40000"/>
-                    </a:schemeClr>
-                  </a:outerShdw>
-                </a:effectLst>
-              </a:rPr>
-              <a:t>.</a:t>
-            </a:r>
-          </a:p>
-          <a:p>
-            <a:r>
-              <a:rPr lang="ko-KR" altLang="en-US" sz="3000" dirty="0">
-                <a:ln w="0"/>
-                <a:solidFill>
-                  <a:schemeClr val="bg1"/>
-                </a:solidFill>
-                <a:effectLst>
-                  <a:outerShdw blurRad="38100" dist="19050" dir="2700000" algn="tl" rotWithShape="0">
-                    <a:schemeClr val="dk1">
-                      <a:alpha val="40000"/>
-                    </a:schemeClr>
-                  </a:outerShdw>
-                </a:effectLst>
-              </a:rPr>
-              <a:t>모두 다 뽑아버리면 탈출할 </a:t>
-            </a:r>
-            <a:r>
-              <a:rPr lang="ko-KR" altLang="en-US" sz="3000">
-                <a:ln w="0"/>
-                <a:solidFill>
-                  <a:schemeClr val="bg1"/>
-                </a:solidFill>
-                <a:effectLst>
-                  <a:outerShdw blurRad="38100" dist="19050" dir="2700000" algn="tl" rotWithShape="0">
-                    <a:schemeClr val="dk1">
-                      <a:alpha val="40000"/>
-                    </a:schemeClr>
-                  </a:outerShdw>
-                </a:effectLst>
-              </a:rPr>
-              <a:t>수 있을 것 같다</a:t>
-            </a:r>
-            <a:endParaRPr lang="en-US" altLang="ko-KR" sz="3000" dirty="0">
-              <a:ln w="0"/>
-              <a:solidFill>
-                <a:schemeClr val="bg1"/>
-              </a:solidFill>
-              <a:effectLst>
-                <a:outerShdw blurRad="38100" dist="19050" dir="2700000" algn="tl" rotWithShape="0">
-                  <a:schemeClr val="dk1">
-                    <a:alpha val="40000"/>
-                  </a:schemeClr>
-                </a:outerShdw>
-              </a:effectLst>
-            </a:endParaRPr>
-          </a:p>
-        </p:txBody>
-      </p:sp>
-    </p:spTree>
-    <p:extLst>
-      <p:ext uri="{BB962C8B-B14F-4D97-AF65-F5344CB8AC3E}">
-        <p14:creationId xmlns:p14="http://schemas.microsoft.com/office/powerpoint/2010/main" val="2120551260"/>
-      </p:ext>
-    </p:extLst>
-  </p:cSld>
-  <p:clrMapOvr>
-    <a:masterClrMapping/>
-  </p:clrMapOvr>
-</p:sld>
-</file>
-
-<file path=ppt/slides/slide5.xml><?xml version="1.0" encoding="utf-8"?>
-<p:sld xmlns:a="http://schemas.openxmlformats.org/drawingml/2006/main" xmlns:r="http://schemas.openxmlformats.org/officeDocument/2006/relationships" xmlns:p="http://schemas.openxmlformats.org/presentationml/2006/main">
-  <p:cSld>
-    <p:spTree>
-      <p:nvGrpSpPr>
-        <p:cNvPr id="1" name=""/>
-        <p:cNvGrpSpPr/>
-        <p:nvPr/>
-      </p:nvGrpSpPr>
-      <p:grpSpPr>
-        <a:xfrm>
-          <a:off x="0" y="0"/>
-          <a:ext cx="0" cy="0"/>
-          <a:chOff x="0" y="0"/>
-          <a:chExt cx="0" cy="0"/>
-        </a:xfrm>
-      </p:grpSpPr>
-      <p:pic>
-        <p:nvPicPr>
-          <p:cNvPr id="5" name="그림 4"/>
-          <p:cNvPicPr>
-            <a:picLocks noChangeAspect="1"/>
-          </p:cNvPicPr>
-          <p:nvPr/>
-        </p:nvPicPr>
-        <p:blipFill>
-          <a:blip r:embed="rId2">
-            <a:extLst>
-              <a:ext uri="{28A0092B-C50C-407E-A947-70E740481C1C}">
-                <a14:useLocalDpi xmlns:a14="http://schemas.microsoft.com/office/drawing/2010/main" val="0"/>
-              </a:ext>
-            </a:extLst>
-          </a:blip>
-          <a:stretch>
-            <a:fillRect/>
-          </a:stretch>
-        </p:blipFill>
-        <p:spPr>
-          <a:xfrm>
-            <a:off x="146026" y="0"/>
-            <a:ext cx="11431595" cy="6668431"/>
-          </a:xfrm>
-          <a:prstGeom prst="rect">
-            <a:avLst/>
-          </a:prstGeom>
-        </p:spPr>
-      </p:pic>
-      <p:sp>
-        <p:nvSpPr>
-          <p:cNvPr id="4" name="원형: 비어 있음 3"/>
-          <p:cNvSpPr/>
-          <p:nvPr/>
-        </p:nvSpPr>
-        <p:spPr>
-          <a:xfrm>
-            <a:off x="7494305" y="1640379"/>
-            <a:ext cx="1346662" cy="1280160"/>
-          </a:xfrm>
-          <a:prstGeom prst="donut">
-            <a:avLst/>
-          </a:prstGeom>
-          <a:solidFill>
-            <a:srgbClr val="C00000"/>
-          </a:solidFill>
-          <a:ln>
-            <a:solidFill>
-              <a:srgbClr val="C00000"/>
-            </a:solidFill>
-          </a:ln>
-        </p:spPr>
-        <p:style>
-          <a:lnRef idx="2">
-            <a:schemeClr val="accent1">
-              <a:shade val="50000"/>
-            </a:schemeClr>
-          </a:lnRef>
-          <a:fillRef idx="1">
-            <a:schemeClr val="accent1"/>
-          </a:fillRef>
-          <a:effectRef idx="0">
-            <a:schemeClr val="accent1"/>
-          </a:effectRef>
-          <a:fontRef idx="minor">
-            <a:schemeClr val="lt1"/>
-          </a:fontRef>
-        </p:style>
-        <p:txBody>
-          <a:bodyPr rtlCol="0" anchor="ctr"/>
-          <a:lstStyle/>
-          <a:p>
-            <a:pPr algn="ctr"/>
-            <a:endParaRPr lang="ko-KR" altLang="en-US">
-              <a:solidFill>
-                <a:schemeClr val="tx1"/>
-              </a:solidFill>
-            </a:endParaRPr>
-          </a:p>
-        </p:txBody>
-      </p:sp>
-      <p:sp>
-        <p:nvSpPr>
-          <p:cNvPr id="15" name="원형: 비어 있음 14"/>
-          <p:cNvSpPr/>
-          <p:nvPr/>
-        </p:nvSpPr>
-        <p:spPr>
-          <a:xfrm>
-            <a:off x="8173881" y="1129145"/>
-            <a:ext cx="1346662" cy="1280160"/>
-          </a:xfrm>
-          <a:prstGeom prst="donut">
-            <a:avLst/>
-          </a:prstGeom>
-          <a:solidFill>
-            <a:srgbClr val="C00000"/>
-          </a:solidFill>
-          <a:ln>
-            <a:solidFill>
-              <a:srgbClr val="C00000"/>
-            </a:solidFill>
-          </a:ln>
-        </p:spPr>
-        <p:style>
-          <a:lnRef idx="2">
-            <a:schemeClr val="accent1">
-              <a:shade val="50000"/>
-            </a:schemeClr>
-          </a:lnRef>
-          <a:fillRef idx="1">
-            <a:schemeClr val="accent1"/>
-          </a:fillRef>
-          <a:effectRef idx="0">
-            <a:schemeClr val="accent1"/>
-          </a:effectRef>
-          <a:fontRef idx="minor">
-            <a:schemeClr val="lt1"/>
-          </a:fontRef>
-        </p:style>
-        <p:txBody>
-          <a:bodyPr rtlCol="0" anchor="ctr"/>
-          <a:lstStyle/>
-          <a:p>
-            <a:pPr algn="ctr"/>
-            <a:endParaRPr lang="ko-KR" altLang="en-US">
-              <a:solidFill>
-                <a:schemeClr val="tx1"/>
-              </a:solidFill>
-            </a:endParaRPr>
-          </a:p>
-        </p:txBody>
-      </p:sp>
-      <p:sp>
-        <p:nvSpPr>
-          <p:cNvPr id="16" name="원형: 비어 있음 15"/>
-          <p:cNvSpPr/>
-          <p:nvPr/>
-        </p:nvSpPr>
-        <p:spPr>
-          <a:xfrm>
-            <a:off x="8167636" y="1364673"/>
-            <a:ext cx="1346662" cy="1280160"/>
-          </a:xfrm>
-          <a:prstGeom prst="donut">
-            <a:avLst/>
-          </a:prstGeom>
-          <a:solidFill>
-            <a:srgbClr val="C00000"/>
-          </a:solidFill>
-          <a:ln>
-            <a:solidFill>
-              <a:srgbClr val="C00000"/>
-            </a:solidFill>
-          </a:ln>
-        </p:spPr>
-        <p:style>
-          <a:lnRef idx="2">
-            <a:schemeClr val="accent1">
-              <a:shade val="50000"/>
-            </a:schemeClr>
-          </a:lnRef>
-          <a:fillRef idx="1">
-            <a:schemeClr val="accent1"/>
-          </a:fillRef>
-          <a:effectRef idx="0">
-            <a:schemeClr val="accent1"/>
-          </a:effectRef>
-          <a:fontRef idx="minor">
-            <a:schemeClr val="lt1"/>
-          </a:fontRef>
-        </p:style>
-        <p:txBody>
-          <a:bodyPr rtlCol="0" anchor="ctr"/>
-          <a:lstStyle/>
-          <a:p>
-            <a:pPr algn="ctr"/>
-            <a:endParaRPr lang="ko-KR" altLang="en-US">
-              <a:solidFill>
-                <a:schemeClr val="tx1"/>
-              </a:solidFill>
-            </a:endParaRPr>
-          </a:p>
-        </p:txBody>
-      </p:sp>
-      <p:sp>
-        <p:nvSpPr>
-          <p:cNvPr id="17" name="원형: 비어 있음 16"/>
-          <p:cNvSpPr/>
-          <p:nvPr/>
-        </p:nvSpPr>
-        <p:spPr>
-          <a:xfrm>
-            <a:off x="7635563" y="1086196"/>
-            <a:ext cx="1346662" cy="1280160"/>
-          </a:xfrm>
-          <a:prstGeom prst="donut">
-            <a:avLst/>
-          </a:prstGeom>
-          <a:solidFill>
-            <a:srgbClr val="C00000"/>
-          </a:solidFill>
-          <a:ln>
-            <a:solidFill>
-              <a:srgbClr val="C00000"/>
-            </a:solidFill>
-          </a:ln>
-        </p:spPr>
-        <p:style>
-          <a:lnRef idx="2">
-            <a:schemeClr val="accent1">
-              <a:shade val="50000"/>
-            </a:schemeClr>
-          </a:lnRef>
-          <a:fillRef idx="1">
-            <a:schemeClr val="accent1"/>
-          </a:fillRef>
-          <a:effectRef idx="0">
-            <a:schemeClr val="accent1"/>
-          </a:effectRef>
-          <a:fontRef idx="minor">
-            <a:schemeClr val="lt1"/>
-          </a:fontRef>
-        </p:style>
-        <p:txBody>
-          <a:bodyPr rtlCol="0" anchor="ctr"/>
-          <a:lstStyle/>
-          <a:p>
-            <a:pPr algn="ctr"/>
-            <a:endParaRPr lang="ko-KR" altLang="en-US">
-              <a:solidFill>
-                <a:schemeClr val="tx1"/>
-              </a:solidFill>
-            </a:endParaRPr>
-          </a:p>
-        </p:txBody>
-      </p:sp>
-      <p:sp>
-        <p:nvSpPr>
-          <p:cNvPr id="18" name="원형: 비어 있음 17"/>
-          <p:cNvSpPr/>
-          <p:nvPr/>
-        </p:nvSpPr>
-        <p:spPr>
-          <a:xfrm>
-            <a:off x="8010518" y="1726276"/>
-            <a:ext cx="1346662" cy="1280160"/>
-          </a:xfrm>
-          <a:prstGeom prst="donut">
-            <a:avLst/>
-          </a:prstGeom>
-          <a:solidFill>
-            <a:srgbClr val="C00000"/>
-          </a:solidFill>
-          <a:ln>
-            <a:solidFill>
-              <a:srgbClr val="C00000"/>
-            </a:solidFill>
-          </a:ln>
-        </p:spPr>
-        <p:style>
-          <a:lnRef idx="2">
-            <a:schemeClr val="accent1">
-              <a:shade val="50000"/>
-            </a:schemeClr>
-          </a:lnRef>
-          <a:fillRef idx="1">
-            <a:schemeClr val="accent1"/>
-          </a:fillRef>
-          <a:effectRef idx="0">
-            <a:schemeClr val="accent1"/>
-          </a:effectRef>
-          <a:fontRef idx="minor">
-            <a:schemeClr val="lt1"/>
-          </a:fontRef>
-        </p:style>
-        <p:txBody>
-          <a:bodyPr rtlCol="0" anchor="ctr"/>
-          <a:lstStyle/>
-          <a:p>
-            <a:pPr algn="ctr"/>
-            <a:endParaRPr lang="ko-KR" altLang="en-US">
-              <a:solidFill>
-                <a:schemeClr val="tx1"/>
-              </a:solidFill>
-            </a:endParaRPr>
-          </a:p>
-        </p:txBody>
-      </p:sp>
-      <p:sp>
-        <p:nvSpPr>
-          <p:cNvPr id="19" name="원형: 비어 있음 18"/>
-          <p:cNvSpPr/>
-          <p:nvPr/>
-        </p:nvSpPr>
-        <p:spPr>
-          <a:xfrm>
-            <a:off x="1875111" y="1894263"/>
-            <a:ext cx="1346662" cy="1280160"/>
-          </a:xfrm>
-          <a:prstGeom prst="donut">
-            <a:avLst/>
-          </a:prstGeom>
-          <a:solidFill>
-            <a:srgbClr val="C00000"/>
-          </a:solidFill>
-          <a:ln>
-            <a:solidFill>
-              <a:srgbClr val="C00000"/>
-            </a:solidFill>
-          </a:ln>
-        </p:spPr>
-        <p:style>
-          <a:lnRef idx="2">
-            <a:schemeClr val="accent1">
-              <a:shade val="50000"/>
-            </a:schemeClr>
-          </a:lnRef>
-          <a:fillRef idx="1">
-            <a:schemeClr val="accent1"/>
-          </a:fillRef>
-          <a:effectRef idx="0">
-            <a:schemeClr val="accent1"/>
-          </a:effectRef>
-          <a:fontRef idx="minor">
-            <a:schemeClr val="lt1"/>
-          </a:fontRef>
-        </p:style>
-        <p:txBody>
-          <a:bodyPr rtlCol="0" anchor="ctr"/>
-          <a:lstStyle/>
-          <a:p>
-            <a:pPr algn="ctr"/>
-            <a:endParaRPr lang="ko-KR" altLang="en-US">
-              <a:solidFill>
-                <a:schemeClr val="tx1"/>
-              </a:solidFill>
-            </a:endParaRPr>
-          </a:p>
-        </p:txBody>
-      </p:sp>
-      <p:sp>
-        <p:nvSpPr>
-          <p:cNvPr id="20" name="원형: 비어 있음 19"/>
-          <p:cNvSpPr/>
-          <p:nvPr/>
-        </p:nvSpPr>
-        <p:spPr>
-          <a:xfrm>
-            <a:off x="2312000" y="1856856"/>
-            <a:ext cx="1346662" cy="1280160"/>
-          </a:xfrm>
-          <a:prstGeom prst="donut">
-            <a:avLst/>
-          </a:prstGeom>
-          <a:solidFill>
-            <a:srgbClr val="C00000"/>
-          </a:solidFill>
-          <a:ln>
-            <a:solidFill>
-              <a:srgbClr val="C00000"/>
-            </a:solidFill>
-          </a:ln>
-        </p:spPr>
-        <p:style>
-          <a:lnRef idx="2">
-            <a:schemeClr val="accent1">
-              <a:shade val="50000"/>
-            </a:schemeClr>
-          </a:lnRef>
-          <a:fillRef idx="1">
-            <a:schemeClr val="accent1"/>
-          </a:fillRef>
-          <a:effectRef idx="0">
-            <a:schemeClr val="accent1"/>
-          </a:effectRef>
-          <a:fontRef idx="minor">
-            <a:schemeClr val="lt1"/>
-          </a:fontRef>
-        </p:style>
-        <p:txBody>
-          <a:bodyPr rtlCol="0" anchor="ctr"/>
-          <a:lstStyle/>
-          <a:p>
-            <a:pPr algn="ctr"/>
-            <a:endParaRPr lang="ko-KR" altLang="en-US">
-              <a:solidFill>
-                <a:schemeClr val="tx1"/>
-              </a:solidFill>
-            </a:endParaRPr>
-          </a:p>
-        </p:txBody>
-      </p:sp>
-      <p:sp>
-        <p:nvSpPr>
-          <p:cNvPr id="21" name="원형: 비어 있음 20"/>
-          <p:cNvSpPr/>
-          <p:nvPr/>
-        </p:nvSpPr>
-        <p:spPr>
-          <a:xfrm>
-            <a:off x="2053272" y="1036320"/>
-            <a:ext cx="1346662" cy="1280160"/>
-          </a:xfrm>
-          <a:prstGeom prst="donut">
-            <a:avLst/>
-          </a:prstGeom>
-          <a:solidFill>
-            <a:srgbClr val="C00000"/>
-          </a:solidFill>
-          <a:ln>
-            <a:solidFill>
-              <a:srgbClr val="C00000"/>
-            </a:solidFill>
-          </a:ln>
-        </p:spPr>
-        <p:style>
-          <a:lnRef idx="2">
-            <a:schemeClr val="accent1">
-              <a:shade val="50000"/>
-            </a:schemeClr>
-          </a:lnRef>
-          <a:fillRef idx="1">
-            <a:schemeClr val="accent1"/>
-          </a:fillRef>
-          <a:effectRef idx="0">
-            <a:schemeClr val="accent1"/>
-          </a:effectRef>
-          <a:fontRef idx="minor">
-            <a:schemeClr val="lt1"/>
-          </a:fontRef>
-        </p:style>
-        <p:txBody>
-          <a:bodyPr rtlCol="0" anchor="ctr"/>
-          <a:lstStyle/>
-          <a:p>
-            <a:pPr algn="ctr"/>
-            <a:endParaRPr lang="ko-KR" altLang="en-US">
-              <a:solidFill>
-                <a:schemeClr val="tx1"/>
-              </a:solidFill>
-            </a:endParaRPr>
-          </a:p>
-        </p:txBody>
-      </p:sp>
-      <p:sp>
-        <p:nvSpPr>
-          <p:cNvPr id="22" name="원형: 비어 있음 21"/>
-          <p:cNvSpPr/>
-          <p:nvPr/>
-        </p:nvSpPr>
-        <p:spPr>
-          <a:xfrm>
-            <a:off x="2430172" y="1235480"/>
-            <a:ext cx="1346662" cy="1280160"/>
-          </a:xfrm>
-          <a:prstGeom prst="donut">
-            <a:avLst/>
-          </a:prstGeom>
-          <a:solidFill>
-            <a:srgbClr val="C00000"/>
-          </a:solidFill>
-          <a:ln>
-            <a:solidFill>
-              <a:srgbClr val="C00000"/>
-            </a:solidFill>
-          </a:ln>
-        </p:spPr>
-        <p:style>
-          <a:lnRef idx="2">
-            <a:schemeClr val="accent1">
-              <a:shade val="50000"/>
-            </a:schemeClr>
-          </a:lnRef>
-          <a:fillRef idx="1">
-            <a:schemeClr val="accent1"/>
-          </a:fillRef>
-          <a:effectRef idx="0">
-            <a:schemeClr val="accent1"/>
-          </a:effectRef>
-          <a:fontRef idx="minor">
-            <a:schemeClr val="lt1"/>
-          </a:fontRef>
-        </p:style>
-        <p:txBody>
-          <a:bodyPr rtlCol="0" anchor="ctr"/>
-          <a:lstStyle/>
-          <a:p>
-            <a:pPr algn="ctr"/>
-            <a:endParaRPr lang="ko-KR" altLang="en-US">
-              <a:solidFill>
-                <a:schemeClr val="tx1"/>
-              </a:solidFill>
-            </a:endParaRPr>
-          </a:p>
-        </p:txBody>
-      </p:sp>
-      <p:sp>
-        <p:nvSpPr>
-          <p:cNvPr id="23" name="원형: 비어 있음 22"/>
-          <p:cNvSpPr/>
-          <p:nvPr/>
-        </p:nvSpPr>
-        <p:spPr>
-          <a:xfrm>
-            <a:off x="2670330" y="1638993"/>
-            <a:ext cx="1346662" cy="1280160"/>
-          </a:xfrm>
-          <a:prstGeom prst="donut">
-            <a:avLst/>
-          </a:prstGeom>
-          <a:solidFill>
-            <a:srgbClr val="C00000"/>
-          </a:solidFill>
-          <a:ln>
-            <a:solidFill>
-              <a:srgbClr val="C00000"/>
-            </a:solidFill>
-          </a:ln>
-        </p:spPr>
-        <p:style>
-          <a:lnRef idx="2">
-            <a:schemeClr val="accent1">
-              <a:shade val="50000"/>
-            </a:schemeClr>
-          </a:lnRef>
-          <a:fillRef idx="1">
-            <a:schemeClr val="accent1"/>
-          </a:fillRef>
-          <a:effectRef idx="0">
-            <a:schemeClr val="accent1"/>
-          </a:effectRef>
-          <a:fontRef idx="minor">
-            <a:schemeClr val="lt1"/>
-          </a:fontRef>
-        </p:style>
-        <p:txBody>
-          <a:bodyPr rtlCol="0" anchor="ctr"/>
-          <a:lstStyle/>
-          <a:p>
-            <a:pPr algn="ctr"/>
-            <a:endParaRPr lang="ko-KR" altLang="en-US">
-              <a:solidFill>
-                <a:schemeClr val="tx1"/>
-              </a:solidFill>
-            </a:endParaRPr>
-          </a:p>
-        </p:txBody>
-      </p:sp>
-      <p:sp>
-        <p:nvSpPr>
-          <p:cNvPr id="24" name="달 23"/>
-          <p:cNvSpPr/>
-          <p:nvPr/>
-        </p:nvSpPr>
-        <p:spPr>
-          <a:xfrm rot="16200000">
-            <a:off x="4138856" y="940100"/>
-            <a:ext cx="3188067" cy="8013468"/>
-          </a:xfrm>
-          <a:prstGeom prst="moon">
-            <a:avLst>
-              <a:gd name="adj" fmla="val 14105"/>
-            </a:avLst>
-          </a:prstGeom>
-          <a:solidFill>
-            <a:srgbClr val="C00000"/>
-          </a:solidFill>
-          <a:ln>
-            <a:solidFill>
-              <a:srgbClr val="C00000"/>
-            </a:solidFill>
-          </a:ln>
-        </p:spPr>
-        <p:style>
-          <a:lnRef idx="2">
-            <a:schemeClr val="accent1">
-              <a:shade val="50000"/>
-            </a:schemeClr>
-          </a:lnRef>
-          <a:fillRef idx="1">
-            <a:schemeClr val="accent1"/>
-          </a:fillRef>
-          <a:effectRef idx="0">
-            <a:schemeClr val="accent1"/>
-          </a:effectRef>
-          <a:fontRef idx="minor">
-            <a:schemeClr val="lt1"/>
-          </a:fontRef>
-        </p:style>
-        <p:txBody>
-          <a:bodyPr rtlCol="0" anchor="ctr"/>
-          <a:lstStyle/>
-          <a:p>
-            <a:pPr algn="ctr"/>
-            <a:endParaRPr lang="ko-KR" altLang="en-US"/>
-          </a:p>
-        </p:txBody>
-      </p:sp>
-    </p:spTree>
-    <p:extLst>
-      <p:ext uri="{BB962C8B-B14F-4D97-AF65-F5344CB8AC3E}">
-        <p14:creationId xmlns:p14="http://schemas.microsoft.com/office/powerpoint/2010/main" val="4143218367"/>
-      </p:ext>
-    </p:extLst>
-  </p:cSld>
-  <p:clrMapOvr>
-    <a:masterClrMapping/>
-  </p:clrMapOvr>
-</p:sld>
-</file>
-
-<file path=ppt/slides/slide6.xml><?xml version="1.0" encoding="utf-8"?>
-<p:sld xmlns:a="http://schemas.openxmlformats.org/drawingml/2006/main" xmlns:r="http://schemas.openxmlformats.org/officeDocument/2006/relationships" xmlns:p="http://schemas.openxmlformats.org/presentationml/2006/main">
-  <p:cSld>
-    <p:spTree>
-      <p:nvGrpSpPr>
-        <p:cNvPr id="1" name=""/>
-        <p:cNvGrpSpPr/>
-        <p:nvPr/>
-      </p:nvGrpSpPr>
-      <p:grpSpPr>
-        <a:xfrm>
-          <a:off x="0" y="0"/>
-          <a:ext cx="0" cy="0"/>
-          <a:chOff x="0" y="0"/>
-          <a:chExt cx="0" cy="0"/>
-        </a:xfrm>
-      </p:grpSpPr>
-      <p:sp>
-        <p:nvSpPr>
-          <p:cNvPr id="5" name="직사각형 4"/>
-          <p:cNvSpPr/>
-          <p:nvPr/>
-        </p:nvSpPr>
-        <p:spPr>
-          <a:xfrm>
-            <a:off x="1090870" y="783196"/>
-            <a:ext cx="7870250" cy="1323439"/>
-          </a:xfrm>
-          <a:prstGeom prst="rect">
-            <a:avLst/>
-          </a:prstGeom>
-          <a:noFill/>
-        </p:spPr>
-        <p:txBody>
-          <a:bodyPr wrap="square" lIns="91440" tIns="45720" rIns="91440" bIns="45720">
-            <a:spAutoFit/>
-          </a:bodyPr>
-          <a:lstStyle/>
-          <a:p>
-            <a:pPr algn="ctr"/>
-            <a:r>
-              <a:rPr lang="ko-KR" altLang="en-US" sz="8000" b="1" dirty="0">
-                <a:ln w="10160">
-                  <a:noFill/>
-                  <a:prstDash val="solid"/>
-                </a:ln>
-                <a:solidFill>
-                  <a:srgbClr val="C00000"/>
-                </a:solidFill>
-                <a:effectLst>
-                  <a:outerShdw blurRad="38100" dist="22860" dir="5400000" algn="tl" rotWithShape="0">
-                    <a:srgbClr val="000000">
-                      <a:alpha val="30000"/>
-                    </a:srgbClr>
-                  </a:outerShdw>
-                </a:effectLst>
-                <a:latin typeface="양재꽃게체M" panose="02020603020101020101" pitchFamily="18" charset="-127"/>
-                <a:ea typeface="양재꽃게체M" panose="02020603020101020101" pitchFamily="18" charset="-127"/>
-              </a:rPr>
-              <a:t>히히히</a:t>
-            </a:r>
-            <a:r>
-              <a:rPr lang="en-US" altLang="ko-KR" sz="8000" b="1" dirty="0">
-                <a:ln w="10160">
-                  <a:noFill/>
-                  <a:prstDash val="solid"/>
-                </a:ln>
-                <a:solidFill>
-                  <a:srgbClr val="C00000"/>
-                </a:solidFill>
-                <a:effectLst>
-                  <a:outerShdw blurRad="38100" dist="22860" dir="5400000" algn="tl" rotWithShape="0">
-                    <a:srgbClr val="000000">
-                      <a:alpha val="30000"/>
-                    </a:srgbClr>
-                  </a:outerShdw>
-                </a:effectLst>
-                <a:latin typeface="양재꽃게체M" panose="02020603020101020101" pitchFamily="18" charset="-127"/>
-                <a:ea typeface="양재꽃게체M" panose="02020603020101020101" pitchFamily="18" charset="-127"/>
-              </a:rPr>
-              <a:t>..</a:t>
-            </a:r>
-          </a:p>
-        </p:txBody>
-      </p:sp>
-    </p:spTree>
-    <p:extLst>
-      <p:ext uri="{BB962C8B-B14F-4D97-AF65-F5344CB8AC3E}">
-        <p14:creationId xmlns:p14="http://schemas.microsoft.com/office/powerpoint/2010/main" val="3202182772"/>
-      </p:ext>
-    </p:extLst>
-  </p:cSld>
-  <p:clrMapOvr>
-    <a:masterClrMapping/>
-  </p:clrMapOvr>
-</p:sld>
-</file>
-
-<file path=ppt/slides/slide7.xml><?xml version="1.0" encoding="utf-8"?>
-<p:sld xmlns:a="http://schemas.openxmlformats.org/drawingml/2006/main" xmlns:r="http://schemas.openxmlformats.org/officeDocument/2006/relationships" xmlns:p="http://schemas.openxmlformats.org/presentationml/2006/main">
-  <p:cSld>
-    <p:spTree>
-      <p:nvGrpSpPr>
-        <p:cNvPr id="1" name=""/>
-        <p:cNvGrpSpPr/>
-        <p:nvPr/>
-      </p:nvGrpSpPr>
-      <p:grpSpPr>
-        <a:xfrm>
-          <a:off x="0" y="0"/>
-          <a:ext cx="0" cy="0"/>
-          <a:chOff x="0" y="0"/>
-          <a:chExt cx="0" cy="0"/>
-        </a:xfrm>
-      </p:grpSpPr>
-      <p:pic>
-        <p:nvPicPr>
-          <p:cNvPr id="5" name="그림 4"/>
-          <p:cNvPicPr>
-            <a:picLocks noChangeAspect="1"/>
-          </p:cNvPicPr>
-          <p:nvPr/>
-        </p:nvPicPr>
-        <p:blipFill>
-          <a:blip r:embed="rId2">
-            <a:extLst>
-              <a:ext uri="{28A0092B-C50C-407E-A947-70E740481C1C}">
-                <a14:useLocalDpi xmlns:a14="http://schemas.microsoft.com/office/drawing/2010/main" val="0"/>
-              </a:ext>
-            </a:extLst>
-          </a:blip>
-          <a:stretch>
-            <a:fillRect/>
-          </a:stretch>
-        </p:blipFill>
-        <p:spPr>
-          <a:xfrm>
             <a:off x="146026" y="0"/>
             <a:ext cx="11431595" cy="6668431"/>
           </a:xfrm>
@@ -6291,7 +4832,7 @@
 </p:sld>
 </file>
 
-<file path=ppt/slides/slide8.xml><?xml version="1.0" encoding="utf-8"?>
+<file path=ppt/slides/slide11.xml><?xml version="1.0" encoding="utf-8"?>
 <p:sld xmlns:a="http://schemas.openxmlformats.org/drawingml/2006/main" xmlns:r="http://schemas.openxmlformats.org/officeDocument/2006/relationships" xmlns:p="http://schemas.openxmlformats.org/presentationml/2006/main">
   <p:cSld>
     <p:spTree>
@@ -6910,6 +5451,1784 @@
     <p:extLst>
       <p:ext uri="{BB962C8B-B14F-4D97-AF65-F5344CB8AC3E}">
         <p14:creationId xmlns:p14="http://schemas.microsoft.com/office/powerpoint/2010/main" val="175815028"/>
+      </p:ext>
+    </p:extLst>
+  </p:cSld>
+  <p:clrMapOvr>
+    <a:masterClrMapping/>
+  </p:clrMapOvr>
+</p:sld>
+</file>
+
+<file path=ppt/slides/slide2.xml><?xml version="1.0" encoding="utf-8"?>
+<p:sld xmlns:a="http://schemas.openxmlformats.org/drawingml/2006/main" xmlns:r="http://schemas.openxmlformats.org/officeDocument/2006/relationships" xmlns:p="http://schemas.openxmlformats.org/presentationml/2006/main">
+  <p:cSld>
+    <p:spTree>
+      <p:nvGrpSpPr>
+        <p:cNvPr id="1" name=""/>
+        <p:cNvGrpSpPr/>
+        <p:nvPr/>
+      </p:nvGrpSpPr>
+      <p:grpSpPr>
+        <a:xfrm>
+          <a:off x="0" y="0"/>
+          <a:ext cx="0" cy="0"/>
+          <a:chOff x="0" y="0"/>
+          <a:chExt cx="0" cy="0"/>
+        </a:xfrm>
+      </p:grpSpPr>
+      <p:pic>
+        <p:nvPicPr>
+          <p:cNvPr id="5" name="그림 4"/>
+          <p:cNvPicPr>
+            <a:picLocks noChangeAspect="1"/>
+          </p:cNvPicPr>
+          <p:nvPr/>
+        </p:nvPicPr>
+        <p:blipFill>
+          <a:blip r:embed="rId2">
+            <a:extLst>
+              <a:ext uri="{28A0092B-C50C-407E-A947-70E740481C1C}">
+                <a14:useLocalDpi xmlns:a14="http://schemas.microsoft.com/office/drawing/2010/main" val="0"/>
+              </a:ext>
+            </a:extLst>
+          </a:blip>
+          <a:stretch>
+            <a:fillRect/>
+          </a:stretch>
+        </p:blipFill>
+        <p:spPr>
+          <a:xfrm>
+            <a:off x="164730" y="189569"/>
+            <a:ext cx="11431595" cy="6668431"/>
+          </a:xfrm>
+          <a:prstGeom prst="rect">
+            <a:avLst/>
+          </a:prstGeom>
+        </p:spPr>
+      </p:pic>
+      <p:sp>
+        <p:nvSpPr>
+          <p:cNvPr id="3" name="직사각형 2"/>
+          <p:cNvSpPr/>
+          <p:nvPr/>
+        </p:nvSpPr>
+        <p:spPr>
+          <a:xfrm>
+            <a:off x="1682841" y="1755108"/>
+            <a:ext cx="8084264" cy="2554545"/>
+          </a:xfrm>
+          <a:prstGeom prst="rect">
+            <a:avLst/>
+          </a:prstGeom>
+          <a:noFill/>
+          <a:effectLst>
+            <a:glow rad="266700">
+              <a:schemeClr val="bg1"/>
+            </a:glow>
+          </a:effectLst>
+        </p:spPr>
+        <p:txBody>
+          <a:bodyPr wrap="none" lIns="91440" tIns="45720" rIns="91440" bIns="45720">
+            <a:spAutoFit/>
+          </a:bodyPr>
+          <a:lstStyle/>
+          <a:p>
+            <a:r>
+              <a:rPr lang="ko-KR" altLang="en-US" sz="4000" dirty="0">
+                <a:ln w="0"/>
+                <a:solidFill>
+                  <a:srgbClr val="0070C0"/>
+                </a:solidFill>
+                <a:effectLst>
+                  <a:outerShdw blurRad="38100" dist="19050" dir="2700000" algn="tl" rotWithShape="0">
+                    <a:schemeClr val="dk1">
+                      <a:alpha val="40000"/>
+                    </a:schemeClr>
+                  </a:outerShdw>
+                </a:effectLst>
+                <a:latin typeface="양재꽃게체M" panose="02020603020101020101" pitchFamily="18" charset="-127"/>
+                <a:ea typeface="양재꽃게체M" panose="02020603020101020101" pitchFamily="18" charset="-127"/>
+              </a:rPr>
+              <a:t>그렇게 당신은 파랑의 정령이 되어</a:t>
+            </a:r>
+            <a:endParaRPr lang="en-US" altLang="ko-KR" sz="4000" dirty="0">
+              <a:ln w="0"/>
+              <a:solidFill>
+                <a:srgbClr val="0070C0"/>
+              </a:solidFill>
+              <a:effectLst>
+                <a:outerShdw blurRad="38100" dist="19050" dir="2700000" algn="tl" rotWithShape="0">
+                  <a:schemeClr val="dk1">
+                    <a:alpha val="40000"/>
+                  </a:schemeClr>
+                </a:outerShdw>
+              </a:effectLst>
+              <a:latin typeface="양재꽃게체M" panose="02020603020101020101" pitchFamily="18" charset="-127"/>
+              <a:ea typeface="양재꽃게체M" panose="02020603020101020101" pitchFamily="18" charset="-127"/>
+            </a:endParaRPr>
+          </a:p>
+          <a:p>
+            <a:r>
+              <a:rPr lang="ko-KR" altLang="en-US" sz="4000" dirty="0">
+                <a:ln w="0"/>
+                <a:solidFill>
+                  <a:srgbClr val="0070C0"/>
+                </a:solidFill>
+                <a:effectLst>
+                  <a:outerShdw blurRad="38100" dist="19050" dir="2700000" algn="tl" rotWithShape="0">
+                    <a:schemeClr val="dk1">
+                      <a:alpha val="40000"/>
+                    </a:schemeClr>
+                  </a:outerShdw>
+                </a:effectLst>
+                <a:latin typeface="양재꽃게체M" panose="02020603020101020101" pitchFamily="18" charset="-127"/>
+                <a:ea typeface="양재꽃게체M" panose="02020603020101020101" pitchFamily="18" charset="-127"/>
+              </a:rPr>
+              <a:t>무사히 그곳에서 탈출 했답니다</a:t>
+            </a:r>
+            <a:r>
+              <a:rPr lang="en-US" altLang="ko-KR" sz="4000" dirty="0">
+                <a:ln w="0"/>
+                <a:solidFill>
+                  <a:srgbClr val="0070C0"/>
+                </a:solidFill>
+                <a:effectLst>
+                  <a:outerShdw blurRad="38100" dist="19050" dir="2700000" algn="tl" rotWithShape="0">
+                    <a:schemeClr val="dk1">
+                      <a:alpha val="40000"/>
+                    </a:schemeClr>
+                  </a:outerShdw>
+                </a:effectLst>
+                <a:latin typeface="양재꽃게체M" panose="02020603020101020101" pitchFamily="18" charset="-127"/>
+                <a:ea typeface="양재꽃게체M" panose="02020603020101020101" pitchFamily="18" charset="-127"/>
+              </a:rPr>
+              <a:t>.</a:t>
+            </a:r>
+            <a:r>
+              <a:rPr lang="ko-KR" altLang="en-US" sz="4000" dirty="0">
+                <a:ln w="0"/>
+                <a:solidFill>
+                  <a:srgbClr val="0070C0"/>
+                </a:solidFill>
+                <a:effectLst>
+                  <a:outerShdw blurRad="38100" dist="19050" dir="2700000" algn="tl" rotWithShape="0">
+                    <a:schemeClr val="dk1">
+                      <a:alpha val="40000"/>
+                    </a:schemeClr>
+                  </a:outerShdw>
+                </a:effectLst>
+                <a:latin typeface="양재꽃게체M" panose="02020603020101020101" pitchFamily="18" charset="-127"/>
+                <a:ea typeface="양재꽃게체M" panose="02020603020101020101" pitchFamily="18" charset="-127"/>
+              </a:rPr>
+              <a:t> </a:t>
+            </a:r>
+            <a:endParaRPr lang="en-US" altLang="ko-KR" sz="4000" dirty="0">
+              <a:ln w="0"/>
+              <a:solidFill>
+                <a:srgbClr val="0070C0"/>
+              </a:solidFill>
+              <a:effectLst>
+                <a:outerShdw blurRad="38100" dist="19050" dir="2700000" algn="tl" rotWithShape="0">
+                  <a:schemeClr val="dk1">
+                    <a:alpha val="40000"/>
+                  </a:schemeClr>
+                </a:outerShdw>
+              </a:effectLst>
+              <a:latin typeface="양재꽃게체M" panose="02020603020101020101" pitchFamily="18" charset="-127"/>
+              <a:ea typeface="양재꽃게체M" panose="02020603020101020101" pitchFamily="18" charset="-127"/>
+            </a:endParaRPr>
+          </a:p>
+          <a:p>
+            <a:endParaRPr lang="en-US" altLang="ko-KR" sz="4000" dirty="0">
+              <a:ln w="0"/>
+              <a:solidFill>
+                <a:srgbClr val="0070C0"/>
+              </a:solidFill>
+              <a:effectLst>
+                <a:outerShdw blurRad="38100" dist="19050" dir="2700000" algn="tl" rotWithShape="0">
+                  <a:schemeClr val="dk1">
+                    <a:alpha val="40000"/>
+                  </a:schemeClr>
+                </a:outerShdw>
+              </a:effectLst>
+              <a:latin typeface="양재꽃게체M" panose="02020603020101020101" pitchFamily="18" charset="-127"/>
+              <a:ea typeface="양재꽃게체M" panose="02020603020101020101" pitchFamily="18" charset="-127"/>
+            </a:endParaRPr>
+          </a:p>
+          <a:p>
+            <a:r>
+              <a:rPr lang="en-US" altLang="ko-KR" sz="4000" dirty="0">
+                <a:ln w="0"/>
+                <a:solidFill>
+                  <a:srgbClr val="0070C0"/>
+                </a:solidFill>
+                <a:effectLst>
+                  <a:outerShdw blurRad="38100" dist="19050" dir="2700000" algn="tl" rotWithShape="0">
+                    <a:schemeClr val="dk1">
+                      <a:alpha val="40000"/>
+                    </a:schemeClr>
+                  </a:outerShdw>
+                </a:effectLst>
+                <a:latin typeface="양재꽃게체M" panose="02020603020101020101" pitchFamily="18" charset="-127"/>
+                <a:ea typeface="양재꽃게체M" panose="02020603020101020101" pitchFamily="18" charset="-127"/>
+              </a:rPr>
+              <a:t>	-</a:t>
+            </a:r>
+            <a:r>
+              <a:rPr lang="ko-KR" altLang="en-US" sz="4000" dirty="0">
+                <a:ln w="0"/>
+                <a:solidFill>
+                  <a:srgbClr val="0070C0"/>
+                </a:solidFill>
+                <a:effectLst>
+                  <a:outerShdw blurRad="38100" dist="19050" dir="2700000" algn="tl" rotWithShape="0">
+                    <a:schemeClr val="dk1">
+                      <a:alpha val="40000"/>
+                    </a:schemeClr>
+                  </a:outerShdw>
+                </a:effectLst>
+                <a:latin typeface="양재꽃게체M" panose="02020603020101020101" pitchFamily="18" charset="-127"/>
+                <a:ea typeface="양재꽃게체M" panose="02020603020101020101" pitchFamily="18" charset="-127"/>
+              </a:rPr>
+              <a:t>끝</a:t>
+            </a:r>
+            <a:r>
+              <a:rPr lang="en-US" altLang="ko-KR" sz="4000" dirty="0">
+                <a:ln w="0"/>
+                <a:solidFill>
+                  <a:srgbClr val="0070C0"/>
+                </a:solidFill>
+                <a:effectLst>
+                  <a:outerShdw blurRad="38100" dist="19050" dir="2700000" algn="tl" rotWithShape="0">
+                    <a:schemeClr val="dk1">
+                      <a:alpha val="40000"/>
+                    </a:schemeClr>
+                  </a:outerShdw>
+                </a:effectLst>
+                <a:latin typeface="양재꽃게체M" panose="02020603020101020101" pitchFamily="18" charset="-127"/>
+                <a:ea typeface="양재꽃게체M" panose="02020603020101020101" pitchFamily="18" charset="-127"/>
+              </a:rPr>
+              <a:t>-</a:t>
+            </a:r>
+          </a:p>
+        </p:txBody>
+      </p:sp>
+      <p:pic>
+        <p:nvPicPr>
+          <p:cNvPr id="4" name="그림 3"/>
+          <p:cNvPicPr>
+            <a:picLocks noChangeAspect="1"/>
+          </p:cNvPicPr>
+          <p:nvPr/>
+        </p:nvPicPr>
+        <p:blipFill>
+          <a:blip r:embed="rId3">
+            <a:extLst>
+              <a:ext uri="{28A0092B-C50C-407E-A947-70E740481C1C}">
+                <a14:useLocalDpi xmlns:a14="http://schemas.microsoft.com/office/drawing/2010/main" val="0"/>
+              </a:ext>
+            </a:extLst>
+          </a:blip>
+          <a:stretch>
+            <a:fillRect/>
+          </a:stretch>
+        </p:blipFill>
+        <p:spPr>
+          <a:xfrm>
+            <a:off x="-197017" y="1358173"/>
+            <a:ext cx="11488753" cy="5039428"/>
+          </a:xfrm>
+          <a:prstGeom prst="rect">
+            <a:avLst/>
+          </a:prstGeom>
+        </p:spPr>
+      </p:pic>
+    </p:spTree>
+    <p:extLst>
+      <p:ext uri="{BB962C8B-B14F-4D97-AF65-F5344CB8AC3E}">
+        <p14:creationId xmlns:p14="http://schemas.microsoft.com/office/powerpoint/2010/main" val="762087017"/>
+      </p:ext>
+    </p:extLst>
+  </p:cSld>
+  <p:clrMapOvr>
+    <a:masterClrMapping/>
+  </p:clrMapOvr>
+</p:sld>
+</file>
+
+<file path=ppt/slides/slide3.xml><?xml version="1.0" encoding="utf-8"?>
+<p:sld xmlns:a="http://schemas.openxmlformats.org/drawingml/2006/main" xmlns:r="http://schemas.openxmlformats.org/officeDocument/2006/relationships" xmlns:p="http://schemas.openxmlformats.org/presentationml/2006/main">
+  <p:cSld>
+    <p:spTree>
+      <p:nvGrpSpPr>
+        <p:cNvPr id="1" name=""/>
+        <p:cNvGrpSpPr/>
+        <p:nvPr/>
+      </p:nvGrpSpPr>
+      <p:grpSpPr>
+        <a:xfrm>
+          <a:off x="0" y="0"/>
+          <a:ext cx="0" cy="0"/>
+          <a:chOff x="0" y="0"/>
+          <a:chExt cx="0" cy="0"/>
+        </a:xfrm>
+      </p:grpSpPr>
+      <p:pic>
+        <p:nvPicPr>
+          <p:cNvPr id="5" name="그림 4"/>
+          <p:cNvPicPr>
+            <a:picLocks noChangeAspect="1"/>
+          </p:cNvPicPr>
+          <p:nvPr/>
+        </p:nvPicPr>
+        <p:blipFill>
+          <a:blip r:embed="rId2">
+            <a:extLst>
+              <a:ext uri="{28A0092B-C50C-407E-A947-70E740481C1C}">
+                <a14:useLocalDpi xmlns:a14="http://schemas.microsoft.com/office/drawing/2010/main" val="0"/>
+              </a:ext>
+            </a:extLst>
+          </a:blip>
+          <a:stretch>
+            <a:fillRect/>
+          </a:stretch>
+        </p:blipFill>
+        <p:spPr>
+          <a:xfrm>
+            <a:off x="380861" y="0"/>
+            <a:ext cx="11431595" cy="6668431"/>
+          </a:xfrm>
+          <a:prstGeom prst="rect">
+            <a:avLst/>
+          </a:prstGeom>
+        </p:spPr>
+      </p:pic>
+      <p:pic>
+        <p:nvPicPr>
+          <p:cNvPr id="2" name="그림 1"/>
+          <p:cNvPicPr>
+            <a:picLocks noChangeAspect="1"/>
+          </p:cNvPicPr>
+          <p:nvPr/>
+        </p:nvPicPr>
+        <p:blipFill>
+          <a:blip r:embed="rId3">
+            <a:extLst>
+              <a:ext uri="{28A0092B-C50C-407E-A947-70E740481C1C}">
+                <a14:useLocalDpi xmlns:a14="http://schemas.microsoft.com/office/drawing/2010/main" val="0"/>
+              </a:ext>
+            </a:extLst>
+          </a:blip>
+          <a:stretch>
+            <a:fillRect/>
+          </a:stretch>
+        </p:blipFill>
+        <p:spPr>
+          <a:xfrm>
+            <a:off x="5555088" y="1467085"/>
+            <a:ext cx="1083139" cy="1083139"/>
+          </a:xfrm>
+          <a:prstGeom prst="rect">
+            <a:avLst/>
+          </a:prstGeom>
+        </p:spPr>
+      </p:pic>
+      <p:pic>
+        <p:nvPicPr>
+          <p:cNvPr id="6" name="그림 5"/>
+          <p:cNvPicPr>
+            <a:picLocks noChangeAspect="1"/>
+          </p:cNvPicPr>
+          <p:nvPr/>
+        </p:nvPicPr>
+        <p:blipFill>
+          <a:blip r:embed="rId2">
+            <a:extLst>
+              <a:ext uri="{28A0092B-C50C-407E-A947-70E740481C1C}">
+                <a14:useLocalDpi xmlns:a14="http://schemas.microsoft.com/office/drawing/2010/main" val="0"/>
+              </a:ext>
+            </a:extLst>
+          </a:blip>
+          <a:stretch>
+            <a:fillRect/>
+          </a:stretch>
+        </p:blipFill>
+        <p:spPr>
+          <a:xfrm>
+            <a:off x="1536735" y="3727038"/>
+            <a:ext cx="9119839" cy="2057868"/>
+          </a:xfrm>
+          <a:prstGeom prst="rect">
+            <a:avLst/>
+          </a:prstGeom>
+          <a:ln w="38100">
+            <a:solidFill>
+              <a:schemeClr val="bg1"/>
+            </a:solidFill>
+          </a:ln>
+          <a:effectLst>
+            <a:glow rad="266700">
+              <a:schemeClr val="bg1"/>
+            </a:glow>
+          </a:effectLst>
+        </p:spPr>
+      </p:pic>
+      <p:sp>
+        <p:nvSpPr>
+          <p:cNvPr id="8" name="직사각형 7"/>
+          <p:cNvSpPr/>
+          <p:nvPr/>
+        </p:nvSpPr>
+        <p:spPr>
+          <a:xfrm>
+            <a:off x="2366861" y="4201974"/>
+            <a:ext cx="7142899" cy="553998"/>
+          </a:xfrm>
+          <a:prstGeom prst="rect">
+            <a:avLst/>
+          </a:prstGeom>
+          <a:noFill/>
+          <a:effectLst>
+            <a:glow rad="266700">
+              <a:schemeClr val="bg1"/>
+            </a:glow>
+          </a:effectLst>
+        </p:spPr>
+        <p:txBody>
+          <a:bodyPr wrap="square" lIns="91440" tIns="45720" rIns="91440" bIns="45720">
+            <a:spAutoFit/>
+          </a:bodyPr>
+          <a:lstStyle/>
+          <a:p>
+            <a:r>
+              <a:rPr lang="ko-KR" altLang="en-US" sz="3000" dirty="0">
+                <a:ln w="0"/>
+                <a:solidFill>
+                  <a:schemeClr val="bg1"/>
+                </a:solidFill>
+                <a:effectLst>
+                  <a:outerShdw blurRad="38100" dist="19050" dir="2700000" algn="tl" rotWithShape="0">
+                    <a:schemeClr val="dk1">
+                      <a:alpha val="40000"/>
+                    </a:schemeClr>
+                  </a:outerShdw>
+                </a:effectLst>
+              </a:rPr>
+              <a:t>이렇게 사라질 수는 없어</a:t>
+            </a:r>
+            <a:r>
+              <a:rPr lang="en-US" altLang="ko-KR" sz="3000" dirty="0">
+                <a:ln w="0"/>
+                <a:solidFill>
+                  <a:schemeClr val="bg1"/>
+                </a:solidFill>
+                <a:effectLst>
+                  <a:outerShdw blurRad="38100" dist="19050" dir="2700000" algn="tl" rotWithShape="0">
+                    <a:schemeClr val="dk1">
+                      <a:alpha val="40000"/>
+                    </a:schemeClr>
+                  </a:outerShdw>
+                </a:effectLst>
+              </a:rPr>
+              <a:t>…</a:t>
+            </a:r>
+            <a:r>
+              <a:rPr lang="ko-KR" altLang="en-US" sz="3000" dirty="0">
+                <a:ln w="0"/>
+                <a:solidFill>
+                  <a:schemeClr val="bg1"/>
+                </a:solidFill>
+                <a:effectLst>
+                  <a:outerShdw blurRad="38100" dist="19050" dir="2700000" algn="tl" rotWithShape="0">
+                    <a:schemeClr val="dk1">
+                      <a:alpha val="40000"/>
+                    </a:schemeClr>
+                  </a:outerShdw>
+                </a:effectLst>
+              </a:rPr>
+              <a:t>안돼</a:t>
+            </a:r>
+            <a:r>
+              <a:rPr lang="en-US" altLang="ko-KR" sz="3000" dirty="0">
+                <a:ln w="0"/>
+                <a:solidFill>
+                  <a:schemeClr val="bg1"/>
+                </a:solidFill>
+                <a:effectLst>
+                  <a:outerShdw blurRad="38100" dist="19050" dir="2700000" algn="tl" rotWithShape="0">
+                    <a:schemeClr val="dk1">
+                      <a:alpha val="40000"/>
+                    </a:schemeClr>
+                  </a:outerShdw>
+                </a:effectLst>
+              </a:rPr>
+              <a:t>…</a:t>
+            </a:r>
+          </a:p>
+        </p:txBody>
+      </p:sp>
+    </p:spTree>
+    <p:extLst>
+      <p:ext uri="{BB962C8B-B14F-4D97-AF65-F5344CB8AC3E}">
+        <p14:creationId xmlns:p14="http://schemas.microsoft.com/office/powerpoint/2010/main" val="2336030435"/>
+      </p:ext>
+    </p:extLst>
+  </p:cSld>
+  <p:clrMapOvr>
+    <a:masterClrMapping/>
+  </p:clrMapOvr>
+</p:sld>
+</file>
+
+<file path=ppt/slides/slide4.xml><?xml version="1.0" encoding="utf-8"?>
+<p:sld xmlns:a="http://schemas.openxmlformats.org/drawingml/2006/main" xmlns:r="http://schemas.openxmlformats.org/officeDocument/2006/relationships" xmlns:p="http://schemas.openxmlformats.org/presentationml/2006/main">
+  <p:cSld>
+    <p:spTree>
+      <p:nvGrpSpPr>
+        <p:cNvPr id="1" name=""/>
+        <p:cNvGrpSpPr/>
+        <p:nvPr/>
+      </p:nvGrpSpPr>
+      <p:grpSpPr>
+        <a:xfrm>
+          <a:off x="0" y="0"/>
+          <a:ext cx="0" cy="0"/>
+          <a:chOff x="0" y="0"/>
+          <a:chExt cx="0" cy="0"/>
+        </a:xfrm>
+      </p:grpSpPr>
+      <p:pic>
+        <p:nvPicPr>
+          <p:cNvPr id="6" name="그림 5"/>
+          <p:cNvPicPr>
+            <a:picLocks noChangeAspect="1"/>
+          </p:cNvPicPr>
+          <p:nvPr/>
+        </p:nvPicPr>
+        <p:blipFill>
+          <a:blip r:embed="rId2">
+            <a:extLst>
+              <a:ext uri="{28A0092B-C50C-407E-A947-70E740481C1C}">
+                <a14:useLocalDpi xmlns:a14="http://schemas.microsoft.com/office/drawing/2010/main" val="0"/>
+              </a:ext>
+            </a:extLst>
+          </a:blip>
+          <a:stretch>
+            <a:fillRect/>
+          </a:stretch>
+        </p:blipFill>
+        <p:spPr>
+          <a:xfrm>
+            <a:off x="146026" y="0"/>
+            <a:ext cx="12045974" cy="6668431"/>
+          </a:xfrm>
+          <a:prstGeom prst="rect">
+            <a:avLst/>
+          </a:prstGeom>
+        </p:spPr>
+      </p:pic>
+      <p:pic>
+        <p:nvPicPr>
+          <p:cNvPr id="5" name="그림 4"/>
+          <p:cNvPicPr>
+            <a:picLocks noChangeAspect="1"/>
+          </p:cNvPicPr>
+          <p:nvPr/>
+        </p:nvPicPr>
+        <p:blipFill>
+          <a:blip r:embed="rId2">
+            <a:extLst>
+              <a:ext uri="{28A0092B-C50C-407E-A947-70E740481C1C}">
+                <a14:useLocalDpi xmlns:a14="http://schemas.microsoft.com/office/drawing/2010/main" val="0"/>
+              </a:ext>
+            </a:extLst>
+          </a:blip>
+          <a:stretch>
+            <a:fillRect/>
+          </a:stretch>
+        </p:blipFill>
+        <p:spPr>
+          <a:xfrm>
+            <a:off x="453215" y="3546583"/>
+            <a:ext cx="11431595" cy="2579510"/>
+          </a:xfrm>
+          <a:prstGeom prst="rect">
+            <a:avLst/>
+          </a:prstGeom>
+          <a:ln w="38100">
+            <a:solidFill>
+              <a:schemeClr val="bg1"/>
+            </a:solidFill>
+          </a:ln>
+          <a:effectLst>
+            <a:glow rad="266700">
+              <a:schemeClr val="bg1"/>
+            </a:glow>
+          </a:effectLst>
+        </p:spPr>
+      </p:pic>
+      <p:sp>
+        <p:nvSpPr>
+          <p:cNvPr id="2" name="직사각형 1"/>
+          <p:cNvSpPr/>
+          <p:nvPr/>
+        </p:nvSpPr>
+        <p:spPr>
+          <a:xfrm>
+            <a:off x="2071456" y="4559339"/>
+            <a:ext cx="4976042" cy="553998"/>
+          </a:xfrm>
+          <a:prstGeom prst="rect">
+            <a:avLst/>
+          </a:prstGeom>
+          <a:noFill/>
+          <a:effectLst>
+            <a:glow rad="266700">
+              <a:schemeClr val="bg1"/>
+            </a:glow>
+          </a:effectLst>
+        </p:spPr>
+        <p:txBody>
+          <a:bodyPr wrap="none" lIns="91440" tIns="45720" rIns="91440" bIns="45720">
+            <a:spAutoFit/>
+          </a:bodyPr>
+          <a:lstStyle/>
+          <a:p>
+            <a:r>
+              <a:rPr lang="ko-KR" altLang="en-US" sz="3000" dirty="0">
+                <a:ln w="0"/>
+                <a:solidFill>
+                  <a:schemeClr val="bg1"/>
+                </a:solidFill>
+                <a:effectLst>
+                  <a:outerShdw blurRad="38100" dist="19050" dir="2700000" algn="tl" rotWithShape="0">
+                    <a:schemeClr val="dk1">
+                      <a:alpha val="40000"/>
+                    </a:schemeClr>
+                  </a:outerShdw>
+                </a:effectLst>
+              </a:rPr>
+              <a:t>난 그러지 말았어야 했다</a:t>
+            </a:r>
+            <a:r>
+              <a:rPr lang="en-US" altLang="ko-KR" sz="3000" dirty="0">
+                <a:ln w="0"/>
+                <a:solidFill>
+                  <a:schemeClr val="bg1"/>
+                </a:solidFill>
+                <a:effectLst>
+                  <a:outerShdw blurRad="38100" dist="19050" dir="2700000" algn="tl" rotWithShape="0">
+                    <a:schemeClr val="dk1">
+                      <a:alpha val="40000"/>
+                    </a:schemeClr>
+                  </a:outerShdw>
+                </a:effectLst>
+              </a:rPr>
+              <a:t>……</a:t>
+            </a:r>
+          </a:p>
+        </p:txBody>
+      </p:sp>
+    </p:spTree>
+    <p:extLst>
+      <p:ext uri="{BB962C8B-B14F-4D97-AF65-F5344CB8AC3E}">
+        <p14:creationId xmlns:p14="http://schemas.microsoft.com/office/powerpoint/2010/main" val="2120551260"/>
+      </p:ext>
+    </p:extLst>
+  </p:cSld>
+  <p:clrMapOvr>
+    <a:masterClrMapping/>
+  </p:clrMapOvr>
+</p:sld>
+</file>
+
+<file path=ppt/slides/slide5.xml><?xml version="1.0" encoding="utf-8"?>
+<p:sld xmlns:a="http://schemas.openxmlformats.org/drawingml/2006/main" xmlns:r="http://schemas.openxmlformats.org/officeDocument/2006/relationships" xmlns:p="http://schemas.openxmlformats.org/presentationml/2006/main">
+  <p:cSld>
+    <p:spTree>
+      <p:nvGrpSpPr>
+        <p:cNvPr id="1" name=""/>
+        <p:cNvGrpSpPr/>
+        <p:nvPr/>
+      </p:nvGrpSpPr>
+      <p:grpSpPr>
+        <a:xfrm>
+          <a:off x="0" y="0"/>
+          <a:ext cx="0" cy="0"/>
+          <a:chOff x="0" y="0"/>
+          <a:chExt cx="0" cy="0"/>
+        </a:xfrm>
+      </p:grpSpPr>
+      <p:pic>
+        <p:nvPicPr>
+          <p:cNvPr id="5" name="그림 4"/>
+          <p:cNvPicPr>
+            <a:picLocks noChangeAspect="1"/>
+          </p:cNvPicPr>
+          <p:nvPr/>
+        </p:nvPicPr>
+        <p:blipFill>
+          <a:blip r:embed="rId2">
+            <a:extLst>
+              <a:ext uri="{28A0092B-C50C-407E-A947-70E740481C1C}">
+                <a14:useLocalDpi xmlns:a14="http://schemas.microsoft.com/office/drawing/2010/main" val="0"/>
+              </a:ext>
+            </a:extLst>
+          </a:blip>
+          <a:stretch>
+            <a:fillRect/>
+          </a:stretch>
+        </p:blipFill>
+        <p:spPr>
+          <a:xfrm>
+            <a:off x="5510094" y="2300141"/>
+            <a:ext cx="1083139" cy="1083139"/>
+          </a:xfrm>
+          <a:prstGeom prst="rect">
+            <a:avLst/>
+          </a:prstGeom>
+        </p:spPr>
+      </p:pic>
+      <p:sp>
+        <p:nvSpPr>
+          <p:cNvPr id="3" name="직사각형 2"/>
+          <p:cNvSpPr/>
+          <p:nvPr/>
+        </p:nvSpPr>
+        <p:spPr>
+          <a:xfrm>
+            <a:off x="482134" y="232756"/>
+            <a:ext cx="11139055" cy="6301048"/>
+          </a:xfrm>
+          <a:prstGeom prst="rect">
+            <a:avLst/>
+          </a:prstGeom>
+          <a:solidFill>
+            <a:schemeClr val="tx1">
+              <a:alpha val="85000"/>
+            </a:schemeClr>
+          </a:solidFill>
+        </p:spPr>
+        <p:style>
+          <a:lnRef idx="2">
+            <a:schemeClr val="accent1">
+              <a:shade val="50000"/>
+            </a:schemeClr>
+          </a:lnRef>
+          <a:fillRef idx="1">
+            <a:schemeClr val="accent1"/>
+          </a:fillRef>
+          <a:effectRef idx="0">
+            <a:schemeClr val="accent1"/>
+          </a:effectRef>
+          <a:fontRef idx="minor">
+            <a:schemeClr val="lt1"/>
+          </a:fontRef>
+        </p:style>
+        <p:txBody>
+          <a:bodyPr rtlCol="0" anchor="ctr"/>
+          <a:lstStyle/>
+          <a:p>
+            <a:pPr algn="ctr"/>
+            <a:endParaRPr lang="ko-KR" altLang="en-US"/>
+          </a:p>
+        </p:txBody>
+      </p:sp>
+      <p:sp>
+        <p:nvSpPr>
+          <p:cNvPr id="7" name="타원 6"/>
+          <p:cNvSpPr>
+            <a:spLocks/>
+          </p:cNvSpPr>
+          <p:nvPr/>
+        </p:nvSpPr>
+        <p:spPr>
+          <a:xfrm>
+            <a:off x="4611661" y="1761710"/>
+            <a:ext cx="2880000" cy="2160000"/>
+          </a:xfrm>
+          <a:prstGeom prst="ellipse">
+            <a:avLst/>
+          </a:prstGeom>
+          <a:solidFill>
+            <a:schemeClr val="bg1">
+              <a:alpha val="16000"/>
+            </a:schemeClr>
+          </a:solidFill>
+          <a:ln>
+            <a:noFill/>
+          </a:ln>
+          <a:effectLst>
+            <a:reflection blurRad="6350" endPos="0" dir="5400000" sy="-100000" algn="bl" rotWithShape="0"/>
+          </a:effectLst>
+        </p:spPr>
+        <p:style>
+          <a:lnRef idx="2">
+            <a:schemeClr val="accent1">
+              <a:shade val="50000"/>
+            </a:schemeClr>
+          </a:lnRef>
+          <a:fillRef idx="1">
+            <a:schemeClr val="accent1"/>
+          </a:fillRef>
+          <a:effectRef idx="0">
+            <a:schemeClr val="accent1"/>
+          </a:effectRef>
+          <a:fontRef idx="minor">
+            <a:schemeClr val="lt1"/>
+          </a:fontRef>
+        </p:style>
+        <p:txBody>
+          <a:bodyPr rtlCol="0" anchor="ctr"/>
+          <a:lstStyle/>
+          <a:p>
+            <a:pPr algn="ctr"/>
+            <a:endParaRPr lang="ko-KR" altLang="en-US"/>
+          </a:p>
+        </p:txBody>
+      </p:sp>
+    </p:spTree>
+    <p:extLst>
+      <p:ext uri="{BB962C8B-B14F-4D97-AF65-F5344CB8AC3E}">
+        <p14:creationId xmlns:p14="http://schemas.microsoft.com/office/powerpoint/2010/main" val="3493262500"/>
+      </p:ext>
+    </p:extLst>
+  </p:cSld>
+  <p:clrMapOvr>
+    <a:masterClrMapping/>
+  </p:clrMapOvr>
+</p:sld>
+</file>
+
+<file path=ppt/slides/slide6.xml><?xml version="1.0" encoding="utf-8"?>
+<p:sld xmlns:a="http://schemas.openxmlformats.org/drawingml/2006/main" xmlns:r="http://schemas.openxmlformats.org/officeDocument/2006/relationships" xmlns:p="http://schemas.openxmlformats.org/presentationml/2006/main">
+  <p:cSld>
+    <p:spTree>
+      <p:nvGrpSpPr>
+        <p:cNvPr id="1" name=""/>
+        <p:cNvGrpSpPr/>
+        <p:nvPr/>
+      </p:nvGrpSpPr>
+      <p:grpSpPr>
+        <a:xfrm>
+          <a:off x="0" y="0"/>
+          <a:ext cx="0" cy="0"/>
+          <a:chOff x="0" y="0"/>
+          <a:chExt cx="0" cy="0"/>
+        </a:xfrm>
+      </p:grpSpPr>
+      <p:pic>
+        <p:nvPicPr>
+          <p:cNvPr id="5" name="그림 4"/>
+          <p:cNvPicPr>
+            <a:picLocks noChangeAspect="1"/>
+          </p:cNvPicPr>
+          <p:nvPr/>
+        </p:nvPicPr>
+        <p:blipFill>
+          <a:blip r:embed="rId2">
+            <a:extLst>
+              <a:ext uri="{28A0092B-C50C-407E-A947-70E740481C1C}">
+                <a14:useLocalDpi xmlns:a14="http://schemas.microsoft.com/office/drawing/2010/main" val="0"/>
+              </a:ext>
+            </a:extLst>
+          </a:blip>
+          <a:stretch>
+            <a:fillRect/>
+          </a:stretch>
+        </p:blipFill>
+        <p:spPr>
+          <a:xfrm>
+            <a:off x="146026" y="0"/>
+            <a:ext cx="11431595" cy="6668431"/>
+          </a:xfrm>
+          <a:prstGeom prst="rect">
+            <a:avLst/>
+          </a:prstGeom>
+        </p:spPr>
+      </p:pic>
+      <p:sp>
+        <p:nvSpPr>
+          <p:cNvPr id="4" name="원형: 비어 있음 3"/>
+          <p:cNvSpPr/>
+          <p:nvPr/>
+        </p:nvSpPr>
+        <p:spPr>
+          <a:xfrm>
+            <a:off x="7494305" y="1640379"/>
+            <a:ext cx="1346662" cy="1280160"/>
+          </a:xfrm>
+          <a:prstGeom prst="donut">
+            <a:avLst/>
+          </a:prstGeom>
+          <a:solidFill>
+            <a:srgbClr val="C00000"/>
+          </a:solidFill>
+          <a:ln>
+            <a:solidFill>
+              <a:srgbClr val="C00000"/>
+            </a:solidFill>
+          </a:ln>
+        </p:spPr>
+        <p:style>
+          <a:lnRef idx="2">
+            <a:schemeClr val="accent1">
+              <a:shade val="50000"/>
+            </a:schemeClr>
+          </a:lnRef>
+          <a:fillRef idx="1">
+            <a:schemeClr val="accent1"/>
+          </a:fillRef>
+          <a:effectRef idx="0">
+            <a:schemeClr val="accent1"/>
+          </a:effectRef>
+          <a:fontRef idx="minor">
+            <a:schemeClr val="lt1"/>
+          </a:fontRef>
+        </p:style>
+        <p:txBody>
+          <a:bodyPr rtlCol="0" anchor="ctr"/>
+          <a:lstStyle/>
+          <a:p>
+            <a:pPr algn="ctr"/>
+            <a:endParaRPr lang="ko-KR" altLang="en-US">
+              <a:solidFill>
+                <a:schemeClr val="tx1"/>
+              </a:solidFill>
+            </a:endParaRPr>
+          </a:p>
+        </p:txBody>
+      </p:sp>
+      <p:sp>
+        <p:nvSpPr>
+          <p:cNvPr id="15" name="원형: 비어 있음 14"/>
+          <p:cNvSpPr/>
+          <p:nvPr/>
+        </p:nvSpPr>
+        <p:spPr>
+          <a:xfrm>
+            <a:off x="8173881" y="1129145"/>
+            <a:ext cx="1346662" cy="1280160"/>
+          </a:xfrm>
+          <a:prstGeom prst="donut">
+            <a:avLst/>
+          </a:prstGeom>
+          <a:solidFill>
+            <a:srgbClr val="C00000"/>
+          </a:solidFill>
+          <a:ln>
+            <a:solidFill>
+              <a:srgbClr val="C00000"/>
+            </a:solidFill>
+          </a:ln>
+        </p:spPr>
+        <p:style>
+          <a:lnRef idx="2">
+            <a:schemeClr val="accent1">
+              <a:shade val="50000"/>
+            </a:schemeClr>
+          </a:lnRef>
+          <a:fillRef idx="1">
+            <a:schemeClr val="accent1"/>
+          </a:fillRef>
+          <a:effectRef idx="0">
+            <a:schemeClr val="accent1"/>
+          </a:effectRef>
+          <a:fontRef idx="minor">
+            <a:schemeClr val="lt1"/>
+          </a:fontRef>
+        </p:style>
+        <p:txBody>
+          <a:bodyPr rtlCol="0" anchor="ctr"/>
+          <a:lstStyle/>
+          <a:p>
+            <a:pPr algn="ctr"/>
+            <a:endParaRPr lang="ko-KR" altLang="en-US">
+              <a:solidFill>
+                <a:schemeClr val="tx1"/>
+              </a:solidFill>
+            </a:endParaRPr>
+          </a:p>
+        </p:txBody>
+      </p:sp>
+      <p:sp>
+        <p:nvSpPr>
+          <p:cNvPr id="16" name="원형: 비어 있음 15"/>
+          <p:cNvSpPr/>
+          <p:nvPr/>
+        </p:nvSpPr>
+        <p:spPr>
+          <a:xfrm>
+            <a:off x="8167636" y="1364673"/>
+            <a:ext cx="1346662" cy="1280160"/>
+          </a:xfrm>
+          <a:prstGeom prst="donut">
+            <a:avLst/>
+          </a:prstGeom>
+          <a:solidFill>
+            <a:srgbClr val="C00000"/>
+          </a:solidFill>
+          <a:ln>
+            <a:solidFill>
+              <a:srgbClr val="C00000"/>
+            </a:solidFill>
+          </a:ln>
+        </p:spPr>
+        <p:style>
+          <a:lnRef idx="2">
+            <a:schemeClr val="accent1">
+              <a:shade val="50000"/>
+            </a:schemeClr>
+          </a:lnRef>
+          <a:fillRef idx="1">
+            <a:schemeClr val="accent1"/>
+          </a:fillRef>
+          <a:effectRef idx="0">
+            <a:schemeClr val="accent1"/>
+          </a:effectRef>
+          <a:fontRef idx="minor">
+            <a:schemeClr val="lt1"/>
+          </a:fontRef>
+        </p:style>
+        <p:txBody>
+          <a:bodyPr rtlCol="0" anchor="ctr"/>
+          <a:lstStyle/>
+          <a:p>
+            <a:pPr algn="ctr"/>
+            <a:endParaRPr lang="ko-KR" altLang="en-US">
+              <a:solidFill>
+                <a:schemeClr val="tx1"/>
+              </a:solidFill>
+            </a:endParaRPr>
+          </a:p>
+        </p:txBody>
+      </p:sp>
+      <p:sp>
+        <p:nvSpPr>
+          <p:cNvPr id="17" name="원형: 비어 있음 16"/>
+          <p:cNvSpPr/>
+          <p:nvPr/>
+        </p:nvSpPr>
+        <p:spPr>
+          <a:xfrm>
+            <a:off x="7635563" y="1086196"/>
+            <a:ext cx="1346662" cy="1280160"/>
+          </a:xfrm>
+          <a:prstGeom prst="donut">
+            <a:avLst/>
+          </a:prstGeom>
+          <a:solidFill>
+            <a:srgbClr val="C00000"/>
+          </a:solidFill>
+          <a:ln>
+            <a:solidFill>
+              <a:srgbClr val="C00000"/>
+            </a:solidFill>
+          </a:ln>
+        </p:spPr>
+        <p:style>
+          <a:lnRef idx="2">
+            <a:schemeClr val="accent1">
+              <a:shade val="50000"/>
+            </a:schemeClr>
+          </a:lnRef>
+          <a:fillRef idx="1">
+            <a:schemeClr val="accent1"/>
+          </a:fillRef>
+          <a:effectRef idx="0">
+            <a:schemeClr val="accent1"/>
+          </a:effectRef>
+          <a:fontRef idx="minor">
+            <a:schemeClr val="lt1"/>
+          </a:fontRef>
+        </p:style>
+        <p:txBody>
+          <a:bodyPr rtlCol="0" anchor="ctr"/>
+          <a:lstStyle/>
+          <a:p>
+            <a:pPr algn="ctr"/>
+            <a:endParaRPr lang="ko-KR" altLang="en-US">
+              <a:solidFill>
+                <a:schemeClr val="tx1"/>
+              </a:solidFill>
+            </a:endParaRPr>
+          </a:p>
+        </p:txBody>
+      </p:sp>
+      <p:sp>
+        <p:nvSpPr>
+          <p:cNvPr id="18" name="원형: 비어 있음 17"/>
+          <p:cNvSpPr/>
+          <p:nvPr/>
+        </p:nvSpPr>
+        <p:spPr>
+          <a:xfrm>
+            <a:off x="8010518" y="1726276"/>
+            <a:ext cx="1346662" cy="1280160"/>
+          </a:xfrm>
+          <a:prstGeom prst="donut">
+            <a:avLst/>
+          </a:prstGeom>
+          <a:solidFill>
+            <a:srgbClr val="C00000"/>
+          </a:solidFill>
+          <a:ln>
+            <a:solidFill>
+              <a:srgbClr val="C00000"/>
+            </a:solidFill>
+          </a:ln>
+        </p:spPr>
+        <p:style>
+          <a:lnRef idx="2">
+            <a:schemeClr val="accent1">
+              <a:shade val="50000"/>
+            </a:schemeClr>
+          </a:lnRef>
+          <a:fillRef idx="1">
+            <a:schemeClr val="accent1"/>
+          </a:fillRef>
+          <a:effectRef idx="0">
+            <a:schemeClr val="accent1"/>
+          </a:effectRef>
+          <a:fontRef idx="minor">
+            <a:schemeClr val="lt1"/>
+          </a:fontRef>
+        </p:style>
+        <p:txBody>
+          <a:bodyPr rtlCol="0" anchor="ctr"/>
+          <a:lstStyle/>
+          <a:p>
+            <a:pPr algn="ctr"/>
+            <a:endParaRPr lang="ko-KR" altLang="en-US">
+              <a:solidFill>
+                <a:schemeClr val="tx1"/>
+              </a:solidFill>
+            </a:endParaRPr>
+          </a:p>
+        </p:txBody>
+      </p:sp>
+      <p:sp>
+        <p:nvSpPr>
+          <p:cNvPr id="19" name="원형: 비어 있음 18"/>
+          <p:cNvSpPr/>
+          <p:nvPr/>
+        </p:nvSpPr>
+        <p:spPr>
+          <a:xfrm>
+            <a:off x="1875111" y="1894263"/>
+            <a:ext cx="1346662" cy="1280160"/>
+          </a:xfrm>
+          <a:prstGeom prst="donut">
+            <a:avLst/>
+          </a:prstGeom>
+          <a:solidFill>
+            <a:srgbClr val="C00000"/>
+          </a:solidFill>
+          <a:ln>
+            <a:solidFill>
+              <a:srgbClr val="C00000"/>
+            </a:solidFill>
+          </a:ln>
+        </p:spPr>
+        <p:style>
+          <a:lnRef idx="2">
+            <a:schemeClr val="accent1">
+              <a:shade val="50000"/>
+            </a:schemeClr>
+          </a:lnRef>
+          <a:fillRef idx="1">
+            <a:schemeClr val="accent1"/>
+          </a:fillRef>
+          <a:effectRef idx="0">
+            <a:schemeClr val="accent1"/>
+          </a:effectRef>
+          <a:fontRef idx="minor">
+            <a:schemeClr val="lt1"/>
+          </a:fontRef>
+        </p:style>
+        <p:txBody>
+          <a:bodyPr rtlCol="0" anchor="ctr"/>
+          <a:lstStyle/>
+          <a:p>
+            <a:pPr algn="ctr"/>
+            <a:endParaRPr lang="ko-KR" altLang="en-US">
+              <a:solidFill>
+                <a:schemeClr val="tx1"/>
+              </a:solidFill>
+            </a:endParaRPr>
+          </a:p>
+        </p:txBody>
+      </p:sp>
+      <p:sp>
+        <p:nvSpPr>
+          <p:cNvPr id="20" name="원형: 비어 있음 19"/>
+          <p:cNvSpPr/>
+          <p:nvPr/>
+        </p:nvSpPr>
+        <p:spPr>
+          <a:xfrm>
+            <a:off x="2312000" y="1856856"/>
+            <a:ext cx="1346662" cy="1280160"/>
+          </a:xfrm>
+          <a:prstGeom prst="donut">
+            <a:avLst/>
+          </a:prstGeom>
+          <a:solidFill>
+            <a:srgbClr val="C00000"/>
+          </a:solidFill>
+          <a:ln>
+            <a:solidFill>
+              <a:srgbClr val="C00000"/>
+            </a:solidFill>
+          </a:ln>
+        </p:spPr>
+        <p:style>
+          <a:lnRef idx="2">
+            <a:schemeClr val="accent1">
+              <a:shade val="50000"/>
+            </a:schemeClr>
+          </a:lnRef>
+          <a:fillRef idx="1">
+            <a:schemeClr val="accent1"/>
+          </a:fillRef>
+          <a:effectRef idx="0">
+            <a:schemeClr val="accent1"/>
+          </a:effectRef>
+          <a:fontRef idx="minor">
+            <a:schemeClr val="lt1"/>
+          </a:fontRef>
+        </p:style>
+        <p:txBody>
+          <a:bodyPr rtlCol="0" anchor="ctr"/>
+          <a:lstStyle/>
+          <a:p>
+            <a:pPr algn="ctr"/>
+            <a:endParaRPr lang="ko-KR" altLang="en-US">
+              <a:solidFill>
+                <a:schemeClr val="tx1"/>
+              </a:solidFill>
+            </a:endParaRPr>
+          </a:p>
+        </p:txBody>
+      </p:sp>
+      <p:sp>
+        <p:nvSpPr>
+          <p:cNvPr id="21" name="원형: 비어 있음 20"/>
+          <p:cNvSpPr/>
+          <p:nvPr/>
+        </p:nvSpPr>
+        <p:spPr>
+          <a:xfrm>
+            <a:off x="2053272" y="1036320"/>
+            <a:ext cx="1346662" cy="1280160"/>
+          </a:xfrm>
+          <a:prstGeom prst="donut">
+            <a:avLst/>
+          </a:prstGeom>
+          <a:solidFill>
+            <a:srgbClr val="C00000"/>
+          </a:solidFill>
+          <a:ln>
+            <a:solidFill>
+              <a:srgbClr val="C00000"/>
+            </a:solidFill>
+          </a:ln>
+        </p:spPr>
+        <p:style>
+          <a:lnRef idx="2">
+            <a:schemeClr val="accent1">
+              <a:shade val="50000"/>
+            </a:schemeClr>
+          </a:lnRef>
+          <a:fillRef idx="1">
+            <a:schemeClr val="accent1"/>
+          </a:fillRef>
+          <a:effectRef idx="0">
+            <a:schemeClr val="accent1"/>
+          </a:effectRef>
+          <a:fontRef idx="minor">
+            <a:schemeClr val="lt1"/>
+          </a:fontRef>
+        </p:style>
+        <p:txBody>
+          <a:bodyPr rtlCol="0" anchor="ctr"/>
+          <a:lstStyle/>
+          <a:p>
+            <a:pPr algn="ctr"/>
+            <a:endParaRPr lang="ko-KR" altLang="en-US">
+              <a:solidFill>
+                <a:schemeClr val="tx1"/>
+              </a:solidFill>
+            </a:endParaRPr>
+          </a:p>
+        </p:txBody>
+      </p:sp>
+      <p:sp>
+        <p:nvSpPr>
+          <p:cNvPr id="22" name="원형: 비어 있음 21"/>
+          <p:cNvSpPr/>
+          <p:nvPr/>
+        </p:nvSpPr>
+        <p:spPr>
+          <a:xfrm>
+            <a:off x="2430172" y="1235480"/>
+            <a:ext cx="1346662" cy="1280160"/>
+          </a:xfrm>
+          <a:prstGeom prst="donut">
+            <a:avLst/>
+          </a:prstGeom>
+          <a:solidFill>
+            <a:srgbClr val="C00000"/>
+          </a:solidFill>
+          <a:ln>
+            <a:solidFill>
+              <a:srgbClr val="C00000"/>
+            </a:solidFill>
+          </a:ln>
+        </p:spPr>
+        <p:style>
+          <a:lnRef idx="2">
+            <a:schemeClr val="accent1">
+              <a:shade val="50000"/>
+            </a:schemeClr>
+          </a:lnRef>
+          <a:fillRef idx="1">
+            <a:schemeClr val="accent1"/>
+          </a:fillRef>
+          <a:effectRef idx="0">
+            <a:schemeClr val="accent1"/>
+          </a:effectRef>
+          <a:fontRef idx="minor">
+            <a:schemeClr val="lt1"/>
+          </a:fontRef>
+        </p:style>
+        <p:txBody>
+          <a:bodyPr rtlCol="0" anchor="ctr"/>
+          <a:lstStyle/>
+          <a:p>
+            <a:pPr algn="ctr"/>
+            <a:endParaRPr lang="ko-KR" altLang="en-US">
+              <a:solidFill>
+                <a:schemeClr val="tx1"/>
+              </a:solidFill>
+            </a:endParaRPr>
+          </a:p>
+        </p:txBody>
+      </p:sp>
+      <p:sp>
+        <p:nvSpPr>
+          <p:cNvPr id="23" name="원형: 비어 있음 22"/>
+          <p:cNvSpPr/>
+          <p:nvPr/>
+        </p:nvSpPr>
+        <p:spPr>
+          <a:xfrm>
+            <a:off x="2670330" y="1638993"/>
+            <a:ext cx="1346662" cy="1280160"/>
+          </a:xfrm>
+          <a:prstGeom prst="donut">
+            <a:avLst/>
+          </a:prstGeom>
+          <a:solidFill>
+            <a:srgbClr val="C00000"/>
+          </a:solidFill>
+          <a:ln>
+            <a:solidFill>
+              <a:srgbClr val="C00000"/>
+            </a:solidFill>
+          </a:ln>
+        </p:spPr>
+        <p:style>
+          <a:lnRef idx="2">
+            <a:schemeClr val="accent1">
+              <a:shade val="50000"/>
+            </a:schemeClr>
+          </a:lnRef>
+          <a:fillRef idx="1">
+            <a:schemeClr val="accent1"/>
+          </a:fillRef>
+          <a:effectRef idx="0">
+            <a:schemeClr val="accent1"/>
+          </a:effectRef>
+          <a:fontRef idx="minor">
+            <a:schemeClr val="lt1"/>
+          </a:fontRef>
+        </p:style>
+        <p:txBody>
+          <a:bodyPr rtlCol="0" anchor="ctr"/>
+          <a:lstStyle/>
+          <a:p>
+            <a:pPr algn="ctr"/>
+            <a:endParaRPr lang="ko-KR" altLang="en-US">
+              <a:solidFill>
+                <a:schemeClr val="tx1"/>
+              </a:solidFill>
+            </a:endParaRPr>
+          </a:p>
+        </p:txBody>
+      </p:sp>
+      <p:sp>
+        <p:nvSpPr>
+          <p:cNvPr id="24" name="달 23"/>
+          <p:cNvSpPr/>
+          <p:nvPr/>
+        </p:nvSpPr>
+        <p:spPr>
+          <a:xfrm rot="16200000">
+            <a:off x="4138856" y="940100"/>
+            <a:ext cx="3188067" cy="8013468"/>
+          </a:xfrm>
+          <a:prstGeom prst="moon">
+            <a:avLst>
+              <a:gd name="adj" fmla="val 14105"/>
+            </a:avLst>
+          </a:prstGeom>
+          <a:solidFill>
+            <a:srgbClr val="C00000"/>
+          </a:solidFill>
+          <a:ln>
+            <a:solidFill>
+              <a:srgbClr val="C00000"/>
+            </a:solidFill>
+          </a:ln>
+        </p:spPr>
+        <p:style>
+          <a:lnRef idx="2">
+            <a:schemeClr val="accent1">
+              <a:shade val="50000"/>
+            </a:schemeClr>
+          </a:lnRef>
+          <a:fillRef idx="1">
+            <a:schemeClr val="accent1"/>
+          </a:fillRef>
+          <a:effectRef idx="0">
+            <a:schemeClr val="accent1"/>
+          </a:effectRef>
+          <a:fontRef idx="minor">
+            <a:schemeClr val="lt1"/>
+          </a:fontRef>
+        </p:style>
+        <p:txBody>
+          <a:bodyPr rtlCol="0" anchor="ctr"/>
+          <a:lstStyle/>
+          <a:p>
+            <a:pPr algn="ctr"/>
+            <a:endParaRPr lang="ko-KR" altLang="en-US"/>
+          </a:p>
+        </p:txBody>
+      </p:sp>
+    </p:spTree>
+    <p:extLst>
+      <p:ext uri="{BB962C8B-B14F-4D97-AF65-F5344CB8AC3E}">
+        <p14:creationId xmlns:p14="http://schemas.microsoft.com/office/powerpoint/2010/main" val="4143218367"/>
+      </p:ext>
+    </p:extLst>
+  </p:cSld>
+  <p:clrMapOvr>
+    <a:masterClrMapping/>
+  </p:clrMapOvr>
+</p:sld>
+</file>
+
+<file path=ppt/slides/slide7.xml><?xml version="1.0" encoding="utf-8"?>
+<p:sld xmlns:a="http://schemas.openxmlformats.org/drawingml/2006/main" xmlns:r="http://schemas.openxmlformats.org/officeDocument/2006/relationships" xmlns:p="http://schemas.openxmlformats.org/presentationml/2006/main">
+  <p:cSld>
+    <p:spTree>
+      <p:nvGrpSpPr>
+        <p:cNvPr id="1" name=""/>
+        <p:cNvGrpSpPr/>
+        <p:nvPr/>
+      </p:nvGrpSpPr>
+      <p:grpSpPr>
+        <a:xfrm>
+          <a:off x="0" y="0"/>
+          <a:ext cx="0" cy="0"/>
+          <a:chOff x="0" y="0"/>
+          <a:chExt cx="0" cy="0"/>
+        </a:xfrm>
+      </p:grpSpPr>
+      <p:sp>
+        <p:nvSpPr>
+          <p:cNvPr id="5" name="직사각형 4"/>
+          <p:cNvSpPr/>
+          <p:nvPr/>
+        </p:nvSpPr>
+        <p:spPr>
+          <a:xfrm>
+            <a:off x="1090870" y="783196"/>
+            <a:ext cx="7870250" cy="1323439"/>
+          </a:xfrm>
+          <a:prstGeom prst="rect">
+            <a:avLst/>
+          </a:prstGeom>
+          <a:noFill/>
+        </p:spPr>
+        <p:txBody>
+          <a:bodyPr wrap="square" lIns="91440" tIns="45720" rIns="91440" bIns="45720">
+            <a:spAutoFit/>
+          </a:bodyPr>
+          <a:lstStyle/>
+          <a:p>
+            <a:pPr algn="ctr"/>
+            <a:r>
+              <a:rPr lang="ko-KR" altLang="en-US" sz="8000" b="1" dirty="0">
+                <a:ln w="10160">
+                  <a:noFill/>
+                  <a:prstDash val="solid"/>
+                </a:ln>
+                <a:solidFill>
+                  <a:srgbClr val="C00000"/>
+                </a:solidFill>
+                <a:effectLst>
+                  <a:outerShdw blurRad="38100" dist="22860" dir="5400000" algn="tl" rotWithShape="0">
+                    <a:srgbClr val="000000">
+                      <a:alpha val="30000"/>
+                    </a:srgbClr>
+                  </a:outerShdw>
+                </a:effectLst>
+                <a:latin typeface="양재꽃게체M" panose="02020603020101020101" pitchFamily="18" charset="-127"/>
+                <a:ea typeface="양재꽃게체M" panose="02020603020101020101" pitchFamily="18" charset="-127"/>
+              </a:rPr>
+              <a:t>히히히</a:t>
+            </a:r>
+            <a:r>
+              <a:rPr lang="en-US" altLang="ko-KR" sz="8000" b="1" dirty="0">
+                <a:ln w="10160">
+                  <a:noFill/>
+                  <a:prstDash val="solid"/>
+                </a:ln>
+                <a:solidFill>
+                  <a:srgbClr val="C00000"/>
+                </a:solidFill>
+                <a:effectLst>
+                  <a:outerShdw blurRad="38100" dist="22860" dir="5400000" algn="tl" rotWithShape="0">
+                    <a:srgbClr val="000000">
+                      <a:alpha val="30000"/>
+                    </a:srgbClr>
+                  </a:outerShdw>
+                </a:effectLst>
+                <a:latin typeface="양재꽃게체M" panose="02020603020101020101" pitchFamily="18" charset="-127"/>
+                <a:ea typeface="양재꽃게체M" panose="02020603020101020101" pitchFamily="18" charset="-127"/>
+              </a:rPr>
+              <a:t>..</a:t>
+            </a:r>
+          </a:p>
+        </p:txBody>
+      </p:sp>
+    </p:spTree>
+    <p:extLst>
+      <p:ext uri="{BB962C8B-B14F-4D97-AF65-F5344CB8AC3E}">
+        <p14:creationId xmlns:p14="http://schemas.microsoft.com/office/powerpoint/2010/main" val="3202182772"/>
+      </p:ext>
+    </p:extLst>
+  </p:cSld>
+  <p:clrMapOvr>
+    <a:masterClrMapping/>
+  </p:clrMapOvr>
+</p:sld>
+</file>
+
+<file path=ppt/slides/slide8.xml><?xml version="1.0" encoding="utf-8"?>
+<p:sld xmlns:a="http://schemas.openxmlformats.org/drawingml/2006/main" xmlns:r="http://schemas.openxmlformats.org/officeDocument/2006/relationships" xmlns:p="http://schemas.openxmlformats.org/presentationml/2006/main">
+  <p:cSld>
+    <p:spTree>
+      <p:nvGrpSpPr>
+        <p:cNvPr id="1" name=""/>
+        <p:cNvGrpSpPr/>
+        <p:nvPr/>
+      </p:nvGrpSpPr>
+      <p:grpSpPr>
+        <a:xfrm>
+          <a:off x="0" y="0"/>
+          <a:ext cx="0" cy="0"/>
+          <a:chOff x="0" y="0"/>
+          <a:chExt cx="0" cy="0"/>
+        </a:xfrm>
+      </p:grpSpPr>
+      <p:pic>
+        <p:nvPicPr>
+          <p:cNvPr id="2" name="그림 1"/>
+          <p:cNvPicPr>
+            <a:picLocks noChangeAspect="1"/>
+          </p:cNvPicPr>
+          <p:nvPr/>
+        </p:nvPicPr>
+        <p:blipFill>
+          <a:blip r:embed="rId2">
+            <a:extLst>
+              <a:ext uri="{28A0092B-C50C-407E-A947-70E740481C1C}">
+                <a14:useLocalDpi xmlns:a14="http://schemas.microsoft.com/office/drawing/2010/main" val="0"/>
+              </a:ext>
+            </a:extLst>
+          </a:blip>
+          <a:stretch>
+            <a:fillRect/>
+          </a:stretch>
+        </p:blipFill>
+        <p:spPr>
+          <a:xfrm>
+            <a:off x="1" y="-299257"/>
+            <a:ext cx="11679452" cy="7157258"/>
+          </a:xfrm>
+          <a:prstGeom prst="rect">
+            <a:avLst/>
+          </a:prstGeom>
+        </p:spPr>
+      </p:pic>
+      <p:pic>
+        <p:nvPicPr>
+          <p:cNvPr id="3" name="그림 2"/>
+          <p:cNvPicPr>
+            <a:picLocks noChangeAspect="1"/>
+          </p:cNvPicPr>
+          <p:nvPr/>
+        </p:nvPicPr>
+        <p:blipFill>
+          <a:blip r:embed="rId3">
+            <a:extLst>
+              <a:ext uri="{28A0092B-C50C-407E-A947-70E740481C1C}">
+                <a14:useLocalDpi xmlns:a14="http://schemas.microsoft.com/office/drawing/2010/main" val="0"/>
+              </a:ext>
+            </a:extLst>
+          </a:blip>
+          <a:stretch>
+            <a:fillRect/>
+          </a:stretch>
+        </p:blipFill>
+        <p:spPr>
+          <a:xfrm>
+            <a:off x="0" y="0"/>
+            <a:ext cx="10826223" cy="5039428"/>
+          </a:xfrm>
+          <a:prstGeom prst="rect">
+            <a:avLst/>
+          </a:prstGeom>
+        </p:spPr>
+      </p:pic>
+    </p:spTree>
+    <p:extLst>
+      <p:ext uri="{BB962C8B-B14F-4D97-AF65-F5344CB8AC3E}">
+        <p14:creationId xmlns:p14="http://schemas.microsoft.com/office/powerpoint/2010/main" val="3966452749"/>
+      </p:ext>
+    </p:extLst>
+  </p:cSld>
+  <p:clrMapOvr>
+    <a:masterClrMapping/>
+  </p:clrMapOvr>
+</p:sld>
+</file>
+
+<file path=ppt/slides/slide9.xml><?xml version="1.0" encoding="utf-8"?>
+<p:sld xmlns:a="http://schemas.openxmlformats.org/drawingml/2006/main" xmlns:r="http://schemas.openxmlformats.org/officeDocument/2006/relationships" xmlns:p="http://schemas.openxmlformats.org/presentationml/2006/main">
+  <p:cSld>
+    <p:spTree>
+      <p:nvGrpSpPr>
+        <p:cNvPr id="1" name=""/>
+        <p:cNvGrpSpPr/>
+        <p:nvPr/>
+      </p:nvGrpSpPr>
+      <p:grpSpPr>
+        <a:xfrm>
+          <a:off x="0" y="0"/>
+          <a:ext cx="0" cy="0"/>
+          <a:chOff x="0" y="0"/>
+          <a:chExt cx="0" cy="0"/>
+        </a:xfrm>
+      </p:grpSpPr>
+      <p:pic>
+        <p:nvPicPr>
+          <p:cNvPr id="2" name="그림 1"/>
+          <p:cNvPicPr>
+            <a:picLocks noChangeAspect="1"/>
+          </p:cNvPicPr>
+          <p:nvPr/>
+        </p:nvPicPr>
+        <p:blipFill>
+          <a:blip r:embed="rId2">
+            <a:extLst>
+              <a:ext uri="{28A0092B-C50C-407E-A947-70E740481C1C}">
+                <a14:useLocalDpi xmlns:a14="http://schemas.microsoft.com/office/drawing/2010/main" val="0"/>
+              </a:ext>
+            </a:extLst>
+          </a:blip>
+          <a:stretch>
+            <a:fillRect/>
+          </a:stretch>
+        </p:blipFill>
+        <p:spPr>
+          <a:xfrm>
+            <a:off x="381714" y="95666"/>
+            <a:ext cx="11428571" cy="6666667"/>
+          </a:xfrm>
+          <a:prstGeom prst="rect">
+            <a:avLst/>
+          </a:prstGeom>
+        </p:spPr>
+      </p:pic>
+      <p:sp>
+        <p:nvSpPr>
+          <p:cNvPr id="3" name="직사각형 2"/>
+          <p:cNvSpPr/>
+          <p:nvPr/>
+        </p:nvSpPr>
+        <p:spPr>
+          <a:xfrm>
+            <a:off x="5008760" y="5012267"/>
+            <a:ext cx="6290504" cy="923330"/>
+          </a:xfrm>
+          <a:prstGeom prst="rect">
+            <a:avLst/>
+          </a:prstGeom>
+          <a:noFill/>
+        </p:spPr>
+        <p:txBody>
+          <a:bodyPr wrap="none" lIns="91440" tIns="45720" rIns="91440" bIns="45720">
+            <a:spAutoFit/>
+          </a:bodyPr>
+          <a:lstStyle/>
+          <a:p>
+            <a:pPr algn="ctr"/>
+            <a:r>
+              <a:rPr lang="en-US" altLang="ko-KR" sz="5400" dirty="0">
+                <a:ln w="0"/>
+                <a:solidFill>
+                  <a:schemeClr val="bg1"/>
+                </a:solidFill>
+                <a:effectLst>
+                  <a:outerShdw blurRad="38100" dist="19050" dir="2700000" algn="tl" rotWithShape="0">
+                    <a:schemeClr val="dk1">
+                      <a:alpha val="40000"/>
+                    </a:schemeClr>
+                  </a:outerShdw>
+                </a:effectLst>
+                <a:latin typeface="Bradley Hand ITC" panose="03070402050302030203" pitchFamily="66" charset="0"/>
+              </a:rPr>
+              <a:t>please push on Space</a:t>
+            </a:r>
+            <a:r>
+              <a:rPr lang="en-US" altLang="ko-KR" sz="5400" b="0" cap="none" spc="0" dirty="0">
+                <a:ln w="0"/>
+                <a:solidFill>
+                  <a:schemeClr val="tx1"/>
+                </a:solidFill>
+                <a:effectLst>
+                  <a:outerShdw blurRad="38100" dist="19050" dir="2700000" algn="tl" rotWithShape="0">
+                    <a:schemeClr val="dk1">
+                      <a:alpha val="40000"/>
+                    </a:schemeClr>
+                  </a:outerShdw>
+                </a:effectLst>
+              </a:rPr>
+              <a:t>.</a:t>
+            </a:r>
+          </a:p>
+        </p:txBody>
+      </p:sp>
+    </p:spTree>
+    <p:extLst>
+      <p:ext uri="{BB962C8B-B14F-4D97-AF65-F5344CB8AC3E}">
+        <p14:creationId xmlns:p14="http://schemas.microsoft.com/office/powerpoint/2010/main" val="382858017"/>
       </p:ext>
     </p:extLst>
   </p:cSld>

--- a/Game_Project/ch1/작업용 PPT3.pptx
+++ b/Game_Project/ch1/작업용 PPT3.pptx
@@ -8,14 +8,16 @@
     <p:sldId id="256" r:id="rId2"/>
     <p:sldId id="258" r:id="rId3"/>
     <p:sldId id="262" r:id="rId4"/>
-    <p:sldId id="261" r:id="rId5"/>
-    <p:sldId id="266" r:id="rId6"/>
-    <p:sldId id="260" r:id="rId7"/>
-    <p:sldId id="259" r:id="rId8"/>
-    <p:sldId id="264" r:id="rId9"/>
-    <p:sldId id="265" r:id="rId10"/>
-    <p:sldId id="263" r:id="rId11"/>
-    <p:sldId id="257" r:id="rId12"/>
+    <p:sldId id="268" r:id="rId5"/>
+    <p:sldId id="261" r:id="rId6"/>
+    <p:sldId id="267" r:id="rId7"/>
+    <p:sldId id="266" r:id="rId8"/>
+    <p:sldId id="260" r:id="rId9"/>
+    <p:sldId id="259" r:id="rId10"/>
+    <p:sldId id="264" r:id="rId11"/>
+    <p:sldId id="265" r:id="rId12"/>
+    <p:sldId id="263" r:id="rId13"/>
+    <p:sldId id="257" r:id="rId14"/>
   </p:sldIdLst>
   <p:sldSz cx="12192000" cy="6858000"/>
   <p:notesSz cx="6858000" cy="9144000"/>
@@ -251,7 +253,7 @@
           <a:p>
             <a:fld id="{AF3604FE-87CC-407B-B7F3-F6CD7B2787AA}" type="datetimeFigureOut">
               <a:rPr lang="ko-KR" altLang="en-US" smtClean="0"/>
-              <a:t>2016-12-08</a:t>
+              <a:t>2016-12-19</a:t>
             </a:fld>
             <a:endParaRPr lang="ko-KR" altLang="en-US"/>
           </a:p>
@@ -419,7 +421,7 @@
           <a:p>
             <a:fld id="{AF3604FE-87CC-407B-B7F3-F6CD7B2787AA}" type="datetimeFigureOut">
               <a:rPr lang="ko-KR" altLang="en-US" smtClean="0"/>
-              <a:t>2016-12-08</a:t>
+              <a:t>2016-12-19</a:t>
             </a:fld>
             <a:endParaRPr lang="ko-KR" altLang="en-US"/>
           </a:p>
@@ -597,7 +599,7 @@
           <a:p>
             <a:fld id="{AF3604FE-87CC-407B-B7F3-F6CD7B2787AA}" type="datetimeFigureOut">
               <a:rPr lang="ko-KR" altLang="en-US" smtClean="0"/>
-              <a:t>2016-12-08</a:t>
+              <a:t>2016-12-19</a:t>
             </a:fld>
             <a:endParaRPr lang="ko-KR" altLang="en-US"/>
           </a:p>
@@ -765,7 +767,7 @@
           <a:p>
             <a:fld id="{AF3604FE-87CC-407B-B7F3-F6CD7B2787AA}" type="datetimeFigureOut">
               <a:rPr lang="ko-KR" altLang="en-US" smtClean="0"/>
-              <a:t>2016-12-08</a:t>
+              <a:t>2016-12-19</a:t>
             </a:fld>
             <a:endParaRPr lang="ko-KR" altLang="en-US"/>
           </a:p>
@@ -1010,7 +1012,7 @@
           <a:p>
             <a:fld id="{AF3604FE-87CC-407B-B7F3-F6CD7B2787AA}" type="datetimeFigureOut">
               <a:rPr lang="ko-KR" altLang="en-US" smtClean="0"/>
-              <a:t>2016-12-08</a:t>
+              <a:t>2016-12-19</a:t>
             </a:fld>
             <a:endParaRPr lang="ko-KR" altLang="en-US"/>
           </a:p>
@@ -1239,7 +1241,7 @@
           <a:p>
             <a:fld id="{AF3604FE-87CC-407B-B7F3-F6CD7B2787AA}" type="datetimeFigureOut">
               <a:rPr lang="ko-KR" altLang="en-US" smtClean="0"/>
-              <a:t>2016-12-08</a:t>
+              <a:t>2016-12-19</a:t>
             </a:fld>
             <a:endParaRPr lang="ko-KR" altLang="en-US"/>
           </a:p>
@@ -1603,7 +1605,7 @@
           <a:p>
             <a:fld id="{AF3604FE-87CC-407B-B7F3-F6CD7B2787AA}" type="datetimeFigureOut">
               <a:rPr lang="ko-KR" altLang="en-US" smtClean="0"/>
-              <a:t>2016-12-08</a:t>
+              <a:t>2016-12-19</a:t>
             </a:fld>
             <a:endParaRPr lang="ko-KR" altLang="en-US"/>
           </a:p>
@@ -1720,7 +1722,7 @@
           <a:p>
             <a:fld id="{AF3604FE-87CC-407B-B7F3-F6CD7B2787AA}" type="datetimeFigureOut">
               <a:rPr lang="ko-KR" altLang="en-US" smtClean="0"/>
-              <a:t>2016-12-08</a:t>
+              <a:t>2016-12-19</a:t>
             </a:fld>
             <a:endParaRPr lang="ko-KR" altLang="en-US"/>
           </a:p>
@@ -1815,7 +1817,7 @@
           <a:p>
             <a:fld id="{AF3604FE-87CC-407B-B7F3-F6CD7B2787AA}" type="datetimeFigureOut">
               <a:rPr lang="ko-KR" altLang="en-US" smtClean="0"/>
-              <a:t>2016-12-08</a:t>
+              <a:t>2016-12-19</a:t>
             </a:fld>
             <a:endParaRPr lang="ko-KR" altLang="en-US"/>
           </a:p>
@@ -2090,7 +2092,7 @@
           <a:p>
             <a:fld id="{AF3604FE-87CC-407B-B7F3-F6CD7B2787AA}" type="datetimeFigureOut">
               <a:rPr lang="ko-KR" altLang="en-US" smtClean="0"/>
-              <a:t>2016-12-08</a:t>
+              <a:t>2016-12-19</a:t>
             </a:fld>
             <a:endParaRPr lang="ko-KR" altLang="en-US"/>
           </a:p>
@@ -2342,7 +2344,7 @@
           <a:p>
             <a:fld id="{AF3604FE-87CC-407B-B7F3-F6CD7B2787AA}" type="datetimeFigureOut">
               <a:rPr lang="ko-KR" altLang="en-US" smtClean="0"/>
-              <a:t>2016-12-08</a:t>
+              <a:t>2016-12-19</a:t>
             </a:fld>
             <a:endParaRPr lang="ko-KR" altLang="en-US"/>
           </a:p>
@@ -2553,7 +2555,7 @@
           <a:p>
             <a:fld id="{AF3604FE-87CC-407B-B7F3-F6CD7B2787AA}" type="datetimeFigureOut">
               <a:rPr lang="ko-KR" altLang="en-US" smtClean="0"/>
-              <a:t>2016-12-08</a:t>
+              <a:t>2016-12-19</a:t>
             </a:fld>
             <a:endParaRPr lang="ko-KR" altLang="en-US"/>
           </a:p>
@@ -3393,7 +3395,7 @@
       </p:grpSpPr>
       <p:pic>
         <p:nvPicPr>
-          <p:cNvPr id="5" name="그림 4"/>
+          <p:cNvPr id="2" name="그림 1"/>
           <p:cNvPicPr>
             <a:picLocks noChangeAspect="1"/>
           </p:cNvPicPr>
@@ -3413,7 +3415,216 @@
         </p:blipFill>
         <p:spPr>
           <a:xfrm>
-            <a:off x="146026" y="0"/>
+            <a:off x="1" y="-299257"/>
+            <a:ext cx="11679452" cy="7157258"/>
+          </a:xfrm>
+          <a:prstGeom prst="rect">
+            <a:avLst/>
+          </a:prstGeom>
+        </p:spPr>
+      </p:pic>
+      <p:pic>
+        <p:nvPicPr>
+          <p:cNvPr id="3" name="그림 2"/>
+          <p:cNvPicPr>
+            <a:picLocks noChangeAspect="1"/>
+          </p:cNvPicPr>
+          <p:nvPr/>
+        </p:nvPicPr>
+        <p:blipFill>
+          <a:blip r:embed="rId3">
+            <a:extLst>
+              <a:ext uri="{28A0092B-C50C-407E-A947-70E740481C1C}">
+                <a14:useLocalDpi xmlns:a14="http://schemas.microsoft.com/office/drawing/2010/main" val="0"/>
+              </a:ext>
+            </a:extLst>
+          </a:blip>
+          <a:stretch>
+            <a:fillRect/>
+          </a:stretch>
+        </p:blipFill>
+        <p:spPr>
+          <a:xfrm>
+            <a:off x="0" y="0"/>
+            <a:ext cx="10826223" cy="5039428"/>
+          </a:xfrm>
+          <a:prstGeom prst="rect">
+            <a:avLst/>
+          </a:prstGeom>
+        </p:spPr>
+      </p:pic>
+    </p:spTree>
+    <p:extLst>
+      <p:ext uri="{BB962C8B-B14F-4D97-AF65-F5344CB8AC3E}">
+        <p14:creationId xmlns:p14="http://schemas.microsoft.com/office/powerpoint/2010/main" val="3966452749"/>
+      </p:ext>
+    </p:extLst>
+  </p:cSld>
+  <p:clrMapOvr>
+    <a:masterClrMapping/>
+  </p:clrMapOvr>
+</p:sld>
+</file>
+
+<file path=ppt/slides/slide11.xml><?xml version="1.0" encoding="utf-8"?>
+<p:sld xmlns:a="http://schemas.openxmlformats.org/drawingml/2006/main" xmlns:r="http://schemas.openxmlformats.org/officeDocument/2006/relationships" xmlns:p="http://schemas.openxmlformats.org/presentationml/2006/main">
+  <p:cSld>
+    <p:spTree>
+      <p:nvGrpSpPr>
+        <p:cNvPr id="1" name=""/>
+        <p:cNvGrpSpPr/>
+        <p:nvPr/>
+      </p:nvGrpSpPr>
+      <p:grpSpPr>
+        <a:xfrm>
+          <a:off x="0" y="0"/>
+          <a:ext cx="0" cy="0"/>
+          <a:chOff x="0" y="0"/>
+          <a:chExt cx="0" cy="0"/>
+        </a:xfrm>
+      </p:grpSpPr>
+      <p:pic>
+        <p:nvPicPr>
+          <p:cNvPr id="2" name="그림 1"/>
+          <p:cNvPicPr>
+            <a:picLocks noChangeAspect="1"/>
+          </p:cNvPicPr>
+          <p:nvPr/>
+        </p:nvPicPr>
+        <p:blipFill>
+          <a:blip r:embed="rId2">
+            <a:extLst>
+              <a:ext uri="{28A0092B-C50C-407E-A947-70E740481C1C}">
+                <a14:useLocalDpi xmlns:a14="http://schemas.microsoft.com/office/drawing/2010/main" val="0"/>
+              </a:ext>
+            </a:extLst>
+          </a:blip>
+          <a:stretch>
+            <a:fillRect/>
+          </a:stretch>
+        </p:blipFill>
+        <p:spPr>
+          <a:xfrm>
+            <a:off x="381714" y="95666"/>
+            <a:ext cx="11428571" cy="6666667"/>
+          </a:xfrm>
+          <a:prstGeom prst="rect">
+            <a:avLst/>
+          </a:prstGeom>
+        </p:spPr>
+      </p:pic>
+      <p:sp>
+        <p:nvSpPr>
+          <p:cNvPr id="3" name="직사각형 2"/>
+          <p:cNvSpPr/>
+          <p:nvPr/>
+        </p:nvSpPr>
+        <p:spPr>
+          <a:xfrm>
+            <a:off x="5008760" y="5012267"/>
+            <a:ext cx="6290504" cy="923330"/>
+          </a:xfrm>
+          <a:prstGeom prst="rect">
+            <a:avLst/>
+          </a:prstGeom>
+          <a:noFill/>
+        </p:spPr>
+        <p:txBody>
+          <a:bodyPr wrap="none" lIns="91440" tIns="45720" rIns="91440" bIns="45720">
+            <a:spAutoFit/>
+          </a:bodyPr>
+          <a:lstStyle/>
+          <a:p>
+            <a:pPr algn="ctr"/>
+            <a:r>
+              <a:rPr lang="en-US" altLang="ko-KR" sz="5400" dirty="0">
+                <a:ln w="0"/>
+                <a:solidFill>
+                  <a:schemeClr val="bg1"/>
+                </a:solidFill>
+                <a:effectLst>
+                  <a:outerShdw blurRad="38100" dist="19050" dir="2700000" algn="tl" rotWithShape="0">
+                    <a:schemeClr val="dk1">
+                      <a:alpha val="40000"/>
+                    </a:schemeClr>
+                  </a:outerShdw>
+                </a:effectLst>
+                <a:latin typeface="Bradley Hand ITC" panose="03070402050302030203" pitchFamily="66" charset="0"/>
+              </a:rPr>
+              <a:t>please push on Space</a:t>
+            </a:r>
+            <a:r>
+              <a:rPr lang="en-US" altLang="ko-KR" sz="5400" b="0" cap="none" spc="0" dirty="0">
+                <a:ln w="0"/>
+                <a:solidFill>
+                  <a:schemeClr val="tx1"/>
+                </a:solidFill>
+                <a:effectLst>
+                  <a:outerShdw blurRad="38100" dist="19050" dir="2700000" algn="tl" rotWithShape="0">
+                    <a:schemeClr val="dk1">
+                      <a:alpha val="40000"/>
+                    </a:schemeClr>
+                  </a:outerShdw>
+                </a:effectLst>
+              </a:rPr>
+              <a:t>.</a:t>
+            </a:r>
+          </a:p>
+        </p:txBody>
+      </p:sp>
+    </p:spTree>
+    <p:extLst>
+      <p:ext uri="{BB962C8B-B14F-4D97-AF65-F5344CB8AC3E}">
+        <p14:creationId xmlns:p14="http://schemas.microsoft.com/office/powerpoint/2010/main" val="382858017"/>
+      </p:ext>
+    </p:extLst>
+  </p:cSld>
+  <p:clrMapOvr>
+    <a:masterClrMapping/>
+  </p:clrMapOvr>
+</p:sld>
+</file>
+
+<file path=ppt/slides/slide12.xml><?xml version="1.0" encoding="utf-8"?>
+<p:sld xmlns:a="http://schemas.openxmlformats.org/drawingml/2006/main" xmlns:r="http://schemas.openxmlformats.org/officeDocument/2006/relationships" xmlns:p="http://schemas.openxmlformats.org/presentationml/2006/main">
+  <p:cSld>
+    <p:spTree>
+      <p:nvGrpSpPr>
+        <p:cNvPr id="1" name=""/>
+        <p:cNvGrpSpPr/>
+        <p:nvPr/>
+      </p:nvGrpSpPr>
+      <p:grpSpPr>
+        <a:xfrm>
+          <a:off x="0" y="0"/>
+          <a:ext cx="0" cy="0"/>
+          <a:chOff x="0" y="0"/>
+          <a:chExt cx="0" cy="0"/>
+        </a:xfrm>
+      </p:grpSpPr>
+      <p:pic>
+        <p:nvPicPr>
+          <p:cNvPr id="5" name="그림 4"/>
+          <p:cNvPicPr>
+            <a:picLocks noChangeAspect="1"/>
+          </p:cNvPicPr>
+          <p:nvPr/>
+        </p:nvPicPr>
+        <p:blipFill>
+          <a:blip r:embed="rId2">
+            <a:extLst>
+              <a:ext uri="{28A0092B-C50C-407E-A947-70E740481C1C}">
+                <a14:useLocalDpi xmlns:a14="http://schemas.microsoft.com/office/drawing/2010/main" val="0"/>
+              </a:ext>
+            </a:extLst>
+          </a:blip>
+          <a:stretch>
+            <a:fillRect/>
+          </a:stretch>
+        </p:blipFill>
+        <p:spPr>
+          <a:xfrm>
+            <a:off x="195833" y="76875"/>
             <a:ext cx="11431595" cy="6668431"/>
           </a:xfrm>
           <a:prstGeom prst="rect">
@@ -3949,12 +4160,12 @@
         </p:nvSpPr>
         <p:spPr>
           <a:xfrm rot="16200000">
-            <a:off x="4138856" y="940100"/>
-            <a:ext cx="3188067" cy="8013468"/>
+            <a:off x="4007310" y="40269"/>
+            <a:ext cx="3645979" cy="8819777"/>
           </a:xfrm>
           <a:prstGeom prst="moon">
             <a:avLst>
-              <a:gd name="adj" fmla="val 87500"/>
+              <a:gd name="adj" fmla="val 27425"/>
             </a:avLst>
           </a:prstGeom>
           <a:solidFill>
@@ -3999,7 +4210,7 @@
         </p:nvSpPr>
         <p:spPr>
           <a:xfrm rot="18382315">
-            <a:off x="7982778" y="3028605"/>
+            <a:off x="8577594" y="4776936"/>
             <a:ext cx="1008692" cy="933790"/>
           </a:xfrm>
           <a:prstGeom prst="rtTriangle">
@@ -4045,7 +4256,7 @@
         </p:nvSpPr>
         <p:spPr>
           <a:xfrm rot="18382315">
-            <a:off x="7148772" y="3097341"/>
+            <a:off x="7195480" y="4161770"/>
             <a:ext cx="1008692" cy="933790"/>
           </a:xfrm>
           <a:prstGeom prst="rtTriangle">
@@ -4091,7 +4302,7 @@
         </p:nvSpPr>
         <p:spPr>
           <a:xfrm rot="19020593">
-            <a:off x="3168262" y="3043001"/>
+            <a:off x="3214970" y="4107430"/>
             <a:ext cx="1008692" cy="933790"/>
           </a:xfrm>
           <a:prstGeom prst="rtTriangle">
@@ -4137,7 +4348,7 @@
         </p:nvSpPr>
         <p:spPr>
           <a:xfrm rot="18382315">
-            <a:off x="6261840" y="3194746"/>
+            <a:off x="6308548" y="4259175"/>
             <a:ext cx="1008692" cy="933790"/>
           </a:xfrm>
           <a:prstGeom prst="rtTriangle">
@@ -4183,7 +4394,7 @@
         </p:nvSpPr>
         <p:spPr>
           <a:xfrm rot="18874565">
-            <a:off x="5360577" y="3233196"/>
+            <a:off x="5407285" y="4297625"/>
             <a:ext cx="1008692" cy="933790"/>
           </a:xfrm>
           <a:prstGeom prst="rtTriangle">
@@ -4229,7 +4440,7 @@
         </p:nvSpPr>
         <p:spPr>
           <a:xfrm rot="20009554">
-            <a:off x="2192981" y="2980575"/>
+            <a:off x="1972753" y="4080747"/>
             <a:ext cx="1008692" cy="933790"/>
           </a:xfrm>
           <a:prstGeom prst="rtTriangle">
@@ -4275,7 +4486,7 @@
         </p:nvSpPr>
         <p:spPr>
           <a:xfrm rot="19039143">
-            <a:off x="4359557" y="3186880"/>
+            <a:off x="4406265" y="4251309"/>
             <a:ext cx="1008692" cy="933790"/>
           </a:xfrm>
           <a:prstGeom prst="rtTriangle">
@@ -4321,7 +4532,7 @@
         </p:nvSpPr>
         <p:spPr>
           <a:xfrm rot="18382315">
-            <a:off x="8778696" y="2899817"/>
+            <a:off x="8677344" y="3728785"/>
             <a:ext cx="1008692" cy="933790"/>
           </a:xfrm>
           <a:prstGeom prst="rtTriangle">
@@ -4367,7 +4578,7 @@
         </p:nvSpPr>
         <p:spPr>
           <a:xfrm rot="20467860">
-            <a:off x="1681263" y="2883666"/>
+            <a:off x="1825557" y="3017405"/>
             <a:ext cx="1008692" cy="933790"/>
           </a:xfrm>
           <a:prstGeom prst="rtTriangle">
@@ -4413,7 +4624,7 @@
         </p:nvSpPr>
         <p:spPr>
           <a:xfrm rot="7184851">
-            <a:off x="7699043" y="5643277"/>
+            <a:off x="9223773" y="3251760"/>
             <a:ext cx="883297" cy="1122863"/>
           </a:xfrm>
           <a:prstGeom prst="rtTriangle">
@@ -4459,7 +4670,7 @@
         </p:nvSpPr>
         <p:spPr>
           <a:xfrm rot="7184851">
-            <a:off x="7196065" y="5850416"/>
+            <a:off x="6556422" y="6123034"/>
             <a:ext cx="883297" cy="1122863"/>
           </a:xfrm>
           <a:prstGeom prst="rtTriangle">
@@ -4505,7 +4716,7 @@
         </p:nvSpPr>
         <p:spPr>
           <a:xfrm rot="7823129">
-            <a:off x="3424167" y="5716895"/>
+            <a:off x="3508595" y="6065474"/>
             <a:ext cx="883297" cy="1122863"/>
           </a:xfrm>
           <a:prstGeom prst="rtTriangle">
@@ -4551,7 +4762,7 @@
         </p:nvSpPr>
         <p:spPr>
           <a:xfrm rot="7184851">
-            <a:off x="6270407" y="5974077"/>
+            <a:off x="5005542" y="6104831"/>
             <a:ext cx="883297" cy="1122863"/>
           </a:xfrm>
           <a:prstGeom prst="rtTriangle">
@@ -4596,8 +4807,8 @@
           <p:nvPr/>
         </p:nvSpPr>
         <p:spPr>
-          <a:xfrm rot="7677101">
-            <a:off x="5247387" y="6033603"/>
+          <a:xfrm rot="2961498">
+            <a:off x="5959644" y="4868140"/>
             <a:ext cx="883297" cy="1122863"/>
           </a:xfrm>
           <a:prstGeom prst="rtTriangle">
@@ -4643,7 +4854,7 @@
         </p:nvSpPr>
         <p:spPr>
           <a:xfrm rot="8812090">
-            <a:off x="2455618" y="5363019"/>
+            <a:off x="2790586" y="5300764"/>
             <a:ext cx="883297" cy="1122862"/>
           </a:xfrm>
           <a:prstGeom prst="rtTriangle">
@@ -4689,7 +4900,7 @@
         </p:nvSpPr>
         <p:spPr>
           <a:xfrm rot="7841679">
-            <a:off x="4278084" y="6045669"/>
+            <a:off x="4200266" y="5929577"/>
             <a:ext cx="883297" cy="1122863"/>
           </a:xfrm>
           <a:prstGeom prst="rtTriangle">
@@ -4735,7 +4946,7 @@
         </p:nvSpPr>
         <p:spPr>
           <a:xfrm rot="7184851">
-            <a:off x="8347638" y="5313496"/>
+            <a:off x="7960089" y="5676995"/>
             <a:ext cx="883297" cy="1122863"/>
           </a:xfrm>
           <a:prstGeom prst="rtTriangle">
@@ -4781,7 +4992,7 @@
         </p:nvSpPr>
         <p:spPr>
           <a:xfrm rot="9270396">
-            <a:off x="1802722" y="4819236"/>
+            <a:off x="2349673" y="5516348"/>
             <a:ext cx="883297" cy="1122863"/>
           </a:xfrm>
           <a:prstGeom prst="rtTriangle">
@@ -4832,7 +5043,7 @@
 </p:sld>
 </file>
 
-<file path=ppt/slides/slide11.xml><?xml version="1.0" encoding="utf-8"?>
+<file path=ppt/slides/slide13.xml><?xml version="1.0" encoding="utf-8"?>
 <p:sld xmlns:a="http://schemas.openxmlformats.org/drawingml/2006/main" xmlns:r="http://schemas.openxmlformats.org/officeDocument/2006/relationships" xmlns:p="http://schemas.openxmlformats.org/presentationml/2006/main">
   <p:cSld>
     <p:spTree>
@@ -5856,7 +6067,7 @@
         </p:blipFill>
         <p:spPr>
           <a:xfrm>
-            <a:off x="1536735" y="3727038"/>
+            <a:off x="1536733" y="3815734"/>
             <a:ext cx="9119839" cy="2057868"/>
           </a:xfrm>
           <a:prstGeom prst="rect">
@@ -5882,8 +6093,8 @@
         </p:nvSpPr>
         <p:spPr>
           <a:xfrm>
-            <a:off x="2366861" y="4201974"/>
-            <a:ext cx="7142899" cy="553998"/>
+            <a:off x="1536733" y="4336836"/>
+            <a:ext cx="8871393" cy="1015663"/>
           </a:xfrm>
           <a:prstGeom prst="rect">
             <a:avLst/>
@@ -5901,6 +6112,7 @@
           </a:bodyPr>
           <a:lstStyle/>
           <a:p>
+            <a:pPr algn="ctr"/>
             <a:r>
               <a:rPr lang="ko-KR" altLang="en-US" sz="3000" dirty="0">
                 <a:ln w="0"/>
@@ -5914,10 +6126,11 @@
                     </a:schemeClr>
                   </a:outerShdw>
                 </a:effectLst>
+                <a:latin typeface="+mn-ea"/>
               </a:rPr>
-              <a:t>이렇게 사라질 수는 없어</a:t>
-            </a:r>
-            <a:r>
+              <a:t>더 이상 당신은 이용가치가 없네요</a:t>
+            </a:r>
+            <a:br>
               <a:rPr lang="en-US" altLang="ko-KR" sz="3000" dirty="0">
                 <a:ln w="0"/>
                 <a:solidFill>
@@ -5930,9 +6143,9 @@
                     </a:schemeClr>
                   </a:outerShdw>
                 </a:effectLst>
+                <a:latin typeface="+mn-ea"/>
               </a:rPr>
-              <a:t>…</a:t>
-            </a:r>
+            </a:br>
             <a:r>
               <a:rPr lang="ko-KR" altLang="en-US" sz="3000" dirty="0">
                 <a:ln w="0"/>
@@ -5946,8 +6159,9 @@
                     </a:schemeClr>
                   </a:outerShdw>
                 </a:effectLst>
+                <a:latin typeface="+mn-ea"/>
               </a:rPr>
-              <a:t>안돼</a:t>
+              <a:t>그만 죽어주세요</a:t>
             </a:r>
             <a:r>
               <a:rPr lang="en-US" altLang="ko-KR" sz="3000" dirty="0">
@@ -5962,8 +6176,9 @@
                     </a:schemeClr>
                   </a:outerShdw>
                 </a:effectLst>
+                <a:latin typeface="+mn-ea"/>
               </a:rPr>
-              <a:t>…</a:t>
+              <a:t>.</a:t>
             </a:r>
           </a:p>
         </p:txBody>
@@ -6000,7 +6215,7 @@
       </p:grpSpPr>
       <p:pic>
         <p:nvPicPr>
-          <p:cNvPr id="6" name="그림 5"/>
+          <p:cNvPr id="5" name="그림 4"/>
           <p:cNvPicPr>
             <a:picLocks noChangeAspect="1"/>
           </p:cNvPicPr>
@@ -6020,8 +6235,8 @@
         </p:blipFill>
         <p:spPr>
           <a:xfrm>
-            <a:off x="146026" y="0"/>
-            <a:ext cx="12045974" cy="6668431"/>
+            <a:off x="380861" y="0"/>
+            <a:ext cx="11431595" cy="6668431"/>
           </a:xfrm>
           <a:prstGeom prst="rect">
             <a:avLst/>
@@ -6030,7 +6245,7 @@
       </p:pic>
       <p:pic>
         <p:nvPicPr>
-          <p:cNvPr id="5" name="그림 4"/>
+          <p:cNvPr id="6" name="그림 5"/>
           <p:cNvPicPr>
             <a:picLocks noChangeAspect="1"/>
           </p:cNvPicPr>
@@ -6050,8 +6265,8 @@
         </p:blipFill>
         <p:spPr>
           <a:xfrm>
-            <a:off x="453215" y="3546583"/>
-            <a:ext cx="11431595" cy="2579510"/>
+            <a:off x="1536733" y="3815734"/>
+            <a:ext cx="9119839" cy="2057868"/>
           </a:xfrm>
           <a:prstGeom prst="rect">
             <a:avLst/>
@@ -6070,14 +6285,14 @@
       </p:pic>
       <p:sp>
         <p:nvSpPr>
-          <p:cNvPr id="2" name="직사각형 1"/>
+          <p:cNvPr id="8" name="직사각형 7"/>
           <p:cNvSpPr/>
           <p:nvPr/>
         </p:nvSpPr>
         <p:spPr>
           <a:xfrm>
-            <a:off x="2071456" y="4559339"/>
-            <a:ext cx="4976042" cy="553998"/>
+            <a:off x="1536733" y="4336836"/>
+            <a:ext cx="8871393" cy="1015663"/>
           </a:xfrm>
           <a:prstGeom prst="rect">
             <a:avLst/>
@@ -6090,11 +6305,12 @@
           </a:effectLst>
         </p:spPr>
         <p:txBody>
-          <a:bodyPr wrap="none" lIns="91440" tIns="45720" rIns="91440" bIns="45720">
+          <a:bodyPr wrap="square" lIns="91440" tIns="45720" rIns="91440" bIns="45720">
             <a:spAutoFit/>
           </a:bodyPr>
           <a:lstStyle/>
           <a:p>
+            <a:pPr algn="ctr"/>
             <a:r>
               <a:rPr lang="ko-KR" altLang="en-US" sz="3000" dirty="0">
                 <a:ln w="0"/>
@@ -6108,10 +6324,11 @@
                     </a:schemeClr>
                   </a:outerShdw>
                 </a:effectLst>
+                <a:latin typeface="+mn-ea"/>
               </a:rPr>
-              <a:t>난 그러지 말았어야 했다</a:t>
-            </a:r>
-            <a:r>
+              <a:t>더 이상 당신은 이용가치가 없네요</a:t>
+            </a:r>
+            <a:br>
               <a:rPr lang="en-US" altLang="ko-KR" sz="3000" dirty="0">
                 <a:ln w="0"/>
                 <a:solidFill>
@@ -6124,16 +6341,80 @@
                     </a:schemeClr>
                   </a:outerShdw>
                 </a:effectLst>
+                <a:latin typeface="+mn-ea"/>
               </a:rPr>
-              <a:t>……</a:t>
-            </a:r>
-          </a:p>
-        </p:txBody>
-      </p:sp>
+            </a:br>
+            <a:r>
+              <a:rPr lang="ko-KR" altLang="en-US" sz="3000" dirty="0">
+                <a:ln w="0"/>
+                <a:solidFill>
+                  <a:schemeClr val="bg1"/>
+                </a:solidFill>
+                <a:effectLst>
+                  <a:outerShdw blurRad="38100" dist="19050" dir="2700000" algn="tl" rotWithShape="0">
+                    <a:schemeClr val="dk1">
+                      <a:alpha val="40000"/>
+                    </a:schemeClr>
+                  </a:outerShdw>
+                </a:effectLst>
+                <a:latin typeface="+mn-ea"/>
+              </a:rPr>
+              <a:t>그만 죽어주세요</a:t>
+            </a:r>
+            <a:r>
+              <a:rPr lang="en-US" altLang="ko-KR" sz="3000" dirty="0">
+                <a:ln w="0"/>
+                <a:solidFill>
+                  <a:schemeClr val="bg1"/>
+                </a:solidFill>
+                <a:effectLst>
+                  <a:outerShdw blurRad="38100" dist="19050" dir="2700000" algn="tl" rotWithShape="0">
+                    <a:schemeClr val="dk1">
+                      <a:alpha val="40000"/>
+                    </a:schemeClr>
+                  </a:outerShdw>
+                </a:effectLst>
+                <a:latin typeface="+mn-ea"/>
+              </a:rPr>
+              <a:t>.</a:t>
+            </a:r>
+          </a:p>
+        </p:txBody>
+      </p:sp>
+      <p:pic>
+        <p:nvPicPr>
+          <p:cNvPr id="3" name="그림 2"/>
+          <p:cNvPicPr>
+            <a:picLocks noChangeAspect="1"/>
+          </p:cNvPicPr>
+          <p:nvPr/>
+        </p:nvPicPr>
+        <p:blipFill>
+          <a:blip r:embed="rId3">
+            <a:extLst>
+              <a:ext uri="{28A0092B-C50C-407E-A947-70E740481C1C}">
+                <a14:useLocalDpi xmlns:a14="http://schemas.microsoft.com/office/drawing/2010/main" val="0"/>
+              </a:ext>
+            </a:extLst>
+          </a:blip>
+          <a:stretch>
+            <a:fillRect/>
+          </a:stretch>
+        </p:blipFill>
+        <p:spPr>
+          <a:xfrm>
+            <a:off x="5455485" y="1383141"/>
+            <a:ext cx="1282334" cy="1448028"/>
+          </a:xfrm>
+          <a:prstGeom prst="rect">
+            <a:avLst/>
+          </a:prstGeom>
+        </p:spPr>
+      </p:pic>
     </p:spTree>
     <p:extLst>
       <p:ext uri="{BB962C8B-B14F-4D97-AF65-F5344CB8AC3E}">
-        <p14:creationId xmlns:p14="http://schemas.microsoft.com/office/powerpoint/2010/main" val="2120551260"/>
+        <p14:creationId xmlns:p14="http://schemas.microsoft.com/office/powerpoint/2010/main" val="4173657386"/>
       </p:ext>
     </p:extLst>
   </p:cSld>
@@ -6162,7 +6443,7 @@
       </p:grpSpPr>
       <p:pic>
         <p:nvPicPr>
-          <p:cNvPr id="5" name="그림 4"/>
+          <p:cNvPr id="6" name="그림 5"/>
           <p:cNvPicPr>
             <a:picLocks noChangeAspect="1"/>
           </p:cNvPicPr>
@@ -6182,116 +6463,58 @@
         </p:blipFill>
         <p:spPr>
           <a:xfrm>
-            <a:off x="5510094" y="2300141"/>
-            <a:ext cx="1083139" cy="1083139"/>
+            <a:off x="146026" y="0"/>
+            <a:ext cx="12045974" cy="6668431"/>
           </a:xfrm>
           <a:prstGeom prst="rect">
             <a:avLst/>
           </a:prstGeom>
         </p:spPr>
       </p:pic>
-      <p:sp>
-        <p:nvSpPr>
-          <p:cNvPr id="3" name="직사각형 2"/>
-          <p:cNvSpPr/>
-          <p:nvPr/>
-        </p:nvSpPr>
-        <p:spPr>
-          <a:xfrm>
-            <a:off x="482134" y="232756"/>
-            <a:ext cx="11139055" cy="6301048"/>
+      <p:pic>
+        <p:nvPicPr>
+          <p:cNvPr id="5" name="그림 4"/>
+          <p:cNvPicPr>
+            <a:picLocks noChangeAspect="1"/>
+          </p:cNvPicPr>
+          <p:nvPr/>
+        </p:nvPicPr>
+        <p:blipFill>
+          <a:blip r:embed="rId2">
+            <a:extLst>
+              <a:ext uri="{28A0092B-C50C-407E-A947-70E740481C1C}">
+                <a14:useLocalDpi xmlns:a14="http://schemas.microsoft.com/office/drawing/2010/main" val="0"/>
+              </a:ext>
+            </a:extLst>
+          </a:blip>
+          <a:stretch>
+            <a:fillRect/>
+          </a:stretch>
+        </p:blipFill>
+        <p:spPr>
+          <a:xfrm>
+            <a:off x="453215" y="3610378"/>
+            <a:ext cx="11431595" cy="2579510"/>
           </a:xfrm>
           <a:prstGeom prst="rect">
             <a:avLst/>
           </a:prstGeom>
-          <a:solidFill>
-            <a:schemeClr val="tx1">
-              <a:alpha val="85000"/>
-            </a:schemeClr>
-          </a:solidFill>
-        </p:spPr>
-        <p:style>
-          <a:lnRef idx="2">
-            <a:schemeClr val="accent1">
-              <a:shade val="50000"/>
-            </a:schemeClr>
-          </a:lnRef>
-          <a:fillRef idx="1">
-            <a:schemeClr val="accent1"/>
-          </a:fillRef>
-          <a:effectRef idx="0">
-            <a:schemeClr val="accent1"/>
-          </a:effectRef>
-          <a:fontRef idx="minor">
-            <a:schemeClr val="lt1"/>
-          </a:fontRef>
-        </p:style>
-        <p:txBody>
-          <a:bodyPr rtlCol="0" anchor="ctr"/>
-          <a:lstStyle/>
-          <a:p>
-            <a:pPr algn="ctr"/>
-            <a:endParaRPr lang="ko-KR" altLang="en-US"/>
-          </a:p>
-        </p:txBody>
-      </p:sp>
-      <p:sp>
-        <p:nvSpPr>
-          <p:cNvPr id="7" name="타원 6"/>
-          <p:cNvSpPr>
-            <a:spLocks/>
-          </p:cNvSpPr>
-          <p:nvPr/>
-        </p:nvSpPr>
-        <p:spPr>
-          <a:xfrm>
-            <a:off x="4611661" y="1761710"/>
-            <a:ext cx="2880000" cy="2160000"/>
-          </a:xfrm>
-          <a:prstGeom prst="ellipse">
-            <a:avLst/>
-          </a:prstGeom>
-          <a:solidFill>
-            <a:schemeClr val="bg1">
-              <a:alpha val="16000"/>
-            </a:schemeClr>
-          </a:solidFill>
-          <a:ln>
-            <a:noFill/>
+          <a:ln w="38100">
+            <a:solidFill>
+              <a:schemeClr val="bg1"/>
+            </a:solidFill>
           </a:ln>
           <a:effectLst>
-            <a:reflection blurRad="6350" endPos="0" dir="5400000" sy="-100000" algn="bl" rotWithShape="0"/>
+            <a:glow rad="266700">
+              <a:schemeClr val="bg1"/>
+            </a:glow>
           </a:effectLst>
         </p:spPr>
-        <p:style>
-          <a:lnRef idx="2">
-            <a:schemeClr val="accent1">
-              <a:shade val="50000"/>
-            </a:schemeClr>
-          </a:lnRef>
-          <a:fillRef idx="1">
-            <a:schemeClr val="accent1"/>
-          </a:fillRef>
-          <a:effectRef idx="0">
-            <a:schemeClr val="accent1"/>
-          </a:effectRef>
-          <a:fontRef idx="minor">
-            <a:schemeClr val="lt1"/>
-          </a:fontRef>
-        </p:style>
-        <p:txBody>
-          <a:bodyPr rtlCol="0" anchor="ctr"/>
-          <a:lstStyle/>
-          <a:p>
-            <a:pPr algn="ctr"/>
-            <a:endParaRPr lang="ko-KR" altLang="en-US"/>
-          </a:p>
-        </p:txBody>
-      </p:sp>
+      </p:pic>
     </p:spTree>
     <p:extLst>
       <p:ext uri="{BB962C8B-B14F-4D97-AF65-F5344CB8AC3E}">
-        <p14:creationId xmlns:p14="http://schemas.microsoft.com/office/powerpoint/2010/main" val="3493262500"/>
+        <p14:creationId xmlns:p14="http://schemas.microsoft.com/office/powerpoint/2010/main" val="2120551260"/>
       </p:ext>
     </p:extLst>
   </p:cSld>
@@ -6318,13 +6541,34 @@
           <a:chExt cx="0" cy="0"/>
         </a:xfrm>
       </p:grpSpPr>
+      <p:sp>
+        <p:nvSpPr>
+          <p:cNvPr id="2" name="제목 1"/>
+          <p:cNvSpPr>
+            <a:spLocks noGrp="1"/>
+          </p:cNvSpPr>
+          <p:nvPr>
+            <p:ph type="title"/>
+          </p:nvPr>
+        </p:nvSpPr>
+        <p:spPr/>
+        <p:txBody>
+          <a:bodyPr/>
+          <a:lstStyle/>
+          <a:p>
+            <a:endParaRPr lang="ko-KR" altLang="en-US"/>
+          </a:p>
+        </p:txBody>
+      </p:sp>
       <p:pic>
         <p:nvPicPr>
-          <p:cNvPr id="5" name="그림 4"/>
+          <p:cNvPr id="4" name="내용 개체 틀 3"/>
           <p:cNvPicPr>
-            <a:picLocks noChangeAspect="1"/>
+            <a:picLocks noGrp="1" noChangeAspect="1"/>
           </p:cNvPicPr>
-          <p:nvPr/>
+          <p:nvPr>
+            <p:ph idx="1"/>
+          </p:nvPr>
         </p:nvPicPr>
         <p:blipFill>
           <a:blip r:embed="rId2">
@@ -6340,588 +6584,45 @@
         </p:blipFill>
         <p:spPr>
           <a:xfrm>
-            <a:off x="146026" y="0"/>
-            <a:ext cx="11431595" cy="6668431"/>
+            <a:off x="2360946" y="1825625"/>
+            <a:ext cx="7470107" cy="4351338"/>
+          </a:xfrm>
+        </p:spPr>
+      </p:pic>
+      <p:pic>
+        <p:nvPicPr>
+          <p:cNvPr id="5" name="그림 4"/>
+          <p:cNvPicPr>
+            <a:picLocks noChangeAspect="1"/>
+          </p:cNvPicPr>
+          <p:nvPr/>
+        </p:nvPicPr>
+        <p:blipFill>
+          <a:blip r:embed="rId3">
+            <a:extLst>
+              <a:ext uri="{28A0092B-C50C-407E-A947-70E740481C1C}">
+                <a14:useLocalDpi xmlns:a14="http://schemas.microsoft.com/office/drawing/2010/main" val="0"/>
+              </a:ext>
+            </a:extLst>
+          </a:blip>
+          <a:stretch>
+            <a:fillRect/>
+          </a:stretch>
+        </p:blipFill>
+        <p:spPr>
+          <a:xfrm>
+            <a:off x="2914649" y="4132694"/>
+            <a:ext cx="6362700" cy="1754563"/>
           </a:xfrm>
           <a:prstGeom prst="rect">
             <a:avLst/>
           </a:prstGeom>
         </p:spPr>
       </p:pic>
-      <p:sp>
-        <p:nvSpPr>
-          <p:cNvPr id="4" name="원형: 비어 있음 3"/>
-          <p:cNvSpPr/>
-          <p:nvPr/>
-        </p:nvSpPr>
-        <p:spPr>
-          <a:xfrm>
-            <a:off x="7494305" y="1640379"/>
-            <a:ext cx="1346662" cy="1280160"/>
-          </a:xfrm>
-          <a:prstGeom prst="donut">
-            <a:avLst/>
-          </a:prstGeom>
-          <a:solidFill>
-            <a:srgbClr val="C00000"/>
-          </a:solidFill>
-          <a:ln>
-            <a:solidFill>
-              <a:srgbClr val="C00000"/>
-            </a:solidFill>
-          </a:ln>
-        </p:spPr>
-        <p:style>
-          <a:lnRef idx="2">
-            <a:schemeClr val="accent1">
-              <a:shade val="50000"/>
-            </a:schemeClr>
-          </a:lnRef>
-          <a:fillRef idx="1">
-            <a:schemeClr val="accent1"/>
-          </a:fillRef>
-          <a:effectRef idx="0">
-            <a:schemeClr val="accent1"/>
-          </a:effectRef>
-          <a:fontRef idx="minor">
-            <a:schemeClr val="lt1"/>
-          </a:fontRef>
-        </p:style>
-        <p:txBody>
-          <a:bodyPr rtlCol="0" anchor="ctr"/>
-          <a:lstStyle/>
-          <a:p>
-            <a:pPr algn="ctr"/>
-            <a:endParaRPr lang="ko-KR" altLang="en-US">
-              <a:solidFill>
-                <a:schemeClr val="tx1"/>
-              </a:solidFill>
-            </a:endParaRPr>
-          </a:p>
-        </p:txBody>
-      </p:sp>
-      <p:sp>
-        <p:nvSpPr>
-          <p:cNvPr id="15" name="원형: 비어 있음 14"/>
-          <p:cNvSpPr/>
-          <p:nvPr/>
-        </p:nvSpPr>
-        <p:spPr>
-          <a:xfrm>
-            <a:off x="8173881" y="1129145"/>
-            <a:ext cx="1346662" cy="1280160"/>
-          </a:xfrm>
-          <a:prstGeom prst="donut">
-            <a:avLst/>
-          </a:prstGeom>
-          <a:solidFill>
-            <a:srgbClr val="C00000"/>
-          </a:solidFill>
-          <a:ln>
-            <a:solidFill>
-              <a:srgbClr val="C00000"/>
-            </a:solidFill>
-          </a:ln>
-        </p:spPr>
-        <p:style>
-          <a:lnRef idx="2">
-            <a:schemeClr val="accent1">
-              <a:shade val="50000"/>
-            </a:schemeClr>
-          </a:lnRef>
-          <a:fillRef idx="1">
-            <a:schemeClr val="accent1"/>
-          </a:fillRef>
-          <a:effectRef idx="0">
-            <a:schemeClr val="accent1"/>
-          </a:effectRef>
-          <a:fontRef idx="minor">
-            <a:schemeClr val="lt1"/>
-          </a:fontRef>
-        </p:style>
-        <p:txBody>
-          <a:bodyPr rtlCol="0" anchor="ctr"/>
-          <a:lstStyle/>
-          <a:p>
-            <a:pPr algn="ctr"/>
-            <a:endParaRPr lang="ko-KR" altLang="en-US">
-              <a:solidFill>
-                <a:schemeClr val="tx1"/>
-              </a:solidFill>
-            </a:endParaRPr>
-          </a:p>
-        </p:txBody>
-      </p:sp>
-      <p:sp>
-        <p:nvSpPr>
-          <p:cNvPr id="16" name="원형: 비어 있음 15"/>
-          <p:cNvSpPr/>
-          <p:nvPr/>
-        </p:nvSpPr>
-        <p:spPr>
-          <a:xfrm>
-            <a:off x="8167636" y="1364673"/>
-            <a:ext cx="1346662" cy="1280160"/>
-          </a:xfrm>
-          <a:prstGeom prst="donut">
-            <a:avLst/>
-          </a:prstGeom>
-          <a:solidFill>
-            <a:srgbClr val="C00000"/>
-          </a:solidFill>
-          <a:ln>
-            <a:solidFill>
-              <a:srgbClr val="C00000"/>
-            </a:solidFill>
-          </a:ln>
-        </p:spPr>
-        <p:style>
-          <a:lnRef idx="2">
-            <a:schemeClr val="accent1">
-              <a:shade val="50000"/>
-            </a:schemeClr>
-          </a:lnRef>
-          <a:fillRef idx="1">
-            <a:schemeClr val="accent1"/>
-          </a:fillRef>
-          <a:effectRef idx="0">
-            <a:schemeClr val="accent1"/>
-          </a:effectRef>
-          <a:fontRef idx="minor">
-            <a:schemeClr val="lt1"/>
-          </a:fontRef>
-        </p:style>
-        <p:txBody>
-          <a:bodyPr rtlCol="0" anchor="ctr"/>
-          <a:lstStyle/>
-          <a:p>
-            <a:pPr algn="ctr"/>
-            <a:endParaRPr lang="ko-KR" altLang="en-US">
-              <a:solidFill>
-                <a:schemeClr val="tx1"/>
-              </a:solidFill>
-            </a:endParaRPr>
-          </a:p>
-        </p:txBody>
-      </p:sp>
-      <p:sp>
-        <p:nvSpPr>
-          <p:cNvPr id="17" name="원형: 비어 있음 16"/>
-          <p:cNvSpPr/>
-          <p:nvPr/>
-        </p:nvSpPr>
-        <p:spPr>
-          <a:xfrm>
-            <a:off x="7635563" y="1086196"/>
-            <a:ext cx="1346662" cy="1280160"/>
-          </a:xfrm>
-          <a:prstGeom prst="donut">
-            <a:avLst/>
-          </a:prstGeom>
-          <a:solidFill>
-            <a:srgbClr val="C00000"/>
-          </a:solidFill>
-          <a:ln>
-            <a:solidFill>
-              <a:srgbClr val="C00000"/>
-            </a:solidFill>
-          </a:ln>
-        </p:spPr>
-        <p:style>
-          <a:lnRef idx="2">
-            <a:schemeClr val="accent1">
-              <a:shade val="50000"/>
-            </a:schemeClr>
-          </a:lnRef>
-          <a:fillRef idx="1">
-            <a:schemeClr val="accent1"/>
-          </a:fillRef>
-          <a:effectRef idx="0">
-            <a:schemeClr val="accent1"/>
-          </a:effectRef>
-          <a:fontRef idx="minor">
-            <a:schemeClr val="lt1"/>
-          </a:fontRef>
-        </p:style>
-        <p:txBody>
-          <a:bodyPr rtlCol="0" anchor="ctr"/>
-          <a:lstStyle/>
-          <a:p>
-            <a:pPr algn="ctr"/>
-            <a:endParaRPr lang="ko-KR" altLang="en-US">
-              <a:solidFill>
-                <a:schemeClr val="tx1"/>
-              </a:solidFill>
-            </a:endParaRPr>
-          </a:p>
-        </p:txBody>
-      </p:sp>
-      <p:sp>
-        <p:nvSpPr>
-          <p:cNvPr id="18" name="원형: 비어 있음 17"/>
-          <p:cNvSpPr/>
-          <p:nvPr/>
-        </p:nvSpPr>
-        <p:spPr>
-          <a:xfrm>
-            <a:off x="8010518" y="1726276"/>
-            <a:ext cx="1346662" cy="1280160"/>
-          </a:xfrm>
-          <a:prstGeom prst="donut">
-            <a:avLst/>
-          </a:prstGeom>
-          <a:solidFill>
-            <a:srgbClr val="C00000"/>
-          </a:solidFill>
-          <a:ln>
-            <a:solidFill>
-              <a:srgbClr val="C00000"/>
-            </a:solidFill>
-          </a:ln>
-        </p:spPr>
-        <p:style>
-          <a:lnRef idx="2">
-            <a:schemeClr val="accent1">
-              <a:shade val="50000"/>
-            </a:schemeClr>
-          </a:lnRef>
-          <a:fillRef idx="1">
-            <a:schemeClr val="accent1"/>
-          </a:fillRef>
-          <a:effectRef idx="0">
-            <a:schemeClr val="accent1"/>
-          </a:effectRef>
-          <a:fontRef idx="minor">
-            <a:schemeClr val="lt1"/>
-          </a:fontRef>
-        </p:style>
-        <p:txBody>
-          <a:bodyPr rtlCol="0" anchor="ctr"/>
-          <a:lstStyle/>
-          <a:p>
-            <a:pPr algn="ctr"/>
-            <a:endParaRPr lang="ko-KR" altLang="en-US">
-              <a:solidFill>
-                <a:schemeClr val="tx1"/>
-              </a:solidFill>
-            </a:endParaRPr>
-          </a:p>
-        </p:txBody>
-      </p:sp>
-      <p:sp>
-        <p:nvSpPr>
-          <p:cNvPr id="19" name="원형: 비어 있음 18"/>
-          <p:cNvSpPr/>
-          <p:nvPr/>
-        </p:nvSpPr>
-        <p:spPr>
-          <a:xfrm>
-            <a:off x="1875111" y="1894263"/>
-            <a:ext cx="1346662" cy="1280160"/>
-          </a:xfrm>
-          <a:prstGeom prst="donut">
-            <a:avLst/>
-          </a:prstGeom>
-          <a:solidFill>
-            <a:srgbClr val="C00000"/>
-          </a:solidFill>
-          <a:ln>
-            <a:solidFill>
-              <a:srgbClr val="C00000"/>
-            </a:solidFill>
-          </a:ln>
-        </p:spPr>
-        <p:style>
-          <a:lnRef idx="2">
-            <a:schemeClr val="accent1">
-              <a:shade val="50000"/>
-            </a:schemeClr>
-          </a:lnRef>
-          <a:fillRef idx="1">
-            <a:schemeClr val="accent1"/>
-          </a:fillRef>
-          <a:effectRef idx="0">
-            <a:schemeClr val="accent1"/>
-          </a:effectRef>
-          <a:fontRef idx="minor">
-            <a:schemeClr val="lt1"/>
-          </a:fontRef>
-        </p:style>
-        <p:txBody>
-          <a:bodyPr rtlCol="0" anchor="ctr"/>
-          <a:lstStyle/>
-          <a:p>
-            <a:pPr algn="ctr"/>
-            <a:endParaRPr lang="ko-KR" altLang="en-US">
-              <a:solidFill>
-                <a:schemeClr val="tx1"/>
-              </a:solidFill>
-            </a:endParaRPr>
-          </a:p>
-        </p:txBody>
-      </p:sp>
-      <p:sp>
-        <p:nvSpPr>
-          <p:cNvPr id="20" name="원형: 비어 있음 19"/>
-          <p:cNvSpPr/>
-          <p:nvPr/>
-        </p:nvSpPr>
-        <p:spPr>
-          <a:xfrm>
-            <a:off x="2312000" y="1856856"/>
-            <a:ext cx="1346662" cy="1280160"/>
-          </a:xfrm>
-          <a:prstGeom prst="donut">
-            <a:avLst/>
-          </a:prstGeom>
-          <a:solidFill>
-            <a:srgbClr val="C00000"/>
-          </a:solidFill>
-          <a:ln>
-            <a:solidFill>
-              <a:srgbClr val="C00000"/>
-            </a:solidFill>
-          </a:ln>
-        </p:spPr>
-        <p:style>
-          <a:lnRef idx="2">
-            <a:schemeClr val="accent1">
-              <a:shade val="50000"/>
-            </a:schemeClr>
-          </a:lnRef>
-          <a:fillRef idx="1">
-            <a:schemeClr val="accent1"/>
-          </a:fillRef>
-          <a:effectRef idx="0">
-            <a:schemeClr val="accent1"/>
-          </a:effectRef>
-          <a:fontRef idx="minor">
-            <a:schemeClr val="lt1"/>
-          </a:fontRef>
-        </p:style>
-        <p:txBody>
-          <a:bodyPr rtlCol="0" anchor="ctr"/>
-          <a:lstStyle/>
-          <a:p>
-            <a:pPr algn="ctr"/>
-            <a:endParaRPr lang="ko-KR" altLang="en-US">
-              <a:solidFill>
-                <a:schemeClr val="tx1"/>
-              </a:solidFill>
-            </a:endParaRPr>
-          </a:p>
-        </p:txBody>
-      </p:sp>
-      <p:sp>
-        <p:nvSpPr>
-          <p:cNvPr id="21" name="원형: 비어 있음 20"/>
-          <p:cNvSpPr/>
-          <p:nvPr/>
-        </p:nvSpPr>
-        <p:spPr>
-          <a:xfrm>
-            <a:off x="2053272" y="1036320"/>
-            <a:ext cx="1346662" cy="1280160"/>
-          </a:xfrm>
-          <a:prstGeom prst="donut">
-            <a:avLst/>
-          </a:prstGeom>
-          <a:solidFill>
-            <a:srgbClr val="C00000"/>
-          </a:solidFill>
-          <a:ln>
-            <a:solidFill>
-              <a:srgbClr val="C00000"/>
-            </a:solidFill>
-          </a:ln>
-        </p:spPr>
-        <p:style>
-          <a:lnRef idx="2">
-            <a:schemeClr val="accent1">
-              <a:shade val="50000"/>
-            </a:schemeClr>
-          </a:lnRef>
-          <a:fillRef idx="1">
-            <a:schemeClr val="accent1"/>
-          </a:fillRef>
-          <a:effectRef idx="0">
-            <a:schemeClr val="accent1"/>
-          </a:effectRef>
-          <a:fontRef idx="minor">
-            <a:schemeClr val="lt1"/>
-          </a:fontRef>
-        </p:style>
-        <p:txBody>
-          <a:bodyPr rtlCol="0" anchor="ctr"/>
-          <a:lstStyle/>
-          <a:p>
-            <a:pPr algn="ctr"/>
-            <a:endParaRPr lang="ko-KR" altLang="en-US">
-              <a:solidFill>
-                <a:schemeClr val="tx1"/>
-              </a:solidFill>
-            </a:endParaRPr>
-          </a:p>
-        </p:txBody>
-      </p:sp>
-      <p:sp>
-        <p:nvSpPr>
-          <p:cNvPr id="22" name="원형: 비어 있음 21"/>
-          <p:cNvSpPr/>
-          <p:nvPr/>
-        </p:nvSpPr>
-        <p:spPr>
-          <a:xfrm>
-            <a:off x="2430172" y="1235480"/>
-            <a:ext cx="1346662" cy="1280160"/>
-          </a:xfrm>
-          <a:prstGeom prst="donut">
-            <a:avLst/>
-          </a:prstGeom>
-          <a:solidFill>
-            <a:srgbClr val="C00000"/>
-          </a:solidFill>
-          <a:ln>
-            <a:solidFill>
-              <a:srgbClr val="C00000"/>
-            </a:solidFill>
-          </a:ln>
-        </p:spPr>
-        <p:style>
-          <a:lnRef idx="2">
-            <a:schemeClr val="accent1">
-              <a:shade val="50000"/>
-            </a:schemeClr>
-          </a:lnRef>
-          <a:fillRef idx="1">
-            <a:schemeClr val="accent1"/>
-          </a:fillRef>
-          <a:effectRef idx="0">
-            <a:schemeClr val="accent1"/>
-          </a:effectRef>
-          <a:fontRef idx="minor">
-            <a:schemeClr val="lt1"/>
-          </a:fontRef>
-        </p:style>
-        <p:txBody>
-          <a:bodyPr rtlCol="0" anchor="ctr"/>
-          <a:lstStyle/>
-          <a:p>
-            <a:pPr algn="ctr"/>
-            <a:endParaRPr lang="ko-KR" altLang="en-US">
-              <a:solidFill>
-                <a:schemeClr val="tx1"/>
-              </a:solidFill>
-            </a:endParaRPr>
-          </a:p>
-        </p:txBody>
-      </p:sp>
-      <p:sp>
-        <p:nvSpPr>
-          <p:cNvPr id="23" name="원형: 비어 있음 22"/>
-          <p:cNvSpPr/>
-          <p:nvPr/>
-        </p:nvSpPr>
-        <p:spPr>
-          <a:xfrm>
-            <a:off x="2670330" y="1638993"/>
-            <a:ext cx="1346662" cy="1280160"/>
-          </a:xfrm>
-          <a:prstGeom prst="donut">
-            <a:avLst/>
-          </a:prstGeom>
-          <a:solidFill>
-            <a:srgbClr val="C00000"/>
-          </a:solidFill>
-          <a:ln>
-            <a:solidFill>
-              <a:srgbClr val="C00000"/>
-            </a:solidFill>
-          </a:ln>
-        </p:spPr>
-        <p:style>
-          <a:lnRef idx="2">
-            <a:schemeClr val="accent1">
-              <a:shade val="50000"/>
-            </a:schemeClr>
-          </a:lnRef>
-          <a:fillRef idx="1">
-            <a:schemeClr val="accent1"/>
-          </a:fillRef>
-          <a:effectRef idx="0">
-            <a:schemeClr val="accent1"/>
-          </a:effectRef>
-          <a:fontRef idx="minor">
-            <a:schemeClr val="lt1"/>
-          </a:fontRef>
-        </p:style>
-        <p:txBody>
-          <a:bodyPr rtlCol="0" anchor="ctr"/>
-          <a:lstStyle/>
-          <a:p>
-            <a:pPr algn="ctr"/>
-            <a:endParaRPr lang="ko-KR" altLang="en-US">
-              <a:solidFill>
-                <a:schemeClr val="tx1"/>
-              </a:solidFill>
-            </a:endParaRPr>
-          </a:p>
-        </p:txBody>
-      </p:sp>
-      <p:sp>
-        <p:nvSpPr>
-          <p:cNvPr id="24" name="달 23"/>
-          <p:cNvSpPr/>
-          <p:nvPr/>
-        </p:nvSpPr>
-        <p:spPr>
-          <a:xfrm rot="16200000">
-            <a:off x="4138856" y="940100"/>
-            <a:ext cx="3188067" cy="8013468"/>
-          </a:xfrm>
-          <a:prstGeom prst="moon">
-            <a:avLst>
-              <a:gd name="adj" fmla="val 14105"/>
-            </a:avLst>
-          </a:prstGeom>
-          <a:solidFill>
-            <a:srgbClr val="C00000"/>
-          </a:solidFill>
-          <a:ln>
-            <a:solidFill>
-              <a:srgbClr val="C00000"/>
-            </a:solidFill>
-          </a:ln>
-        </p:spPr>
-        <p:style>
-          <a:lnRef idx="2">
-            <a:schemeClr val="accent1">
-              <a:shade val="50000"/>
-            </a:schemeClr>
-          </a:lnRef>
-          <a:fillRef idx="1">
-            <a:schemeClr val="accent1"/>
-          </a:fillRef>
-          <a:effectRef idx="0">
-            <a:schemeClr val="accent1"/>
-          </a:effectRef>
-          <a:fontRef idx="minor">
-            <a:schemeClr val="lt1"/>
-          </a:fontRef>
-        </p:style>
-        <p:txBody>
-          <a:bodyPr rtlCol="0" anchor="ctr"/>
-          <a:lstStyle/>
-          <a:p>
-            <a:pPr algn="ctr"/>
-            <a:endParaRPr lang="ko-KR" altLang="en-US"/>
-          </a:p>
-        </p:txBody>
-      </p:sp>
     </p:spTree>
     <p:extLst>
       <p:ext uri="{BB962C8B-B14F-4D97-AF65-F5344CB8AC3E}">
-        <p14:creationId xmlns:p14="http://schemas.microsoft.com/office/powerpoint/2010/main" val="4143218367"/>
+        <p14:creationId xmlns:p14="http://schemas.microsoft.com/office/powerpoint/2010/main" val="2291021254"/>
       </p:ext>
     </p:extLst>
   </p:cSld>
@@ -6948,78 +6649,430 @@
           <a:chExt cx="0" cy="0"/>
         </a:xfrm>
       </p:grpSpPr>
-      <p:sp>
-        <p:nvSpPr>
-          <p:cNvPr id="5" name="직사각형 4"/>
+      <p:pic>
+        <p:nvPicPr>
+          <p:cNvPr id="5" name="그림 4"/>
+          <p:cNvPicPr>
+            <a:picLocks noChangeAspect="1"/>
+          </p:cNvPicPr>
+          <p:nvPr/>
+        </p:nvPicPr>
+        <p:blipFill>
+          <a:blip r:embed="rId2">
+            <a:extLst>
+              <a:ext uri="{28A0092B-C50C-407E-A947-70E740481C1C}">
+                <a14:useLocalDpi xmlns:a14="http://schemas.microsoft.com/office/drawing/2010/main" val="0"/>
+              </a:ext>
+            </a:extLst>
+          </a:blip>
+          <a:stretch>
+            <a:fillRect/>
+          </a:stretch>
+        </p:blipFill>
+        <p:spPr>
+          <a:xfrm>
+            <a:off x="5510094" y="2300141"/>
+            <a:ext cx="1083139" cy="1083139"/>
+          </a:xfrm>
+          <a:prstGeom prst="rect">
+            <a:avLst/>
+          </a:prstGeom>
+        </p:spPr>
+      </p:pic>
+      <p:sp>
+        <p:nvSpPr>
+          <p:cNvPr id="3" name="직사각형 2"/>
           <p:cNvSpPr/>
           <p:nvPr/>
         </p:nvSpPr>
         <p:spPr>
           <a:xfrm>
-            <a:off x="1090870" y="783196"/>
-            <a:ext cx="7870250" cy="1323439"/>
+            <a:off x="482134" y="232756"/>
+            <a:ext cx="11139055" cy="6301048"/>
           </a:xfrm>
           <a:prstGeom prst="rect">
             <a:avLst/>
           </a:prstGeom>
-          <a:noFill/>
-        </p:spPr>
-        <p:txBody>
-          <a:bodyPr wrap="square" lIns="91440" tIns="45720" rIns="91440" bIns="45720">
+          <a:solidFill>
+            <a:schemeClr val="tx1">
+              <a:alpha val="85000"/>
+            </a:schemeClr>
+          </a:solidFill>
+        </p:spPr>
+        <p:style>
+          <a:lnRef idx="2">
+            <a:schemeClr val="accent1">
+              <a:shade val="50000"/>
+            </a:schemeClr>
+          </a:lnRef>
+          <a:fillRef idx="1">
+            <a:schemeClr val="accent1"/>
+          </a:fillRef>
+          <a:effectRef idx="0">
+            <a:schemeClr val="accent1"/>
+          </a:effectRef>
+          <a:fontRef idx="minor">
+            <a:schemeClr val="lt1"/>
+          </a:fontRef>
+        </p:style>
+        <p:txBody>
+          <a:bodyPr rtlCol="0" anchor="ctr"/>
+          <a:lstStyle/>
+          <a:p>
+            <a:pPr algn="ctr"/>
+            <a:endParaRPr lang="ko-KR" altLang="en-US"/>
+          </a:p>
+        </p:txBody>
+      </p:sp>
+      <p:sp>
+        <p:nvSpPr>
+          <p:cNvPr id="7" name="타원 6"/>
+          <p:cNvSpPr>
+            <a:spLocks/>
+          </p:cNvSpPr>
+          <p:nvPr/>
+        </p:nvSpPr>
+        <p:spPr>
+          <a:xfrm>
+            <a:off x="4611661" y="1761710"/>
+            <a:ext cx="2880000" cy="2160000"/>
+          </a:xfrm>
+          <a:prstGeom prst="ellipse">
+            <a:avLst/>
+          </a:prstGeom>
+          <a:solidFill>
+            <a:schemeClr val="bg1">
+              <a:alpha val="16000"/>
+            </a:schemeClr>
+          </a:solidFill>
+          <a:ln>
+            <a:noFill/>
+          </a:ln>
+          <a:effectLst>
+            <a:reflection blurRad="6350" endPos="0" dir="5400000" sy="-100000" algn="bl" rotWithShape="0"/>
+          </a:effectLst>
+        </p:spPr>
+        <p:style>
+          <a:lnRef idx="2">
+            <a:schemeClr val="accent1">
+              <a:shade val="50000"/>
+            </a:schemeClr>
+          </a:lnRef>
+          <a:fillRef idx="1">
+            <a:schemeClr val="accent1"/>
+          </a:fillRef>
+          <a:effectRef idx="0">
+            <a:schemeClr val="accent1"/>
+          </a:effectRef>
+          <a:fontRef idx="minor">
+            <a:schemeClr val="lt1"/>
+          </a:fontRef>
+        </p:style>
+        <p:txBody>
+          <a:bodyPr rtlCol="0" anchor="ctr"/>
+          <a:lstStyle/>
+          <a:p>
+            <a:pPr algn="ctr"/>
+            <a:endParaRPr lang="ko-KR" altLang="en-US"/>
+          </a:p>
+        </p:txBody>
+      </p:sp>
+      <p:sp>
+        <p:nvSpPr>
+          <p:cNvPr id="2" name="순서도: 연결자 1"/>
+          <p:cNvSpPr/>
+          <p:nvPr/>
+        </p:nvSpPr>
+        <p:spPr>
+          <a:xfrm>
+            <a:off x="3990109" y="2111434"/>
+            <a:ext cx="1676024" cy="1453484"/>
+          </a:xfrm>
+          <a:prstGeom prst="flowChartConnector">
+            <a:avLst/>
+          </a:prstGeom>
+          <a:solidFill>
+            <a:schemeClr val="tx1"/>
+          </a:solidFill>
+          <a:effectLst>
+            <a:glow rad="266700">
+              <a:schemeClr val="bg1"/>
+            </a:glow>
+          </a:effectLst>
+        </p:spPr>
+        <p:txBody>
+          <a:bodyPr wrap="square" lIns="91440" tIns="45720" rIns="91440" bIns="45720" rtlCol="0" anchor="ctr">
             <a:spAutoFit/>
           </a:bodyPr>
           <a:lstStyle/>
           <a:p>
             <a:pPr algn="ctr"/>
-            <a:r>
-              <a:rPr lang="ko-KR" altLang="en-US" sz="8000" b="1" dirty="0">
-                <a:ln w="10160">
-                  <a:noFill/>
-                  <a:prstDash val="solid"/>
-                </a:ln>
-                <a:solidFill>
-                  <a:srgbClr val="C00000"/>
-                </a:solidFill>
-                <a:effectLst>
-                  <a:outerShdw blurRad="38100" dist="22860" dir="5400000" algn="tl" rotWithShape="0">
-                    <a:srgbClr val="000000">
-                      <a:alpha val="30000"/>
-                    </a:srgbClr>
-                  </a:outerShdw>
-                </a:effectLst>
-                <a:latin typeface="양재꽃게체M" panose="02020603020101020101" pitchFamily="18" charset="-127"/>
-                <a:ea typeface="양재꽃게체M" panose="02020603020101020101" pitchFamily="18" charset="-127"/>
-              </a:rPr>
-              <a:t>히히히</a:t>
-            </a:r>
-            <a:r>
-              <a:rPr lang="en-US" altLang="ko-KR" sz="8000" b="1" dirty="0">
-                <a:ln w="10160">
-                  <a:noFill/>
-                  <a:prstDash val="solid"/>
-                </a:ln>
-                <a:solidFill>
-                  <a:srgbClr val="C00000"/>
-                </a:solidFill>
-                <a:effectLst>
-                  <a:outerShdw blurRad="38100" dist="22860" dir="5400000" algn="tl" rotWithShape="0">
-                    <a:srgbClr val="000000">
-                      <a:alpha val="30000"/>
-                    </a:srgbClr>
-                  </a:outerShdw>
-                </a:effectLst>
-                <a:latin typeface="양재꽃게체M" panose="02020603020101020101" pitchFamily="18" charset="-127"/>
-                <a:ea typeface="양재꽃게체M" panose="02020603020101020101" pitchFamily="18" charset="-127"/>
-              </a:rPr>
-              <a:t>..</a:t>
-            </a:r>
+            <a:endParaRPr lang="ko-KR" altLang="en-US" sz="3000" dirty="0">
+              <a:ln w="0"/>
+              <a:solidFill>
+                <a:schemeClr val="bg1"/>
+              </a:solidFill>
+              <a:effectLst>
+                <a:outerShdw blurRad="38100" dist="19050" dir="2700000" algn="tl" rotWithShape="0">
+                  <a:schemeClr val="dk1">
+                    <a:alpha val="40000"/>
+                  </a:schemeClr>
+                </a:outerShdw>
+              </a:effectLst>
+            </a:endParaRPr>
+          </a:p>
+        </p:txBody>
+      </p:sp>
+      <p:sp>
+        <p:nvSpPr>
+          <p:cNvPr id="6" name="순서도: 연결자 5"/>
+          <p:cNvSpPr/>
+          <p:nvPr/>
+        </p:nvSpPr>
+        <p:spPr>
+          <a:xfrm>
+            <a:off x="5027995" y="3952669"/>
+            <a:ext cx="1676024" cy="1453484"/>
+          </a:xfrm>
+          <a:prstGeom prst="flowChartConnector">
+            <a:avLst/>
+          </a:prstGeom>
+          <a:solidFill>
+            <a:schemeClr val="tx1"/>
+          </a:solidFill>
+          <a:effectLst>
+            <a:glow rad="266700">
+              <a:schemeClr val="bg1"/>
+            </a:glow>
+          </a:effectLst>
+        </p:spPr>
+        <p:txBody>
+          <a:bodyPr wrap="square" lIns="91440" tIns="45720" rIns="91440" bIns="45720" rtlCol="0" anchor="ctr">
+            <a:spAutoFit/>
+          </a:bodyPr>
+          <a:lstStyle/>
+          <a:p>
+            <a:pPr algn="ctr"/>
+            <a:endParaRPr lang="ko-KR" altLang="en-US" sz="3000" dirty="0">
+              <a:ln w="0"/>
+              <a:solidFill>
+                <a:schemeClr val="bg1"/>
+              </a:solidFill>
+              <a:effectLst>
+                <a:outerShdw blurRad="38100" dist="19050" dir="2700000" algn="tl" rotWithShape="0">
+                  <a:schemeClr val="dk1">
+                    <a:alpha val="40000"/>
+                  </a:schemeClr>
+                </a:outerShdw>
+              </a:effectLst>
+            </a:endParaRPr>
+          </a:p>
+        </p:txBody>
+      </p:sp>
+      <p:sp>
+        <p:nvSpPr>
+          <p:cNvPr id="8" name="순서도: 연결자 7"/>
+          <p:cNvSpPr/>
+          <p:nvPr/>
+        </p:nvSpPr>
+        <p:spPr>
+          <a:xfrm>
+            <a:off x="1812175" y="3192087"/>
+            <a:ext cx="1650698" cy="1456365"/>
+          </a:xfrm>
+          <a:prstGeom prst="flowChartConnector">
+            <a:avLst/>
+          </a:prstGeom>
+          <a:solidFill>
+            <a:schemeClr val="tx1"/>
+          </a:solidFill>
+          <a:effectLst>
+            <a:glow rad="266700">
+              <a:schemeClr val="bg1"/>
+            </a:glow>
+          </a:effectLst>
+        </p:spPr>
+        <p:txBody>
+          <a:bodyPr wrap="square" lIns="91440" tIns="45720" rIns="91440" bIns="45720" rtlCol="0" anchor="ctr">
+            <a:spAutoFit/>
+          </a:bodyPr>
+          <a:lstStyle/>
+          <a:p>
+            <a:pPr algn="ctr"/>
+            <a:endParaRPr lang="ko-KR" altLang="en-US" sz="3000" dirty="0">
+              <a:ln w="0"/>
+              <a:solidFill>
+                <a:schemeClr val="bg1"/>
+              </a:solidFill>
+              <a:effectLst>
+                <a:outerShdw blurRad="38100" dist="19050" dir="2700000" algn="tl" rotWithShape="0">
+                  <a:schemeClr val="dk1">
+                    <a:alpha val="40000"/>
+                  </a:schemeClr>
+                </a:outerShdw>
+              </a:effectLst>
+            </a:endParaRPr>
+          </a:p>
+        </p:txBody>
+      </p:sp>
+      <p:sp>
+        <p:nvSpPr>
+          <p:cNvPr id="9" name="달 8"/>
+          <p:cNvSpPr/>
+          <p:nvPr/>
+        </p:nvSpPr>
+        <p:spPr>
+          <a:xfrm rot="16200000">
+            <a:off x="4570579" y="2457180"/>
+            <a:ext cx="510501" cy="1403616"/>
+          </a:xfrm>
+          <a:prstGeom prst="moon">
+            <a:avLst>
+              <a:gd name="adj" fmla="val 14105"/>
+            </a:avLst>
+          </a:prstGeom>
+          <a:solidFill>
+            <a:srgbClr val="C00000"/>
+          </a:solidFill>
+          <a:ln>
+            <a:solidFill>
+              <a:srgbClr val="C00000"/>
+            </a:solidFill>
+          </a:ln>
+        </p:spPr>
+        <p:style>
+          <a:lnRef idx="2">
+            <a:schemeClr val="accent1">
+              <a:shade val="50000"/>
+            </a:schemeClr>
+          </a:lnRef>
+          <a:fillRef idx="1">
+            <a:schemeClr val="accent1"/>
+          </a:fillRef>
+          <a:effectRef idx="0">
+            <a:schemeClr val="accent1"/>
+          </a:effectRef>
+          <a:fontRef idx="minor">
+            <a:schemeClr val="lt1"/>
+          </a:fontRef>
+        </p:style>
+        <p:txBody>
+          <a:bodyPr rtlCol="0" anchor="ctr"/>
+          <a:lstStyle/>
+          <a:p>
+            <a:pPr algn="ctr"/>
+            <a:endParaRPr lang="ko-KR" altLang="en-US" dirty="0"/>
+          </a:p>
+        </p:txBody>
+      </p:sp>
+      <p:sp>
+        <p:nvSpPr>
+          <p:cNvPr id="10" name="원형: 비어 있음 9"/>
+          <p:cNvSpPr/>
+          <p:nvPr/>
+        </p:nvSpPr>
+        <p:spPr>
+          <a:xfrm>
+            <a:off x="3684560" y="2643447"/>
+            <a:ext cx="332431" cy="275706"/>
+          </a:xfrm>
+          <a:prstGeom prst="donut">
+            <a:avLst/>
+          </a:prstGeom>
+          <a:solidFill>
+            <a:srgbClr val="C00000"/>
+          </a:solidFill>
+          <a:ln>
+            <a:solidFill>
+              <a:srgbClr val="C00000"/>
+            </a:solidFill>
+          </a:ln>
+        </p:spPr>
+        <p:style>
+          <a:lnRef idx="2">
+            <a:schemeClr val="accent1">
+              <a:shade val="50000"/>
+            </a:schemeClr>
+          </a:lnRef>
+          <a:fillRef idx="1">
+            <a:schemeClr val="accent1"/>
+          </a:fillRef>
+          <a:effectRef idx="0">
+            <a:schemeClr val="accent1"/>
+          </a:effectRef>
+          <a:fontRef idx="minor">
+            <a:schemeClr val="lt1"/>
+          </a:fontRef>
+        </p:style>
+        <p:txBody>
+          <a:bodyPr rtlCol="0" anchor="ctr"/>
+          <a:lstStyle/>
+          <a:p>
+            <a:pPr algn="ctr"/>
+            <a:endParaRPr lang="ko-KR" altLang="en-US">
+              <a:solidFill>
+                <a:schemeClr val="tx1"/>
+              </a:solidFill>
+            </a:endParaRPr>
+          </a:p>
+        </p:txBody>
+      </p:sp>
+      <p:sp>
+        <p:nvSpPr>
+          <p:cNvPr id="11" name="원형: 비어 있음 10"/>
+          <p:cNvSpPr/>
+          <p:nvPr/>
+        </p:nvSpPr>
+        <p:spPr>
+          <a:xfrm>
+            <a:off x="5027995" y="2505594"/>
+            <a:ext cx="332431" cy="275706"/>
+          </a:xfrm>
+          <a:prstGeom prst="donut">
+            <a:avLst/>
+          </a:prstGeom>
+          <a:solidFill>
+            <a:srgbClr val="C00000"/>
+          </a:solidFill>
+          <a:ln>
+            <a:solidFill>
+              <a:srgbClr val="C00000"/>
+            </a:solidFill>
+          </a:ln>
+        </p:spPr>
+        <p:style>
+          <a:lnRef idx="2">
+            <a:schemeClr val="accent1">
+              <a:shade val="50000"/>
+            </a:schemeClr>
+          </a:lnRef>
+          <a:fillRef idx="1">
+            <a:schemeClr val="accent1"/>
+          </a:fillRef>
+          <a:effectRef idx="0">
+            <a:schemeClr val="accent1"/>
+          </a:effectRef>
+          <a:fontRef idx="minor">
+            <a:schemeClr val="lt1"/>
+          </a:fontRef>
+        </p:style>
+        <p:txBody>
+          <a:bodyPr rtlCol="0" anchor="ctr"/>
+          <a:lstStyle/>
+          <a:p>
+            <a:pPr algn="ctr"/>
+            <a:endParaRPr lang="ko-KR" altLang="en-US">
+              <a:solidFill>
+                <a:schemeClr val="tx1"/>
+              </a:solidFill>
+            </a:endParaRPr>
           </a:p>
         </p:txBody>
       </p:sp>
     </p:spTree>
     <p:extLst>
       <p:ext uri="{BB962C8B-B14F-4D97-AF65-F5344CB8AC3E}">
-        <p14:creationId xmlns:p14="http://schemas.microsoft.com/office/powerpoint/2010/main" val="3202182772"/>
+        <p14:creationId xmlns:p14="http://schemas.microsoft.com/office/powerpoint/2010/main" val="3493262500"/>
       </p:ext>
     </p:extLst>
   </p:cSld>
@@ -7048,7 +7101,7 @@
       </p:grpSpPr>
       <p:pic>
         <p:nvPicPr>
-          <p:cNvPr id="2" name="그림 1"/>
+          <p:cNvPr id="5" name="그림 4"/>
           <p:cNvPicPr>
             <a:picLocks noChangeAspect="1"/>
           </p:cNvPicPr>
@@ -7068,48 +7121,588 @@
         </p:blipFill>
         <p:spPr>
           <a:xfrm>
-            <a:off x="1" y="-299257"/>
-            <a:ext cx="11679452" cy="7157258"/>
+            <a:off x="146026" y="0"/>
+            <a:ext cx="11431595" cy="6668431"/>
           </a:xfrm>
           <a:prstGeom prst="rect">
             <a:avLst/>
           </a:prstGeom>
         </p:spPr>
       </p:pic>
-      <p:pic>
-        <p:nvPicPr>
-          <p:cNvPr id="3" name="그림 2"/>
-          <p:cNvPicPr>
-            <a:picLocks noChangeAspect="1"/>
-          </p:cNvPicPr>
-          <p:nvPr/>
-        </p:nvPicPr>
-        <p:blipFill>
-          <a:blip r:embed="rId3">
-            <a:extLst>
-              <a:ext uri="{28A0092B-C50C-407E-A947-70E740481C1C}">
-                <a14:useLocalDpi xmlns:a14="http://schemas.microsoft.com/office/drawing/2010/main" val="0"/>
-              </a:ext>
-            </a:extLst>
-          </a:blip>
-          <a:stretch>
-            <a:fillRect/>
-          </a:stretch>
-        </p:blipFill>
-        <p:spPr>
-          <a:xfrm>
-            <a:off x="0" y="0"/>
-            <a:ext cx="10826223" cy="5039428"/>
-          </a:xfrm>
-          <a:prstGeom prst="rect">
-            <a:avLst/>
-          </a:prstGeom>
-        </p:spPr>
-      </p:pic>
+      <p:sp>
+        <p:nvSpPr>
+          <p:cNvPr id="4" name="원형: 비어 있음 3"/>
+          <p:cNvSpPr/>
+          <p:nvPr/>
+        </p:nvSpPr>
+        <p:spPr>
+          <a:xfrm>
+            <a:off x="7494305" y="1640379"/>
+            <a:ext cx="1346662" cy="1280160"/>
+          </a:xfrm>
+          <a:prstGeom prst="donut">
+            <a:avLst/>
+          </a:prstGeom>
+          <a:solidFill>
+            <a:srgbClr val="C00000"/>
+          </a:solidFill>
+          <a:ln>
+            <a:solidFill>
+              <a:srgbClr val="C00000"/>
+            </a:solidFill>
+          </a:ln>
+        </p:spPr>
+        <p:style>
+          <a:lnRef idx="2">
+            <a:schemeClr val="accent1">
+              <a:shade val="50000"/>
+            </a:schemeClr>
+          </a:lnRef>
+          <a:fillRef idx="1">
+            <a:schemeClr val="accent1"/>
+          </a:fillRef>
+          <a:effectRef idx="0">
+            <a:schemeClr val="accent1"/>
+          </a:effectRef>
+          <a:fontRef idx="minor">
+            <a:schemeClr val="lt1"/>
+          </a:fontRef>
+        </p:style>
+        <p:txBody>
+          <a:bodyPr rtlCol="0" anchor="ctr"/>
+          <a:lstStyle/>
+          <a:p>
+            <a:pPr algn="ctr"/>
+            <a:endParaRPr lang="ko-KR" altLang="en-US">
+              <a:solidFill>
+                <a:schemeClr val="tx1"/>
+              </a:solidFill>
+            </a:endParaRPr>
+          </a:p>
+        </p:txBody>
+      </p:sp>
+      <p:sp>
+        <p:nvSpPr>
+          <p:cNvPr id="15" name="원형: 비어 있음 14"/>
+          <p:cNvSpPr/>
+          <p:nvPr/>
+        </p:nvSpPr>
+        <p:spPr>
+          <a:xfrm>
+            <a:off x="8173881" y="1129145"/>
+            <a:ext cx="1346662" cy="1280160"/>
+          </a:xfrm>
+          <a:prstGeom prst="donut">
+            <a:avLst/>
+          </a:prstGeom>
+          <a:solidFill>
+            <a:srgbClr val="C00000"/>
+          </a:solidFill>
+          <a:ln>
+            <a:solidFill>
+              <a:srgbClr val="C00000"/>
+            </a:solidFill>
+          </a:ln>
+        </p:spPr>
+        <p:style>
+          <a:lnRef idx="2">
+            <a:schemeClr val="accent1">
+              <a:shade val="50000"/>
+            </a:schemeClr>
+          </a:lnRef>
+          <a:fillRef idx="1">
+            <a:schemeClr val="accent1"/>
+          </a:fillRef>
+          <a:effectRef idx="0">
+            <a:schemeClr val="accent1"/>
+          </a:effectRef>
+          <a:fontRef idx="minor">
+            <a:schemeClr val="lt1"/>
+          </a:fontRef>
+        </p:style>
+        <p:txBody>
+          <a:bodyPr rtlCol="0" anchor="ctr"/>
+          <a:lstStyle/>
+          <a:p>
+            <a:pPr algn="ctr"/>
+            <a:endParaRPr lang="ko-KR" altLang="en-US">
+              <a:solidFill>
+                <a:schemeClr val="tx1"/>
+              </a:solidFill>
+            </a:endParaRPr>
+          </a:p>
+        </p:txBody>
+      </p:sp>
+      <p:sp>
+        <p:nvSpPr>
+          <p:cNvPr id="16" name="원형: 비어 있음 15"/>
+          <p:cNvSpPr/>
+          <p:nvPr/>
+        </p:nvSpPr>
+        <p:spPr>
+          <a:xfrm>
+            <a:off x="8167636" y="1364673"/>
+            <a:ext cx="1346662" cy="1280160"/>
+          </a:xfrm>
+          <a:prstGeom prst="donut">
+            <a:avLst/>
+          </a:prstGeom>
+          <a:solidFill>
+            <a:srgbClr val="C00000"/>
+          </a:solidFill>
+          <a:ln>
+            <a:solidFill>
+              <a:srgbClr val="C00000"/>
+            </a:solidFill>
+          </a:ln>
+        </p:spPr>
+        <p:style>
+          <a:lnRef idx="2">
+            <a:schemeClr val="accent1">
+              <a:shade val="50000"/>
+            </a:schemeClr>
+          </a:lnRef>
+          <a:fillRef idx="1">
+            <a:schemeClr val="accent1"/>
+          </a:fillRef>
+          <a:effectRef idx="0">
+            <a:schemeClr val="accent1"/>
+          </a:effectRef>
+          <a:fontRef idx="minor">
+            <a:schemeClr val="lt1"/>
+          </a:fontRef>
+        </p:style>
+        <p:txBody>
+          <a:bodyPr rtlCol="0" anchor="ctr"/>
+          <a:lstStyle/>
+          <a:p>
+            <a:pPr algn="ctr"/>
+            <a:endParaRPr lang="ko-KR" altLang="en-US">
+              <a:solidFill>
+                <a:schemeClr val="tx1"/>
+              </a:solidFill>
+            </a:endParaRPr>
+          </a:p>
+        </p:txBody>
+      </p:sp>
+      <p:sp>
+        <p:nvSpPr>
+          <p:cNvPr id="17" name="원형: 비어 있음 16"/>
+          <p:cNvSpPr/>
+          <p:nvPr/>
+        </p:nvSpPr>
+        <p:spPr>
+          <a:xfrm>
+            <a:off x="7635563" y="1086196"/>
+            <a:ext cx="1346662" cy="1280160"/>
+          </a:xfrm>
+          <a:prstGeom prst="donut">
+            <a:avLst/>
+          </a:prstGeom>
+          <a:solidFill>
+            <a:srgbClr val="C00000"/>
+          </a:solidFill>
+          <a:ln>
+            <a:solidFill>
+              <a:srgbClr val="C00000"/>
+            </a:solidFill>
+          </a:ln>
+        </p:spPr>
+        <p:style>
+          <a:lnRef idx="2">
+            <a:schemeClr val="accent1">
+              <a:shade val="50000"/>
+            </a:schemeClr>
+          </a:lnRef>
+          <a:fillRef idx="1">
+            <a:schemeClr val="accent1"/>
+          </a:fillRef>
+          <a:effectRef idx="0">
+            <a:schemeClr val="accent1"/>
+          </a:effectRef>
+          <a:fontRef idx="minor">
+            <a:schemeClr val="lt1"/>
+          </a:fontRef>
+        </p:style>
+        <p:txBody>
+          <a:bodyPr rtlCol="0" anchor="ctr"/>
+          <a:lstStyle/>
+          <a:p>
+            <a:pPr algn="ctr"/>
+            <a:endParaRPr lang="ko-KR" altLang="en-US">
+              <a:solidFill>
+                <a:schemeClr val="tx1"/>
+              </a:solidFill>
+            </a:endParaRPr>
+          </a:p>
+        </p:txBody>
+      </p:sp>
+      <p:sp>
+        <p:nvSpPr>
+          <p:cNvPr id="18" name="원형: 비어 있음 17"/>
+          <p:cNvSpPr/>
+          <p:nvPr/>
+        </p:nvSpPr>
+        <p:spPr>
+          <a:xfrm>
+            <a:off x="8010518" y="1726276"/>
+            <a:ext cx="1346662" cy="1280160"/>
+          </a:xfrm>
+          <a:prstGeom prst="donut">
+            <a:avLst/>
+          </a:prstGeom>
+          <a:solidFill>
+            <a:srgbClr val="C00000"/>
+          </a:solidFill>
+          <a:ln>
+            <a:solidFill>
+              <a:srgbClr val="C00000"/>
+            </a:solidFill>
+          </a:ln>
+        </p:spPr>
+        <p:style>
+          <a:lnRef idx="2">
+            <a:schemeClr val="accent1">
+              <a:shade val="50000"/>
+            </a:schemeClr>
+          </a:lnRef>
+          <a:fillRef idx="1">
+            <a:schemeClr val="accent1"/>
+          </a:fillRef>
+          <a:effectRef idx="0">
+            <a:schemeClr val="accent1"/>
+          </a:effectRef>
+          <a:fontRef idx="minor">
+            <a:schemeClr val="lt1"/>
+          </a:fontRef>
+        </p:style>
+        <p:txBody>
+          <a:bodyPr rtlCol="0" anchor="ctr"/>
+          <a:lstStyle/>
+          <a:p>
+            <a:pPr algn="ctr"/>
+            <a:endParaRPr lang="ko-KR" altLang="en-US">
+              <a:solidFill>
+                <a:schemeClr val="tx1"/>
+              </a:solidFill>
+            </a:endParaRPr>
+          </a:p>
+        </p:txBody>
+      </p:sp>
+      <p:sp>
+        <p:nvSpPr>
+          <p:cNvPr id="19" name="원형: 비어 있음 18"/>
+          <p:cNvSpPr/>
+          <p:nvPr/>
+        </p:nvSpPr>
+        <p:spPr>
+          <a:xfrm>
+            <a:off x="1875111" y="1894263"/>
+            <a:ext cx="1346662" cy="1280160"/>
+          </a:xfrm>
+          <a:prstGeom prst="donut">
+            <a:avLst/>
+          </a:prstGeom>
+          <a:solidFill>
+            <a:srgbClr val="C00000"/>
+          </a:solidFill>
+          <a:ln>
+            <a:solidFill>
+              <a:srgbClr val="C00000"/>
+            </a:solidFill>
+          </a:ln>
+        </p:spPr>
+        <p:style>
+          <a:lnRef idx="2">
+            <a:schemeClr val="accent1">
+              <a:shade val="50000"/>
+            </a:schemeClr>
+          </a:lnRef>
+          <a:fillRef idx="1">
+            <a:schemeClr val="accent1"/>
+          </a:fillRef>
+          <a:effectRef idx="0">
+            <a:schemeClr val="accent1"/>
+          </a:effectRef>
+          <a:fontRef idx="minor">
+            <a:schemeClr val="lt1"/>
+          </a:fontRef>
+        </p:style>
+        <p:txBody>
+          <a:bodyPr rtlCol="0" anchor="ctr"/>
+          <a:lstStyle/>
+          <a:p>
+            <a:pPr algn="ctr"/>
+            <a:endParaRPr lang="ko-KR" altLang="en-US">
+              <a:solidFill>
+                <a:schemeClr val="tx1"/>
+              </a:solidFill>
+            </a:endParaRPr>
+          </a:p>
+        </p:txBody>
+      </p:sp>
+      <p:sp>
+        <p:nvSpPr>
+          <p:cNvPr id="20" name="원형: 비어 있음 19"/>
+          <p:cNvSpPr/>
+          <p:nvPr/>
+        </p:nvSpPr>
+        <p:spPr>
+          <a:xfrm>
+            <a:off x="2312000" y="1856856"/>
+            <a:ext cx="1346662" cy="1280160"/>
+          </a:xfrm>
+          <a:prstGeom prst="donut">
+            <a:avLst/>
+          </a:prstGeom>
+          <a:solidFill>
+            <a:srgbClr val="C00000"/>
+          </a:solidFill>
+          <a:ln>
+            <a:solidFill>
+              <a:srgbClr val="C00000"/>
+            </a:solidFill>
+          </a:ln>
+        </p:spPr>
+        <p:style>
+          <a:lnRef idx="2">
+            <a:schemeClr val="accent1">
+              <a:shade val="50000"/>
+            </a:schemeClr>
+          </a:lnRef>
+          <a:fillRef idx="1">
+            <a:schemeClr val="accent1"/>
+          </a:fillRef>
+          <a:effectRef idx="0">
+            <a:schemeClr val="accent1"/>
+          </a:effectRef>
+          <a:fontRef idx="minor">
+            <a:schemeClr val="lt1"/>
+          </a:fontRef>
+        </p:style>
+        <p:txBody>
+          <a:bodyPr rtlCol="0" anchor="ctr"/>
+          <a:lstStyle/>
+          <a:p>
+            <a:pPr algn="ctr"/>
+            <a:endParaRPr lang="ko-KR" altLang="en-US">
+              <a:solidFill>
+                <a:schemeClr val="tx1"/>
+              </a:solidFill>
+            </a:endParaRPr>
+          </a:p>
+        </p:txBody>
+      </p:sp>
+      <p:sp>
+        <p:nvSpPr>
+          <p:cNvPr id="21" name="원형: 비어 있음 20"/>
+          <p:cNvSpPr/>
+          <p:nvPr/>
+        </p:nvSpPr>
+        <p:spPr>
+          <a:xfrm>
+            <a:off x="2053272" y="1036320"/>
+            <a:ext cx="1346662" cy="1280160"/>
+          </a:xfrm>
+          <a:prstGeom prst="donut">
+            <a:avLst/>
+          </a:prstGeom>
+          <a:solidFill>
+            <a:srgbClr val="C00000"/>
+          </a:solidFill>
+          <a:ln>
+            <a:solidFill>
+              <a:srgbClr val="C00000"/>
+            </a:solidFill>
+          </a:ln>
+        </p:spPr>
+        <p:style>
+          <a:lnRef idx="2">
+            <a:schemeClr val="accent1">
+              <a:shade val="50000"/>
+            </a:schemeClr>
+          </a:lnRef>
+          <a:fillRef idx="1">
+            <a:schemeClr val="accent1"/>
+          </a:fillRef>
+          <a:effectRef idx="0">
+            <a:schemeClr val="accent1"/>
+          </a:effectRef>
+          <a:fontRef idx="minor">
+            <a:schemeClr val="lt1"/>
+          </a:fontRef>
+        </p:style>
+        <p:txBody>
+          <a:bodyPr rtlCol="0" anchor="ctr"/>
+          <a:lstStyle/>
+          <a:p>
+            <a:pPr algn="ctr"/>
+            <a:endParaRPr lang="ko-KR" altLang="en-US">
+              <a:solidFill>
+                <a:schemeClr val="tx1"/>
+              </a:solidFill>
+            </a:endParaRPr>
+          </a:p>
+        </p:txBody>
+      </p:sp>
+      <p:sp>
+        <p:nvSpPr>
+          <p:cNvPr id="22" name="원형: 비어 있음 21"/>
+          <p:cNvSpPr/>
+          <p:nvPr/>
+        </p:nvSpPr>
+        <p:spPr>
+          <a:xfrm>
+            <a:off x="2430172" y="1235480"/>
+            <a:ext cx="1346662" cy="1280160"/>
+          </a:xfrm>
+          <a:prstGeom prst="donut">
+            <a:avLst/>
+          </a:prstGeom>
+          <a:solidFill>
+            <a:srgbClr val="C00000"/>
+          </a:solidFill>
+          <a:ln>
+            <a:solidFill>
+              <a:srgbClr val="C00000"/>
+            </a:solidFill>
+          </a:ln>
+        </p:spPr>
+        <p:style>
+          <a:lnRef idx="2">
+            <a:schemeClr val="accent1">
+              <a:shade val="50000"/>
+            </a:schemeClr>
+          </a:lnRef>
+          <a:fillRef idx="1">
+            <a:schemeClr val="accent1"/>
+          </a:fillRef>
+          <a:effectRef idx="0">
+            <a:schemeClr val="accent1"/>
+          </a:effectRef>
+          <a:fontRef idx="minor">
+            <a:schemeClr val="lt1"/>
+          </a:fontRef>
+        </p:style>
+        <p:txBody>
+          <a:bodyPr rtlCol="0" anchor="ctr"/>
+          <a:lstStyle/>
+          <a:p>
+            <a:pPr algn="ctr"/>
+            <a:endParaRPr lang="ko-KR" altLang="en-US">
+              <a:solidFill>
+                <a:schemeClr val="tx1"/>
+              </a:solidFill>
+            </a:endParaRPr>
+          </a:p>
+        </p:txBody>
+      </p:sp>
+      <p:sp>
+        <p:nvSpPr>
+          <p:cNvPr id="23" name="원형: 비어 있음 22"/>
+          <p:cNvSpPr/>
+          <p:nvPr/>
+        </p:nvSpPr>
+        <p:spPr>
+          <a:xfrm>
+            <a:off x="2670330" y="1638993"/>
+            <a:ext cx="1346662" cy="1280160"/>
+          </a:xfrm>
+          <a:prstGeom prst="donut">
+            <a:avLst/>
+          </a:prstGeom>
+          <a:solidFill>
+            <a:srgbClr val="C00000"/>
+          </a:solidFill>
+          <a:ln>
+            <a:solidFill>
+              <a:srgbClr val="C00000"/>
+            </a:solidFill>
+          </a:ln>
+        </p:spPr>
+        <p:style>
+          <a:lnRef idx="2">
+            <a:schemeClr val="accent1">
+              <a:shade val="50000"/>
+            </a:schemeClr>
+          </a:lnRef>
+          <a:fillRef idx="1">
+            <a:schemeClr val="accent1"/>
+          </a:fillRef>
+          <a:effectRef idx="0">
+            <a:schemeClr val="accent1"/>
+          </a:effectRef>
+          <a:fontRef idx="minor">
+            <a:schemeClr val="lt1"/>
+          </a:fontRef>
+        </p:style>
+        <p:txBody>
+          <a:bodyPr rtlCol="0" anchor="ctr"/>
+          <a:lstStyle/>
+          <a:p>
+            <a:pPr algn="ctr"/>
+            <a:endParaRPr lang="ko-KR" altLang="en-US">
+              <a:solidFill>
+                <a:schemeClr val="tx1"/>
+              </a:solidFill>
+            </a:endParaRPr>
+          </a:p>
+        </p:txBody>
+      </p:sp>
+      <p:sp>
+        <p:nvSpPr>
+          <p:cNvPr id="24" name="달 23"/>
+          <p:cNvSpPr/>
+          <p:nvPr/>
+        </p:nvSpPr>
+        <p:spPr>
+          <a:xfrm rot="16200000">
+            <a:off x="4138856" y="940100"/>
+            <a:ext cx="3188067" cy="8013468"/>
+          </a:xfrm>
+          <a:prstGeom prst="moon">
+            <a:avLst>
+              <a:gd name="adj" fmla="val 14105"/>
+            </a:avLst>
+          </a:prstGeom>
+          <a:solidFill>
+            <a:srgbClr val="C00000"/>
+          </a:solidFill>
+          <a:ln>
+            <a:solidFill>
+              <a:srgbClr val="C00000"/>
+            </a:solidFill>
+          </a:ln>
+        </p:spPr>
+        <p:style>
+          <a:lnRef idx="2">
+            <a:schemeClr val="accent1">
+              <a:shade val="50000"/>
+            </a:schemeClr>
+          </a:lnRef>
+          <a:fillRef idx="1">
+            <a:schemeClr val="accent1"/>
+          </a:fillRef>
+          <a:effectRef idx="0">
+            <a:schemeClr val="accent1"/>
+          </a:effectRef>
+          <a:fontRef idx="minor">
+            <a:schemeClr val="lt1"/>
+          </a:fontRef>
+        </p:style>
+        <p:txBody>
+          <a:bodyPr rtlCol="0" anchor="ctr"/>
+          <a:lstStyle/>
+          <a:p>
+            <a:pPr algn="ctr"/>
+            <a:endParaRPr lang="ko-KR" altLang="en-US"/>
+          </a:p>
+        </p:txBody>
+      </p:sp>
     </p:spTree>
     <p:extLst>
       <p:ext uri="{BB962C8B-B14F-4D97-AF65-F5344CB8AC3E}">
-        <p14:creationId xmlns:p14="http://schemas.microsoft.com/office/powerpoint/2010/main" val="3966452749"/>
+        <p14:creationId xmlns:p14="http://schemas.microsoft.com/office/powerpoint/2010/main" val="4143218367"/>
       </p:ext>
     </p:extLst>
   </p:cSld>
@@ -7136,99 +7729,128 @@
           <a:chExt cx="0" cy="0"/>
         </a:xfrm>
       </p:grpSpPr>
-      <p:pic>
-        <p:nvPicPr>
-          <p:cNvPr id="2" name="그림 1"/>
-          <p:cNvPicPr>
-            <a:picLocks noChangeAspect="1"/>
-          </p:cNvPicPr>
-          <p:nvPr/>
-        </p:nvPicPr>
-        <p:blipFill>
-          <a:blip r:embed="rId2">
-            <a:extLst>
-              <a:ext uri="{28A0092B-C50C-407E-A947-70E740481C1C}">
-                <a14:useLocalDpi xmlns:a14="http://schemas.microsoft.com/office/drawing/2010/main" val="0"/>
-              </a:ext>
-            </a:extLst>
-          </a:blip>
-          <a:stretch>
-            <a:fillRect/>
-          </a:stretch>
-        </p:blipFill>
-        <p:spPr>
-          <a:xfrm>
-            <a:off x="381714" y="95666"/>
-            <a:ext cx="11428571" cy="6666667"/>
+      <p:sp>
+        <p:nvSpPr>
+          <p:cNvPr id="5" name="직사각형 4"/>
+          <p:cNvSpPr/>
+          <p:nvPr/>
+        </p:nvSpPr>
+        <p:spPr>
+          <a:xfrm>
+            <a:off x="1090870" y="783196"/>
+            <a:ext cx="7870250" cy="1323439"/>
           </a:xfrm>
           <a:prstGeom prst="rect">
             <a:avLst/>
           </a:prstGeom>
-        </p:spPr>
-      </p:pic>
-      <p:sp>
-        <p:nvSpPr>
-          <p:cNvPr id="3" name="직사각형 2"/>
-          <p:cNvSpPr/>
-          <p:nvPr/>
-        </p:nvSpPr>
-        <p:spPr>
-          <a:xfrm>
-            <a:off x="5008760" y="5012267"/>
-            <a:ext cx="6290504" cy="923330"/>
-          </a:xfrm>
-          <a:prstGeom prst="rect">
-            <a:avLst/>
-          </a:prstGeom>
           <a:noFill/>
         </p:spPr>
         <p:txBody>
-          <a:bodyPr wrap="none" lIns="91440" tIns="45720" rIns="91440" bIns="45720">
+          <a:bodyPr wrap="square" lIns="91440" tIns="45720" rIns="91440" bIns="45720">
             <a:spAutoFit/>
           </a:bodyPr>
           <a:lstStyle/>
           <a:p>
             <a:pPr algn="ctr"/>
             <a:r>
-              <a:rPr lang="en-US" altLang="ko-KR" sz="5400" dirty="0">
-                <a:ln w="0"/>
+              <a:rPr lang="ko-KR" altLang="en-US" sz="8000" b="1" dirty="0">
+                <a:ln w="10160">
+                  <a:noFill/>
+                  <a:prstDash val="solid"/>
+                </a:ln>
                 <a:solidFill>
-                  <a:schemeClr val="bg1"/>
+                  <a:srgbClr val="C00000"/>
                 </a:solidFill>
                 <a:effectLst>
-                  <a:outerShdw blurRad="38100" dist="19050" dir="2700000" algn="tl" rotWithShape="0">
-                    <a:schemeClr val="dk1">
-                      <a:alpha val="40000"/>
-                    </a:schemeClr>
+                  <a:outerShdw blurRad="38100" dist="22860" dir="5400000" algn="tl" rotWithShape="0">
+                    <a:srgbClr val="000000">
+                      <a:alpha val="30000"/>
+                    </a:srgbClr>
                   </a:outerShdw>
                 </a:effectLst>
-                <a:latin typeface="Bradley Hand ITC" panose="03070402050302030203" pitchFamily="66" charset="0"/>
+                <a:latin typeface="양재꽃게체M" panose="02020603020101020101" pitchFamily="18" charset="-127"/>
+                <a:ea typeface="양재꽃게체M" panose="02020603020101020101" pitchFamily="18" charset="-127"/>
               </a:rPr>
-              <a:t>please push on Space</a:t>
-            </a:r>
-            <a:r>
-              <a:rPr lang="en-US" altLang="ko-KR" sz="5400" b="0" cap="none" spc="0" dirty="0">
-                <a:ln w="0"/>
+              <a:t>히히히</a:t>
+            </a:r>
+            <a:r>
+              <a:rPr lang="en-US" altLang="ko-KR" sz="8000" b="1" dirty="0">
+                <a:ln w="10160">
+                  <a:noFill/>
+                  <a:prstDash val="solid"/>
+                </a:ln>
                 <a:solidFill>
-                  <a:schemeClr val="tx1"/>
+                  <a:srgbClr val="C00000"/>
                 </a:solidFill>
                 <a:effectLst>
-                  <a:outerShdw blurRad="38100" dist="19050" dir="2700000" algn="tl" rotWithShape="0">
-                    <a:schemeClr val="dk1">
-                      <a:alpha val="40000"/>
-                    </a:schemeClr>
+                  <a:outerShdw blurRad="38100" dist="22860" dir="5400000" algn="tl" rotWithShape="0">
+                    <a:srgbClr val="000000">
+                      <a:alpha val="30000"/>
+                    </a:srgbClr>
                   </a:outerShdw>
                 </a:effectLst>
+                <a:latin typeface="양재꽃게체M" panose="02020603020101020101" pitchFamily="18" charset="-127"/>
+                <a:ea typeface="양재꽃게체M" panose="02020603020101020101" pitchFamily="18" charset="-127"/>
               </a:rPr>
-              <a:t>.</a:t>
-            </a:r>
+              <a:t>..</a:t>
+            </a:r>
+          </a:p>
+        </p:txBody>
+      </p:sp>
+      <p:sp>
+        <p:nvSpPr>
+          <p:cNvPr id="4" name="달 3"/>
+          <p:cNvSpPr/>
+          <p:nvPr/>
+        </p:nvSpPr>
+        <p:spPr>
+          <a:xfrm rot="16200000" flipH="1">
+            <a:off x="5559768" y="3135348"/>
+            <a:ext cx="299261" cy="612246"/>
+          </a:xfrm>
+          <a:prstGeom prst="moon">
+            <a:avLst>
+              <a:gd name="adj" fmla="val 54105"/>
+            </a:avLst>
+          </a:prstGeom>
+          <a:solidFill>
+            <a:srgbClr val="C00000"/>
+          </a:solidFill>
+          <a:ln>
+            <a:solidFill>
+              <a:srgbClr val="C00000"/>
+            </a:solidFill>
+          </a:ln>
+        </p:spPr>
+        <p:style>
+          <a:lnRef idx="2">
+            <a:schemeClr val="accent1">
+              <a:shade val="50000"/>
+            </a:schemeClr>
+          </a:lnRef>
+          <a:fillRef idx="1">
+            <a:schemeClr val="accent1"/>
+          </a:fillRef>
+          <a:effectRef idx="0">
+            <a:schemeClr val="accent1"/>
+          </a:effectRef>
+          <a:fontRef idx="minor">
+            <a:schemeClr val="lt1"/>
+          </a:fontRef>
+        </p:style>
+        <p:txBody>
+          <a:bodyPr rtlCol="0" anchor="ctr"/>
+          <a:lstStyle/>
+          <a:p>
+            <a:pPr algn="ctr"/>
+            <a:endParaRPr lang="ko-KR" altLang="en-US"/>
           </a:p>
         </p:txBody>
       </p:sp>
     </p:spTree>
     <p:extLst>
       <p:ext uri="{BB962C8B-B14F-4D97-AF65-F5344CB8AC3E}">
-        <p14:creationId xmlns:p14="http://schemas.microsoft.com/office/powerpoint/2010/main" val="382858017"/>
+        <p14:creationId xmlns:p14="http://schemas.microsoft.com/office/powerpoint/2010/main" val="3202182772"/>
       </p:ext>
     </p:extLst>
   </p:cSld>
@@ -7523,7 +8145,38 @@
       </a:bgFillStyleLst>
     </a:fmtScheme>
   </a:themeElements>
-  <a:objectDefaults/>
+  <a:objectDefaults>
+    <a:spDef>
+      <a:spPr>
+        <a:noFill/>
+        <a:effectLst>
+          <a:glow rad="266700">
+            <a:schemeClr val="bg1"/>
+          </a:glow>
+        </a:effectLst>
+      </a:spPr>
+      <a:bodyPr wrap="square" lIns="91440" tIns="45720" rIns="91440" bIns="45720">
+        <a:spAutoFit/>
+      </a:bodyPr>
+      <a:lstStyle>
+        <a:defPPr>
+          <a:defRPr sz="3000" dirty="0">
+            <a:ln w="0"/>
+            <a:solidFill>
+              <a:schemeClr val="bg1"/>
+            </a:solidFill>
+            <a:effectLst>
+              <a:outerShdw blurRad="38100" dist="19050" dir="2700000" algn="tl" rotWithShape="0">
+                <a:schemeClr val="dk1">
+                  <a:alpha val="40000"/>
+                </a:schemeClr>
+              </a:outerShdw>
+            </a:effectLst>
+          </a:defRPr>
+        </a:defPPr>
+      </a:lstStyle>
+    </a:spDef>
+  </a:objectDefaults>
   <a:extraClrSchemeLst/>
   <a:extLst>
     <a:ext uri="{05A4C25C-085E-4340-85A3-A5531E510DB2}">
